--- a/document/制作物_案.pptx
+++ b/document/制作物_案.pptx
@@ -23,6 +23,8 @@
     <p:sldId id="268" r:id="rId18"/>
     <p:sldId id="269" r:id="rId19"/>
     <p:sldId id="270" r:id="rId20"/>
+    <p:sldId id="271" r:id="rId21"/>
+    <p:sldId id="272" r:id="rId22"/>
   </p:sldIdLst>
   <p:sldSz cx="10080625" cy="5670550"/>
   <p:notesSz cx="7559675" cy="10691813"/>
@@ -80,7 +82,7 @@
         <p:txBody>
           <a:bodyPr/>
           <a:p>
-            <a:fld id="{83956D52-D55E-48F6-8E38-9D61D938C708}" type="slidenum">
+            <a:fld id="{731F42EC-A36D-423B-8C0A-9908E8C51E5C}" type="slidenum">
               <a:t>&lt;#&gt;</a:t>
             </a:fld>
           </a:p>
@@ -289,7 +291,7 @@
         <p:txBody>
           <a:bodyPr/>
           <a:p>
-            <a:fld id="{EE3D7316-6A3B-44A1-B5DD-80997D3A2C75}" type="slidenum">
+            <a:fld id="{1D3184D4-B5D4-4C41-B81C-B494B6EA94C4}" type="slidenum">
               <a:t>&lt;#&gt;</a:t>
             </a:fld>
           </a:p>
@@ -584,7 +586,7 @@
         <p:txBody>
           <a:bodyPr/>
           <a:p>
-            <a:fld id="{1264C757-9523-4962-82F6-66FB62E31BFC}" type="slidenum">
+            <a:fld id="{ADBA7888-0678-4675-9090-C0B3F2B78F33}" type="slidenum">
               <a:t>&lt;#&gt;</a:t>
             </a:fld>
           </a:p>
@@ -965,7 +967,7 @@
         <p:txBody>
           <a:bodyPr/>
           <a:p>
-            <a:fld id="{DED2678C-C7DE-4090-82D2-D0EC8ADD3DFD}" type="slidenum">
+            <a:fld id="{283D0455-5670-468E-BFA1-E04E379CE7EE}" type="slidenum">
               <a:t>&lt;#&gt;</a:t>
             </a:fld>
           </a:p>
@@ -1048,7 +1050,7 @@
         <p:txBody>
           <a:bodyPr/>
           <a:p>
-            <a:fld id="{35413B3C-743A-4147-9472-F0EDF3479D9C}" type="slidenum">
+            <a:fld id="{52BBF13D-BF91-43EF-8A91-D02AA44B55DC}" type="slidenum">
               <a:t>&lt;#&gt;</a:t>
             </a:fld>
           </a:p>
@@ -1211,7 +1213,7 @@
         <p:txBody>
           <a:bodyPr/>
           <a:p>
-            <a:fld id="{CC4C639A-D27C-444D-9EF2-01AA36175758}" type="slidenum">
+            <a:fld id="{12B5A766-272A-458C-91B3-6423DEB1B556}" type="slidenum">
               <a:t>&lt;#&gt;</a:t>
             </a:fld>
           </a:p>
@@ -1377,7 +1379,7 @@
         <p:txBody>
           <a:bodyPr/>
           <a:p>
-            <a:fld id="{C1695C11-4676-4AA1-82FB-D2FC0A255A82}" type="slidenum">
+            <a:fld id="{5EB8C215-62C1-4DFB-B408-9857C4042506}" type="slidenum">
               <a:t>&lt;#&gt;</a:t>
             </a:fld>
           </a:p>
@@ -1586,7 +1588,7 @@
         <p:txBody>
           <a:bodyPr/>
           <a:p>
-            <a:fld id="{5DFB3695-81B6-428E-9B68-8120B3A0F673}" type="slidenum">
+            <a:fld id="{9ED3AA80-530E-4B62-8534-DA99D1FD879F}" type="slidenum">
               <a:t>&lt;#&gt;</a:t>
             </a:fld>
           </a:p>
@@ -1709,7 +1711,7 @@
         <p:txBody>
           <a:bodyPr/>
           <a:p>
-            <a:fld id="{888CC45E-E0F5-4201-BB11-A4B0855D953D}" type="slidenum">
+            <a:fld id="{799E2FB7-A74B-4AF2-9DD1-76953BEEC7D8}" type="slidenum">
               <a:t>&lt;#&gt;</a:t>
             </a:fld>
           </a:p>
@@ -1830,7 +1832,7 @@
         <p:txBody>
           <a:bodyPr/>
           <a:p>
-            <a:fld id="{4283A657-704F-4544-8660-8FEE33ED35E8}" type="slidenum">
+            <a:fld id="{FDF8E4BE-4583-4236-998C-F0BD169E88BD}" type="slidenum">
               <a:t>&lt;#&gt;</a:t>
             </a:fld>
           </a:p>
@@ -2082,7 +2084,7 @@
         <p:txBody>
           <a:bodyPr/>
           <a:p>
-            <a:fld id="{50454540-7A4C-4AA7-8B11-B29B840D959C}" type="slidenum">
+            <a:fld id="{779D2BEE-E75E-424B-B658-15B1B56E6AAF}" type="slidenum">
               <a:t>&lt;#&gt;</a:t>
             </a:fld>
           </a:p>
@@ -2245,7 +2247,7 @@
         <p:txBody>
           <a:bodyPr/>
           <a:p>
-            <a:fld id="{F58F606B-7B10-41C3-B929-B70CB64BA4F2}" type="slidenum">
+            <a:fld id="{C6AB3F71-115F-41BC-9388-BE94CD3A665D}" type="slidenum">
               <a:t>&lt;#&gt;</a:t>
             </a:fld>
           </a:p>
@@ -2497,7 +2499,7 @@
         <p:txBody>
           <a:bodyPr/>
           <a:p>
-            <a:fld id="{130FEC62-FB0B-4390-A577-A15E1E850AF1}" type="slidenum">
+            <a:fld id="{9E13450D-5796-4CAC-A8C5-6F9BFAE9635D}" type="slidenum">
               <a:t>&lt;#&gt;</a:t>
             </a:fld>
           </a:p>
@@ -2749,7 +2751,7 @@
         <p:txBody>
           <a:bodyPr/>
           <a:p>
-            <a:fld id="{57A00C1C-18D0-4C7A-95B3-5DB8629230A5}" type="slidenum">
+            <a:fld id="{517E62C8-DC6B-4F46-A858-799A55CB8718}" type="slidenum">
               <a:t>&lt;#&gt;</a:t>
             </a:fld>
           </a:p>
@@ -2958,7 +2960,7 @@
         <p:txBody>
           <a:bodyPr/>
           <a:p>
-            <a:fld id="{AD713355-C23D-4A8D-BD49-961CF5239529}" type="slidenum">
+            <a:fld id="{BD10BB55-A028-4B76-96E7-15395B7A4ABB}" type="slidenum">
               <a:t>&lt;#&gt;</a:t>
             </a:fld>
           </a:p>
@@ -3253,7 +3255,7 @@
         <p:txBody>
           <a:bodyPr/>
           <a:p>
-            <a:fld id="{FB7F608D-891F-4D9E-ABF7-8F68422D9702}" type="slidenum">
+            <a:fld id="{F45E0CBE-B861-439B-B548-55908F650FC3}" type="slidenum">
               <a:t>&lt;#&gt;</a:t>
             </a:fld>
           </a:p>
@@ -3634,7 +3636,7 @@
         <p:txBody>
           <a:bodyPr/>
           <a:p>
-            <a:fld id="{B4C69F9D-C8CF-4C40-B7E4-1CEA6DC6EAC6}" type="slidenum">
+            <a:fld id="{13DAE2E5-442C-4CF6-8877-966EC75FB9E0}" type="slidenum">
               <a:t>&lt;#&gt;</a:t>
             </a:fld>
           </a:p>
@@ -3717,7 +3719,7 @@
         <p:txBody>
           <a:bodyPr/>
           <a:p>
-            <a:fld id="{FE6DE14F-9059-43AD-9BF4-5C80DC6FCD7C}" type="slidenum">
+            <a:fld id="{F2BAA184-A242-4133-85F0-C10808A961EA}" type="slidenum">
               <a:t>&lt;#&gt;</a:t>
             </a:fld>
           </a:p>
@@ -3880,7 +3882,7 @@
         <p:txBody>
           <a:bodyPr/>
           <a:p>
-            <a:fld id="{A219561A-3D55-40B5-8932-15C1C8A29606}" type="slidenum">
+            <a:fld id="{7F22C952-3C80-4B8F-A248-36916721A4EF}" type="slidenum">
               <a:t>&lt;#&gt;</a:t>
             </a:fld>
           </a:p>
@@ -4046,7 +4048,7 @@
         <p:txBody>
           <a:bodyPr/>
           <a:p>
-            <a:fld id="{D97F5BD9-0497-45DB-925B-C80DFE6E13EA}" type="slidenum">
+            <a:fld id="{62E04DD8-08EA-476F-9C22-83B1F00AC634}" type="slidenum">
               <a:t>&lt;#&gt;</a:t>
             </a:fld>
           </a:p>
@@ -4255,7 +4257,7 @@
         <p:txBody>
           <a:bodyPr/>
           <a:p>
-            <a:fld id="{AABDA062-9236-462E-8387-7C00FFE9804D}" type="slidenum">
+            <a:fld id="{6E5455C7-7109-4F86-BD0E-F9CA73E5677E}" type="slidenum">
               <a:t>&lt;#&gt;</a:t>
             </a:fld>
           </a:p>
@@ -4378,7 +4380,7 @@
         <p:txBody>
           <a:bodyPr/>
           <a:p>
-            <a:fld id="{633B23A3-DB17-4A6A-8FB7-63B6C844B165}" type="slidenum">
+            <a:fld id="{5A5AB966-707C-4D83-86F4-43D3092F6364}" type="slidenum">
               <a:t>&lt;#&gt;</a:t>
             </a:fld>
           </a:p>
@@ -4544,7 +4546,7 @@
         <p:txBody>
           <a:bodyPr/>
           <a:p>
-            <a:fld id="{566BAEC8-6B20-42D9-939B-ED4C551EA161}" type="slidenum">
+            <a:fld id="{05CF4B85-0948-4C9A-BDBD-017B18106EAF}" type="slidenum">
               <a:t>&lt;#&gt;</a:t>
             </a:fld>
           </a:p>
@@ -4665,7 +4667,7 @@
         <p:txBody>
           <a:bodyPr/>
           <a:p>
-            <a:fld id="{5E563EA4-DA61-43AF-81B7-4FC59A71C779}" type="slidenum">
+            <a:fld id="{FC063925-9EB5-4FC8-8279-4880F88AAB55}" type="slidenum">
               <a:t>&lt;#&gt;</a:t>
             </a:fld>
           </a:p>
@@ -4917,7 +4919,7 @@
         <p:txBody>
           <a:bodyPr/>
           <a:p>
-            <a:fld id="{C406056E-306D-47DC-9D57-A01899C01B77}" type="slidenum">
+            <a:fld id="{1E3355A6-B775-43FE-99B8-E63EF1BE7993}" type="slidenum">
               <a:t>&lt;#&gt;</a:t>
             </a:fld>
           </a:p>
@@ -5169,7 +5171,7 @@
         <p:txBody>
           <a:bodyPr/>
           <a:p>
-            <a:fld id="{B125EB05-E00F-42E4-AB83-A0E4BBA5676D}" type="slidenum">
+            <a:fld id="{30A4AF0F-822F-4381-8085-8508D6FD43B2}" type="slidenum">
               <a:t>&lt;#&gt;</a:t>
             </a:fld>
           </a:p>
@@ -5421,7 +5423,7 @@
         <p:txBody>
           <a:bodyPr/>
           <a:p>
-            <a:fld id="{0F45C4CF-BB75-4A5B-B8D9-F663355718EB}" type="slidenum">
+            <a:fld id="{D8B069E6-BD90-41D2-99AF-87AFC36E4482}" type="slidenum">
               <a:t>&lt;#&gt;</a:t>
             </a:fld>
           </a:p>
@@ -5630,7 +5632,7 @@
         <p:txBody>
           <a:bodyPr/>
           <a:p>
-            <a:fld id="{5933C01F-FB70-40EC-AE67-CD034F98EDA9}" type="slidenum">
+            <a:fld id="{8B7D4A28-D1B6-4B89-BA60-9431CABC1A60}" type="slidenum">
               <a:t>&lt;#&gt;</a:t>
             </a:fld>
           </a:p>
@@ -5925,7 +5927,7 @@
         <p:txBody>
           <a:bodyPr/>
           <a:p>
-            <a:fld id="{78ECCB14-6021-47E2-BD90-284BE09E7808}" type="slidenum">
+            <a:fld id="{B51C61E6-638A-4A33-AF73-A54996F4502E}" type="slidenum">
               <a:t>&lt;#&gt;</a:t>
             </a:fld>
           </a:p>
@@ -6306,7 +6308,7 @@
         <p:txBody>
           <a:bodyPr/>
           <a:p>
-            <a:fld id="{4E97290A-FB32-4229-AF55-07F576AF3588}" type="slidenum">
+            <a:fld id="{34081377-7329-4E60-B7E8-198E0778D23F}" type="slidenum">
               <a:t>&lt;#&gt;</a:t>
             </a:fld>
           </a:p>
@@ -6389,7 +6391,7 @@
         <p:txBody>
           <a:bodyPr/>
           <a:p>
-            <a:fld id="{96E41BEE-2FD0-43D1-A6BF-392556A40069}" type="slidenum">
+            <a:fld id="{1139F164-0977-4706-AFD0-A49CA8E294B4}" type="slidenum">
               <a:t>&lt;#&gt;</a:t>
             </a:fld>
           </a:p>
@@ -6552,7 +6554,7 @@
         <p:txBody>
           <a:bodyPr/>
           <a:p>
-            <a:fld id="{3354F35C-B78C-4E80-BAAB-7057EBFFE536}" type="slidenum">
+            <a:fld id="{7CF7C38D-1CBC-462F-9493-3481DB113BC4}" type="slidenum">
               <a:t>&lt;#&gt;</a:t>
             </a:fld>
           </a:p>
@@ -6718,7 +6720,7 @@
         <p:txBody>
           <a:bodyPr/>
           <a:p>
-            <a:fld id="{52EB0D8D-4767-4670-822F-FE35777E0DE0}" type="slidenum">
+            <a:fld id="{7F100838-D896-4CC3-AA50-B7E0B9FA9044}" type="slidenum">
               <a:t>&lt;#&gt;</a:t>
             </a:fld>
           </a:p>
@@ -6927,7 +6929,7 @@
         <p:txBody>
           <a:bodyPr/>
           <a:p>
-            <a:fld id="{CD122BED-4F41-4CBB-AE7F-56A2092ABC10}" type="slidenum">
+            <a:fld id="{72853C34-76E4-4EAE-91C0-B845EF6DAB91}" type="slidenum">
               <a:t>&lt;#&gt;</a:t>
             </a:fld>
           </a:p>
@@ -7136,7 +7138,7 @@
         <p:txBody>
           <a:bodyPr/>
           <a:p>
-            <a:fld id="{95716354-1ACA-48B3-8AF6-A23C09FB2F33}" type="slidenum">
+            <a:fld id="{E0FF829B-8D2E-43CB-A36B-8E8E6421C445}" type="slidenum">
               <a:t>&lt;#&gt;</a:t>
             </a:fld>
           </a:p>
@@ -7259,7 +7261,7 @@
         <p:txBody>
           <a:bodyPr/>
           <a:p>
-            <a:fld id="{6D35708E-65C9-48B0-A279-98A62B5FCAE0}" type="slidenum">
+            <a:fld id="{2FEF2EFA-5101-4E9B-ABBF-EC984E419AE9}" type="slidenum">
               <a:t>&lt;#&gt;</a:t>
             </a:fld>
           </a:p>
@@ -7380,7 +7382,7 @@
         <p:txBody>
           <a:bodyPr/>
           <a:p>
-            <a:fld id="{EAC155AB-1717-4178-94A2-0E73AA349C0E}" type="slidenum">
+            <a:fld id="{26DD8457-2CEA-4FEA-BDF4-4B15EA46E54F}" type="slidenum">
               <a:t>&lt;#&gt;</a:t>
             </a:fld>
           </a:p>
@@ -7632,7 +7634,7 @@
         <p:txBody>
           <a:bodyPr/>
           <a:p>
-            <a:fld id="{D06860B4-D7DA-40ED-85A2-3CFD6DE7AC5F}" type="slidenum">
+            <a:fld id="{1C3CDAE2-6500-4864-ADC9-E981CADC7621}" type="slidenum">
               <a:t>&lt;#&gt;</a:t>
             </a:fld>
           </a:p>
@@ -7884,7 +7886,7 @@
         <p:txBody>
           <a:bodyPr/>
           <a:p>
-            <a:fld id="{6F8FDE9E-BE7E-4D19-A2CE-E3EA3524AB62}" type="slidenum">
+            <a:fld id="{1CDF850A-7F31-4B11-9F61-EB0739769AF1}" type="slidenum">
               <a:t>&lt;#&gt;</a:t>
             </a:fld>
           </a:p>
@@ -8136,7 +8138,7 @@
         <p:txBody>
           <a:bodyPr/>
           <a:p>
-            <a:fld id="{F0BBBC25-B53F-4B94-B388-7E56FB284010}" type="slidenum">
+            <a:fld id="{FE989A69-81E4-42E4-A0AD-F04524E4B3F0}" type="slidenum">
               <a:t>&lt;#&gt;</a:t>
             </a:fld>
           </a:p>
@@ -8345,7 +8347,7 @@
         <p:txBody>
           <a:bodyPr/>
           <a:p>
-            <a:fld id="{D90EBE1F-A370-4555-94E1-D80E4E39880C}" type="slidenum">
+            <a:fld id="{0AAF5C6D-BE85-49C5-9483-45AEE5614446}" type="slidenum">
               <a:t>&lt;#&gt;</a:t>
             </a:fld>
           </a:p>
@@ -8640,7 +8642,7 @@
         <p:txBody>
           <a:bodyPr/>
           <a:p>
-            <a:fld id="{FC23F596-9443-429B-AE39-FCF259763E14}" type="slidenum">
+            <a:fld id="{FE0DFDDE-A7E4-4957-9881-807980F83A46}" type="slidenum">
               <a:t>&lt;#&gt;</a:t>
             </a:fld>
           </a:p>
@@ -9021,7 +9023,7 @@
         <p:txBody>
           <a:bodyPr/>
           <a:p>
-            <a:fld id="{EB604C85-3F68-4E65-9F79-13E30708163D}" type="slidenum">
+            <a:fld id="{11A775E2-7ABF-42C1-9209-C19A1CB8E618}" type="slidenum">
               <a:t>&lt;#&gt;</a:t>
             </a:fld>
           </a:p>
@@ -9144,7 +9146,7 @@
         <p:txBody>
           <a:bodyPr/>
           <a:p>
-            <a:fld id="{FDC5742B-473A-41EF-9FC4-31A12E76175A}" type="slidenum">
+            <a:fld id="{B7826B23-BAFE-4EEE-85AC-22FE063A7DC4}" type="slidenum">
               <a:t>&lt;#&gt;</a:t>
             </a:fld>
           </a:p>
@@ -9265,7 +9267,7 @@
         <p:txBody>
           <a:bodyPr/>
           <a:p>
-            <a:fld id="{27E1B988-F5AD-4C52-A751-2E0D8D8DD4B1}" type="slidenum">
+            <a:fld id="{01ABA180-EE57-4257-A59E-9D0E2B539BD6}" type="slidenum">
               <a:t>&lt;#&gt;</a:t>
             </a:fld>
           </a:p>
@@ -9517,7 +9519,7 @@
         <p:txBody>
           <a:bodyPr/>
           <a:p>
-            <a:fld id="{1F790FE8-7CC0-4BCC-9565-B23A5C33217B}" type="slidenum">
+            <a:fld id="{8A063C90-B824-43B6-B639-6735029360C0}" type="slidenum">
               <a:t>&lt;#&gt;</a:t>
             </a:fld>
           </a:p>
@@ -9769,7 +9771,7 @@
         <p:txBody>
           <a:bodyPr/>
           <a:p>
-            <a:fld id="{30D58384-6A95-4A85-A1FE-E9F069507790}" type="slidenum">
+            <a:fld id="{5F1E1D27-5EF6-4F6C-9089-3D5B51E8BED3}" type="slidenum">
               <a:t>&lt;#&gt;</a:t>
             </a:fld>
           </a:p>
@@ -10021,7 +10023,7 @@
         <p:txBody>
           <a:bodyPr/>
           <a:p>
-            <a:fld id="{0EC14888-4D8B-46AD-8CF4-6AA9E3D77377}" type="slidenum">
+            <a:fld id="{B2E90321-9CD0-44C6-B202-08A281DCCDA5}" type="slidenum">
               <a:t>&lt;#&gt;</a:t>
             </a:fld>
           </a:p>
@@ -10083,7 +10085,7 @@
         <p:spPr>
           <a:xfrm>
             <a:off x="3447360" y="5165280"/>
-            <a:ext cx="3193920" cy="389520"/>
+            <a:ext cx="3193200" cy="388800"/>
           </a:xfrm>
           <a:prstGeom prst="rect">
             <a:avLst/>
@@ -10131,7 +10133,7 @@
                 </a:solidFill>
                 <a:latin typeface="游明朝"/>
               </a:rPr>
-              <a:t>&lt;フッター&gt;</a:t>
+              <a:t> </a:t>
             </a:r>
             <a:endParaRPr b="0" lang="en-US" sz="1400" spc="-1" strike="noStrike">
               <a:solidFill>
@@ -10155,7 +10157,7 @@
         <p:spPr>
           <a:xfrm>
             <a:off x="7227360" y="5165280"/>
-            <a:ext cx="2347200" cy="389520"/>
+            <a:ext cx="2346480" cy="388800"/>
           </a:xfrm>
           <a:prstGeom prst="rect">
             <a:avLst/>
@@ -10196,14 +10198,14 @@
                 <a:tab algn="l" pos="0"/>
               </a:tabLst>
             </a:pPr>
-            <a:fld id="{83FD6FAA-F0B9-453F-B1AD-1D7874A0DFCF}" type="slidenum">
+            <a:fld id="{3DCE1EA6-3062-4D53-A254-0366B7AF8F31}" type="slidenum">
               <a:rPr b="0" lang="en-US" sz="1400" spc="-1" strike="noStrike">
                 <a:solidFill>
                   <a:srgbClr val="000000"/>
                 </a:solidFill>
                 <a:latin typeface="游明朝"/>
               </a:rPr>
-              <a:t>&lt;番号&gt;</a:t>
+              <a:t>4</a:t>
             </a:fld>
             <a:endParaRPr b="0" lang="en-US" sz="1400" spc="-1" strike="noStrike">
               <a:solidFill>
@@ -10227,7 +10229,7 @@
         <p:spPr>
           <a:xfrm>
             <a:off x="504000" y="5165280"/>
-            <a:ext cx="2347200" cy="389520"/>
+            <a:ext cx="2346480" cy="388800"/>
           </a:xfrm>
           <a:prstGeom prst="rect">
             <a:avLst/>
@@ -10263,7 +10265,7 @@
                 </a:solidFill>
                 <a:latin typeface="游明朝"/>
               </a:rPr>
-              <a:t>&lt;日付/時刻&gt;</a:t>
+              <a:t> </a:t>
             </a:r>
             <a:endParaRPr b="0" lang="en-US" sz="1400" spc="-1" strike="noStrike">
               <a:solidFill>
@@ -10652,7 +10654,7 @@
         <p:spPr>
           <a:xfrm>
             <a:off x="3447360" y="5165280"/>
-            <a:ext cx="3193920" cy="389520"/>
+            <a:ext cx="3193200" cy="388800"/>
           </a:xfrm>
           <a:prstGeom prst="rect">
             <a:avLst/>
@@ -10724,7 +10726,7 @@
         <p:spPr>
           <a:xfrm>
             <a:off x="7227360" y="5165280"/>
-            <a:ext cx="2347200" cy="389520"/>
+            <a:ext cx="2346480" cy="388800"/>
           </a:xfrm>
           <a:prstGeom prst="rect">
             <a:avLst/>
@@ -10765,7 +10767,7 @@
                 <a:tab algn="l" pos="0"/>
               </a:tabLst>
             </a:pPr>
-            <a:fld id="{83C58E86-3150-4B31-BC4C-327FBE31F1D7}" type="slidenum">
+            <a:fld id="{D4ED8687-1EA7-4BBA-B096-6A6B412F64E9}" type="slidenum">
               <a:rPr b="0" lang="en-US" sz="1400" spc="-1" strike="noStrike">
                 <a:solidFill>
                   <a:srgbClr val="000000"/>
@@ -10796,7 +10798,7 @@
         <p:spPr>
           <a:xfrm>
             <a:off x="504000" y="5165280"/>
-            <a:ext cx="2347200" cy="389520"/>
+            <a:ext cx="2346480" cy="388800"/>
           </a:xfrm>
           <a:prstGeom prst="rect">
             <a:avLst/>
@@ -11270,7 +11272,7 @@
         <p:spPr>
           <a:xfrm>
             <a:off x="3447360" y="5165280"/>
-            <a:ext cx="3193920" cy="389520"/>
+            <a:ext cx="3193200" cy="388800"/>
           </a:xfrm>
           <a:prstGeom prst="rect">
             <a:avLst/>
@@ -11342,7 +11344,7 @@
         <p:spPr>
           <a:xfrm>
             <a:off x="7227360" y="5165280"/>
-            <a:ext cx="2347200" cy="389520"/>
+            <a:ext cx="2346480" cy="388800"/>
           </a:xfrm>
           <a:prstGeom prst="rect">
             <a:avLst/>
@@ -11383,7 +11385,7 @@
                 <a:tab algn="l" pos="0"/>
               </a:tabLst>
             </a:pPr>
-            <a:fld id="{4193993C-4E03-4CA8-99FA-45CCBB1C7BA1}" type="slidenum">
+            <a:fld id="{169DC16D-842E-4D93-B221-7E720560AB19}" type="slidenum">
               <a:rPr b="0" lang="en-US" sz="1400" spc="-1" strike="noStrike">
                 <a:solidFill>
                   <a:srgbClr val="000000"/>
@@ -11414,7 +11416,7 @@
         <p:spPr>
           <a:xfrm>
             <a:off x="504000" y="5165280"/>
-            <a:ext cx="2347200" cy="389520"/>
+            <a:ext cx="2346480" cy="388800"/>
           </a:xfrm>
           <a:prstGeom prst="rect">
             <a:avLst/>
@@ -11790,7 +11792,7 @@
         <p:spPr>
           <a:xfrm>
             <a:off x="3447360" y="5165280"/>
-            <a:ext cx="3193920" cy="389520"/>
+            <a:ext cx="3193200" cy="388800"/>
           </a:xfrm>
           <a:prstGeom prst="rect">
             <a:avLst/>
@@ -11862,7 +11864,7 @@
         <p:spPr>
           <a:xfrm>
             <a:off x="7227360" y="5165280"/>
-            <a:ext cx="2347200" cy="389520"/>
+            <a:ext cx="2346480" cy="388800"/>
           </a:xfrm>
           <a:prstGeom prst="rect">
             <a:avLst/>
@@ -11903,7 +11905,7 @@
                 <a:tab algn="l" pos="0"/>
               </a:tabLst>
             </a:pPr>
-            <a:fld id="{235D022A-78C4-4ECF-A6A7-D4502D89BA7C}" type="slidenum">
+            <a:fld id="{2FB1E507-ED88-485C-BD4C-DF23C4B411B0}" type="slidenum">
               <a:rPr b="0" lang="en-US" sz="1400" spc="-1" strike="noStrike">
                 <a:solidFill>
                   <a:srgbClr val="000000"/>
@@ -11934,7 +11936,7 @@
         <p:spPr>
           <a:xfrm>
             <a:off x="504000" y="5165280"/>
-            <a:ext cx="2347200" cy="389520"/>
+            <a:ext cx="2346480" cy="388800"/>
           </a:xfrm>
           <a:prstGeom prst="rect">
             <a:avLst/>
@@ -12359,7 +12361,7 @@
         <p:spPr>
           <a:xfrm>
             <a:off x="504000" y="226080"/>
-            <a:ext cx="9070560" cy="945360"/>
+            <a:ext cx="9069840" cy="944640"/>
           </a:xfrm>
           <a:prstGeom prst="rect">
             <a:avLst/>
@@ -12414,7 +12416,7 @@
         <p:spPr>
           <a:xfrm>
             <a:off x="504000" y="1326600"/>
-            <a:ext cx="9070560" cy="3287160"/>
+            <a:ext cx="9069840" cy="3286440"/>
           </a:xfrm>
           <a:prstGeom prst="rect">
             <a:avLst/>
@@ -12473,7 +12475,7 @@
       </p:grpSpPr>
       <p:sp>
         <p:nvSpPr>
-          <p:cNvPr id="219" name="PlaceHolder 1"/>
+          <p:cNvPr id="218" name="PlaceHolder 1"/>
           <p:cNvSpPr>
             <a:spLocks noGrp="1"/>
           </p:cNvSpPr>
@@ -12484,7 +12486,7 @@
         <p:spPr>
           <a:xfrm>
             <a:off x="504000" y="226080"/>
-            <a:ext cx="9070560" cy="945360"/>
+            <a:ext cx="9070200" cy="945000"/>
           </a:xfrm>
           <a:prstGeom prst="rect">
             <a:avLst/>
@@ -12501,7 +12503,7 @@
           <a:p>
             <a:pPr indent="0" algn="ctr">
               <a:lnSpc>
-                <a:spcPct val="100000"/>
+                <a:spcPct val="90000"/>
               </a:lnSpc>
               <a:buNone/>
               <a:tabLst>
@@ -12514,8 +12516,9 @@
                   <a:srgbClr val="000000"/>
                 </a:solidFill>
                 <a:latin typeface="Arial"/>
-              </a:rPr>
-              <a:t>画面：エリアマスター</a:t>
+                <a:ea typeface="DejaVu Sans"/>
+              </a:rPr>
+              <a:t>画面：部品マスター</a:t>
             </a:r>
             <a:endParaRPr b="0" lang="en-US" sz="4400" spc="-1" strike="noStrike">
               <a:solidFill>
@@ -12528,14 +12531,14 @@
       </p:sp>
       <p:sp>
         <p:nvSpPr>
-          <p:cNvPr id="220" name=""/>
+          <p:cNvPr id="219" name="正方形/長方形 6"/>
           <p:cNvSpPr/>
           <p:nvPr/>
         </p:nvSpPr>
         <p:spPr>
           <a:xfrm>
             <a:off x="720000" y="1440000"/>
-            <a:ext cx="5759280" cy="3599280"/>
+            <a:ext cx="5758920" cy="3598920"/>
           </a:xfrm>
           <a:prstGeom prst="rect">
             <a:avLst/>
@@ -12575,14 +12578,14 @@
       </p:sp>
       <p:sp>
         <p:nvSpPr>
-          <p:cNvPr id="221" name=""/>
+          <p:cNvPr id="220" name="正方形/長方形 7"/>
           <p:cNvSpPr/>
           <p:nvPr/>
         </p:nvSpPr>
         <p:spPr>
           <a:xfrm>
-            <a:off x="5400000" y="1980000"/>
-            <a:ext cx="899280" cy="359280"/>
+            <a:off x="3240000" y="4500000"/>
+            <a:ext cx="898920" cy="358920"/>
           </a:xfrm>
           <a:prstGeom prst="rect">
             <a:avLst/>
@@ -12620,7 +12623,7 @@
                 <a:latin typeface="Arial"/>
                 <a:ea typeface="DejaVu Sans"/>
               </a:rPr>
-              <a:t>検索</a:t>
+              <a:t>登録</a:t>
             </a:r>
             <a:endParaRPr b="0" lang="en-US" sz="1800" spc="-1" strike="noStrike">
               <a:solidFill>
@@ -12633,14 +12636,14 @@
       </p:sp>
       <p:sp>
         <p:nvSpPr>
-          <p:cNvPr id="222" name=""/>
+          <p:cNvPr id="221" name="正方形/長方形 8"/>
           <p:cNvSpPr/>
           <p:nvPr/>
         </p:nvSpPr>
         <p:spPr>
           <a:xfrm>
-            <a:off x="3240000" y="4500000"/>
-            <a:ext cx="899280" cy="359280"/>
+            <a:off x="4320000" y="4500000"/>
+            <a:ext cx="898920" cy="358920"/>
           </a:xfrm>
           <a:prstGeom prst="rect">
             <a:avLst/>
@@ -12678,7 +12681,7 @@
                 <a:latin typeface="Arial"/>
                 <a:ea typeface="DejaVu Sans"/>
               </a:rPr>
-              <a:t>登録</a:t>
+              <a:t>更新</a:t>
             </a:r>
             <a:endParaRPr b="0" lang="en-US" sz="1800" spc="-1" strike="noStrike">
               <a:solidFill>
@@ -12691,14 +12694,14 @@
       </p:sp>
       <p:sp>
         <p:nvSpPr>
-          <p:cNvPr id="223" name=""/>
+          <p:cNvPr id="222" name="正方形/長方形 9"/>
           <p:cNvSpPr/>
           <p:nvPr/>
         </p:nvSpPr>
         <p:spPr>
           <a:xfrm>
-            <a:off x="4320000" y="4500000"/>
-            <a:ext cx="899280" cy="359280"/>
+            <a:off x="900000" y="4500000"/>
+            <a:ext cx="898920" cy="358920"/>
           </a:xfrm>
           <a:prstGeom prst="rect">
             <a:avLst/>
@@ -12736,7 +12739,7 @@
                 <a:latin typeface="Arial"/>
                 <a:ea typeface="DejaVu Sans"/>
               </a:rPr>
-              <a:t>更新</a:t>
+              <a:t>削除</a:t>
             </a:r>
             <a:endParaRPr b="0" lang="en-US" sz="1800" spc="-1" strike="noStrike">
               <a:solidFill>
@@ -12749,14 +12752,14 @@
       </p:sp>
       <p:sp>
         <p:nvSpPr>
-          <p:cNvPr id="224" name=""/>
+          <p:cNvPr id="223" name="正方形/長方形 10"/>
           <p:cNvSpPr/>
           <p:nvPr/>
         </p:nvSpPr>
         <p:spPr>
           <a:xfrm>
-            <a:off x="900000" y="4500000"/>
-            <a:ext cx="899280" cy="359280"/>
+            <a:off x="5400000" y="4500000"/>
+            <a:ext cx="898920" cy="358920"/>
           </a:xfrm>
           <a:prstGeom prst="rect">
             <a:avLst/>
@@ -12794,7 +12797,7 @@
                 <a:latin typeface="Arial"/>
                 <a:ea typeface="DejaVu Sans"/>
               </a:rPr>
-              <a:t>削除</a:t>
+              <a:t>クリア</a:t>
             </a:r>
             <a:endParaRPr b="0" lang="en-US" sz="1800" spc="-1" strike="noStrike">
               <a:solidFill>
@@ -12807,184 +12810,14 @@
       </p:sp>
       <p:sp>
         <p:nvSpPr>
-          <p:cNvPr id="225" name=""/>
+          <p:cNvPr id="224" name="正方形/長方形 11"/>
           <p:cNvSpPr/>
           <p:nvPr/>
         </p:nvSpPr>
         <p:spPr>
           <a:xfrm>
-            <a:off x="5400000" y="4500000"/>
-            <a:ext cx="899280" cy="359280"/>
-          </a:xfrm>
-          <a:prstGeom prst="rect">
-            <a:avLst/>
-          </a:prstGeom>
-          <a:solidFill>
-            <a:schemeClr val="accent1"/>
-          </a:solidFill>
-          <a:ln w="0">
-            <a:solidFill>
-              <a:srgbClr val="254061"/>
-            </a:solidFill>
-          </a:ln>
-        </p:spPr>
-        <p:style>
-          <a:lnRef idx="0"/>
-          <a:fillRef idx="0"/>
-          <a:effectRef idx="0"/>
-          <a:fontRef idx="minor"/>
-        </p:style>
-        <p:txBody>
-          <a:bodyPr lIns="90000" rIns="90000" tIns="45000" bIns="45000" anchor="ctr">
-            <a:noAutofit/>
-          </a:bodyPr>
-          <a:p>
-            <a:pPr algn="ctr">
-              <a:lnSpc>
-                <a:spcPct val="100000"/>
-              </a:lnSpc>
-            </a:pPr>
-            <a:r>
-              <a:rPr b="0" lang="ja-JP" sz="1800" spc="-1" strike="noStrike">
-                <a:solidFill>
-                  <a:srgbClr val="000000"/>
-                </a:solidFill>
-                <a:latin typeface="Arial"/>
-                <a:ea typeface="DejaVu Sans"/>
-              </a:rPr>
-              <a:t>クリア</a:t>
-            </a:r>
-            <a:endParaRPr b="0" lang="en-US" sz="1800" spc="-1" strike="noStrike">
-              <a:solidFill>
-                <a:srgbClr val="000000"/>
-              </a:solidFill>
-              <a:latin typeface="Arial"/>
-            </a:endParaRPr>
-          </a:p>
-        </p:txBody>
-      </p:sp>
-      <p:sp>
-        <p:nvSpPr>
-          <p:cNvPr id="226" name=""/>
-          <p:cNvSpPr/>
-          <p:nvPr/>
-        </p:nvSpPr>
-        <p:spPr>
-          <a:xfrm>
-            <a:off x="900000" y="1620000"/>
-            <a:ext cx="5399280" cy="719280"/>
-          </a:xfrm>
-          <a:prstGeom prst="rect">
-            <a:avLst/>
-          </a:prstGeom>
-          <a:noFill/>
-          <a:ln w="0">
-            <a:solidFill>
-              <a:srgbClr val="000000"/>
-            </a:solidFill>
-          </a:ln>
-        </p:spPr>
-        <p:style>
-          <a:lnRef idx="0"/>
-          <a:fillRef idx="0"/>
-          <a:effectRef idx="0"/>
-          <a:fontRef idx="minor"/>
-        </p:style>
-        <p:txBody>
-          <a:bodyPr lIns="90000" rIns="90000" tIns="45000" bIns="45000" anchor="ctr">
-            <a:noAutofit/>
-          </a:bodyPr>
-          <a:p>
-            <a:pPr algn="ctr">
-              <a:lnSpc>
-                <a:spcPct val="100000"/>
-              </a:lnSpc>
-            </a:pPr>
-            <a:r>
-              <a:rPr b="0" lang="ja-JP" sz="1800" spc="-1" strike="noStrike">
-                <a:solidFill>
-                  <a:srgbClr val="000000"/>
-                </a:solidFill>
-                <a:latin typeface="Arial"/>
-                <a:ea typeface="DejaVu Sans"/>
-              </a:rPr>
-              <a:t>検索条件</a:t>
-            </a:r>
-            <a:endParaRPr b="0" lang="en-US" sz="1800" spc="-1" strike="noStrike">
-              <a:solidFill>
-                <a:srgbClr val="000000"/>
-              </a:solidFill>
-              <a:latin typeface="Arial"/>
-            </a:endParaRPr>
-          </a:p>
-        </p:txBody>
-      </p:sp>
-      <p:sp>
-        <p:nvSpPr>
-          <p:cNvPr id="227" name=""/>
-          <p:cNvSpPr/>
-          <p:nvPr/>
-        </p:nvSpPr>
-        <p:spPr>
-          <a:xfrm>
-            <a:off x="900000" y="2520000"/>
-            <a:ext cx="5399280" cy="1079280"/>
-          </a:xfrm>
-          <a:prstGeom prst="rect">
-            <a:avLst/>
-          </a:prstGeom>
-          <a:noFill/>
-          <a:ln w="0">
-            <a:solidFill>
-              <a:srgbClr val="000000"/>
-            </a:solidFill>
-          </a:ln>
-        </p:spPr>
-        <p:style>
-          <a:lnRef idx="0"/>
-          <a:fillRef idx="0"/>
-          <a:effectRef idx="0"/>
-          <a:fontRef idx="minor"/>
-        </p:style>
-        <p:txBody>
-          <a:bodyPr lIns="90000" rIns="90000" tIns="45000" bIns="45000" anchor="ctr">
-            <a:noAutofit/>
-          </a:bodyPr>
-          <a:p>
-            <a:pPr algn="ctr">
-              <a:lnSpc>
-                <a:spcPct val="100000"/>
-              </a:lnSpc>
-            </a:pPr>
-            <a:r>
-              <a:rPr b="0" lang="ja-JP" sz="1800" spc="-1" strike="noStrike">
-                <a:solidFill>
-                  <a:srgbClr val="000000"/>
-                </a:solidFill>
-                <a:latin typeface="Arial"/>
-                <a:ea typeface="DejaVu Sans"/>
-              </a:rPr>
-              <a:t>一覧</a:t>
-            </a:r>
-            <a:endParaRPr b="0" lang="en-US" sz="1800" spc="-1" strike="noStrike">
-              <a:solidFill>
-                <a:srgbClr val="000000"/>
-              </a:solidFill>
-              <a:latin typeface="Arial"/>
-            </a:endParaRPr>
-          </a:p>
-        </p:txBody>
-      </p:sp>
-      <p:sp>
-        <p:nvSpPr>
-          <p:cNvPr id="228" name=""/>
-          <p:cNvSpPr/>
-          <p:nvPr/>
-        </p:nvSpPr>
-        <p:spPr>
-          <a:xfrm>
-            <a:off x="900000" y="3780000"/>
-            <a:ext cx="5399280" cy="1079280"/>
+            <a:off x="900000" y="1585080"/>
+            <a:ext cx="5398920" cy="3273840"/>
           </a:xfrm>
           <a:prstGeom prst="rect">
             <a:avLst/>
@@ -13063,7 +12896,7 @@
       </p:grpSpPr>
       <p:sp>
         <p:nvSpPr>
-          <p:cNvPr id="229" name="PlaceHolder 1"/>
+          <p:cNvPr id="225" name="PlaceHolder 1"/>
           <p:cNvSpPr>
             <a:spLocks noGrp="1"/>
           </p:cNvSpPr>
@@ -13074,7 +12907,7 @@
         <p:spPr>
           <a:xfrm>
             <a:off x="504000" y="226080"/>
-            <a:ext cx="9070920" cy="945720"/>
+            <a:ext cx="9070200" cy="945000"/>
           </a:xfrm>
           <a:prstGeom prst="rect">
             <a:avLst/>
@@ -13106,7 +12939,7 @@
                 <a:latin typeface="Arial"/>
                 <a:ea typeface="DejaVu Sans"/>
               </a:rPr>
-              <a:t>画面：部品マスター検索</a:t>
+              <a:t>画面：エリアマスター検索</a:t>
             </a:r>
             <a:endParaRPr b="0" lang="en-US" sz="4400" spc="-1" strike="noStrike">
               <a:solidFill>
@@ -13119,14 +12952,14 @@
       </p:sp>
       <p:sp>
         <p:nvSpPr>
-          <p:cNvPr id="230" name="正方形/長方形 1"/>
+          <p:cNvPr id="226" name="正方形/長方形 12"/>
           <p:cNvSpPr/>
           <p:nvPr/>
         </p:nvSpPr>
         <p:spPr>
           <a:xfrm>
             <a:off x="720000" y="1440000"/>
-            <a:ext cx="5759640" cy="3599640"/>
+            <a:ext cx="5758920" cy="3598920"/>
           </a:xfrm>
           <a:prstGeom prst="rect">
             <a:avLst/>
@@ -13149,6 +12982,11 @@
             <a:noAutofit/>
           </a:bodyPr>
           <a:p>
+            <a:pPr>
+              <a:lnSpc>
+                <a:spcPct val="100000"/>
+              </a:lnSpc>
+            </a:pPr>
             <a:endParaRPr b="0" lang="en-US" sz="1800" spc="-1" strike="noStrike">
               <a:solidFill>
                 <a:srgbClr val="000000"/>
@@ -13161,14 +12999,14 @@
       </p:sp>
       <p:sp>
         <p:nvSpPr>
-          <p:cNvPr id="231" name="正方形/長方形 2"/>
+          <p:cNvPr id="227" name="正方形/長方形 13"/>
           <p:cNvSpPr/>
           <p:nvPr/>
         </p:nvSpPr>
         <p:spPr>
           <a:xfrm>
             <a:off x="5400000" y="1980000"/>
-            <a:ext cx="899640" cy="359640"/>
+            <a:ext cx="898920" cy="358920"/>
           </a:xfrm>
           <a:prstGeom prst="rect">
             <a:avLst/>
@@ -13219,14 +13057,14 @@
       </p:sp>
       <p:sp>
         <p:nvSpPr>
-          <p:cNvPr id="232" name="正方形/長方形 3"/>
+          <p:cNvPr id="228" name="正方形/長方形 14"/>
           <p:cNvSpPr/>
           <p:nvPr/>
         </p:nvSpPr>
         <p:spPr>
           <a:xfrm>
             <a:off x="900000" y="1620000"/>
-            <a:ext cx="5399640" cy="719640"/>
+            <a:ext cx="5398920" cy="718920"/>
           </a:xfrm>
           <a:prstGeom prst="rect">
             <a:avLst/>
@@ -13275,14 +13113,14 @@
       </p:sp>
       <p:sp>
         <p:nvSpPr>
-          <p:cNvPr id="233" name="正方形/長方形 4"/>
+          <p:cNvPr id="229" name="正方形/長方形 15"/>
           <p:cNvSpPr/>
           <p:nvPr/>
         </p:nvSpPr>
         <p:spPr>
           <a:xfrm>
             <a:off x="900000" y="2520000"/>
-            <a:ext cx="5399640" cy="1079640"/>
+            <a:ext cx="5398920" cy="2339640"/>
           </a:xfrm>
           <a:prstGeom prst="rect">
             <a:avLst/>
@@ -13331,14 +13169,14 @@
       </p:sp>
       <p:sp>
         <p:nvSpPr>
-          <p:cNvPr id="234" name="正方形/長方形 5"/>
+          <p:cNvPr id="230" name="正方形/長方形 16"/>
           <p:cNvSpPr/>
           <p:nvPr/>
         </p:nvSpPr>
         <p:spPr>
           <a:xfrm>
             <a:off x="4680000" y="2880000"/>
-            <a:ext cx="1619640" cy="359640"/>
+            <a:ext cx="1618920" cy="358920"/>
           </a:xfrm>
           <a:prstGeom prst="rect">
             <a:avLst/>
@@ -13419,7 +13257,7 @@
       </p:grpSpPr>
       <p:sp>
         <p:nvSpPr>
-          <p:cNvPr id="235" name="PlaceHolder 1"/>
+          <p:cNvPr id="231" name="PlaceHolder 1"/>
           <p:cNvSpPr>
             <a:spLocks noGrp="1"/>
           </p:cNvSpPr>
@@ -13430,7 +13268,7 @@
         <p:spPr>
           <a:xfrm>
             <a:off x="504000" y="226080"/>
-            <a:ext cx="9070920" cy="945720"/>
+            <a:ext cx="9070200" cy="945000"/>
           </a:xfrm>
           <a:prstGeom prst="rect">
             <a:avLst/>
@@ -13462,7 +13300,7 @@
                 <a:latin typeface="Arial"/>
                 <a:ea typeface="DejaVu Sans"/>
               </a:rPr>
-              <a:t>画面：部品マスター</a:t>
+              <a:t>画面：エリアマスター</a:t>
             </a:r>
             <a:endParaRPr b="0" lang="en-US" sz="4400" spc="-1" strike="noStrike">
               <a:solidFill>
@@ -13475,14 +13313,14 @@
       </p:sp>
       <p:sp>
         <p:nvSpPr>
-          <p:cNvPr id="236" name="正方形/長方形 6"/>
+          <p:cNvPr id="232" name="正方形/長方形 17"/>
           <p:cNvSpPr/>
           <p:nvPr/>
         </p:nvSpPr>
         <p:spPr>
           <a:xfrm>
             <a:off x="720000" y="1440000"/>
-            <a:ext cx="5759640" cy="3599640"/>
+            <a:ext cx="5758920" cy="3598920"/>
           </a:xfrm>
           <a:prstGeom prst="rect">
             <a:avLst/>
@@ -13505,6 +13343,11 @@
             <a:noAutofit/>
           </a:bodyPr>
           <a:p>
+            <a:pPr>
+              <a:lnSpc>
+                <a:spcPct val="100000"/>
+              </a:lnSpc>
+            </a:pPr>
             <a:endParaRPr b="0" lang="en-US" sz="1800" spc="-1" strike="noStrike">
               <a:solidFill>
                 <a:srgbClr val="000000"/>
@@ -13517,14 +13360,14 @@
       </p:sp>
       <p:sp>
         <p:nvSpPr>
-          <p:cNvPr id="237" name="正方形/長方形 7"/>
+          <p:cNvPr id="233" name="正方形/長方形 18"/>
           <p:cNvSpPr/>
           <p:nvPr/>
         </p:nvSpPr>
         <p:spPr>
           <a:xfrm>
             <a:off x="3240000" y="4500000"/>
-            <a:ext cx="899640" cy="359640"/>
+            <a:ext cx="898920" cy="358920"/>
           </a:xfrm>
           <a:prstGeom prst="rect">
             <a:avLst/>
@@ -13575,14 +13418,14 @@
       </p:sp>
       <p:sp>
         <p:nvSpPr>
-          <p:cNvPr id="238" name="正方形/長方形 8"/>
+          <p:cNvPr id="234" name="正方形/長方形 19"/>
           <p:cNvSpPr/>
           <p:nvPr/>
         </p:nvSpPr>
         <p:spPr>
           <a:xfrm>
             <a:off x="4320000" y="4500000"/>
-            <a:ext cx="899640" cy="359640"/>
+            <a:ext cx="898920" cy="358920"/>
           </a:xfrm>
           <a:prstGeom prst="rect">
             <a:avLst/>
@@ -13633,14 +13476,14 @@
       </p:sp>
       <p:sp>
         <p:nvSpPr>
-          <p:cNvPr id="239" name="正方形/長方形 9"/>
+          <p:cNvPr id="235" name="正方形/長方形 20"/>
           <p:cNvSpPr/>
           <p:nvPr/>
         </p:nvSpPr>
         <p:spPr>
           <a:xfrm>
             <a:off x="900000" y="4500000"/>
-            <a:ext cx="899640" cy="359640"/>
+            <a:ext cx="898920" cy="358920"/>
           </a:xfrm>
           <a:prstGeom prst="rect">
             <a:avLst/>
@@ -13691,14 +13534,14 @@
       </p:sp>
       <p:sp>
         <p:nvSpPr>
-          <p:cNvPr id="240" name="正方形/長方形 10"/>
+          <p:cNvPr id="236" name="正方形/長方形 21"/>
           <p:cNvSpPr/>
           <p:nvPr/>
         </p:nvSpPr>
         <p:spPr>
           <a:xfrm>
             <a:off x="5400000" y="4500000"/>
-            <a:ext cx="899640" cy="359640"/>
+            <a:ext cx="898920" cy="358920"/>
           </a:xfrm>
           <a:prstGeom prst="rect">
             <a:avLst/>
@@ -13749,14 +13592,14 @@
       </p:sp>
       <p:sp>
         <p:nvSpPr>
-          <p:cNvPr id="241" name="正方形/長方形 11"/>
+          <p:cNvPr id="237" name="正方形/長方形 22"/>
           <p:cNvSpPr/>
           <p:nvPr/>
         </p:nvSpPr>
         <p:spPr>
           <a:xfrm>
             <a:off x="900000" y="1585080"/>
-            <a:ext cx="5399640" cy="3274560"/>
+            <a:ext cx="5398920" cy="3273840"/>
           </a:xfrm>
           <a:prstGeom prst="rect">
             <a:avLst/>
@@ -13835,7 +13678,7 @@
       </p:grpSpPr>
       <p:sp>
         <p:nvSpPr>
-          <p:cNvPr id="242" name="PlaceHolder 1"/>
+          <p:cNvPr id="238" name="PlaceHolder 1"/>
           <p:cNvSpPr>
             <a:spLocks noGrp="1"/>
           </p:cNvSpPr>
@@ -13846,7 +13689,7 @@
         <p:spPr>
           <a:xfrm>
             <a:off x="504000" y="226080"/>
-            <a:ext cx="9070560" cy="945360"/>
+            <a:ext cx="9070200" cy="945000"/>
           </a:xfrm>
           <a:prstGeom prst="rect">
             <a:avLst/>
@@ -13863,7 +13706,7 @@
           <a:p>
             <a:pPr indent="0" algn="ctr">
               <a:lnSpc>
-                <a:spcPct val="100000"/>
+                <a:spcPct val="90000"/>
               </a:lnSpc>
               <a:buNone/>
               <a:tabLst>
@@ -13876,8 +13719,9 @@
                   <a:srgbClr val="000000"/>
                 </a:solidFill>
                 <a:latin typeface="Arial"/>
-              </a:rPr>
-              <a:t>画面：入出庫入力</a:t>
+                <a:ea typeface="DejaVu Sans"/>
+              </a:rPr>
+              <a:t>画面：ユーザーマスター検索</a:t>
             </a:r>
             <a:endParaRPr b="0" lang="en-US" sz="4400" spc="-1" strike="noStrike">
               <a:solidFill>
@@ -13890,14 +13734,14 @@
       </p:sp>
       <p:sp>
         <p:nvSpPr>
-          <p:cNvPr id="243" name=""/>
+          <p:cNvPr id="239" name="正方形/長方形 23"/>
           <p:cNvSpPr/>
           <p:nvPr/>
         </p:nvSpPr>
         <p:spPr>
           <a:xfrm>
             <a:off x="720000" y="1440000"/>
-            <a:ext cx="5759280" cy="3599280"/>
+            <a:ext cx="5758920" cy="3598920"/>
           </a:xfrm>
           <a:prstGeom prst="rect">
             <a:avLst/>
@@ -13937,14 +13781,14 @@
       </p:sp>
       <p:sp>
         <p:nvSpPr>
-          <p:cNvPr id="244" name=""/>
+          <p:cNvPr id="240" name="正方形/長方形 24"/>
           <p:cNvSpPr/>
           <p:nvPr/>
         </p:nvSpPr>
         <p:spPr>
           <a:xfrm>
-            <a:off x="3240000" y="4500000"/>
-            <a:ext cx="899280" cy="359280"/>
+            <a:off x="5400000" y="1980000"/>
+            <a:ext cx="898920" cy="358920"/>
           </a:xfrm>
           <a:prstGeom prst="rect">
             <a:avLst/>
@@ -13982,7 +13826,7 @@
                 <a:latin typeface="Arial"/>
                 <a:ea typeface="DejaVu Sans"/>
               </a:rPr>
-              <a:t>入庫</a:t>
+              <a:t>検索</a:t>
             </a:r>
             <a:endParaRPr b="0" lang="en-US" sz="1800" spc="-1" strike="noStrike">
               <a:solidFill>
@@ -13995,24 +13839,22 @@
       </p:sp>
       <p:sp>
         <p:nvSpPr>
-          <p:cNvPr id="245" name=""/>
+          <p:cNvPr id="241" name="正方形/長方形 25"/>
           <p:cNvSpPr/>
           <p:nvPr/>
         </p:nvSpPr>
         <p:spPr>
           <a:xfrm>
-            <a:off x="4320000" y="4500000"/>
-            <a:ext cx="899280" cy="359280"/>
-          </a:xfrm>
-          <a:prstGeom prst="rect">
-            <a:avLst/>
-          </a:prstGeom>
-          <a:solidFill>
-            <a:schemeClr val="accent1"/>
-          </a:solidFill>
+            <a:off x="900000" y="1620000"/>
+            <a:ext cx="5398920" cy="718920"/>
+          </a:xfrm>
+          <a:prstGeom prst="rect">
+            <a:avLst/>
+          </a:prstGeom>
+          <a:noFill/>
           <a:ln w="0">
             <a:solidFill>
-              <a:srgbClr val="254061"/>
+              <a:srgbClr val="000000"/>
             </a:solidFill>
           </a:ln>
         </p:spPr>
@@ -14040,7 +13882,7 @@
                 <a:latin typeface="Arial"/>
                 <a:ea typeface="DejaVu Sans"/>
               </a:rPr>
-              <a:t>出庫</a:t>
+              <a:t>検索条件</a:t>
             </a:r>
             <a:endParaRPr b="0" lang="en-US" sz="1800" spc="-1" strike="noStrike">
               <a:solidFill>
@@ -14053,24 +13895,22 @@
       </p:sp>
       <p:sp>
         <p:nvSpPr>
-          <p:cNvPr id="246" name=""/>
+          <p:cNvPr id="242" name="正方形/長方形 26"/>
           <p:cNvSpPr/>
           <p:nvPr/>
         </p:nvSpPr>
         <p:spPr>
           <a:xfrm>
-            <a:off x="900000" y="4500000"/>
-            <a:ext cx="899280" cy="359280"/>
-          </a:xfrm>
-          <a:prstGeom prst="rect">
-            <a:avLst/>
-          </a:prstGeom>
-          <a:solidFill>
-            <a:schemeClr val="accent1"/>
-          </a:solidFill>
+            <a:off x="900000" y="2520000"/>
+            <a:ext cx="5398920" cy="2339640"/>
+          </a:xfrm>
+          <a:prstGeom prst="rect">
+            <a:avLst/>
+          </a:prstGeom>
+          <a:noFill/>
           <a:ln w="0">
             <a:solidFill>
-              <a:srgbClr val="254061"/>
+              <a:srgbClr val="000000"/>
             </a:solidFill>
           </a:ln>
         </p:spPr>
@@ -14098,7 +13938,7 @@
                 <a:latin typeface="Arial"/>
                 <a:ea typeface="DejaVu Sans"/>
               </a:rPr>
-              <a:t>削除</a:t>
+              <a:t>一覧</a:t>
             </a:r>
             <a:endParaRPr b="0" lang="en-US" sz="1800" spc="-1" strike="noStrike">
               <a:solidFill>
@@ -14111,14 +13951,14 @@
       </p:sp>
       <p:sp>
         <p:nvSpPr>
-          <p:cNvPr id="247" name=""/>
+          <p:cNvPr id="243" name="正方形/長方形 27"/>
           <p:cNvSpPr/>
           <p:nvPr/>
         </p:nvSpPr>
         <p:spPr>
           <a:xfrm>
-            <a:off x="5400000" y="4500000"/>
-            <a:ext cx="899280" cy="359280"/>
+            <a:off x="4680000" y="2880000"/>
+            <a:ext cx="1618920" cy="358920"/>
           </a:xfrm>
           <a:prstGeom prst="rect">
             <a:avLst/>
@@ -14156,7 +13996,7 @@
                 <a:latin typeface="Arial"/>
                 <a:ea typeface="DejaVu Sans"/>
               </a:rPr>
-              <a:t>クリア</a:t>
+              <a:t>入出庫入力</a:t>
             </a:r>
             <a:endParaRPr b="0" lang="en-US" sz="1800" spc="-1" strike="noStrike">
               <a:solidFill>
@@ -14167,414 +14007,6 @@
           </a:p>
         </p:txBody>
       </p:sp>
-      <p:sp>
-        <p:nvSpPr>
-          <p:cNvPr id="248" name=""/>
-          <p:cNvSpPr/>
-          <p:nvPr/>
-        </p:nvSpPr>
-        <p:spPr>
-          <a:xfrm>
-            <a:off x="900000" y="2160000"/>
-            <a:ext cx="5399280" cy="1259280"/>
-          </a:xfrm>
-          <a:prstGeom prst="rect">
-            <a:avLst/>
-          </a:prstGeom>
-          <a:noFill/>
-          <a:ln w="0">
-            <a:solidFill>
-              <a:srgbClr val="000000"/>
-            </a:solidFill>
-          </a:ln>
-        </p:spPr>
-        <p:style>
-          <a:lnRef idx="0"/>
-          <a:fillRef idx="0"/>
-          <a:effectRef idx="0"/>
-          <a:fontRef idx="minor"/>
-        </p:style>
-        <p:txBody>
-          <a:bodyPr lIns="90000" rIns="90000" tIns="45000" bIns="45000" anchor="ctr">
-            <a:noAutofit/>
-          </a:bodyPr>
-          <a:p>
-            <a:pPr algn="ctr">
-              <a:lnSpc>
-                <a:spcPct val="100000"/>
-              </a:lnSpc>
-            </a:pPr>
-            <a:r>
-              <a:rPr b="0" lang="ja-JP" sz="1800" spc="-1" strike="noStrike">
-                <a:solidFill>
-                  <a:srgbClr val="000000"/>
-                </a:solidFill>
-                <a:latin typeface="Arial"/>
-                <a:ea typeface="DejaVu Sans"/>
-              </a:rPr>
-              <a:t>入出庫一覧</a:t>
-            </a:r>
-            <a:endParaRPr b="0" lang="en-US" sz="1800" spc="-1" strike="noStrike">
-              <a:solidFill>
-                <a:srgbClr val="000000"/>
-              </a:solidFill>
-              <a:latin typeface="Arial"/>
-            </a:endParaRPr>
-          </a:p>
-        </p:txBody>
-      </p:sp>
-      <p:sp>
-        <p:nvSpPr>
-          <p:cNvPr id="249" name=""/>
-          <p:cNvSpPr/>
-          <p:nvPr/>
-        </p:nvSpPr>
-        <p:spPr>
-          <a:xfrm>
-            <a:off x="900000" y="1620000"/>
-            <a:ext cx="5399280" cy="359280"/>
-          </a:xfrm>
-          <a:prstGeom prst="rect">
-            <a:avLst/>
-          </a:prstGeom>
-          <a:noFill/>
-          <a:ln w="0">
-            <a:solidFill>
-              <a:srgbClr val="000000"/>
-            </a:solidFill>
-          </a:ln>
-        </p:spPr>
-        <p:style>
-          <a:lnRef idx="0"/>
-          <a:fillRef idx="0"/>
-          <a:effectRef idx="0"/>
-          <a:fontRef idx="minor"/>
-        </p:style>
-        <p:txBody>
-          <a:bodyPr lIns="90000" rIns="90000" tIns="45000" bIns="45000" anchor="ctr">
-            <a:noAutofit/>
-          </a:bodyPr>
-          <a:p>
-            <a:pPr algn="ctr">
-              <a:lnSpc>
-                <a:spcPct val="100000"/>
-              </a:lnSpc>
-            </a:pPr>
-            <a:r>
-              <a:rPr b="0" lang="ja-JP" sz="1800" spc="-1" strike="noStrike">
-                <a:solidFill>
-                  <a:srgbClr val="000000"/>
-                </a:solidFill>
-                <a:latin typeface="Arial"/>
-                <a:ea typeface="DejaVu Sans"/>
-              </a:rPr>
-              <a:t>部品情報</a:t>
-            </a:r>
-            <a:endParaRPr b="0" lang="en-US" sz="1800" spc="-1" strike="noStrike">
-              <a:solidFill>
-                <a:srgbClr val="000000"/>
-              </a:solidFill>
-              <a:latin typeface="Arial"/>
-            </a:endParaRPr>
-          </a:p>
-        </p:txBody>
-      </p:sp>
-      <p:sp>
-        <p:nvSpPr>
-          <p:cNvPr id="250" name=""/>
-          <p:cNvSpPr/>
-          <p:nvPr/>
-        </p:nvSpPr>
-        <p:spPr>
-          <a:xfrm>
-            <a:off x="900000" y="3600000"/>
-            <a:ext cx="5399280" cy="719280"/>
-          </a:xfrm>
-          <a:prstGeom prst="rect">
-            <a:avLst/>
-          </a:prstGeom>
-          <a:noFill/>
-          <a:ln w="0">
-            <a:solidFill>
-              <a:srgbClr val="000000"/>
-            </a:solidFill>
-          </a:ln>
-        </p:spPr>
-        <p:style>
-          <a:lnRef idx="0"/>
-          <a:fillRef idx="0"/>
-          <a:effectRef idx="0"/>
-          <a:fontRef idx="minor"/>
-        </p:style>
-        <p:txBody>
-          <a:bodyPr lIns="90000" rIns="90000" tIns="45000" bIns="45000" anchor="ctr">
-            <a:noAutofit/>
-          </a:bodyPr>
-          <a:p>
-            <a:pPr>
-              <a:lnSpc>
-                <a:spcPct val="100000"/>
-              </a:lnSpc>
-            </a:pPr>
-            <a:endParaRPr b="0" lang="en-US" sz="1800" spc="-1" strike="noStrike">
-              <a:solidFill>
-                <a:srgbClr val="000000"/>
-              </a:solidFill>
-              <a:latin typeface="Arial"/>
-              <a:ea typeface="DejaVu Sans"/>
-            </a:endParaRPr>
-          </a:p>
-        </p:txBody>
-      </p:sp>
-      <p:sp>
-        <p:nvSpPr>
-          <p:cNvPr id="251" name=""/>
-          <p:cNvSpPr/>
-          <p:nvPr/>
-        </p:nvSpPr>
-        <p:spPr>
-          <a:xfrm>
-            <a:off x="1080000" y="3780000"/>
-            <a:ext cx="1079280" cy="359280"/>
-          </a:xfrm>
-          <a:prstGeom prst="rect">
-            <a:avLst/>
-          </a:prstGeom>
-          <a:noFill/>
-          <a:ln w="0">
-            <a:solidFill>
-              <a:srgbClr val="254061"/>
-            </a:solidFill>
-          </a:ln>
-        </p:spPr>
-        <p:style>
-          <a:lnRef idx="0"/>
-          <a:fillRef idx="0"/>
-          <a:effectRef idx="0"/>
-          <a:fontRef idx="minor"/>
-        </p:style>
-        <p:txBody>
-          <a:bodyPr lIns="90000" rIns="90000" tIns="45000" bIns="45000" anchor="ctr">
-            <a:noAutofit/>
-          </a:bodyPr>
-          <a:p>
-            <a:pPr algn="ctr">
-              <a:lnSpc>
-                <a:spcPct val="100000"/>
-              </a:lnSpc>
-            </a:pPr>
-            <a:r>
-              <a:rPr b="0" lang="ja-JP" sz="1800" spc="-1" strike="noStrike">
-                <a:solidFill>
-                  <a:srgbClr val="000000"/>
-                </a:solidFill>
-                <a:latin typeface="Arial"/>
-                <a:ea typeface="DejaVu Sans"/>
-              </a:rPr>
-              <a:t>日時</a:t>
-            </a:r>
-            <a:endParaRPr b="0" lang="en-US" sz="1800" spc="-1" strike="noStrike">
-              <a:solidFill>
-                <a:srgbClr val="000000"/>
-              </a:solidFill>
-              <a:latin typeface="Arial"/>
-            </a:endParaRPr>
-          </a:p>
-        </p:txBody>
-      </p:sp>
-      <p:sp>
-        <p:nvSpPr>
-          <p:cNvPr id="252" name=""/>
-          <p:cNvSpPr/>
-          <p:nvPr/>
-        </p:nvSpPr>
-        <p:spPr>
-          <a:xfrm>
-            <a:off x="2340000" y="3780000"/>
-            <a:ext cx="1079280" cy="359280"/>
-          </a:xfrm>
-          <a:prstGeom prst="rect">
-            <a:avLst/>
-          </a:prstGeom>
-          <a:noFill/>
-          <a:ln w="0">
-            <a:solidFill>
-              <a:srgbClr val="254061"/>
-            </a:solidFill>
-          </a:ln>
-        </p:spPr>
-        <p:style>
-          <a:lnRef idx="0"/>
-          <a:fillRef idx="0"/>
-          <a:effectRef idx="0"/>
-          <a:fontRef idx="minor"/>
-        </p:style>
-        <p:txBody>
-          <a:bodyPr lIns="90000" rIns="90000" tIns="45000" bIns="45000" anchor="ctr">
-            <a:noAutofit/>
-          </a:bodyPr>
-          <a:p>
-            <a:pPr algn="ctr">
-              <a:lnSpc>
-                <a:spcPct val="100000"/>
-              </a:lnSpc>
-            </a:pPr>
-            <a:r>
-              <a:rPr b="0" lang="ja-JP" sz="1800" spc="-1" strike="noStrike">
-                <a:solidFill>
-                  <a:srgbClr val="000000"/>
-                </a:solidFill>
-                <a:latin typeface="Arial"/>
-                <a:ea typeface="DejaVu Sans"/>
-              </a:rPr>
-              <a:t>個数</a:t>
-            </a:r>
-            <a:endParaRPr b="0" lang="en-US" sz="1800" spc="-1" strike="noStrike">
-              <a:solidFill>
-                <a:srgbClr val="000000"/>
-              </a:solidFill>
-              <a:latin typeface="Arial"/>
-            </a:endParaRPr>
-          </a:p>
-        </p:txBody>
-      </p:sp>
-      <p:sp>
-        <p:nvSpPr>
-          <p:cNvPr id="253" name=""/>
-          <p:cNvSpPr/>
-          <p:nvPr/>
-        </p:nvSpPr>
-        <p:spPr>
-          <a:xfrm>
-            <a:off x="3600000" y="3780000"/>
-            <a:ext cx="1079280" cy="359280"/>
-          </a:xfrm>
-          <a:prstGeom prst="rect">
-            <a:avLst/>
-          </a:prstGeom>
-          <a:noFill/>
-          <a:ln w="0">
-            <a:solidFill>
-              <a:srgbClr val="254061"/>
-            </a:solidFill>
-          </a:ln>
-        </p:spPr>
-        <p:style>
-          <a:lnRef idx="0"/>
-          <a:fillRef idx="0"/>
-          <a:effectRef idx="0"/>
-          <a:fontRef idx="minor"/>
-        </p:style>
-        <p:txBody>
-          <a:bodyPr lIns="90000" rIns="90000" tIns="45000" bIns="45000" anchor="ctr">
-            <a:noAutofit/>
-          </a:bodyPr>
-          <a:p>
-            <a:pPr algn="ctr">
-              <a:lnSpc>
-                <a:spcPct val="100000"/>
-              </a:lnSpc>
-            </a:pPr>
-            <a:r>
-              <a:rPr b="0" lang="ja-JP" sz="1800" spc="-1" strike="noStrike">
-                <a:solidFill>
-                  <a:srgbClr val="000000"/>
-                </a:solidFill>
-                <a:latin typeface="Arial"/>
-                <a:ea typeface="DejaVu Sans"/>
-              </a:rPr>
-              <a:t>元</a:t>
-            </a:r>
-            <a:endParaRPr b="0" lang="en-US" sz="1800" spc="-1" strike="noStrike">
-              <a:solidFill>
-                <a:srgbClr val="000000"/>
-              </a:solidFill>
-              <a:latin typeface="Arial"/>
-            </a:endParaRPr>
-          </a:p>
-        </p:txBody>
-      </p:sp>
-      <p:sp>
-        <p:nvSpPr>
-          <p:cNvPr id="254" name=""/>
-          <p:cNvSpPr/>
-          <p:nvPr/>
-        </p:nvSpPr>
-        <p:spPr>
-          <a:xfrm>
-            <a:off x="5040000" y="3780000"/>
-            <a:ext cx="1079280" cy="359280"/>
-          </a:xfrm>
-          <a:prstGeom prst="rect">
-            <a:avLst/>
-          </a:prstGeom>
-          <a:noFill/>
-          <a:ln w="0">
-            <a:solidFill>
-              <a:srgbClr val="254061"/>
-            </a:solidFill>
-          </a:ln>
-        </p:spPr>
-        <p:style>
-          <a:lnRef idx="0"/>
-          <a:fillRef idx="0"/>
-          <a:effectRef idx="0"/>
-          <a:fontRef idx="minor"/>
-        </p:style>
-        <p:txBody>
-          <a:bodyPr lIns="90000" rIns="90000" tIns="45000" bIns="45000" anchor="ctr">
-            <a:noAutofit/>
-          </a:bodyPr>
-          <a:p>
-            <a:pPr algn="ctr">
-              <a:lnSpc>
-                <a:spcPct val="100000"/>
-              </a:lnSpc>
-            </a:pPr>
-            <a:r>
-              <a:rPr b="0" lang="ja-JP" sz="1800" spc="-1" strike="noStrike">
-                <a:solidFill>
-                  <a:srgbClr val="000000"/>
-                </a:solidFill>
-                <a:latin typeface="Arial"/>
-                <a:ea typeface="DejaVu Sans"/>
-              </a:rPr>
-              <a:t>先</a:t>
-            </a:r>
-            <a:endParaRPr b="0" lang="en-US" sz="1800" spc="-1" strike="noStrike">
-              <a:solidFill>
-                <a:srgbClr val="000000"/>
-              </a:solidFill>
-              <a:latin typeface="Arial"/>
-            </a:endParaRPr>
-          </a:p>
-        </p:txBody>
-      </p:sp>
-      <p:cxnSp>
-        <p:nvCxnSpPr>
-          <p:cNvPr id="255" name=""/>
-          <p:cNvCxnSpPr>
-            <a:stCxn id="253" idx="3"/>
-            <a:endCxn id="254" idx="1"/>
-          </p:cNvCxnSpPr>
-          <p:nvPr/>
-        </p:nvCxnSpPr>
-        <p:spPr>
-          <a:xfrm>
-            <a:off x="4679280" y="3959640"/>
-            <a:ext cx="361080" cy="360"/>
-          </a:xfrm>
-          <a:prstGeom prst="straightConnector1">
-            <a:avLst/>
-          </a:prstGeom>
-          <a:ln w="0">
-            <a:solidFill>
-              <a:srgbClr val="3465a4"/>
-            </a:solidFill>
-            <a:tailEnd len="med" type="triangle" w="med"/>
-          </a:ln>
-        </p:spPr>
-      </p:cxnSp>
     </p:spTree>
   </p:cSld>
   <mc:AlternateContent>
@@ -14607,7 +14039,7 @@
       </p:grpSpPr>
       <p:sp>
         <p:nvSpPr>
-          <p:cNvPr id="256" name="PlaceHolder 1"/>
+          <p:cNvPr id="244" name="PlaceHolder 1"/>
           <p:cNvSpPr>
             <a:spLocks noGrp="1"/>
           </p:cNvSpPr>
@@ -14618,7 +14050,7 @@
         <p:spPr>
           <a:xfrm>
             <a:off x="504000" y="226080"/>
-            <a:ext cx="9070560" cy="945360"/>
+            <a:ext cx="9070200" cy="945000"/>
           </a:xfrm>
           <a:prstGeom prst="rect">
             <a:avLst/>
@@ -14635,7 +14067,7 @@
           <a:p>
             <a:pPr indent="0" algn="ctr">
               <a:lnSpc>
-                <a:spcPct val="100000"/>
+                <a:spcPct val="90000"/>
               </a:lnSpc>
               <a:buNone/>
               <a:tabLst>
@@ -14648,8 +14080,9 @@
                   <a:srgbClr val="000000"/>
                 </a:solidFill>
                 <a:latin typeface="Arial"/>
-              </a:rPr>
-              <a:t>画面：在庫状況表示</a:t>
+                <a:ea typeface="DejaVu Sans"/>
+              </a:rPr>
+              <a:t>画面：ユーザーマスター</a:t>
             </a:r>
             <a:endParaRPr b="0" lang="en-US" sz="4400" spc="-1" strike="noStrike">
               <a:solidFill>
@@ -14662,14 +14095,14 @@
       </p:sp>
       <p:sp>
         <p:nvSpPr>
-          <p:cNvPr id="257" name=""/>
+          <p:cNvPr id="245" name="正方形/長方形 28"/>
           <p:cNvSpPr/>
           <p:nvPr/>
         </p:nvSpPr>
         <p:spPr>
           <a:xfrm>
             <a:off x="720000" y="1440000"/>
-            <a:ext cx="5759280" cy="3599280"/>
+            <a:ext cx="5758920" cy="3598920"/>
           </a:xfrm>
           <a:prstGeom prst="rect">
             <a:avLst/>
@@ -14709,14 +14142,14 @@
       </p:sp>
       <p:sp>
         <p:nvSpPr>
-          <p:cNvPr id="258" name=""/>
+          <p:cNvPr id="246" name="正方形/長方形 29"/>
           <p:cNvSpPr/>
           <p:nvPr/>
         </p:nvSpPr>
         <p:spPr>
           <a:xfrm>
-            <a:off x="5400000" y="1980000"/>
-            <a:ext cx="899280" cy="359280"/>
+            <a:off x="3240000" y="4500000"/>
+            <a:ext cx="898920" cy="358920"/>
           </a:xfrm>
           <a:prstGeom prst="rect">
             <a:avLst/>
@@ -14754,7 +14187,7 @@
                 <a:latin typeface="Arial"/>
                 <a:ea typeface="DejaVu Sans"/>
               </a:rPr>
-              <a:t>検索</a:t>
+              <a:t>登録</a:t>
             </a:r>
             <a:endParaRPr b="0" lang="en-US" sz="1800" spc="-1" strike="noStrike">
               <a:solidFill>
@@ -14767,22 +14200,24 @@
       </p:sp>
       <p:sp>
         <p:nvSpPr>
-          <p:cNvPr id="259" name=""/>
+          <p:cNvPr id="247" name="正方形/長方形 30"/>
           <p:cNvSpPr/>
           <p:nvPr/>
         </p:nvSpPr>
         <p:spPr>
           <a:xfrm>
-            <a:off x="900000" y="1620000"/>
-            <a:ext cx="5399280" cy="719280"/>
-          </a:xfrm>
-          <a:prstGeom prst="rect">
-            <a:avLst/>
-          </a:prstGeom>
-          <a:noFill/>
+            <a:off x="4320000" y="4500000"/>
+            <a:ext cx="898920" cy="358920"/>
+          </a:xfrm>
+          <a:prstGeom prst="rect">
+            <a:avLst/>
+          </a:prstGeom>
+          <a:solidFill>
+            <a:schemeClr val="accent1"/>
+          </a:solidFill>
           <a:ln w="0">
             <a:solidFill>
-              <a:srgbClr val="000000"/>
+              <a:srgbClr val="254061"/>
             </a:solidFill>
           </a:ln>
         </p:spPr>
@@ -14810,7 +14245,7 @@
                 <a:latin typeface="Arial"/>
                 <a:ea typeface="DejaVu Sans"/>
               </a:rPr>
-              <a:t>検索条件</a:t>
+              <a:t>更新</a:t>
             </a:r>
             <a:endParaRPr b="0" lang="en-US" sz="1800" spc="-1" strike="noStrike">
               <a:solidFill>
@@ -14823,22 +14258,24 @@
       </p:sp>
       <p:sp>
         <p:nvSpPr>
-          <p:cNvPr id="260" name=""/>
+          <p:cNvPr id="248" name="正方形/長方形 31"/>
           <p:cNvSpPr/>
           <p:nvPr/>
         </p:nvSpPr>
         <p:spPr>
           <a:xfrm>
-            <a:off x="900000" y="2520000"/>
-            <a:ext cx="5399280" cy="2339280"/>
-          </a:xfrm>
-          <a:prstGeom prst="rect">
-            <a:avLst/>
-          </a:prstGeom>
-          <a:noFill/>
+            <a:off x="900000" y="4500000"/>
+            <a:ext cx="898920" cy="358920"/>
+          </a:xfrm>
+          <a:prstGeom prst="rect">
+            <a:avLst/>
+          </a:prstGeom>
+          <a:solidFill>
+            <a:schemeClr val="accent1"/>
+          </a:solidFill>
           <a:ln w="0">
             <a:solidFill>
-              <a:srgbClr val="000000"/>
+              <a:srgbClr val="254061"/>
             </a:solidFill>
           </a:ln>
         </p:spPr>
@@ -14866,7 +14303,121 @@
                 <a:latin typeface="Arial"/>
                 <a:ea typeface="DejaVu Sans"/>
               </a:rPr>
-              <a:t>一覧</a:t>
+              <a:t>削除</a:t>
+            </a:r>
+            <a:endParaRPr b="0" lang="en-US" sz="1800" spc="-1" strike="noStrike">
+              <a:solidFill>
+                <a:srgbClr val="000000"/>
+              </a:solidFill>
+              <a:latin typeface="Arial"/>
+            </a:endParaRPr>
+          </a:p>
+        </p:txBody>
+      </p:sp>
+      <p:sp>
+        <p:nvSpPr>
+          <p:cNvPr id="249" name="正方形/長方形 32"/>
+          <p:cNvSpPr/>
+          <p:nvPr/>
+        </p:nvSpPr>
+        <p:spPr>
+          <a:xfrm>
+            <a:off x="5400000" y="4500000"/>
+            <a:ext cx="898920" cy="358920"/>
+          </a:xfrm>
+          <a:prstGeom prst="rect">
+            <a:avLst/>
+          </a:prstGeom>
+          <a:solidFill>
+            <a:schemeClr val="accent1"/>
+          </a:solidFill>
+          <a:ln w="0">
+            <a:solidFill>
+              <a:srgbClr val="254061"/>
+            </a:solidFill>
+          </a:ln>
+        </p:spPr>
+        <p:style>
+          <a:lnRef idx="0"/>
+          <a:fillRef idx="0"/>
+          <a:effectRef idx="0"/>
+          <a:fontRef idx="minor"/>
+        </p:style>
+        <p:txBody>
+          <a:bodyPr lIns="90000" rIns="90000" tIns="45000" bIns="45000" anchor="ctr">
+            <a:noAutofit/>
+          </a:bodyPr>
+          <a:p>
+            <a:pPr algn="ctr">
+              <a:lnSpc>
+                <a:spcPct val="100000"/>
+              </a:lnSpc>
+            </a:pPr>
+            <a:r>
+              <a:rPr b="0" lang="ja-JP" sz="1800" spc="-1" strike="noStrike">
+                <a:solidFill>
+                  <a:srgbClr val="000000"/>
+                </a:solidFill>
+                <a:latin typeface="Arial"/>
+                <a:ea typeface="DejaVu Sans"/>
+              </a:rPr>
+              <a:t>クリア</a:t>
+            </a:r>
+            <a:endParaRPr b="0" lang="en-US" sz="1800" spc="-1" strike="noStrike">
+              <a:solidFill>
+                <a:srgbClr val="000000"/>
+              </a:solidFill>
+              <a:latin typeface="Arial"/>
+            </a:endParaRPr>
+          </a:p>
+        </p:txBody>
+      </p:sp>
+      <p:sp>
+        <p:nvSpPr>
+          <p:cNvPr id="250" name="正方形/長方形 33"/>
+          <p:cNvSpPr/>
+          <p:nvPr/>
+        </p:nvSpPr>
+        <p:spPr>
+          <a:xfrm>
+            <a:off x="900000" y="1585080"/>
+            <a:ext cx="5398920" cy="3273840"/>
+          </a:xfrm>
+          <a:prstGeom prst="rect">
+            <a:avLst/>
+          </a:prstGeom>
+          <a:noFill/>
+          <a:ln w="0">
+            <a:solidFill>
+              <a:srgbClr val="000000"/>
+            </a:solidFill>
+          </a:ln>
+        </p:spPr>
+        <p:style>
+          <a:lnRef idx="0"/>
+          <a:fillRef idx="0"/>
+          <a:effectRef idx="0"/>
+          <a:fontRef idx="minor"/>
+        </p:style>
+        <p:txBody>
+          <a:bodyPr lIns="90000" rIns="90000" tIns="45000" bIns="45000" anchor="ctr">
+            <a:noAutofit/>
+          </a:bodyPr>
+          <a:p>
+            <a:pPr algn="ctr">
+              <a:lnSpc>
+                <a:spcPct val="100000"/>
+              </a:lnSpc>
+            </a:pPr>
+            <a:r>
+              <a:rPr b="0" lang="ja-JP" sz="1800" spc="-1" strike="noStrike">
+                <a:solidFill>
+                  <a:srgbClr val="000000"/>
+                </a:solidFill>
+                <a:latin typeface="Arial"/>
+                <a:ea typeface="DejaVu Sans"/>
+              </a:rPr>
+              <a:t>編集欄</a:t>
             </a:r>
             <a:endParaRPr b="0" lang="en-US" sz="1800" spc="-1" strike="noStrike">
               <a:solidFill>
@@ -14909,7 +14460,7 @@
       </p:grpSpPr>
       <p:sp>
         <p:nvSpPr>
-          <p:cNvPr id="261" name="PlaceHolder 1"/>
+          <p:cNvPr id="251" name="PlaceHolder 1"/>
           <p:cNvSpPr>
             <a:spLocks noGrp="1"/>
           </p:cNvSpPr>
@@ -14920,7 +14471,7 @@
         <p:spPr>
           <a:xfrm>
             <a:off x="504000" y="226080"/>
-            <a:ext cx="9070560" cy="945360"/>
+            <a:ext cx="9069840" cy="944640"/>
           </a:xfrm>
           <a:prstGeom prst="rect">
             <a:avLst/>
@@ -14945,6 +14496,1080 @@
               </a:tabLst>
             </a:pPr>
             <a:r>
+              <a:rPr b="0" lang="ja-JP" sz="4400" spc="-1" strike="noStrike">
+                <a:solidFill>
+                  <a:srgbClr val="000000"/>
+                </a:solidFill>
+                <a:latin typeface="Arial"/>
+              </a:rPr>
+              <a:t>画面：入出庫入力</a:t>
+            </a:r>
+            <a:endParaRPr b="0" lang="en-US" sz="4400" spc="-1" strike="noStrike">
+              <a:solidFill>
+                <a:srgbClr val="000000"/>
+              </a:solidFill>
+              <a:latin typeface="Arial"/>
+            </a:endParaRPr>
+          </a:p>
+        </p:txBody>
+      </p:sp>
+      <p:sp>
+        <p:nvSpPr>
+          <p:cNvPr id="252" name=""/>
+          <p:cNvSpPr/>
+          <p:nvPr/>
+        </p:nvSpPr>
+        <p:spPr>
+          <a:xfrm>
+            <a:off x="720000" y="1440000"/>
+            <a:ext cx="5758560" cy="3598560"/>
+          </a:xfrm>
+          <a:prstGeom prst="rect">
+            <a:avLst/>
+          </a:prstGeom>
+          <a:noFill/>
+          <a:ln w="0">
+            <a:solidFill>
+              <a:srgbClr val="000000"/>
+            </a:solidFill>
+          </a:ln>
+        </p:spPr>
+        <p:style>
+          <a:lnRef idx="0"/>
+          <a:fillRef idx="0"/>
+          <a:effectRef idx="0"/>
+          <a:fontRef idx="minor"/>
+        </p:style>
+        <p:txBody>
+          <a:bodyPr lIns="90000" rIns="90000" tIns="45000" bIns="45000" anchor="ctr">
+            <a:noAutofit/>
+          </a:bodyPr>
+          <a:p>
+            <a:pPr>
+              <a:lnSpc>
+                <a:spcPct val="100000"/>
+              </a:lnSpc>
+            </a:pPr>
+            <a:endParaRPr b="0" lang="en-US" sz="1800" spc="-1" strike="noStrike">
+              <a:solidFill>
+                <a:srgbClr val="000000"/>
+              </a:solidFill>
+              <a:latin typeface="Arial"/>
+              <a:ea typeface="DejaVu Sans"/>
+            </a:endParaRPr>
+          </a:p>
+        </p:txBody>
+      </p:sp>
+      <p:sp>
+        <p:nvSpPr>
+          <p:cNvPr id="253" name=""/>
+          <p:cNvSpPr/>
+          <p:nvPr/>
+        </p:nvSpPr>
+        <p:spPr>
+          <a:xfrm>
+            <a:off x="3240000" y="4500000"/>
+            <a:ext cx="898560" cy="358560"/>
+          </a:xfrm>
+          <a:prstGeom prst="rect">
+            <a:avLst/>
+          </a:prstGeom>
+          <a:solidFill>
+            <a:schemeClr val="accent1"/>
+          </a:solidFill>
+          <a:ln w="0">
+            <a:solidFill>
+              <a:srgbClr val="254061"/>
+            </a:solidFill>
+          </a:ln>
+        </p:spPr>
+        <p:style>
+          <a:lnRef idx="0"/>
+          <a:fillRef idx="0"/>
+          <a:effectRef idx="0"/>
+          <a:fontRef idx="minor"/>
+        </p:style>
+        <p:txBody>
+          <a:bodyPr lIns="90000" rIns="90000" tIns="45000" bIns="45000" anchor="ctr">
+            <a:noAutofit/>
+          </a:bodyPr>
+          <a:p>
+            <a:pPr algn="ctr">
+              <a:lnSpc>
+                <a:spcPct val="100000"/>
+              </a:lnSpc>
+            </a:pPr>
+            <a:r>
+              <a:rPr b="0" lang="ja-JP" sz="1800" spc="-1" strike="noStrike">
+                <a:solidFill>
+                  <a:srgbClr val="000000"/>
+                </a:solidFill>
+                <a:latin typeface="Arial"/>
+                <a:ea typeface="DejaVu Sans"/>
+              </a:rPr>
+              <a:t>入庫</a:t>
+            </a:r>
+            <a:endParaRPr b="0" lang="en-US" sz="1800" spc="-1" strike="noStrike">
+              <a:solidFill>
+                <a:srgbClr val="000000"/>
+              </a:solidFill>
+              <a:latin typeface="Arial"/>
+            </a:endParaRPr>
+          </a:p>
+        </p:txBody>
+      </p:sp>
+      <p:sp>
+        <p:nvSpPr>
+          <p:cNvPr id="254" name=""/>
+          <p:cNvSpPr/>
+          <p:nvPr/>
+        </p:nvSpPr>
+        <p:spPr>
+          <a:xfrm>
+            <a:off x="4320000" y="4500000"/>
+            <a:ext cx="898560" cy="358560"/>
+          </a:xfrm>
+          <a:prstGeom prst="rect">
+            <a:avLst/>
+          </a:prstGeom>
+          <a:solidFill>
+            <a:schemeClr val="accent1"/>
+          </a:solidFill>
+          <a:ln w="0">
+            <a:solidFill>
+              <a:srgbClr val="254061"/>
+            </a:solidFill>
+          </a:ln>
+        </p:spPr>
+        <p:style>
+          <a:lnRef idx="0"/>
+          <a:fillRef idx="0"/>
+          <a:effectRef idx="0"/>
+          <a:fontRef idx="minor"/>
+        </p:style>
+        <p:txBody>
+          <a:bodyPr lIns="90000" rIns="90000" tIns="45000" bIns="45000" anchor="ctr">
+            <a:noAutofit/>
+          </a:bodyPr>
+          <a:p>
+            <a:pPr algn="ctr">
+              <a:lnSpc>
+                <a:spcPct val="100000"/>
+              </a:lnSpc>
+            </a:pPr>
+            <a:r>
+              <a:rPr b="0" lang="ja-JP" sz="1800" spc="-1" strike="noStrike">
+                <a:solidFill>
+                  <a:srgbClr val="000000"/>
+                </a:solidFill>
+                <a:latin typeface="Arial"/>
+                <a:ea typeface="DejaVu Sans"/>
+              </a:rPr>
+              <a:t>出庫</a:t>
+            </a:r>
+            <a:endParaRPr b="0" lang="en-US" sz="1800" spc="-1" strike="noStrike">
+              <a:solidFill>
+                <a:srgbClr val="000000"/>
+              </a:solidFill>
+              <a:latin typeface="Arial"/>
+            </a:endParaRPr>
+          </a:p>
+        </p:txBody>
+      </p:sp>
+      <p:sp>
+        <p:nvSpPr>
+          <p:cNvPr id="255" name=""/>
+          <p:cNvSpPr/>
+          <p:nvPr/>
+        </p:nvSpPr>
+        <p:spPr>
+          <a:xfrm>
+            <a:off x="900000" y="4500000"/>
+            <a:ext cx="898560" cy="358560"/>
+          </a:xfrm>
+          <a:prstGeom prst="rect">
+            <a:avLst/>
+          </a:prstGeom>
+          <a:solidFill>
+            <a:schemeClr val="accent1"/>
+          </a:solidFill>
+          <a:ln w="0">
+            <a:solidFill>
+              <a:srgbClr val="254061"/>
+            </a:solidFill>
+          </a:ln>
+        </p:spPr>
+        <p:style>
+          <a:lnRef idx="0"/>
+          <a:fillRef idx="0"/>
+          <a:effectRef idx="0"/>
+          <a:fontRef idx="minor"/>
+        </p:style>
+        <p:txBody>
+          <a:bodyPr lIns="90000" rIns="90000" tIns="45000" bIns="45000" anchor="ctr">
+            <a:noAutofit/>
+          </a:bodyPr>
+          <a:p>
+            <a:pPr algn="ctr">
+              <a:lnSpc>
+                <a:spcPct val="100000"/>
+              </a:lnSpc>
+            </a:pPr>
+            <a:r>
+              <a:rPr b="0" lang="ja-JP" sz="1800" spc="-1" strike="noStrike">
+                <a:solidFill>
+                  <a:srgbClr val="000000"/>
+                </a:solidFill>
+                <a:latin typeface="Arial"/>
+                <a:ea typeface="DejaVu Sans"/>
+              </a:rPr>
+              <a:t>削除</a:t>
+            </a:r>
+            <a:endParaRPr b="0" lang="en-US" sz="1800" spc="-1" strike="noStrike">
+              <a:solidFill>
+                <a:srgbClr val="000000"/>
+              </a:solidFill>
+              <a:latin typeface="Arial"/>
+            </a:endParaRPr>
+          </a:p>
+        </p:txBody>
+      </p:sp>
+      <p:sp>
+        <p:nvSpPr>
+          <p:cNvPr id="256" name=""/>
+          <p:cNvSpPr/>
+          <p:nvPr/>
+        </p:nvSpPr>
+        <p:spPr>
+          <a:xfrm>
+            <a:off x="5400000" y="4500000"/>
+            <a:ext cx="898560" cy="358560"/>
+          </a:xfrm>
+          <a:prstGeom prst="rect">
+            <a:avLst/>
+          </a:prstGeom>
+          <a:solidFill>
+            <a:schemeClr val="accent1"/>
+          </a:solidFill>
+          <a:ln w="0">
+            <a:solidFill>
+              <a:srgbClr val="254061"/>
+            </a:solidFill>
+          </a:ln>
+        </p:spPr>
+        <p:style>
+          <a:lnRef idx="0"/>
+          <a:fillRef idx="0"/>
+          <a:effectRef idx="0"/>
+          <a:fontRef idx="minor"/>
+        </p:style>
+        <p:txBody>
+          <a:bodyPr lIns="90000" rIns="90000" tIns="45000" bIns="45000" anchor="ctr">
+            <a:noAutofit/>
+          </a:bodyPr>
+          <a:p>
+            <a:pPr algn="ctr">
+              <a:lnSpc>
+                <a:spcPct val="100000"/>
+              </a:lnSpc>
+            </a:pPr>
+            <a:r>
+              <a:rPr b="0" lang="ja-JP" sz="1800" spc="-1" strike="noStrike">
+                <a:solidFill>
+                  <a:srgbClr val="000000"/>
+                </a:solidFill>
+                <a:latin typeface="Arial"/>
+                <a:ea typeface="DejaVu Sans"/>
+              </a:rPr>
+              <a:t>クリア</a:t>
+            </a:r>
+            <a:endParaRPr b="0" lang="en-US" sz="1800" spc="-1" strike="noStrike">
+              <a:solidFill>
+                <a:srgbClr val="000000"/>
+              </a:solidFill>
+              <a:latin typeface="Arial"/>
+            </a:endParaRPr>
+          </a:p>
+        </p:txBody>
+      </p:sp>
+      <p:sp>
+        <p:nvSpPr>
+          <p:cNvPr id="257" name=""/>
+          <p:cNvSpPr/>
+          <p:nvPr/>
+        </p:nvSpPr>
+        <p:spPr>
+          <a:xfrm>
+            <a:off x="900000" y="2160000"/>
+            <a:ext cx="5398560" cy="1258560"/>
+          </a:xfrm>
+          <a:prstGeom prst="rect">
+            <a:avLst/>
+          </a:prstGeom>
+          <a:noFill/>
+          <a:ln w="0">
+            <a:solidFill>
+              <a:srgbClr val="000000"/>
+            </a:solidFill>
+          </a:ln>
+        </p:spPr>
+        <p:style>
+          <a:lnRef idx="0"/>
+          <a:fillRef idx="0"/>
+          <a:effectRef idx="0"/>
+          <a:fontRef idx="minor"/>
+        </p:style>
+        <p:txBody>
+          <a:bodyPr lIns="90000" rIns="90000" tIns="45000" bIns="45000" anchor="ctr">
+            <a:noAutofit/>
+          </a:bodyPr>
+          <a:p>
+            <a:pPr algn="ctr">
+              <a:lnSpc>
+                <a:spcPct val="100000"/>
+              </a:lnSpc>
+            </a:pPr>
+            <a:r>
+              <a:rPr b="0" lang="ja-JP" sz="1800" spc="-1" strike="noStrike">
+                <a:solidFill>
+                  <a:srgbClr val="000000"/>
+                </a:solidFill>
+                <a:latin typeface="Arial"/>
+                <a:ea typeface="DejaVu Sans"/>
+              </a:rPr>
+              <a:t>入出庫一覧</a:t>
+            </a:r>
+            <a:endParaRPr b="0" lang="en-US" sz="1800" spc="-1" strike="noStrike">
+              <a:solidFill>
+                <a:srgbClr val="000000"/>
+              </a:solidFill>
+              <a:latin typeface="Arial"/>
+            </a:endParaRPr>
+          </a:p>
+        </p:txBody>
+      </p:sp>
+      <p:sp>
+        <p:nvSpPr>
+          <p:cNvPr id="258" name=""/>
+          <p:cNvSpPr/>
+          <p:nvPr/>
+        </p:nvSpPr>
+        <p:spPr>
+          <a:xfrm>
+            <a:off x="900000" y="1620000"/>
+            <a:ext cx="5398560" cy="358560"/>
+          </a:xfrm>
+          <a:prstGeom prst="rect">
+            <a:avLst/>
+          </a:prstGeom>
+          <a:noFill/>
+          <a:ln w="0">
+            <a:solidFill>
+              <a:srgbClr val="000000"/>
+            </a:solidFill>
+          </a:ln>
+        </p:spPr>
+        <p:style>
+          <a:lnRef idx="0"/>
+          <a:fillRef idx="0"/>
+          <a:effectRef idx="0"/>
+          <a:fontRef idx="minor"/>
+        </p:style>
+        <p:txBody>
+          <a:bodyPr lIns="90000" rIns="90000" tIns="45000" bIns="45000" anchor="ctr">
+            <a:noAutofit/>
+          </a:bodyPr>
+          <a:p>
+            <a:pPr algn="ctr">
+              <a:lnSpc>
+                <a:spcPct val="100000"/>
+              </a:lnSpc>
+            </a:pPr>
+            <a:r>
+              <a:rPr b="0" lang="ja-JP" sz="1800" spc="-1" strike="noStrike">
+                <a:solidFill>
+                  <a:srgbClr val="000000"/>
+                </a:solidFill>
+                <a:latin typeface="Arial"/>
+                <a:ea typeface="DejaVu Sans"/>
+              </a:rPr>
+              <a:t>部品情報</a:t>
+            </a:r>
+            <a:endParaRPr b="0" lang="en-US" sz="1800" spc="-1" strike="noStrike">
+              <a:solidFill>
+                <a:srgbClr val="000000"/>
+              </a:solidFill>
+              <a:latin typeface="Arial"/>
+            </a:endParaRPr>
+          </a:p>
+        </p:txBody>
+      </p:sp>
+      <p:sp>
+        <p:nvSpPr>
+          <p:cNvPr id="259" name=""/>
+          <p:cNvSpPr/>
+          <p:nvPr/>
+        </p:nvSpPr>
+        <p:spPr>
+          <a:xfrm>
+            <a:off x="900000" y="3600000"/>
+            <a:ext cx="5398560" cy="718560"/>
+          </a:xfrm>
+          <a:prstGeom prst="rect">
+            <a:avLst/>
+          </a:prstGeom>
+          <a:noFill/>
+          <a:ln w="0">
+            <a:solidFill>
+              <a:srgbClr val="000000"/>
+            </a:solidFill>
+          </a:ln>
+        </p:spPr>
+        <p:style>
+          <a:lnRef idx="0"/>
+          <a:fillRef idx="0"/>
+          <a:effectRef idx="0"/>
+          <a:fontRef idx="minor"/>
+        </p:style>
+        <p:txBody>
+          <a:bodyPr lIns="90000" rIns="90000" tIns="45000" bIns="45000" anchor="ctr">
+            <a:noAutofit/>
+          </a:bodyPr>
+          <a:p>
+            <a:pPr>
+              <a:lnSpc>
+                <a:spcPct val="100000"/>
+              </a:lnSpc>
+            </a:pPr>
+            <a:endParaRPr b="0" lang="en-US" sz="1800" spc="-1" strike="noStrike">
+              <a:solidFill>
+                <a:srgbClr val="000000"/>
+              </a:solidFill>
+              <a:latin typeface="Arial"/>
+              <a:ea typeface="DejaVu Sans"/>
+            </a:endParaRPr>
+          </a:p>
+        </p:txBody>
+      </p:sp>
+      <p:sp>
+        <p:nvSpPr>
+          <p:cNvPr id="260" name=""/>
+          <p:cNvSpPr/>
+          <p:nvPr/>
+        </p:nvSpPr>
+        <p:spPr>
+          <a:xfrm>
+            <a:off x="1080000" y="3780000"/>
+            <a:ext cx="1078560" cy="358560"/>
+          </a:xfrm>
+          <a:prstGeom prst="rect">
+            <a:avLst/>
+          </a:prstGeom>
+          <a:noFill/>
+          <a:ln w="0">
+            <a:solidFill>
+              <a:srgbClr val="254061"/>
+            </a:solidFill>
+          </a:ln>
+        </p:spPr>
+        <p:style>
+          <a:lnRef idx="0"/>
+          <a:fillRef idx="0"/>
+          <a:effectRef idx="0"/>
+          <a:fontRef idx="minor"/>
+        </p:style>
+        <p:txBody>
+          <a:bodyPr lIns="90000" rIns="90000" tIns="45000" bIns="45000" anchor="ctr">
+            <a:noAutofit/>
+          </a:bodyPr>
+          <a:p>
+            <a:pPr algn="ctr">
+              <a:lnSpc>
+                <a:spcPct val="100000"/>
+              </a:lnSpc>
+            </a:pPr>
+            <a:r>
+              <a:rPr b="0" lang="ja-JP" sz="1800" spc="-1" strike="noStrike">
+                <a:solidFill>
+                  <a:srgbClr val="000000"/>
+                </a:solidFill>
+                <a:latin typeface="Arial"/>
+                <a:ea typeface="DejaVu Sans"/>
+              </a:rPr>
+              <a:t>日時</a:t>
+            </a:r>
+            <a:endParaRPr b="0" lang="en-US" sz="1800" spc="-1" strike="noStrike">
+              <a:solidFill>
+                <a:srgbClr val="000000"/>
+              </a:solidFill>
+              <a:latin typeface="Arial"/>
+            </a:endParaRPr>
+          </a:p>
+        </p:txBody>
+      </p:sp>
+      <p:sp>
+        <p:nvSpPr>
+          <p:cNvPr id="261" name=""/>
+          <p:cNvSpPr/>
+          <p:nvPr/>
+        </p:nvSpPr>
+        <p:spPr>
+          <a:xfrm>
+            <a:off x="2340000" y="3780000"/>
+            <a:ext cx="1078560" cy="358560"/>
+          </a:xfrm>
+          <a:prstGeom prst="rect">
+            <a:avLst/>
+          </a:prstGeom>
+          <a:noFill/>
+          <a:ln w="0">
+            <a:solidFill>
+              <a:srgbClr val="254061"/>
+            </a:solidFill>
+          </a:ln>
+        </p:spPr>
+        <p:style>
+          <a:lnRef idx="0"/>
+          <a:fillRef idx="0"/>
+          <a:effectRef idx="0"/>
+          <a:fontRef idx="minor"/>
+        </p:style>
+        <p:txBody>
+          <a:bodyPr lIns="90000" rIns="90000" tIns="45000" bIns="45000" anchor="ctr">
+            <a:noAutofit/>
+          </a:bodyPr>
+          <a:p>
+            <a:pPr algn="ctr">
+              <a:lnSpc>
+                <a:spcPct val="100000"/>
+              </a:lnSpc>
+            </a:pPr>
+            <a:r>
+              <a:rPr b="0" lang="ja-JP" sz="1800" spc="-1" strike="noStrike">
+                <a:solidFill>
+                  <a:srgbClr val="000000"/>
+                </a:solidFill>
+                <a:latin typeface="Arial"/>
+                <a:ea typeface="DejaVu Sans"/>
+              </a:rPr>
+              <a:t>個数</a:t>
+            </a:r>
+            <a:endParaRPr b="0" lang="en-US" sz="1800" spc="-1" strike="noStrike">
+              <a:solidFill>
+                <a:srgbClr val="000000"/>
+              </a:solidFill>
+              <a:latin typeface="Arial"/>
+            </a:endParaRPr>
+          </a:p>
+        </p:txBody>
+      </p:sp>
+      <p:sp>
+        <p:nvSpPr>
+          <p:cNvPr id="262" name=""/>
+          <p:cNvSpPr/>
+          <p:nvPr/>
+        </p:nvSpPr>
+        <p:spPr>
+          <a:xfrm>
+            <a:off x="3600000" y="3780000"/>
+            <a:ext cx="1078560" cy="358560"/>
+          </a:xfrm>
+          <a:prstGeom prst="rect">
+            <a:avLst/>
+          </a:prstGeom>
+          <a:noFill/>
+          <a:ln w="0">
+            <a:solidFill>
+              <a:srgbClr val="254061"/>
+            </a:solidFill>
+          </a:ln>
+        </p:spPr>
+        <p:style>
+          <a:lnRef idx="0"/>
+          <a:fillRef idx="0"/>
+          <a:effectRef idx="0"/>
+          <a:fontRef idx="minor"/>
+        </p:style>
+        <p:txBody>
+          <a:bodyPr lIns="90000" rIns="90000" tIns="45000" bIns="45000" anchor="ctr">
+            <a:noAutofit/>
+          </a:bodyPr>
+          <a:p>
+            <a:pPr algn="ctr">
+              <a:lnSpc>
+                <a:spcPct val="100000"/>
+              </a:lnSpc>
+            </a:pPr>
+            <a:r>
+              <a:rPr b="0" lang="ja-JP" sz="1800" spc="-1" strike="noStrike">
+                <a:solidFill>
+                  <a:srgbClr val="000000"/>
+                </a:solidFill>
+                <a:latin typeface="Arial"/>
+                <a:ea typeface="DejaVu Sans"/>
+              </a:rPr>
+              <a:t>元</a:t>
+            </a:r>
+            <a:endParaRPr b="0" lang="en-US" sz="1800" spc="-1" strike="noStrike">
+              <a:solidFill>
+                <a:srgbClr val="000000"/>
+              </a:solidFill>
+              <a:latin typeface="Arial"/>
+            </a:endParaRPr>
+          </a:p>
+        </p:txBody>
+      </p:sp>
+      <p:sp>
+        <p:nvSpPr>
+          <p:cNvPr id="263" name=""/>
+          <p:cNvSpPr/>
+          <p:nvPr/>
+        </p:nvSpPr>
+        <p:spPr>
+          <a:xfrm>
+            <a:off x="5040000" y="3780000"/>
+            <a:ext cx="1078560" cy="358560"/>
+          </a:xfrm>
+          <a:prstGeom prst="rect">
+            <a:avLst/>
+          </a:prstGeom>
+          <a:noFill/>
+          <a:ln w="0">
+            <a:solidFill>
+              <a:srgbClr val="254061"/>
+            </a:solidFill>
+          </a:ln>
+        </p:spPr>
+        <p:style>
+          <a:lnRef idx="0"/>
+          <a:fillRef idx="0"/>
+          <a:effectRef idx="0"/>
+          <a:fontRef idx="minor"/>
+        </p:style>
+        <p:txBody>
+          <a:bodyPr lIns="90000" rIns="90000" tIns="45000" bIns="45000" anchor="ctr">
+            <a:noAutofit/>
+          </a:bodyPr>
+          <a:p>
+            <a:pPr algn="ctr">
+              <a:lnSpc>
+                <a:spcPct val="100000"/>
+              </a:lnSpc>
+            </a:pPr>
+            <a:r>
+              <a:rPr b="0" lang="ja-JP" sz="1800" spc="-1" strike="noStrike">
+                <a:solidFill>
+                  <a:srgbClr val="000000"/>
+                </a:solidFill>
+                <a:latin typeface="Arial"/>
+                <a:ea typeface="DejaVu Sans"/>
+              </a:rPr>
+              <a:t>先</a:t>
+            </a:r>
+            <a:endParaRPr b="0" lang="en-US" sz="1800" spc="-1" strike="noStrike">
+              <a:solidFill>
+                <a:srgbClr val="000000"/>
+              </a:solidFill>
+              <a:latin typeface="Arial"/>
+            </a:endParaRPr>
+          </a:p>
+        </p:txBody>
+      </p:sp>
+      <p:cxnSp>
+        <p:nvCxnSpPr>
+          <p:cNvPr id="264" name=""/>
+          <p:cNvCxnSpPr>
+            <a:stCxn id="262" idx="3"/>
+            <a:endCxn id="263" idx="1"/>
+          </p:cNvCxnSpPr>
+          <p:nvPr/>
+        </p:nvCxnSpPr>
+        <p:spPr>
+          <a:xfrm>
+            <a:off x="4678560" y="3959280"/>
+            <a:ext cx="361800" cy="360"/>
+          </a:xfrm>
+          <a:prstGeom prst="straightConnector1">
+            <a:avLst/>
+          </a:prstGeom>
+          <a:ln w="0">
+            <a:solidFill>
+              <a:srgbClr val="3465a4"/>
+            </a:solidFill>
+            <a:tailEnd len="med" type="triangle" w="med"/>
+          </a:ln>
+        </p:spPr>
+      </p:cxnSp>
+    </p:spTree>
+  </p:cSld>
+  <mc:AlternateContent>
+    <mc:Choice Requires="p14">
+      <p:transition spd="slow" p14:dur="2000"/>
+    </mc:Choice>
+    <mc:Fallback>
+      <p:transition spd="slow"/>
+    </mc:Fallback>
+  </mc:AlternateContent>
+</p:sld>
+</file>
+
+<file path=ppt/slides/slide16.xml><?xml version="1.0" encoding="utf-8"?>
+<p:sld xmlns:a="http://schemas.openxmlformats.org/drawingml/2006/main" xmlns:p="http://schemas.openxmlformats.org/presentationml/2006/main" xmlns:r="http://schemas.openxmlformats.org/officeDocument/2006/relationships" xmlns:p14="http://schemas.microsoft.com/office/powerpoint/2010/main" xmlns:p15="http://schemas.microsoft.com/office/powerpoint/2012/main" xmlns:mc="http://schemas.openxmlformats.org/markup-compatibility/2006">
+  <p:cSld>
+    <p:spTree>
+      <p:nvGrpSpPr>
+        <p:cNvPr id="1" name=""/>
+        <p:cNvGrpSpPr/>
+        <p:nvPr/>
+      </p:nvGrpSpPr>
+      <p:grpSpPr>
+        <a:xfrm>
+          <a:off x="0" y="0"/>
+          <a:ext cx="0" cy="0"/>
+          <a:chOff x="0" y="0"/>
+          <a:chExt cx="0" cy="0"/>
+        </a:xfrm>
+      </p:grpSpPr>
+      <p:sp>
+        <p:nvSpPr>
+          <p:cNvPr id="265" name="PlaceHolder 1"/>
+          <p:cNvSpPr>
+            <a:spLocks noGrp="1"/>
+          </p:cNvSpPr>
+          <p:nvPr>
+            <p:ph type="title"/>
+          </p:nvPr>
+        </p:nvSpPr>
+        <p:spPr>
+          <a:xfrm>
+            <a:off x="504000" y="226080"/>
+            <a:ext cx="9069840" cy="944640"/>
+          </a:xfrm>
+          <a:prstGeom prst="rect">
+            <a:avLst/>
+          </a:prstGeom>
+          <a:noFill/>
+          <a:ln w="0">
+            <a:noFill/>
+          </a:ln>
+        </p:spPr>
+        <p:txBody>
+          <a:bodyPr lIns="0" rIns="0" tIns="0" bIns="0" anchor="ctr">
+            <a:noAutofit/>
+          </a:bodyPr>
+          <a:p>
+            <a:pPr indent="0" algn="ctr">
+              <a:lnSpc>
+                <a:spcPct val="100000"/>
+              </a:lnSpc>
+              <a:buNone/>
+              <a:tabLst>
+                <a:tab algn="l" pos="0"/>
+              </a:tabLst>
+            </a:pPr>
+            <a:r>
+              <a:rPr b="0" lang="ja-JP" sz="4400" spc="-1" strike="noStrike">
+                <a:solidFill>
+                  <a:srgbClr val="000000"/>
+                </a:solidFill>
+                <a:latin typeface="Arial"/>
+              </a:rPr>
+              <a:t>画面：在庫状況表示</a:t>
+            </a:r>
+            <a:endParaRPr b="0" lang="en-US" sz="4400" spc="-1" strike="noStrike">
+              <a:solidFill>
+                <a:srgbClr val="000000"/>
+              </a:solidFill>
+              <a:latin typeface="Arial"/>
+            </a:endParaRPr>
+          </a:p>
+        </p:txBody>
+      </p:sp>
+      <p:sp>
+        <p:nvSpPr>
+          <p:cNvPr id="266" name=""/>
+          <p:cNvSpPr/>
+          <p:nvPr/>
+        </p:nvSpPr>
+        <p:spPr>
+          <a:xfrm>
+            <a:off x="720000" y="1440000"/>
+            <a:ext cx="5758560" cy="3598560"/>
+          </a:xfrm>
+          <a:prstGeom prst="rect">
+            <a:avLst/>
+          </a:prstGeom>
+          <a:noFill/>
+          <a:ln w="0">
+            <a:solidFill>
+              <a:srgbClr val="000000"/>
+            </a:solidFill>
+          </a:ln>
+        </p:spPr>
+        <p:style>
+          <a:lnRef idx="0"/>
+          <a:fillRef idx="0"/>
+          <a:effectRef idx="0"/>
+          <a:fontRef idx="minor"/>
+        </p:style>
+        <p:txBody>
+          <a:bodyPr lIns="90000" rIns="90000" tIns="45000" bIns="45000" anchor="ctr">
+            <a:noAutofit/>
+          </a:bodyPr>
+          <a:p>
+            <a:pPr>
+              <a:lnSpc>
+                <a:spcPct val="100000"/>
+              </a:lnSpc>
+            </a:pPr>
+            <a:endParaRPr b="0" lang="en-US" sz="1800" spc="-1" strike="noStrike">
+              <a:solidFill>
+                <a:srgbClr val="000000"/>
+              </a:solidFill>
+              <a:latin typeface="Arial"/>
+              <a:ea typeface="DejaVu Sans"/>
+            </a:endParaRPr>
+          </a:p>
+        </p:txBody>
+      </p:sp>
+      <p:sp>
+        <p:nvSpPr>
+          <p:cNvPr id="267" name=""/>
+          <p:cNvSpPr/>
+          <p:nvPr/>
+        </p:nvSpPr>
+        <p:spPr>
+          <a:xfrm>
+            <a:off x="5400000" y="1980000"/>
+            <a:ext cx="898560" cy="358560"/>
+          </a:xfrm>
+          <a:prstGeom prst="rect">
+            <a:avLst/>
+          </a:prstGeom>
+          <a:solidFill>
+            <a:schemeClr val="accent1"/>
+          </a:solidFill>
+          <a:ln w="0">
+            <a:solidFill>
+              <a:srgbClr val="254061"/>
+            </a:solidFill>
+          </a:ln>
+        </p:spPr>
+        <p:style>
+          <a:lnRef idx="0"/>
+          <a:fillRef idx="0"/>
+          <a:effectRef idx="0"/>
+          <a:fontRef idx="minor"/>
+        </p:style>
+        <p:txBody>
+          <a:bodyPr lIns="90000" rIns="90000" tIns="45000" bIns="45000" anchor="ctr">
+            <a:noAutofit/>
+          </a:bodyPr>
+          <a:p>
+            <a:pPr algn="ctr">
+              <a:lnSpc>
+                <a:spcPct val="100000"/>
+              </a:lnSpc>
+            </a:pPr>
+            <a:r>
+              <a:rPr b="0" lang="ja-JP" sz="1800" spc="-1" strike="noStrike">
+                <a:solidFill>
+                  <a:srgbClr val="000000"/>
+                </a:solidFill>
+                <a:latin typeface="Arial"/>
+                <a:ea typeface="DejaVu Sans"/>
+              </a:rPr>
+              <a:t>検索</a:t>
+            </a:r>
+            <a:endParaRPr b="0" lang="en-US" sz="1800" spc="-1" strike="noStrike">
+              <a:solidFill>
+                <a:srgbClr val="000000"/>
+              </a:solidFill>
+              <a:latin typeface="Arial"/>
+            </a:endParaRPr>
+          </a:p>
+        </p:txBody>
+      </p:sp>
+      <p:sp>
+        <p:nvSpPr>
+          <p:cNvPr id="268" name=""/>
+          <p:cNvSpPr/>
+          <p:nvPr/>
+        </p:nvSpPr>
+        <p:spPr>
+          <a:xfrm>
+            <a:off x="900000" y="1620000"/>
+            <a:ext cx="5398560" cy="718560"/>
+          </a:xfrm>
+          <a:prstGeom prst="rect">
+            <a:avLst/>
+          </a:prstGeom>
+          <a:noFill/>
+          <a:ln w="0">
+            <a:solidFill>
+              <a:srgbClr val="000000"/>
+            </a:solidFill>
+          </a:ln>
+        </p:spPr>
+        <p:style>
+          <a:lnRef idx="0"/>
+          <a:fillRef idx="0"/>
+          <a:effectRef idx="0"/>
+          <a:fontRef idx="minor"/>
+        </p:style>
+        <p:txBody>
+          <a:bodyPr lIns="90000" rIns="90000" tIns="45000" bIns="45000" anchor="ctr">
+            <a:noAutofit/>
+          </a:bodyPr>
+          <a:p>
+            <a:pPr algn="ctr">
+              <a:lnSpc>
+                <a:spcPct val="100000"/>
+              </a:lnSpc>
+            </a:pPr>
+            <a:r>
+              <a:rPr b="0" lang="ja-JP" sz="1800" spc="-1" strike="noStrike">
+                <a:solidFill>
+                  <a:srgbClr val="000000"/>
+                </a:solidFill>
+                <a:latin typeface="Arial"/>
+                <a:ea typeface="DejaVu Sans"/>
+              </a:rPr>
+              <a:t>検索条件</a:t>
+            </a:r>
+            <a:endParaRPr b="0" lang="en-US" sz="1800" spc="-1" strike="noStrike">
+              <a:solidFill>
+                <a:srgbClr val="000000"/>
+              </a:solidFill>
+              <a:latin typeface="Arial"/>
+            </a:endParaRPr>
+          </a:p>
+        </p:txBody>
+      </p:sp>
+      <p:sp>
+        <p:nvSpPr>
+          <p:cNvPr id="269" name=""/>
+          <p:cNvSpPr/>
+          <p:nvPr/>
+        </p:nvSpPr>
+        <p:spPr>
+          <a:xfrm>
+            <a:off x="900000" y="2520000"/>
+            <a:ext cx="5398560" cy="2338560"/>
+          </a:xfrm>
+          <a:prstGeom prst="rect">
+            <a:avLst/>
+          </a:prstGeom>
+          <a:noFill/>
+          <a:ln w="0">
+            <a:solidFill>
+              <a:srgbClr val="000000"/>
+            </a:solidFill>
+          </a:ln>
+        </p:spPr>
+        <p:style>
+          <a:lnRef idx="0"/>
+          <a:fillRef idx="0"/>
+          <a:effectRef idx="0"/>
+          <a:fontRef idx="minor"/>
+        </p:style>
+        <p:txBody>
+          <a:bodyPr lIns="90000" rIns="90000" tIns="45000" bIns="45000" anchor="ctr">
+            <a:noAutofit/>
+          </a:bodyPr>
+          <a:p>
+            <a:pPr algn="ctr">
+              <a:lnSpc>
+                <a:spcPct val="100000"/>
+              </a:lnSpc>
+            </a:pPr>
+            <a:r>
+              <a:rPr b="0" lang="ja-JP" sz="1800" spc="-1" strike="noStrike">
+                <a:solidFill>
+                  <a:srgbClr val="000000"/>
+                </a:solidFill>
+                <a:latin typeface="Arial"/>
+                <a:ea typeface="DejaVu Sans"/>
+              </a:rPr>
+              <a:t>一覧</a:t>
+            </a:r>
+            <a:endParaRPr b="0" lang="en-US" sz="1800" spc="-1" strike="noStrike">
+              <a:solidFill>
+                <a:srgbClr val="000000"/>
+              </a:solidFill>
+              <a:latin typeface="Arial"/>
+            </a:endParaRPr>
+          </a:p>
+        </p:txBody>
+      </p:sp>
+    </p:spTree>
+  </p:cSld>
+  <mc:AlternateContent>
+    <mc:Choice Requires="p14">
+      <p:transition spd="slow" p14:dur="2000"/>
+    </mc:Choice>
+    <mc:Fallback>
+      <p:transition spd="slow"/>
+    </mc:Fallback>
+  </mc:AlternateContent>
+</p:sld>
+</file>
+
+<file path=ppt/slides/slide17.xml><?xml version="1.0" encoding="utf-8"?>
+<p:sld xmlns:a="http://schemas.openxmlformats.org/drawingml/2006/main" xmlns:p="http://schemas.openxmlformats.org/presentationml/2006/main" xmlns:r="http://schemas.openxmlformats.org/officeDocument/2006/relationships" xmlns:p14="http://schemas.microsoft.com/office/powerpoint/2010/main" xmlns:p15="http://schemas.microsoft.com/office/powerpoint/2012/main" xmlns:mc="http://schemas.openxmlformats.org/markup-compatibility/2006">
+  <p:cSld>
+    <p:spTree>
+      <p:nvGrpSpPr>
+        <p:cNvPr id="1" name=""/>
+        <p:cNvGrpSpPr/>
+        <p:nvPr/>
+      </p:nvGrpSpPr>
+      <p:grpSpPr>
+        <a:xfrm>
+          <a:off x="0" y="0"/>
+          <a:ext cx="0" cy="0"/>
+          <a:chOff x="0" y="0"/>
+          <a:chExt cx="0" cy="0"/>
+        </a:xfrm>
+      </p:grpSpPr>
+      <p:sp>
+        <p:nvSpPr>
+          <p:cNvPr id="270" name="PlaceHolder 1"/>
+          <p:cNvSpPr>
+            <a:spLocks noGrp="1"/>
+          </p:cNvSpPr>
+          <p:nvPr>
+            <p:ph type="title"/>
+          </p:nvPr>
+        </p:nvSpPr>
+        <p:spPr>
+          <a:xfrm>
+            <a:off x="504000" y="226080"/>
+            <a:ext cx="9069840" cy="944640"/>
+          </a:xfrm>
+          <a:prstGeom prst="rect">
+            <a:avLst/>
+          </a:prstGeom>
+          <a:noFill/>
+          <a:ln w="0">
+            <a:noFill/>
+          </a:ln>
+        </p:spPr>
+        <p:txBody>
+          <a:bodyPr lIns="0" rIns="0" tIns="0" bIns="0" anchor="ctr">
+            <a:noAutofit/>
+          </a:bodyPr>
+          <a:p>
+            <a:pPr indent="0" algn="ctr">
+              <a:lnSpc>
+                <a:spcPct val="100000"/>
+              </a:lnSpc>
+              <a:buNone/>
+              <a:tabLst>
+                <a:tab algn="l" pos="0"/>
+              </a:tabLst>
+            </a:pPr>
+            <a:r>
               <a:rPr b="0" lang="en-US" sz="4400" spc="-1" strike="noStrike">
                 <a:solidFill>
                   <a:srgbClr val="000000"/>
@@ -14973,7 +15598,7 @@
       </p:sp>
       <p:sp>
         <p:nvSpPr>
-          <p:cNvPr id="262" name="PlaceHolder 2"/>
+          <p:cNvPr id="271" name="PlaceHolder 2"/>
           <p:cNvSpPr>
             <a:spLocks noGrp="1"/>
           </p:cNvSpPr>
@@ -14984,7 +15609,7 @@
         <p:spPr>
           <a:xfrm>
             <a:off x="504000" y="1326600"/>
-            <a:ext cx="9070560" cy="3287160"/>
+            <a:ext cx="9069840" cy="3286440"/>
           </a:xfrm>
           <a:prstGeom prst="rect">
             <a:avLst/>
@@ -15229,7 +15854,7 @@
         <p:spPr>
           <a:xfrm>
             <a:off x="504000" y="226080"/>
-            <a:ext cx="9070560" cy="945360"/>
+            <a:ext cx="9069840" cy="944640"/>
           </a:xfrm>
           <a:prstGeom prst="rect">
             <a:avLst/>
@@ -15284,7 +15909,7 @@
         <p:spPr>
           <a:xfrm>
             <a:off x="504000" y="1326600"/>
-            <a:ext cx="9070560" cy="3287160"/>
+            <a:ext cx="9069840" cy="3286440"/>
           </a:xfrm>
           <a:prstGeom prst="rect">
             <a:avLst/>
@@ -15374,7 +15999,7 @@
         <p:spPr>
           <a:xfrm>
             <a:off x="504000" y="226080"/>
-            <a:ext cx="9070560" cy="945360"/>
+            <a:ext cx="9069840" cy="944640"/>
           </a:xfrm>
           <a:prstGeom prst="rect">
             <a:avLst/>
@@ -15429,7 +16054,7 @@
         <p:spPr>
           <a:xfrm>
             <a:off x="504000" y="1326600"/>
-            <a:ext cx="9070560" cy="4072320"/>
+            <a:ext cx="9069840" cy="4071600"/>
           </a:xfrm>
           <a:prstGeom prst="rect">
             <a:avLst/>
@@ -15965,7 +16590,7 @@
         <p:spPr>
           <a:xfrm>
             <a:off x="6120000" y="1326600"/>
-            <a:ext cx="3059280" cy="347400"/>
+            <a:ext cx="3058560" cy="346680"/>
           </a:xfrm>
           <a:prstGeom prst="rect">
             <a:avLst/>
@@ -16063,7 +16688,7 @@
         <p:spPr>
           <a:xfrm>
             <a:off x="504000" y="226080"/>
-            <a:ext cx="9070560" cy="945360"/>
+            <a:ext cx="9069840" cy="944640"/>
           </a:xfrm>
           <a:prstGeom prst="rect">
             <a:avLst/>
@@ -16118,7 +16743,7 @@
         <p:spPr>
           <a:xfrm>
             <a:off x="504000" y="1326600"/>
-            <a:ext cx="9070560" cy="3712320"/>
+            <a:ext cx="9069840" cy="3711600"/>
           </a:xfrm>
           <a:prstGeom prst="rect">
             <a:avLst/>
@@ -16425,7 +17050,7 @@
         <p:spPr>
           <a:xfrm>
             <a:off x="504000" y="226080"/>
-            <a:ext cx="9070560" cy="945360"/>
+            <a:ext cx="9069840" cy="944640"/>
           </a:xfrm>
           <a:prstGeom prst="rect">
             <a:avLst/>
@@ -16476,7 +17101,7 @@
         <p:spPr>
           <a:xfrm>
             <a:off x="720000" y="1440000"/>
-            <a:ext cx="1439280" cy="719280"/>
+            <a:ext cx="1438560" cy="718560"/>
           </a:xfrm>
           <a:prstGeom prst="rect">
             <a:avLst/>
@@ -16534,7 +17159,7 @@
         <p:spPr>
           <a:xfrm>
             <a:off x="3600000" y="1440000"/>
-            <a:ext cx="1439280" cy="719280"/>
+            <a:ext cx="1438560" cy="718560"/>
           </a:xfrm>
           <a:prstGeom prst="rect">
             <a:avLst/>
@@ -16594,8 +17219,8 @@
         </p:nvCxnSpPr>
         <p:spPr>
           <a:xfrm>
-            <a:off x="2159280" y="1799640"/>
-            <a:ext cx="1441080" cy="360"/>
+            <a:off x="2158560" y="1799280"/>
+            <a:ext cx="1441800" cy="360"/>
           </a:xfrm>
           <a:prstGeom prst="bentConnector2">
             <a:avLst/>
@@ -16616,7 +17241,7 @@
         <p:spPr>
           <a:xfrm>
             <a:off x="4320000" y="3240000"/>
-            <a:ext cx="1439280" cy="719280"/>
+            <a:ext cx="1438560" cy="718560"/>
           </a:xfrm>
           <a:prstGeom prst="rect">
             <a:avLst/>
@@ -16697,7 +17322,7 @@
         <p:spPr>
           <a:xfrm>
             <a:off x="2340000" y="3240000"/>
-            <a:ext cx="1439280" cy="1079280"/>
+            <a:ext cx="1438560" cy="1078560"/>
           </a:xfrm>
           <a:prstGeom prst="rect">
             <a:avLst/>
@@ -16778,7 +17403,7 @@
         <p:spPr>
           <a:xfrm>
             <a:off x="720000" y="3240000"/>
-            <a:ext cx="1439280" cy="1079280"/>
+            <a:ext cx="1438560" cy="1078560"/>
           </a:xfrm>
           <a:prstGeom prst="rect">
             <a:avLst/>
@@ -16859,7 +17484,7 @@
         <p:spPr>
           <a:xfrm>
             <a:off x="6120000" y="4140000"/>
-            <a:ext cx="1439280" cy="719280"/>
+            <a:ext cx="1438560" cy="718560"/>
           </a:xfrm>
           <a:prstGeom prst="rect">
             <a:avLst/>
@@ -16940,7 +17565,7 @@
         <p:spPr>
           <a:xfrm>
             <a:off x="8100000" y="3240000"/>
-            <a:ext cx="1439280" cy="1079280"/>
+            <a:ext cx="1438560" cy="1078560"/>
           </a:xfrm>
           <a:prstGeom prst="rect">
             <a:avLst/>
@@ -17023,12 +17648,12 @@
         </p:nvCxnSpPr>
         <p:spPr>
           <a:xfrm rot="5400000">
-            <a:off x="2339280" y="1259640"/>
-            <a:ext cx="1081080" cy="2880360"/>
+            <a:off x="2338560" y="1259280"/>
+            <a:ext cx="1081800" cy="2880360"/>
           </a:xfrm>
           <a:prstGeom prst="bentConnector3">
             <a:avLst>
-              <a:gd name="adj1" fmla="val 50033"/>
+              <a:gd name="adj1" fmla="val 50066"/>
             </a:avLst>
           </a:prstGeom>
           <a:ln w="0">
@@ -17049,12 +17674,12 @@
         </p:nvCxnSpPr>
         <p:spPr>
           <a:xfrm rot="5400000">
-            <a:off x="3149280" y="2069640"/>
-            <a:ext cx="1081080" cy="1260360"/>
+            <a:off x="3148560" y="2069280"/>
+            <a:ext cx="1081800" cy="1260360"/>
           </a:xfrm>
           <a:prstGeom prst="bentConnector3">
             <a:avLst>
-              <a:gd name="adj1" fmla="val 50033"/>
+              <a:gd name="adj1" fmla="val 50066"/>
             </a:avLst>
           </a:prstGeom>
           <a:ln w="0">
@@ -17075,12 +17700,12 @@
         </p:nvCxnSpPr>
         <p:spPr>
           <a:xfrm flipH="1" rot="16200000">
-            <a:off x="4139280" y="2339640"/>
-            <a:ext cx="1081080" cy="720360"/>
+            <a:off x="4138560" y="2339280"/>
+            <a:ext cx="1081800" cy="720360"/>
           </a:xfrm>
           <a:prstGeom prst="bentConnector3">
             <a:avLst>
-              <a:gd name="adj1" fmla="val 50033"/>
+              <a:gd name="adj1" fmla="val 50066"/>
             </a:avLst>
           </a:prstGeom>
           <a:ln w="0">
@@ -17101,8 +17726,8 @@
         </p:nvCxnSpPr>
         <p:spPr>
           <a:xfrm>
-            <a:off x="5759280" y="3599640"/>
-            <a:ext cx="1080720" cy="540720"/>
+            <a:off x="5758560" y="3599280"/>
+            <a:ext cx="1081080" cy="541080"/>
           </a:xfrm>
           <a:prstGeom prst="bentConnector2">
             <a:avLst/>
@@ -17125,12 +17750,12 @@
         </p:nvCxnSpPr>
         <p:spPr>
           <a:xfrm flipH="1" rot="16200000">
-            <a:off x="6029280" y="449640"/>
-            <a:ext cx="1081080" cy="4500360"/>
+            <a:off x="6028560" y="449280"/>
+            <a:ext cx="1081800" cy="4500360"/>
           </a:xfrm>
           <a:prstGeom prst="bentConnector3">
             <a:avLst>
-              <a:gd name="adj1" fmla="val 50033"/>
+              <a:gd name="adj1" fmla="val 50066"/>
             </a:avLst>
           </a:prstGeom>
           <a:ln w="0">
@@ -17149,7 +17774,7 @@
         <p:spPr>
           <a:xfrm>
             <a:off x="540000" y="3060000"/>
-            <a:ext cx="3419280" cy="1979280"/>
+            <a:ext cx="3418560" cy="1978560"/>
           </a:xfrm>
           <a:prstGeom prst="rect">
             <a:avLst/>
@@ -17270,7 +17895,7 @@
         <p:spPr>
           <a:xfrm>
             <a:off x="4140000" y="3060000"/>
-            <a:ext cx="3599280" cy="1979280"/>
+            <a:ext cx="3598560" cy="1978560"/>
           </a:xfrm>
           <a:prstGeom prst="rect">
             <a:avLst/>
@@ -17391,7 +18016,7 @@
         <p:spPr>
           <a:xfrm>
             <a:off x="7920000" y="3060000"/>
-            <a:ext cx="1799280" cy="1979280"/>
+            <a:ext cx="1798560" cy="1978560"/>
           </a:xfrm>
           <a:prstGeom prst="rect">
             <a:avLst/>
@@ -17512,7 +18137,7 @@
         <p:spPr>
           <a:xfrm>
             <a:off x="5580000" y="720000"/>
-            <a:ext cx="2519280" cy="1259280"/>
+            <a:ext cx="2518560" cy="1258560"/>
           </a:xfrm>
           <a:prstGeom prst="wedgeRoundRectCallout">
             <a:avLst>
@@ -17556,6 +18181,51 @@
               </a:rPr>
               <a:t>ナビゲーションバーでよいのでは？</a:t>
             </a:r>
+            <a:endParaRPr b="0" lang="en-US" sz="1800" spc="-1" strike="noStrike">
+              <a:solidFill>
+                <a:srgbClr val="000000"/>
+              </a:solidFill>
+              <a:latin typeface="Arial"/>
+            </a:endParaRPr>
+          </a:p>
+        </p:txBody>
+      </p:sp>
+      <p:sp>
+        <p:nvSpPr>
+          <p:cNvPr id="191" name=""/>
+          <p:cNvSpPr/>
+          <p:nvPr/>
+        </p:nvSpPr>
+        <p:spPr>
+          <a:xfrm rot="18900000">
+            <a:off x="2339280" y="720000"/>
+            <a:ext cx="4500000" cy="4318560"/>
+          </a:xfrm>
+          <a:prstGeom prst="plus">
+            <a:avLst>
+              <a:gd name="adj" fmla="val 43227"/>
+            </a:avLst>
+          </a:prstGeom>
+          <a:solidFill>
+            <a:srgbClr val="ff0000"/>
+          </a:solidFill>
+          <a:ln w="0">
+            <a:solidFill>
+              <a:srgbClr val="ff0000"/>
+            </a:solidFill>
+          </a:ln>
+        </p:spPr>
+        <p:style>
+          <a:lnRef idx="0"/>
+          <a:fillRef idx="0"/>
+          <a:effectRef idx="0"/>
+          <a:fontRef idx="minor"/>
+        </p:style>
+        <p:txBody>
+          <a:bodyPr lIns="90000" rIns="90000" tIns="45000" bIns="45000" anchor="ctr">
+            <a:noAutofit/>
+          </a:bodyPr>
+          <a:p>
             <a:endParaRPr b="0" lang="en-US" sz="1800" spc="-1" strike="noStrike">
               <a:solidFill>
                 <a:srgbClr val="000000"/>
@@ -17597,7 +18267,7 @@
       </p:grpSpPr>
       <p:sp>
         <p:nvSpPr>
-          <p:cNvPr id="191" name="PlaceHolder 1"/>
+          <p:cNvPr id="192" name="PlaceHolder 1"/>
           <p:cNvSpPr>
             <a:spLocks noGrp="1"/>
           </p:cNvSpPr>
@@ -17608,7 +18278,7 @@
         <p:spPr>
           <a:xfrm>
             <a:off x="504000" y="226080"/>
-            <a:ext cx="9070560" cy="945360"/>
+            <a:ext cx="9069840" cy="944640"/>
           </a:xfrm>
           <a:prstGeom prst="rect">
             <a:avLst/>
@@ -17652,14 +18322,14 @@
       </p:sp>
       <p:sp>
         <p:nvSpPr>
-          <p:cNvPr id="192" name=""/>
+          <p:cNvPr id="193" name=""/>
           <p:cNvSpPr/>
           <p:nvPr/>
         </p:nvSpPr>
         <p:spPr>
           <a:xfrm>
             <a:off x="900000" y="1440000"/>
-            <a:ext cx="7808040" cy="3435120"/>
+            <a:ext cx="7807320" cy="3434400"/>
           </a:xfrm>
           <a:prstGeom prst="rect">
             <a:avLst/>
@@ -17691,71 +18361,9 @@
                   <a:srgbClr val="000000"/>
                 </a:solidFill>
                 <a:latin typeface="Arial"/>
+                <a:ea typeface="DejaVu Sans"/>
               </a:rPr>
               <a:t>ログイン</a:t>
-            </a:r>
-            <a:r>
-              <a:rPr b="0" lang="en-US" sz="1800" spc="-1" strike="noStrike">
-                <a:solidFill>
-                  <a:srgbClr val="000000"/>
-                </a:solidFill>
-                <a:latin typeface="Arial"/>
-              </a:rPr>
-              <a:t>	</a:t>
-            </a:r>
-            <a:r>
-              <a:rPr b="0" lang="en-US" sz="1800" spc="-1" strike="noStrike">
-                <a:solidFill>
-                  <a:srgbClr val="000000"/>
-                </a:solidFill>
-                <a:latin typeface="Arial"/>
-              </a:rPr>
-              <a:t>	</a:t>
-            </a:r>
-            <a:r>
-              <a:rPr b="0" lang="en-US" sz="1800" spc="-1" strike="noStrike">
-                <a:solidFill>
-                  <a:srgbClr val="000000"/>
-                </a:solidFill>
-                <a:latin typeface="Arial"/>
-              </a:rPr>
-              <a:t>	</a:t>
-            </a:r>
-            <a:r>
-              <a:rPr b="0" lang="en-US" sz="1800" spc="-1" strike="noStrike">
-                <a:solidFill>
-                  <a:srgbClr val="000000"/>
-                </a:solidFill>
-                <a:latin typeface="Arial"/>
-              </a:rPr>
-              <a:t>	</a:t>
-            </a:r>
-            <a:r>
-              <a:rPr b="0" lang="en-US" sz="1800" spc="-1" strike="noStrike">
-                <a:solidFill>
-                  <a:srgbClr val="000000"/>
-                </a:solidFill>
-                <a:latin typeface="Arial"/>
-              </a:rPr>
-              <a:t>	</a:t>
-            </a:r>
-            <a:r>
-              <a:rPr b="0" lang="en-US" sz="1800" spc="-1" strike="noStrike">
-                <a:solidFill>
-                  <a:srgbClr val="000000"/>
-                </a:solidFill>
-                <a:latin typeface="Arial"/>
-              </a:rPr>
-              <a:t>	</a:t>
-            </a:r>
-            <a:r>
-              <a:rPr b="0" lang="en-US" sz="1800" spc="-1" strike="noStrike">
-                <a:solidFill>
-                  <a:srgbClr val="000000"/>
-                </a:solidFill>
-                <a:latin typeface="Arial"/>
-              </a:rPr>
-              <a:t>1</a:t>
             </a:r>
             <a:endParaRPr b="0" lang="en-US" sz="1800" spc="-1" strike="noStrike">
               <a:solidFill>
@@ -17776,8 +18384,9 @@
                   <a:srgbClr val="000000"/>
                 </a:solidFill>
                 <a:latin typeface="Arial"/>
-              </a:rPr>
-              <a:t>└</a:t>
+                <a:ea typeface="DejaVu Sans"/>
+              </a:rPr>
+              <a:t>├</a:t>
             </a:r>
             <a:r>
               <a:rPr b="0" lang="en-US" sz="1800" spc="-1" strike="noStrike">
@@ -17785,6 +18394,7 @@
                   <a:srgbClr val="000000"/>
                 </a:solidFill>
                 <a:latin typeface="Arial"/>
+                <a:ea typeface="DejaVu Sans"/>
               </a:rPr>
               <a:t>	</a:t>
             </a:r>
@@ -17794,8 +18404,9 @@
                   <a:srgbClr val="000000"/>
                 </a:solidFill>
                 <a:latin typeface="Arial"/>
-              </a:rPr>
-              <a:t>メニュー</a:t>
+                <a:ea typeface="DejaVu Sans"/>
+              </a:rPr>
+              <a:t>バー</a:t>
             </a:r>
             <a:r>
               <a:rPr b="0" lang="en-US" sz="1800" spc="-1" strike="noStrike">
@@ -17803,6 +18414,7 @@
                   <a:srgbClr val="000000"/>
                 </a:solidFill>
                 <a:latin typeface="Arial"/>
+                <a:ea typeface="DejaVu Sans"/>
               </a:rPr>
               <a:t>	</a:t>
             </a:r>
@@ -17812,6 +18424,7 @@
                   <a:srgbClr val="000000"/>
                 </a:solidFill>
                 <a:latin typeface="Arial"/>
+                <a:ea typeface="DejaVu Sans"/>
               </a:rPr>
               <a:t>	</a:t>
             </a:r>
@@ -17821,6 +18434,7 @@
                   <a:srgbClr val="000000"/>
                 </a:solidFill>
                 <a:latin typeface="Arial"/>
+                <a:ea typeface="DejaVu Sans"/>
               </a:rPr>
               <a:t>	</a:t>
             </a:r>
@@ -17830,6 +18444,7 @@
                   <a:srgbClr val="000000"/>
                 </a:solidFill>
                 <a:latin typeface="Arial"/>
+                <a:ea typeface="DejaVu Sans"/>
               </a:rPr>
               <a:t>	</a:t>
             </a:r>
@@ -17839,8 +18454,29 @@
                   <a:srgbClr val="000000"/>
                 </a:solidFill>
                 <a:latin typeface="Arial"/>
-              </a:rPr>
-              <a:t>2</a:t>
+                <a:ea typeface="DejaVu Sans"/>
+              </a:rPr>
+              <a:t>	</a:t>
+            </a:r>
+            <a:r>
+              <a:rPr b="0" lang="en-US" sz="1800" spc="-1" strike="noStrike">
+                <a:solidFill>
+                  <a:srgbClr val="000000"/>
+                </a:solidFill>
+                <a:latin typeface="Arial"/>
+                <a:ea typeface="DejaVu Sans"/>
+              </a:rPr>
+              <a:t>	</a:t>
+            </a:r>
+            <a:r>
+              <a:rPr b="0" lang="en-US" sz="1800" spc="-1" strike="noStrike">
+                <a:solidFill>
+                  <a:srgbClr val="000000"/>
+                </a:solidFill>
+                <a:latin typeface="Arial"/>
+                <a:ea typeface="DejaVu Sans"/>
+              </a:rPr>
+              <a:t>1</a:t>
             </a:r>
             <a:endParaRPr b="0" lang="en-US" sz="1800" spc="-1" strike="noStrike">
               <a:solidFill>
@@ -17861,6 +18497,17 @@
                   <a:srgbClr val="000000"/>
                 </a:solidFill>
                 <a:latin typeface="Arial"/>
+                <a:ea typeface="DejaVu Sans"/>
+              </a:rPr>
+              <a:t>│</a:t>
+            </a:r>
+            <a:r>
+              <a:rPr b="0" lang="en-US" sz="1800" spc="-1" strike="noStrike">
+                <a:solidFill>
+                  <a:srgbClr val="000000"/>
+                </a:solidFill>
+                <a:latin typeface="Arial"/>
+                <a:ea typeface="DejaVu Sans"/>
               </a:rPr>
               <a:t>	</a:t>
             </a:r>
@@ -17870,53 +18517,19 @@
                   <a:srgbClr val="000000"/>
                 </a:solidFill>
                 <a:latin typeface="Arial"/>
+                <a:ea typeface="DejaVu Sans"/>
               </a:rPr>
               <a:t>├</a:t>
             </a:r>
             <a:r>
-              <a:rPr b="0" lang="en-US" sz="1800" spc="-1" strike="noStrike">
-                <a:solidFill>
-                  <a:srgbClr val="000000"/>
-                </a:solidFill>
-                <a:latin typeface="Arial"/>
-              </a:rPr>
-              <a:t>	</a:t>
-            </a:r>
-            <a:r>
               <a:rPr b="0" lang="ja-JP" sz="1800" spc="-1" strike="noStrike">
                 <a:solidFill>
                   <a:srgbClr val="000000"/>
                 </a:solidFill>
                 <a:latin typeface="Arial"/>
-              </a:rPr>
-              <a:t>ユーザーマスタ一覧</a:t>
-            </a:r>
-            <a:r>
-              <a:rPr b="0" lang="en-US" sz="1800" spc="-1" strike="noStrike">
-                <a:solidFill>
-                  <a:srgbClr val="000000"/>
-                </a:solidFill>
-                <a:latin typeface="Arial"/>
-              </a:rPr>
-              <a:t>	</a:t>
-            </a:r>
-            <a:r>
-              <a:rPr b="0" lang="en-US" sz="1800" spc="-1" strike="noStrike">
-                <a:solidFill>
-                  <a:srgbClr val="000000"/>
-                </a:solidFill>
-                <a:latin typeface="Arial"/>
-              </a:rPr>
-              <a:t>	</a:t>
-            </a:r>
-            <a:r>
-              <a:rPr b="0" lang="en-US" sz="1800" spc="-1" strike="noStrike">
-                <a:solidFill>
-                  <a:srgbClr val="000000"/>
-                </a:solidFill>
-                <a:latin typeface="Arial"/>
-              </a:rPr>
-              <a:t>31</a:t>
+                <a:ea typeface="DejaVu Sans"/>
+              </a:rPr>
+              <a:t>パスワード変更</a:t>
             </a:r>
             <a:endParaRPr b="0" lang="en-US" sz="1800" spc="-1" strike="noStrike">
               <a:solidFill>
@@ -17937,6 +18550,17 @@
                   <a:srgbClr val="000000"/>
                 </a:solidFill>
                 <a:latin typeface="Arial"/>
+                <a:ea typeface="DejaVu Sans"/>
+              </a:rPr>
+              <a:t>│</a:t>
+            </a:r>
+            <a:r>
+              <a:rPr b="0" lang="en-US" sz="1800" spc="-1" strike="noStrike">
+                <a:solidFill>
+                  <a:srgbClr val="000000"/>
+                </a:solidFill>
+                <a:latin typeface="Arial"/>
+                <a:ea typeface="DejaVu Sans"/>
               </a:rPr>
               <a:t>	</a:t>
             </a:r>
@@ -17946,8 +18570,19 @@
                   <a:srgbClr val="000000"/>
                 </a:solidFill>
                 <a:latin typeface="Arial"/>
-              </a:rPr>
-              <a:t>│</a:t>
+                <a:ea typeface="DejaVu Sans"/>
+              </a:rPr>
+              <a:t>└</a:t>
+            </a:r>
+            <a:r>
+              <a:rPr b="0" lang="ja-JP" sz="1800" spc="-1" strike="noStrike">
+                <a:solidFill>
+                  <a:srgbClr val="000000"/>
+                </a:solidFill>
+                <a:latin typeface="Arial"/>
+                <a:ea typeface="DejaVu Sans"/>
+              </a:rPr>
+              <a:t>ログアウト</a:t>
             </a:r>
             <a:r>
               <a:rPr b="0" lang="en-US" sz="1800" spc="-1" strike="noStrike">
@@ -17955,53 +18590,9 @@
                   <a:srgbClr val="000000"/>
                 </a:solidFill>
                 <a:latin typeface="Arial"/>
+                <a:ea typeface="DejaVu Sans"/>
               </a:rPr>
               <a:t>	</a:t>
-            </a:r>
-            <a:r>
-              <a:rPr b="0" lang="en-US" sz="1800" spc="-1" strike="noStrike">
-                <a:solidFill>
-                  <a:srgbClr val="000000"/>
-                </a:solidFill>
-                <a:latin typeface="Arial"/>
-              </a:rPr>
-              <a:t>└</a:t>
-            </a:r>
-            <a:r>
-              <a:rPr b="0" lang="en-US" sz="1800" spc="-1" strike="noStrike">
-                <a:solidFill>
-                  <a:srgbClr val="000000"/>
-                </a:solidFill>
-                <a:latin typeface="Arial"/>
-              </a:rPr>
-              <a:t>	</a:t>
-            </a:r>
-            <a:r>
-              <a:rPr b="0" lang="ja-JP" sz="1800" spc="-1" strike="noStrike">
-                <a:solidFill>
-                  <a:srgbClr val="000000"/>
-                </a:solidFill>
-                <a:latin typeface="Arial"/>
-              </a:rPr>
-              <a:t>ユーザーマスター編集</a:t>
-            </a:r>
-            <a:r>
-              <a:rPr b="0" lang="en-US" sz="1800" spc="-1" strike="noStrike">
-                <a:solidFill>
-                  <a:srgbClr val="000000"/>
-                </a:solidFill>
-                <a:latin typeface="Arial"/>
-              </a:rPr>
-              <a:t>	</a:t>
-            </a:r>
-            <a:r>
-              <a:rPr b="0" lang="en-US" sz="1800" spc="-1" strike="noStrike">
-                <a:solidFill>
-                  <a:srgbClr val="000000"/>
-                </a:solidFill>
-                <a:latin typeface="Arial"/>
-              </a:rPr>
-              <a:t>32</a:t>
             </a:r>
             <a:endParaRPr b="0" lang="en-US" sz="1800" spc="-1" strike="noStrike">
               <a:solidFill>
@@ -18022,17 +18613,49 @@
                   <a:srgbClr val="000000"/>
                 </a:solidFill>
                 <a:latin typeface="Arial"/>
+                <a:ea typeface="DejaVu Sans"/>
+              </a:rPr>
+              <a:t>└</a:t>
+            </a:r>
+            <a:r>
+              <a:rPr b="0" lang="en-US" sz="1800" spc="-1" strike="noStrike">
+                <a:solidFill>
+                  <a:srgbClr val="000000"/>
+                </a:solidFill>
+                <a:latin typeface="Arial"/>
+                <a:ea typeface="DejaVu Sans"/>
               </a:rPr>
               <a:t>	</a:t>
             </a:r>
             <a:r>
+              <a:rPr b="0" lang="ja-JP" sz="1800" spc="-1" strike="noStrike">
+                <a:solidFill>
+                  <a:srgbClr val="000000"/>
+                </a:solidFill>
+                <a:latin typeface="Arial"/>
+                <a:ea typeface="DejaVu Sans"/>
+              </a:rPr>
+              <a:t>メニュー</a:t>
+            </a:r>
+            <a:r>
               <a:rPr b="0" lang="en-US" sz="1800" spc="-1" strike="noStrike">
                 <a:solidFill>
                   <a:srgbClr val="000000"/>
                 </a:solidFill>
                 <a:latin typeface="Arial"/>
-              </a:rPr>
-              <a:t>└</a:t>
+                <a:ea typeface="DejaVu Sans"/>
+              </a:rPr>
+              <a:t>(</a:t>
+            </a:r>
+            <a:r>
+              <a:rPr b="0" lang="ja-JP" sz="1800" spc="-1" strike="noStrike">
+                <a:solidFill>
+                  <a:srgbClr val="000000"/>
+                </a:solidFill>
+                <a:latin typeface="Arial"/>
+                <a:ea typeface="DejaVu Sans"/>
+              </a:rPr>
+              <a:t>サイドメニュー</a:t>
             </a:r>
             <a:r>
               <a:rPr b="0" lang="en-US" sz="1800" spc="-1" strike="noStrike">
@@ -18040,24 +18663,27 @@
                   <a:srgbClr val="000000"/>
                 </a:solidFill>
                 <a:latin typeface="Arial"/>
+                <a:ea typeface="DejaVu Sans"/>
+              </a:rPr>
+              <a:t>)</a:t>
+            </a:r>
+            <a:r>
+              <a:rPr b="0" lang="en-US" sz="1800" spc="-1" strike="noStrike">
+                <a:solidFill>
+                  <a:srgbClr val="000000"/>
+                </a:solidFill>
+                <a:latin typeface="Arial"/>
+                <a:ea typeface="DejaVu Sans"/>
               </a:rPr>
               <a:t>	</a:t>
             </a:r>
             <a:r>
-              <a:rPr b="0" lang="ja-JP" sz="1800" spc="-1" strike="noStrike">
-                <a:solidFill>
-                  <a:srgbClr val="000000"/>
-                </a:solidFill>
-                <a:latin typeface="Arial"/>
-              </a:rPr>
-              <a:t>エリアマスター一覧</a:t>
-            </a:r>
-            <a:r>
               <a:rPr b="0" lang="en-US" sz="1800" spc="-1" strike="noStrike">
                 <a:solidFill>
                   <a:srgbClr val="000000"/>
                 </a:solidFill>
                 <a:latin typeface="Arial"/>
+                <a:ea typeface="DejaVu Sans"/>
               </a:rPr>
               <a:t>	</a:t>
             </a:r>
@@ -18067,6 +18693,7 @@
                   <a:srgbClr val="000000"/>
                 </a:solidFill>
                 <a:latin typeface="Arial"/>
+                <a:ea typeface="DejaVu Sans"/>
               </a:rPr>
               <a:t>	</a:t>
             </a:r>
@@ -18076,8 +18703,19 @@
                   <a:srgbClr val="000000"/>
                 </a:solidFill>
                 <a:latin typeface="Arial"/>
-              </a:rPr>
-              <a:t>41</a:t>
+                <a:ea typeface="DejaVu Sans"/>
+              </a:rPr>
+              <a:t>	</a:t>
+            </a:r>
+            <a:r>
+              <a:rPr b="0" lang="en-US" sz="1800" spc="-1" strike="noStrike">
+                <a:solidFill>
+                  <a:srgbClr val="000000"/>
+                </a:solidFill>
+                <a:latin typeface="Arial"/>
+                <a:ea typeface="DejaVu Sans"/>
+              </a:rPr>
+              <a:t>2</a:t>
             </a:r>
             <a:endParaRPr b="0" lang="en-US" sz="1800" spc="-1" strike="noStrike">
               <a:solidFill>
@@ -18098,6 +18736,7 @@
                   <a:srgbClr val="000000"/>
                 </a:solidFill>
                 <a:latin typeface="Arial"/>
+                <a:ea typeface="DejaVu Sans"/>
               </a:rPr>
               <a:t>	</a:t>
             </a:r>
@@ -18107,6 +18746,30 @@
                   <a:srgbClr val="000000"/>
                 </a:solidFill>
                 <a:latin typeface="Arial"/>
+                <a:ea typeface="DejaVu Sans"/>
+              </a:rPr>
+              <a:t>├</a:t>
+            </a:r>
+            <a:r>
+              <a:rPr b="0" lang="ja-JP" sz="1800" spc="-1" strike="noStrike">
+                <a:solidFill>
+                  <a:srgbClr val="000000"/>
+                </a:solidFill>
+                <a:highlight>
+                  <a:srgbClr val="ff0000"/>
+                </a:highlight>
+                <a:latin typeface="Arial"/>
+                <a:ea typeface="游ゴシック"/>
+              </a:rPr>
+              <a:t>在庫情報一覧（初期画面）</a:t>
+            </a:r>
+            <a:r>
+              <a:rPr b="0" lang="en-US" sz="1800" spc="-1" strike="noStrike">
+                <a:solidFill>
+                  <a:srgbClr val="000000"/>
+                </a:solidFill>
+                <a:latin typeface="Arial"/>
+                <a:ea typeface="游ゴシック"/>
               </a:rPr>
               <a:t>	</a:t>
             </a:r>
@@ -18116,8 +18779,9 @@
                   <a:srgbClr val="000000"/>
                 </a:solidFill>
                 <a:latin typeface="Arial"/>
-              </a:rPr>
-              <a:t>└</a:t>
+                <a:ea typeface="游ゴシック"/>
+              </a:rPr>
+              <a:t>	</a:t>
             </a:r>
             <a:r>
               <a:rPr b="0" lang="en-US" sz="1800" spc="-1" strike="noStrike">
@@ -18125,35 +18789,19 @@
                   <a:srgbClr val="000000"/>
                 </a:solidFill>
                 <a:latin typeface="Arial"/>
+                <a:ea typeface="游ゴシック"/>
               </a:rPr>
               <a:t>	</a:t>
             </a:r>
             <a:r>
-              <a:rPr b="0" lang="ja-JP" sz="1800" spc="-1" strike="noStrike">
-                <a:solidFill>
-                  <a:srgbClr val="000000"/>
-                </a:solidFill>
-                <a:latin typeface="Arial"/>
-              </a:rPr>
-              <a:t>エリアマスター編集</a:t>
-            </a:r>
-            <a:r>
               <a:rPr b="0" lang="en-US" sz="1800" spc="-1" strike="noStrike">
                 <a:solidFill>
                   <a:srgbClr val="000000"/>
                 </a:solidFill>
                 <a:latin typeface="Arial"/>
-              </a:rPr>
-              <a:t>	</a:t>
-            </a:r>
-            <a:r>
-              <a:rPr b="0" lang="en-US" sz="1800" spc="-1" strike="noStrike">
-                <a:solidFill>
-                  <a:srgbClr val="000000"/>
-                </a:solidFill>
-                <a:latin typeface="Arial"/>
-              </a:rPr>
-              <a:t>42</a:t>
+                <a:ea typeface="游ゴシック"/>
+              </a:rPr>
+              <a:t>54</a:t>
             </a:r>
             <a:endParaRPr b="0" lang="en-US" sz="1800" spc="-1" strike="noStrike">
               <a:solidFill>
@@ -18174,6 +18822,7 @@
                   <a:srgbClr val="000000"/>
                 </a:solidFill>
                 <a:latin typeface="Arial"/>
+                <a:ea typeface="游ゴシック"/>
               </a:rPr>
               <a:t>	</a:t>
             </a:r>
@@ -18183,17 +18832,39 @@
                   <a:srgbClr val="000000"/>
                 </a:solidFill>
                 <a:latin typeface="Arial"/>
+                <a:ea typeface="DejaVu Sans"/>
+              </a:rPr>
+              <a:t>│</a:t>
+            </a:r>
+            <a:r>
+              <a:rPr b="0" lang="en-US" sz="1800" spc="-1" strike="noStrike">
+                <a:solidFill>
+                  <a:srgbClr val="000000"/>
+                </a:solidFill>
+                <a:latin typeface="Arial"/>
+                <a:ea typeface="游ゴシック"/>
               </a:rPr>
               <a:t>	</a:t>
             </a:r>
             <a:r>
+              <a:rPr b="0" lang="en-US" sz="1800" spc="-1" strike="noStrike">
+                <a:solidFill>
+                  <a:srgbClr val="000000"/>
+                </a:solidFill>
+                <a:latin typeface="Arial"/>
+                <a:ea typeface="DejaVu Sans"/>
+              </a:rPr>
+              <a:t>├</a:t>
+            </a:r>
+            <a:r>
               <a:rPr b="0" lang="ja-JP" sz="1800" spc="-1" strike="noStrike">
                 <a:solidFill>
                   <a:srgbClr val="000000"/>
                 </a:solidFill>
                 <a:latin typeface="Arial"/>
-              </a:rPr>
-              <a:t>部品マスター一覧</a:t>
+                <a:ea typeface="游ゴシック"/>
+              </a:rPr>
+              <a:t>部品マスター編集</a:t>
             </a:r>
             <a:r>
               <a:rPr b="0" lang="en-US" sz="1800" spc="-1" strike="noStrike">
@@ -18201,26 +18872,9 @@
                   <a:srgbClr val="000000"/>
                 </a:solidFill>
                 <a:latin typeface="Arial"/>
-              </a:rPr>
-              <a:t>	</a:t>
-            </a:r>
-            <a:r>
-              <a:rPr b="0" lang="en-US" sz="1800" spc="-1" strike="noStrike">
-                <a:solidFill>
-                  <a:srgbClr val="000000"/>
-                </a:solidFill>
-                <a:latin typeface="Arial"/>
-              </a:rPr>
-              <a:t>	</a:t>
-            </a:r>
-            <a:r>
-              <a:rPr b="0" lang="en-US" sz="1800" spc="-1" strike="noStrike">
-                <a:solidFill>
-                  <a:srgbClr val="000000"/>
-                </a:solidFill>
-                <a:latin typeface="Arial"/>
-              </a:rPr>
-              <a:t>51</a:t>
+                <a:ea typeface="游ゴシック"/>
+              </a:rPr>
+              <a:t>52</a:t>
             </a:r>
             <a:endParaRPr b="0" lang="en-US" sz="1800" spc="-1" strike="noStrike">
               <a:solidFill>
@@ -18241,6 +18895,7 @@
                   <a:srgbClr val="000000"/>
                 </a:solidFill>
                 <a:latin typeface="Arial"/>
+                <a:ea typeface="游ゴシック"/>
               </a:rPr>
               <a:t>	</a:t>
             </a:r>
@@ -18250,6 +18905,17 @@
                   <a:srgbClr val="000000"/>
                 </a:solidFill>
                 <a:latin typeface="Arial"/>
+                <a:ea typeface="DejaVu Sans"/>
+              </a:rPr>
+              <a:t>│</a:t>
+            </a:r>
+            <a:r>
+              <a:rPr b="0" lang="en-US" sz="1800" spc="-1" strike="noStrike">
+                <a:solidFill>
+                  <a:srgbClr val="000000"/>
+                </a:solidFill>
+                <a:latin typeface="Arial"/>
+                <a:ea typeface="游ゴシック"/>
               </a:rPr>
               <a:t>	</a:t>
             </a:r>
@@ -18259,8 +18925,19 @@
                   <a:srgbClr val="000000"/>
                 </a:solidFill>
                 <a:latin typeface="Arial"/>
-              </a:rPr>
-              <a:t>├</a:t>
+                <a:ea typeface="DejaVu Sans"/>
+              </a:rPr>
+              <a:t>└</a:t>
+            </a:r>
+            <a:r>
+              <a:rPr b="0" lang="ja-JP" sz="1800" spc="-1" strike="noStrike">
+                <a:solidFill>
+                  <a:srgbClr val="000000"/>
+                </a:solidFill>
+                <a:latin typeface="Arial"/>
+                <a:ea typeface="游ゴシック"/>
+              </a:rPr>
+              <a:t>入出庫情報入力</a:t>
             </a:r>
             <a:r>
               <a:rPr b="0" lang="en-US" sz="1800" spc="-1" strike="noStrike">
@@ -18268,35 +18945,19 @@
                   <a:srgbClr val="000000"/>
                 </a:solidFill>
                 <a:latin typeface="Arial"/>
+                <a:ea typeface="游ゴシック"/>
               </a:rPr>
               <a:t>	</a:t>
             </a:r>
             <a:r>
-              <a:rPr b="0" lang="ja-JP" sz="1800" spc="-1" strike="noStrike">
-                <a:solidFill>
-                  <a:srgbClr val="000000"/>
-                </a:solidFill>
-                <a:latin typeface="Arial"/>
-              </a:rPr>
-              <a:t>部品マスター編集</a:t>
-            </a:r>
-            <a:r>
               <a:rPr b="0" lang="en-US" sz="1800" spc="-1" strike="noStrike">
                 <a:solidFill>
                   <a:srgbClr val="000000"/>
                 </a:solidFill>
                 <a:latin typeface="Arial"/>
-              </a:rPr>
-              <a:t>	</a:t>
-            </a:r>
-            <a:r>
-              <a:rPr b="0" lang="en-US" sz="1800" spc="-1" strike="noStrike">
-                <a:solidFill>
-                  <a:srgbClr val="000000"/>
-                </a:solidFill>
-                <a:latin typeface="Arial"/>
-              </a:rPr>
-              <a:t>52</a:t>
+                <a:ea typeface="游ゴシック"/>
+              </a:rPr>
+              <a:t>53</a:t>
             </a:r>
             <a:endParaRPr b="0" lang="en-US" sz="1800" spc="-1" strike="noStrike">
               <a:solidFill>
@@ -18317,79 +18978,29 @@
                   <a:srgbClr val="000000"/>
                 </a:solidFill>
                 <a:latin typeface="Arial"/>
+                <a:ea typeface="DejaVu Sans"/>
+              </a:rPr>
+              <a:t>	</a:t>
+            </a:r>
+            <a:r>
+              <a:rPr b="0" lang="en-US" sz="1800" spc="-1" strike="noStrike">
+                <a:solidFill>
+                  <a:srgbClr val="000000"/>
+                </a:solidFill>
+                <a:latin typeface="Arial"/>
+                <a:ea typeface="DejaVu Sans"/>
+              </a:rPr>
+              <a:t>├</a:t>
+            </a:r>
+            <a:r>
+              <a:rPr b="0" lang="ja-JP" sz="1800" spc="-1" strike="noStrike">
+                <a:solidFill>
+                  <a:srgbClr val="000000"/>
+                </a:solidFill>
+                <a:latin typeface="Arial"/>
                 <a:ea typeface="游ゴシック"/>
               </a:rPr>
-              <a:t>	</a:t>
-            </a:r>
-            <a:r>
-              <a:rPr b="0" lang="en-US" sz="1800" spc="-1" strike="noStrike">
-                <a:solidFill>
-                  <a:srgbClr val="000000"/>
-                </a:solidFill>
-                <a:latin typeface="Arial"/>
-                <a:ea typeface="游ゴシック"/>
-              </a:rPr>
-              <a:t>	</a:t>
-            </a:r>
-            <a:r>
-              <a:rPr b="0" lang="en-US" sz="1800" spc="-1" strike="noStrike">
-                <a:solidFill>
-                  <a:srgbClr val="000000"/>
-                </a:solidFill>
-                <a:latin typeface="Arial"/>
-                <a:ea typeface="游ゴシック"/>
-              </a:rPr>
-              <a:t>├</a:t>
-            </a:r>
-            <a:r>
-              <a:rPr b="0" lang="en-US" sz="1800" spc="-1" strike="noStrike">
-                <a:solidFill>
-                  <a:srgbClr val="000000"/>
-                </a:solidFill>
-                <a:latin typeface="Arial"/>
-                <a:ea typeface="游ゴシック"/>
-              </a:rPr>
-              <a:t>	</a:t>
-            </a:r>
-            <a:r>
-              <a:rPr b="0" lang="ja-JP" sz="1800" spc="-1" strike="noStrike">
-                <a:solidFill>
-                  <a:srgbClr val="000000"/>
-                </a:solidFill>
-                <a:latin typeface="Arial"/>
-                <a:ea typeface="游ゴシック"/>
-              </a:rPr>
-              <a:t>入出庫情報入力</a:t>
-            </a:r>
-            <a:r>
-              <a:rPr b="0" lang="en-US" sz="1800" spc="-1" strike="noStrike">
-                <a:solidFill>
-                  <a:srgbClr val="000000"/>
-                </a:solidFill>
-                <a:latin typeface="Arial"/>
-                <a:ea typeface="游ゴシック"/>
-              </a:rPr>
-              <a:t>	</a:t>
-            </a:r>
-            <a:r>
-              <a:rPr b="0" lang="en-US" sz="1800" spc="-1" strike="noStrike">
-                <a:solidFill>
-                  <a:srgbClr val="000000"/>
-                </a:solidFill>
-                <a:latin typeface="Arial"/>
-                <a:ea typeface="游ゴシック"/>
-              </a:rPr>
-              <a:t>	</a:t>
-            </a:r>
-            <a:r>
-              <a:rPr b="0" lang="en-US" sz="1800" spc="-1" strike="noStrike">
-                <a:solidFill>
-                  <a:srgbClr val="000000"/>
-                </a:solidFill>
-                <a:latin typeface="Arial"/>
-                <a:ea typeface="游ゴシック"/>
-              </a:rPr>
-              <a:t>53</a:t>
+              <a:t>部品検索</a:t>
             </a:r>
             <a:endParaRPr b="0" lang="en-US" sz="1800" spc="-1" strike="noStrike">
               <a:solidFill>
@@ -18420,11 +19031,31 @@
                   <a:srgbClr val="000000"/>
                 </a:solidFill>
                 <a:latin typeface="Arial"/>
+                <a:ea typeface="DejaVu Sans"/>
+              </a:rPr>
+              <a:t>│</a:t>
+            </a:r>
+            <a:r>
+              <a:rPr b="0" lang="en-US" sz="1800" spc="-1" strike="noStrike">
+                <a:solidFill>
+                  <a:srgbClr val="000000"/>
+                </a:solidFill>
+                <a:latin typeface="Arial"/>
                 <a:ea typeface="游ゴシック"/>
               </a:rPr>
               <a:t>	</a:t>
             </a:r>
             <a:r>
+              <a:rPr b="0" lang="en-US" sz="1800" spc="-1" strike="noStrike">
+                <a:solidFill>
+                  <a:srgbClr val="000000"/>
+                </a:solidFill>
+                <a:latin typeface="Arial"/>
+                <a:ea typeface="DejaVu Sans"/>
+              </a:rPr>
+              <a:t>├</a:t>
+            </a:r>
+            <a:r>
               <a:rPr b="0" lang="ja-JP" sz="1800" spc="-1" strike="noStrike">
                 <a:solidFill>
                   <a:srgbClr val="000000"/>
@@ -18432,7 +19063,7 @@
                 <a:latin typeface="Arial"/>
                 <a:ea typeface="游ゴシック"/>
               </a:rPr>
-              <a:t>在庫情報一覧</a:t>
+              <a:t>部品マスター編集</a:t>
             </a:r>
             <a:r>
               <a:rPr b="0" lang="en-US" sz="1800" spc="-1" strike="noStrike">
@@ -18442,37 +19073,7 @@
                 <a:latin typeface="Arial"/>
                 <a:ea typeface="游ゴシック"/>
               </a:rPr>
-              <a:t>	</a:t>
-            </a:r>
-            <a:r>
-              <a:rPr b="0" lang="en-US" sz="1800" spc="-1" strike="noStrike">
-                <a:solidFill>
-                  <a:srgbClr val="000000"/>
-                </a:solidFill>
-                <a:latin typeface="Arial"/>
-                <a:ea typeface="游ゴシック"/>
-              </a:rPr>
-              <a:t>	</a:t>
-            </a:r>
-            <a:r>
-              <a:rPr b="0" lang="en-US" sz="1800" spc="-1" strike="noStrike">
-                <a:solidFill>
-                  <a:srgbClr val="000000"/>
-                </a:solidFill>
-                <a:latin typeface="Arial"/>
-                <a:ea typeface="游ゴシック"/>
-              </a:rPr>
-              <a:t>	</a:t>
-            </a:r>
-            <a:r>
-              <a:rPr b="0" lang="en-US" sz="1800" spc="-1" strike="noStrike">
-                <a:solidFill>
-                  <a:srgbClr val="000000"/>
-                </a:solidFill>
-                <a:latin typeface="Arial"/>
-                <a:ea typeface="游ゴシック"/>
-              </a:rPr>
-              <a:t>54</a:t>
+              <a:t>52</a:t>
             </a:r>
             <a:endParaRPr b="0" lang="en-US" sz="1800" spc="-1" strike="noStrike">
               <a:solidFill>
@@ -18503,6 +19104,16 @@
                   <a:srgbClr val="000000"/>
                 </a:solidFill>
                 <a:latin typeface="Arial"/>
+                <a:ea typeface="DejaVu Sans"/>
+              </a:rPr>
+              <a:t>│</a:t>
+            </a:r>
+            <a:r>
+              <a:rPr b="0" lang="en-US" sz="1800" spc="-1" strike="noStrike">
+                <a:solidFill>
+                  <a:srgbClr val="000000"/>
+                </a:solidFill>
+                <a:latin typeface="Arial"/>
                 <a:ea typeface="游ゴシック"/>
               </a:rPr>
               <a:t>	</a:t>
@@ -18513,8 +19124,28 @@
                   <a:srgbClr val="000000"/>
                 </a:solidFill>
                 <a:latin typeface="Arial"/>
+                <a:ea typeface="DejaVu Sans"/>
+              </a:rPr>
+              <a:t>└</a:t>
+            </a:r>
+            <a:r>
+              <a:rPr b="0" lang="ja-JP" sz="1800" spc="-1" strike="noStrike">
+                <a:solidFill>
+                  <a:srgbClr val="000000"/>
+                </a:solidFill>
+                <a:latin typeface="Arial"/>
                 <a:ea typeface="游ゴシック"/>
               </a:rPr>
+              <a:t>入出庫情報入力</a:t>
+            </a:r>
+            <a:r>
+              <a:rPr b="0" lang="en-US" sz="1800" spc="-1" strike="noStrike">
+                <a:solidFill>
+                  <a:srgbClr val="000000"/>
+                </a:solidFill>
+                <a:latin typeface="Arial"/>
+                <a:ea typeface="游ゴシック"/>
+              </a:rPr>
               <a:t>	</a:t>
             </a:r>
             <a:r>
@@ -18525,37 +19156,7 @@
                 <a:latin typeface="Arial"/>
                 <a:ea typeface="游ゴシック"/>
               </a:rPr>
-              <a:t>└</a:t>
-            </a:r>
-            <a:r>
-              <a:rPr b="0" lang="en-US" sz="1800" spc="-1" strike="noStrike">
-                <a:solidFill>
-                  <a:srgbClr val="000000"/>
-                </a:solidFill>
-                <a:latin typeface="Arial"/>
-                <a:ea typeface="游ゴシック"/>
-              </a:rPr>
-              <a:t>	</a:t>
-            </a:r>
-            <a:r>
-              <a:rPr b="0" lang="ja-JP" sz="1800" spc="-1" strike="noStrike">
-                <a:solidFill>
-                  <a:srgbClr val="000000"/>
-                </a:solidFill>
-                <a:latin typeface="Arial"/>
-                <a:ea typeface="游ゴシック"/>
-              </a:rPr>
-              <a:t>部品マスター編集</a:t>
-            </a:r>
-            <a:r>
-              <a:rPr b="0" lang="en-US" sz="1800" spc="-1" strike="noStrike">
-                <a:solidFill>
-                  <a:srgbClr val="000000"/>
-                </a:solidFill>
-                <a:latin typeface="Arial"/>
-                <a:ea typeface="游ゴシック"/>
-              </a:rPr>
-              <a:t>52</a:t>
+              <a:t>53</a:t>
             </a:r>
             <a:endParaRPr b="0" lang="en-US" sz="1800" spc="-1" strike="noStrike">
               <a:solidFill>
@@ -18576,7 +19177,7 @@
                   <a:srgbClr val="000000"/>
                 </a:solidFill>
                 <a:latin typeface="Arial"/>
-                <a:ea typeface="游ゴシック"/>
+                <a:ea typeface="DejaVu Sans"/>
               </a:rPr>
               <a:t>	</a:t>
             </a:r>
@@ -18586,7 +19187,27 @@
                   <a:srgbClr val="000000"/>
                 </a:solidFill>
                 <a:latin typeface="Arial"/>
-                <a:ea typeface="游ゴシック"/>
+                <a:ea typeface="DejaVu Sans"/>
+              </a:rPr>
+              <a:t>├</a:t>
+            </a:r>
+            <a:r>
+              <a:rPr b="0" lang="ja-JP" sz="1800" spc="-1" strike="noStrike">
+                <a:solidFill>
+                  <a:srgbClr val="000000"/>
+                </a:solidFill>
+                <a:latin typeface="Arial"/>
+                <a:ea typeface="DejaVu Sans"/>
+              </a:rPr>
+              <a:t>部品マスター編集</a:t>
+            </a:r>
+            <a:r>
+              <a:rPr b="0" lang="en-US" sz="1800" spc="-1" strike="noStrike">
+                <a:solidFill>
+                  <a:srgbClr val="000000"/>
+                </a:solidFill>
+                <a:latin typeface="Arial"/>
+                <a:ea typeface="DejaVu Sans"/>
               </a:rPr>
               <a:t>	</a:t>
             </a:r>
@@ -18596,7 +19217,30 @@
                   <a:srgbClr val="000000"/>
                 </a:solidFill>
                 <a:latin typeface="Arial"/>
-                <a:ea typeface="游ゴシック"/>
+                <a:ea typeface="DejaVu Sans"/>
+              </a:rPr>
+              <a:t>52</a:t>
+            </a:r>
+            <a:endParaRPr b="0" lang="en-US" sz="1800" spc="-1" strike="noStrike">
+              <a:solidFill>
+                <a:srgbClr val="000000"/>
+              </a:solidFill>
+              <a:latin typeface="Arial"/>
+            </a:endParaRPr>
+          </a:p>
+          <a:p>
+            <a:pPr>
+              <a:lnSpc>
+                <a:spcPct val="100000"/>
+              </a:lnSpc>
+            </a:pPr>
+            <a:r>
+              <a:rPr b="0" lang="en-US" sz="1800" spc="-1" strike="noStrike">
+                <a:solidFill>
+                  <a:srgbClr val="000000"/>
+                </a:solidFill>
+                <a:latin typeface="Arial"/>
+                <a:ea typeface="DejaVu Sans"/>
               </a:rPr>
               <a:t>	</a:t>
             </a:r>
@@ -18606,19 +19250,112 @@
                   <a:srgbClr val="000000"/>
                 </a:solidFill>
                 <a:latin typeface="Arial"/>
-                <a:ea typeface="游ゴシック"/>
+                <a:ea typeface="DejaVu Sans"/>
+              </a:rPr>
+              <a:t>├</a:t>
+            </a:r>
+            <a:r>
+              <a:rPr b="0" lang="ja-JP" sz="1800" spc="-1" strike="noStrike">
+                <a:solidFill>
+                  <a:srgbClr val="000000"/>
+                </a:solidFill>
+                <a:latin typeface="Arial"/>
+                <a:ea typeface="DejaVu Sans"/>
+              </a:rPr>
+              <a:t>エリアマスター一覧</a:t>
+            </a:r>
+            <a:r>
+              <a:rPr b="0" lang="en-US" sz="1800" spc="-1" strike="noStrike">
+                <a:solidFill>
+                  <a:srgbClr val="000000"/>
+                </a:solidFill>
+                <a:latin typeface="Arial"/>
+                <a:ea typeface="DejaVu Sans"/>
               </a:rPr>
               <a:t>	</a:t>
             </a:r>
             <a:r>
+              <a:rPr b="0" lang="en-US" sz="1800" spc="-1" strike="noStrike">
+                <a:solidFill>
+                  <a:srgbClr val="000000"/>
+                </a:solidFill>
+                <a:latin typeface="Arial"/>
+                <a:ea typeface="DejaVu Sans"/>
+              </a:rPr>
+              <a:t>	</a:t>
+            </a:r>
+            <a:r>
+              <a:rPr b="0" lang="en-US" sz="1800" spc="-1" strike="noStrike">
+                <a:solidFill>
+                  <a:srgbClr val="000000"/>
+                </a:solidFill>
+                <a:latin typeface="Arial"/>
+                <a:ea typeface="DejaVu Sans"/>
+              </a:rPr>
+              <a:t>41</a:t>
+            </a:r>
+            <a:endParaRPr b="0" lang="en-US" sz="1800" spc="-1" strike="noStrike">
+              <a:solidFill>
+                <a:srgbClr val="000000"/>
+              </a:solidFill>
+              <a:latin typeface="Arial"/>
+            </a:endParaRPr>
+          </a:p>
+          <a:p>
+            <a:pPr>
+              <a:lnSpc>
+                <a:spcPct val="100000"/>
+              </a:lnSpc>
+            </a:pPr>
+            <a:r>
+              <a:rPr b="0" lang="en-US" sz="1800" spc="-1" strike="noStrike">
+                <a:solidFill>
+                  <a:srgbClr val="000000"/>
+                </a:solidFill>
+                <a:latin typeface="Arial"/>
+                <a:ea typeface="DejaVu Sans"/>
+              </a:rPr>
+              <a:t>	</a:t>
+            </a:r>
+            <a:r>
+              <a:rPr b="0" lang="en-US" sz="1800" spc="-1" strike="noStrike">
+                <a:solidFill>
+                  <a:srgbClr val="000000"/>
+                </a:solidFill>
+                <a:latin typeface="Arial"/>
+                <a:ea typeface="DejaVu Sans"/>
+              </a:rPr>
+              <a:t>│</a:t>
+            </a:r>
+            <a:r>
+              <a:rPr b="0" lang="en-US" sz="1800" spc="-1" strike="noStrike">
+                <a:solidFill>
+                  <a:srgbClr val="000000"/>
+                </a:solidFill>
+                <a:latin typeface="Arial"/>
+                <a:ea typeface="DejaVu Sans"/>
+              </a:rPr>
+              <a:t>	</a:t>
+            </a:r>
+            <a:r>
+              <a:rPr b="0" lang="en-US" sz="1800" spc="-1" strike="noStrike">
+                <a:solidFill>
+                  <a:srgbClr val="000000"/>
+                </a:solidFill>
+                <a:latin typeface="Arial"/>
+                <a:ea typeface="DejaVu Sans"/>
+              </a:rPr>
+              <a:t>└</a:t>
+            </a:r>
+            <a:r>
               <a:rPr b="0" lang="ja-JP" sz="1800" spc="-1" strike="noStrike">
                 <a:solidFill>
                   <a:srgbClr val="000000"/>
                 </a:solidFill>
                 <a:latin typeface="Arial"/>
-                <a:ea typeface="游ゴシック"/>
-              </a:rPr>
-              <a:t>入出庫情報入力</a:t>
+                <a:ea typeface="DejaVu Sans"/>
+              </a:rPr>
+              <a:t>エリアマスター編集</a:t>
             </a:r>
             <a:r>
               <a:rPr b="0" lang="en-US" sz="1800" spc="-1" strike="noStrike">
@@ -18626,7 +19363,7 @@
                   <a:srgbClr val="000000"/>
                 </a:solidFill>
                 <a:latin typeface="Arial"/>
-                <a:ea typeface="游ゴシック"/>
+                <a:ea typeface="DejaVu Sans"/>
               </a:rPr>
               <a:t>	</a:t>
             </a:r>
@@ -18636,10 +19373,235 @@
                   <a:srgbClr val="000000"/>
                 </a:solidFill>
                 <a:latin typeface="Arial"/>
-                <a:ea typeface="游ゴシック"/>
-              </a:rPr>
-              <a:t>53</a:t>
-            </a:r>
+                <a:ea typeface="DejaVu Sans"/>
+              </a:rPr>
+              <a:t>42</a:t>
+            </a:r>
+            <a:endParaRPr b="0" lang="en-US" sz="1800" spc="-1" strike="noStrike">
+              <a:solidFill>
+                <a:srgbClr val="000000"/>
+              </a:solidFill>
+              <a:latin typeface="Arial"/>
+            </a:endParaRPr>
+          </a:p>
+          <a:p>
+            <a:pPr>
+              <a:lnSpc>
+                <a:spcPct val="100000"/>
+              </a:lnSpc>
+            </a:pPr>
+            <a:r>
+              <a:rPr b="0" lang="en-US" sz="1800" spc="-1" strike="noStrike">
+                <a:solidFill>
+                  <a:srgbClr val="000000"/>
+                </a:solidFill>
+                <a:latin typeface="Arial"/>
+                <a:ea typeface="DejaVu Sans"/>
+              </a:rPr>
+              <a:t>	</a:t>
+            </a:r>
+            <a:r>
+              <a:rPr b="0" lang="en-US" sz="1800" spc="-1" strike="noStrike">
+                <a:solidFill>
+                  <a:srgbClr val="000000"/>
+                </a:solidFill>
+                <a:latin typeface="Arial"/>
+                <a:ea typeface="DejaVu Sans"/>
+              </a:rPr>
+              <a:t>├</a:t>
+            </a:r>
+            <a:r>
+              <a:rPr b="0" lang="ja-JP" sz="1800" spc="-1" strike="noStrike">
+                <a:solidFill>
+                  <a:srgbClr val="000000"/>
+                </a:solidFill>
+                <a:latin typeface="Arial"/>
+                <a:ea typeface="DejaVu Sans"/>
+              </a:rPr>
+              <a:t>ユーザーマスタ一覧</a:t>
+            </a:r>
+            <a:r>
+              <a:rPr b="0" lang="en-US" sz="1800" spc="-1" strike="noStrike">
+                <a:solidFill>
+                  <a:srgbClr val="000000"/>
+                </a:solidFill>
+                <a:latin typeface="Arial"/>
+                <a:ea typeface="DejaVu Sans"/>
+              </a:rPr>
+              <a:t>	</a:t>
+            </a:r>
+            <a:r>
+              <a:rPr b="0" lang="en-US" sz="1800" spc="-1" strike="noStrike">
+                <a:solidFill>
+                  <a:srgbClr val="000000"/>
+                </a:solidFill>
+                <a:latin typeface="Arial"/>
+                <a:ea typeface="DejaVu Sans"/>
+              </a:rPr>
+              <a:t>	</a:t>
+            </a:r>
+            <a:r>
+              <a:rPr b="0" lang="en-US" sz="1800" spc="-1" strike="noStrike">
+                <a:solidFill>
+                  <a:srgbClr val="000000"/>
+                </a:solidFill>
+                <a:latin typeface="Arial"/>
+                <a:ea typeface="DejaVu Sans"/>
+              </a:rPr>
+              <a:t>31</a:t>
+            </a:r>
+            <a:endParaRPr b="0" lang="en-US" sz="1800" spc="-1" strike="noStrike">
+              <a:solidFill>
+                <a:srgbClr val="000000"/>
+              </a:solidFill>
+              <a:latin typeface="Arial"/>
+            </a:endParaRPr>
+          </a:p>
+          <a:p>
+            <a:pPr>
+              <a:lnSpc>
+                <a:spcPct val="100000"/>
+              </a:lnSpc>
+            </a:pPr>
+            <a:r>
+              <a:rPr b="0" lang="en-US" sz="1800" spc="-1" strike="noStrike">
+                <a:solidFill>
+                  <a:srgbClr val="000000"/>
+                </a:solidFill>
+                <a:latin typeface="Arial"/>
+                <a:ea typeface="DejaVu Sans"/>
+              </a:rPr>
+              <a:t>	</a:t>
+            </a:r>
+            <a:r>
+              <a:rPr b="0" lang="en-US" sz="1800" spc="-1" strike="noStrike">
+                <a:solidFill>
+                  <a:srgbClr val="000000"/>
+                </a:solidFill>
+                <a:latin typeface="Arial"/>
+                <a:ea typeface="DejaVu Sans"/>
+              </a:rPr>
+              <a:t>│</a:t>
+            </a:r>
+            <a:r>
+              <a:rPr b="0" lang="en-US" sz="1800" spc="-1" strike="noStrike">
+                <a:solidFill>
+                  <a:srgbClr val="000000"/>
+                </a:solidFill>
+                <a:latin typeface="Arial"/>
+                <a:ea typeface="DejaVu Sans"/>
+              </a:rPr>
+              <a:t>	</a:t>
+            </a:r>
+            <a:r>
+              <a:rPr b="0" lang="en-US" sz="1800" spc="-1" strike="noStrike">
+                <a:solidFill>
+                  <a:srgbClr val="000000"/>
+                </a:solidFill>
+                <a:latin typeface="Arial"/>
+                <a:ea typeface="DejaVu Sans"/>
+              </a:rPr>
+              <a:t>└</a:t>
+            </a:r>
+            <a:r>
+              <a:rPr b="0" lang="ja-JP" sz="1800" spc="-1" strike="noStrike">
+                <a:solidFill>
+                  <a:srgbClr val="000000"/>
+                </a:solidFill>
+                <a:latin typeface="Arial"/>
+                <a:ea typeface="DejaVu Sans"/>
+              </a:rPr>
+              <a:t>ユーザーマスター編集</a:t>
+            </a:r>
+            <a:r>
+              <a:rPr b="0" lang="en-US" sz="1800" spc="-1" strike="noStrike">
+                <a:solidFill>
+                  <a:srgbClr val="000000"/>
+                </a:solidFill>
+                <a:latin typeface="Arial"/>
+                <a:ea typeface="DejaVu Sans"/>
+              </a:rPr>
+              <a:t>	</a:t>
+            </a:r>
+            <a:r>
+              <a:rPr b="0" lang="en-US" sz="1800" spc="-1" strike="noStrike">
+                <a:solidFill>
+                  <a:srgbClr val="000000"/>
+                </a:solidFill>
+                <a:latin typeface="Arial"/>
+                <a:ea typeface="DejaVu Sans"/>
+              </a:rPr>
+              <a:t>32</a:t>
+            </a:r>
+            <a:endParaRPr b="0" lang="en-US" sz="1800" spc="-1" strike="noStrike">
+              <a:solidFill>
+                <a:srgbClr val="000000"/>
+              </a:solidFill>
+              <a:latin typeface="Arial"/>
+            </a:endParaRPr>
+          </a:p>
+          <a:p>
+            <a:pPr>
+              <a:lnSpc>
+                <a:spcPct val="100000"/>
+              </a:lnSpc>
+            </a:pPr>
+            <a:r>
+              <a:rPr b="0" lang="en-US" sz="1800" spc="-1" strike="noStrike">
+                <a:solidFill>
+                  <a:srgbClr val="000000"/>
+                </a:solidFill>
+                <a:latin typeface="Arial"/>
+                <a:ea typeface="DejaVu Sans"/>
+              </a:rPr>
+              <a:t>	</a:t>
+            </a:r>
+            <a:r>
+              <a:rPr b="0" lang="en-US" sz="1800" spc="-1" strike="noStrike">
+                <a:solidFill>
+                  <a:srgbClr val="000000"/>
+                </a:solidFill>
+                <a:latin typeface="Arial"/>
+                <a:ea typeface="DejaVu Sans"/>
+              </a:rPr>
+              <a:t>└</a:t>
+            </a:r>
+            <a:r>
+              <a:rPr b="0" lang="ja-JP" sz="1800" spc="-1" strike="noStrike">
+                <a:solidFill>
+                  <a:srgbClr val="000000"/>
+                </a:solidFill>
+                <a:latin typeface="Arial"/>
+                <a:ea typeface="DejaVu Sans"/>
+              </a:rPr>
+              <a:t>ログ検索</a:t>
+            </a:r>
+            <a:endParaRPr b="0" lang="en-US" sz="1800" spc="-1" strike="noStrike">
+              <a:solidFill>
+                <a:srgbClr val="000000"/>
+              </a:solidFill>
+              <a:latin typeface="Arial"/>
+            </a:endParaRPr>
+          </a:p>
+          <a:p>
+            <a:pPr>
+              <a:lnSpc>
+                <a:spcPct val="100000"/>
+              </a:lnSpc>
+            </a:pPr>
+            <a:endParaRPr b="0" lang="en-US" sz="1800" spc="-1" strike="noStrike">
+              <a:solidFill>
+                <a:srgbClr val="000000"/>
+              </a:solidFill>
+              <a:latin typeface="Arial"/>
+            </a:endParaRPr>
+          </a:p>
+          <a:p>
+            <a:pPr>
+              <a:lnSpc>
+                <a:spcPct val="100000"/>
+              </a:lnSpc>
+            </a:pPr>
             <a:endParaRPr b="0" lang="en-US" sz="1800" spc="-1" strike="noStrike">
               <a:solidFill>
                 <a:srgbClr val="000000"/>
@@ -18681,7 +19643,7 @@
       </p:grpSpPr>
       <p:sp>
         <p:nvSpPr>
-          <p:cNvPr id="193" name="PlaceHolder 1"/>
+          <p:cNvPr id="194" name="PlaceHolder 1"/>
           <p:cNvSpPr>
             <a:spLocks noGrp="1"/>
           </p:cNvSpPr>
@@ -18692,7 +19654,7 @@
         <p:spPr>
           <a:xfrm>
             <a:off x="504000" y="226080"/>
-            <a:ext cx="9070560" cy="945360"/>
+            <a:ext cx="9069840" cy="944640"/>
           </a:xfrm>
           <a:prstGeom prst="rect">
             <a:avLst/>
@@ -18736,14 +19698,14 @@
       </p:sp>
       <p:sp>
         <p:nvSpPr>
-          <p:cNvPr id="194" name=""/>
+          <p:cNvPr id="195" name=""/>
           <p:cNvSpPr/>
           <p:nvPr/>
         </p:nvSpPr>
         <p:spPr>
           <a:xfrm>
             <a:off x="720000" y="1440000"/>
-            <a:ext cx="5759280" cy="3599280"/>
+            <a:ext cx="5758560" cy="3598560"/>
           </a:xfrm>
           <a:prstGeom prst="rect">
             <a:avLst/>
@@ -18783,14 +19745,14 @@
       </p:sp>
       <p:sp>
         <p:nvSpPr>
-          <p:cNvPr id="195" name=""/>
+          <p:cNvPr id="196" name=""/>
           <p:cNvSpPr/>
           <p:nvPr/>
         </p:nvSpPr>
         <p:spPr>
           <a:xfrm>
             <a:off x="1440000" y="2520000"/>
-            <a:ext cx="1439280" cy="345600"/>
+            <a:ext cx="1438560" cy="344880"/>
           </a:xfrm>
           <a:prstGeom prst="rect">
             <a:avLst/>
@@ -18837,14 +19799,14 @@
       </p:sp>
       <p:sp>
         <p:nvSpPr>
-          <p:cNvPr id="196" name=""/>
+          <p:cNvPr id="197" name=""/>
           <p:cNvSpPr/>
           <p:nvPr/>
         </p:nvSpPr>
         <p:spPr>
           <a:xfrm>
             <a:off x="1440000" y="3060000"/>
-            <a:ext cx="1439280" cy="347400"/>
+            <a:ext cx="1438560" cy="346680"/>
           </a:xfrm>
           <a:prstGeom prst="rect">
             <a:avLst/>
@@ -18901,14 +19863,14 @@
       </p:sp>
       <p:sp>
         <p:nvSpPr>
-          <p:cNvPr id="197" name=""/>
+          <p:cNvPr id="198" name=""/>
           <p:cNvSpPr/>
           <p:nvPr/>
         </p:nvSpPr>
         <p:spPr>
           <a:xfrm>
             <a:off x="2880000" y="2520000"/>
-            <a:ext cx="2159280" cy="359280"/>
+            <a:ext cx="2158560" cy="358560"/>
           </a:xfrm>
           <a:prstGeom prst="rect">
             <a:avLst/>
@@ -18948,14 +19910,14 @@
       </p:sp>
       <p:sp>
         <p:nvSpPr>
-          <p:cNvPr id="198" name=""/>
+          <p:cNvPr id="199" name=""/>
           <p:cNvSpPr/>
           <p:nvPr/>
         </p:nvSpPr>
         <p:spPr>
           <a:xfrm>
             <a:off x="2880000" y="3060000"/>
-            <a:ext cx="2159280" cy="359280"/>
+            <a:ext cx="2158560" cy="358560"/>
           </a:xfrm>
           <a:prstGeom prst="rect">
             <a:avLst/>
@@ -18995,14 +19957,14 @@
       </p:sp>
       <p:sp>
         <p:nvSpPr>
-          <p:cNvPr id="199" name=""/>
+          <p:cNvPr id="200" name=""/>
           <p:cNvSpPr/>
           <p:nvPr/>
         </p:nvSpPr>
         <p:spPr>
           <a:xfrm>
             <a:off x="2880000" y="4320000"/>
-            <a:ext cx="1439280" cy="359280"/>
+            <a:ext cx="1438560" cy="358560"/>
           </a:xfrm>
           <a:prstGeom prst="rect">
             <a:avLst/>
@@ -19083,7 +20045,56 @@
       </p:grpSpPr>
       <p:sp>
         <p:nvSpPr>
-          <p:cNvPr id="200" name="PlaceHolder 1"/>
+          <p:cNvPr id="201" name=""/>
+          <p:cNvSpPr/>
+          <p:nvPr/>
+        </p:nvSpPr>
+        <p:spPr>
+          <a:xfrm>
+            <a:off x="720000" y="1800000"/>
+            <a:ext cx="2699640" cy="2519640"/>
+          </a:xfrm>
+          <a:prstGeom prst="rect">
+            <a:avLst/>
+          </a:prstGeom>
+          <a:solidFill>
+            <a:srgbClr val="dee6ef"/>
+          </a:solidFill>
+          <a:ln w="0">
+            <a:solidFill>
+              <a:srgbClr val="254061"/>
+            </a:solidFill>
+          </a:ln>
+        </p:spPr>
+        <p:style>
+          <a:lnRef idx="0"/>
+          <a:fillRef idx="0"/>
+          <a:effectRef idx="0"/>
+          <a:fontRef idx="minor"/>
+        </p:style>
+        <p:txBody>
+          <a:bodyPr lIns="90000" rIns="90000" tIns="45000" bIns="45000" anchor="ctr">
+            <a:noAutofit/>
+          </a:bodyPr>
+          <a:p>
+            <a:pPr>
+              <a:lnSpc>
+                <a:spcPct val="100000"/>
+              </a:lnSpc>
+            </a:pPr>
+            <a:endParaRPr b="0" lang="en-US" sz="1800" spc="-1" strike="noStrike">
+              <a:solidFill>
+                <a:srgbClr val="000000"/>
+              </a:solidFill>
+              <a:latin typeface="Arial"/>
+              <a:ea typeface="DejaVu Sans"/>
+            </a:endParaRPr>
+          </a:p>
+        </p:txBody>
+      </p:sp>
+      <p:sp>
+        <p:nvSpPr>
+          <p:cNvPr id="202" name="PlaceHolder 1"/>
           <p:cNvSpPr>
             <a:spLocks noGrp="1"/>
           </p:cNvSpPr>
@@ -19094,7 +20105,7 @@
         <p:spPr>
           <a:xfrm>
             <a:off x="504000" y="226080"/>
-            <a:ext cx="9070560" cy="945360"/>
+            <a:ext cx="9069840" cy="944640"/>
           </a:xfrm>
           <a:prstGeom prst="rect">
             <a:avLst/>
@@ -19138,14 +20149,14 @@
       </p:sp>
       <p:sp>
         <p:nvSpPr>
-          <p:cNvPr id="201" name=""/>
+          <p:cNvPr id="203" name=""/>
           <p:cNvSpPr/>
           <p:nvPr/>
         </p:nvSpPr>
         <p:spPr>
           <a:xfrm>
             <a:off x="720000" y="1440000"/>
-            <a:ext cx="5759280" cy="3599280"/>
+            <a:ext cx="5758560" cy="3598560"/>
           </a:xfrm>
           <a:prstGeom prst="rect">
             <a:avLst/>
@@ -19185,14 +20196,14 @@
       </p:sp>
       <p:sp>
         <p:nvSpPr>
-          <p:cNvPr id="202" name=""/>
+          <p:cNvPr id="204" name=""/>
           <p:cNvSpPr/>
           <p:nvPr/>
         </p:nvSpPr>
         <p:spPr>
           <a:xfrm>
-            <a:off x="1080000" y="1800000"/>
-            <a:ext cx="1439280" cy="719280"/>
+            <a:off x="900000" y="3421080"/>
+            <a:ext cx="2339640" cy="358560"/>
           </a:xfrm>
           <a:prstGeom prst="rect">
             <a:avLst/>
@@ -19243,14 +20254,14 @@
       </p:sp>
       <p:sp>
         <p:nvSpPr>
-          <p:cNvPr id="203" name=""/>
+          <p:cNvPr id="205" name=""/>
           <p:cNvSpPr/>
           <p:nvPr/>
         </p:nvSpPr>
         <p:spPr>
           <a:xfrm>
-            <a:off x="2880000" y="1800000"/>
-            <a:ext cx="1439280" cy="719280"/>
+            <a:off x="900000" y="3058920"/>
+            <a:ext cx="2339640" cy="360720"/>
           </a:xfrm>
           <a:prstGeom prst="rect">
             <a:avLst/>
@@ -19301,14 +20312,14 @@
       </p:sp>
       <p:sp>
         <p:nvSpPr>
-          <p:cNvPr id="204" name=""/>
+          <p:cNvPr id="206" name=""/>
           <p:cNvSpPr/>
           <p:nvPr/>
         </p:nvSpPr>
         <p:spPr>
           <a:xfrm>
-            <a:off x="1080000" y="2880000"/>
-            <a:ext cx="1439280" cy="719280"/>
+            <a:off x="900000" y="2698920"/>
+            <a:ext cx="2339640" cy="359640"/>
           </a:xfrm>
           <a:prstGeom prst="rect">
             <a:avLst/>
@@ -19359,14 +20370,14 @@
       </p:sp>
       <p:sp>
         <p:nvSpPr>
-          <p:cNvPr id="205" name=""/>
+          <p:cNvPr id="207" name=""/>
           <p:cNvSpPr/>
           <p:nvPr/>
         </p:nvSpPr>
         <p:spPr>
           <a:xfrm>
-            <a:off x="2880000" y="2880000"/>
-            <a:ext cx="1439280" cy="719280"/>
+            <a:off x="900000" y="3780000"/>
+            <a:ext cx="2339640" cy="359640"/>
           </a:xfrm>
           <a:prstGeom prst="rect">
             <a:avLst/>
@@ -19404,7 +20415,7 @@
                 <a:latin typeface="Arial"/>
                 <a:ea typeface="DejaVu Sans"/>
               </a:rPr>
-              <a:t>入出庫入力</a:t>
+              <a:t>ログ検索</a:t>
             </a:r>
             <a:endParaRPr b="0" lang="en-US" sz="1800" spc="-1" strike="noStrike">
               <a:solidFill>
@@ -19417,14 +20428,14 @@
       </p:sp>
       <p:sp>
         <p:nvSpPr>
-          <p:cNvPr id="206" name=""/>
+          <p:cNvPr id="208" name=""/>
           <p:cNvSpPr/>
           <p:nvPr/>
         </p:nvSpPr>
         <p:spPr>
           <a:xfrm>
-            <a:off x="1080000" y="3960000"/>
-            <a:ext cx="1439280" cy="719280"/>
+            <a:off x="900000" y="1980000"/>
+            <a:ext cx="2339640" cy="359640"/>
           </a:xfrm>
           <a:prstGeom prst="rect">
             <a:avLst/>
@@ -19462,7 +20473,7 @@
                 <a:latin typeface="Arial"/>
                 <a:ea typeface="DejaVu Sans"/>
               </a:rPr>
-              <a:t>在庫状況</a:t>
+              <a:t>在庫一覧</a:t>
             </a:r>
             <a:endParaRPr b="0" lang="en-US" sz="1800" spc="-1" strike="noStrike">
               <a:solidFill>
@@ -19475,14 +20486,14 @@
       </p:sp>
       <p:sp>
         <p:nvSpPr>
-          <p:cNvPr id="207" name=""/>
+          <p:cNvPr id="209" name=""/>
           <p:cNvSpPr/>
           <p:nvPr/>
         </p:nvSpPr>
         <p:spPr>
           <a:xfrm>
-            <a:off x="4680000" y="4500000"/>
-            <a:ext cx="1619280" cy="359280"/>
+            <a:off x="4680000" y="1621080"/>
+            <a:ext cx="1618560" cy="358560"/>
           </a:xfrm>
           <a:prstGeom prst="rect">
             <a:avLst/>
@@ -19533,28 +20544,24 @@
       </p:sp>
       <p:sp>
         <p:nvSpPr>
-          <p:cNvPr id="208" name=""/>
+          <p:cNvPr id="210" name=""/>
           <p:cNvSpPr/>
           <p:nvPr/>
         </p:nvSpPr>
         <p:spPr>
           <a:xfrm>
-            <a:off x="5400000" y="1440000"/>
-            <a:ext cx="2519280" cy="1259280"/>
-          </a:xfrm>
-          <a:prstGeom prst="wedgeRoundRectCallout">
-            <a:avLst>
-              <a:gd name="adj1" fmla="val -76138"/>
-              <a:gd name="adj2" fmla="val 47425"/>
-              <a:gd name="adj3" fmla="val 16667"/>
-            </a:avLst>
+            <a:off x="900000" y="2340000"/>
+            <a:ext cx="2339640" cy="359640"/>
+          </a:xfrm>
+          <a:prstGeom prst="rect">
+            <a:avLst/>
           </a:prstGeom>
           <a:solidFill>
-            <a:srgbClr val="ffffd7"/>
+            <a:schemeClr val="accent1"/>
           </a:solidFill>
           <a:ln w="0">
             <a:solidFill>
-              <a:srgbClr val="000000"/>
+              <a:srgbClr val="254061"/>
             </a:solidFill>
           </a:ln>
         </p:spPr>
@@ -19582,7 +20589,65 @@
                 <a:latin typeface="Arial"/>
                 <a:ea typeface="DejaVu Sans"/>
               </a:rPr>
-              <a:t>ナビゲーションバーでよいのでは？</a:t>
+              <a:t>部品検索</a:t>
+            </a:r>
+            <a:endParaRPr b="0" lang="en-US" sz="1800" spc="-1" strike="noStrike">
+              <a:solidFill>
+                <a:srgbClr val="000000"/>
+              </a:solidFill>
+              <a:latin typeface="Arial"/>
+            </a:endParaRPr>
+          </a:p>
+        </p:txBody>
+      </p:sp>
+      <p:sp>
+        <p:nvSpPr>
+          <p:cNvPr id="211" name=""/>
+          <p:cNvSpPr/>
+          <p:nvPr/>
+        </p:nvSpPr>
+        <p:spPr>
+          <a:xfrm>
+            <a:off x="3600000" y="2160000"/>
+            <a:ext cx="2699640" cy="2699640"/>
+          </a:xfrm>
+          <a:prstGeom prst="rect">
+            <a:avLst/>
+          </a:prstGeom>
+          <a:solidFill>
+            <a:srgbClr val="dee6ef"/>
+          </a:solidFill>
+          <a:ln w="0">
+            <a:solidFill>
+              <a:srgbClr val="254061"/>
+            </a:solidFill>
+          </a:ln>
+        </p:spPr>
+        <p:style>
+          <a:lnRef idx="0"/>
+          <a:fillRef idx="0"/>
+          <a:effectRef idx="0"/>
+          <a:fontRef idx="minor"/>
+        </p:style>
+        <p:txBody>
+          <a:bodyPr lIns="90000" rIns="90000" tIns="45000" bIns="45000" anchor="ctr">
+            <a:noAutofit/>
+          </a:bodyPr>
+          <a:p>
+            <a:pPr algn="ctr">
+              <a:lnSpc>
+                <a:spcPct val="100000"/>
+              </a:lnSpc>
+            </a:pPr>
+            <a:r>
+              <a:rPr b="0" lang="ja-JP" sz="1800" spc="-1" strike="noStrike">
+                <a:solidFill>
+                  <a:srgbClr val="000000"/>
+                </a:solidFill>
+                <a:latin typeface="Arial"/>
+                <a:ea typeface="DejaVu Sans"/>
+              </a:rPr>
+              <a:t>メインコンテンツ</a:t>
             </a:r>
             <a:endParaRPr b="0" lang="en-US" sz="1800" spc="-1" strike="noStrike">
               <a:solidFill>
@@ -19625,7 +20690,7 @@
       </p:grpSpPr>
       <p:sp>
         <p:nvSpPr>
-          <p:cNvPr id="209" name="PlaceHolder 1"/>
+          <p:cNvPr id="212" name="PlaceHolder 1"/>
           <p:cNvSpPr>
             <a:spLocks noGrp="1"/>
           </p:cNvSpPr>
@@ -19636,7 +20701,7 @@
         <p:spPr>
           <a:xfrm>
             <a:off x="504000" y="226080"/>
-            <a:ext cx="9070560" cy="945360"/>
+            <a:ext cx="9070200" cy="945000"/>
           </a:xfrm>
           <a:prstGeom prst="rect">
             <a:avLst/>
@@ -19653,7 +20718,7 @@
           <a:p>
             <a:pPr indent="0" algn="ctr">
               <a:lnSpc>
-                <a:spcPct val="100000"/>
+                <a:spcPct val="90000"/>
               </a:lnSpc>
               <a:buNone/>
               <a:tabLst>
@@ -19666,8 +20731,9 @@
                   <a:srgbClr val="000000"/>
                 </a:solidFill>
                 <a:latin typeface="Arial"/>
-              </a:rPr>
-              <a:t>画面：ユーザーマスター</a:t>
+                <a:ea typeface="DejaVu Sans"/>
+              </a:rPr>
+              <a:t>画面：部品マスター検索</a:t>
             </a:r>
             <a:endParaRPr b="0" lang="en-US" sz="4400" spc="-1" strike="noStrike">
               <a:solidFill>
@@ -19680,14 +20746,14 @@
       </p:sp>
       <p:sp>
         <p:nvSpPr>
-          <p:cNvPr id="210" name=""/>
+          <p:cNvPr id="213" name="正方形/長方形 1"/>
           <p:cNvSpPr/>
           <p:nvPr/>
         </p:nvSpPr>
         <p:spPr>
           <a:xfrm>
             <a:off x="720000" y="1440000"/>
-            <a:ext cx="5759280" cy="3599280"/>
+            <a:ext cx="5758920" cy="3598920"/>
           </a:xfrm>
           <a:prstGeom prst="rect">
             <a:avLst/>
@@ -19727,14 +20793,14 @@
       </p:sp>
       <p:sp>
         <p:nvSpPr>
-          <p:cNvPr id="211" name=""/>
+          <p:cNvPr id="214" name="正方形/長方形 2"/>
           <p:cNvSpPr/>
           <p:nvPr/>
         </p:nvSpPr>
         <p:spPr>
           <a:xfrm>
             <a:off x="5400000" y="1980000"/>
-            <a:ext cx="899280" cy="359280"/>
+            <a:ext cx="898920" cy="358920"/>
           </a:xfrm>
           <a:prstGeom prst="rect">
             <a:avLst/>
@@ -19785,24 +20851,22 @@
       </p:sp>
       <p:sp>
         <p:nvSpPr>
-          <p:cNvPr id="212" name=""/>
+          <p:cNvPr id="215" name="正方形/長方形 3"/>
           <p:cNvSpPr/>
           <p:nvPr/>
         </p:nvSpPr>
         <p:spPr>
           <a:xfrm>
-            <a:off x="3240000" y="4500000"/>
-            <a:ext cx="899280" cy="359280"/>
-          </a:xfrm>
-          <a:prstGeom prst="rect">
-            <a:avLst/>
-          </a:prstGeom>
-          <a:solidFill>
-            <a:schemeClr val="accent1"/>
-          </a:solidFill>
+            <a:off x="900000" y="1620000"/>
+            <a:ext cx="5398920" cy="718920"/>
+          </a:xfrm>
+          <a:prstGeom prst="rect">
+            <a:avLst/>
+          </a:prstGeom>
+          <a:noFill/>
           <a:ln w="0">
             <a:solidFill>
-              <a:srgbClr val="254061"/>
+              <a:srgbClr val="000000"/>
             </a:solidFill>
           </a:ln>
         </p:spPr>
@@ -19830,7 +20894,7 @@
                 <a:latin typeface="Arial"/>
                 <a:ea typeface="DejaVu Sans"/>
               </a:rPr>
-              <a:t>登録</a:t>
+              <a:t>検索条件</a:t>
             </a:r>
             <a:endParaRPr b="0" lang="en-US" sz="1800" spc="-1" strike="noStrike">
               <a:solidFill>
@@ -19843,24 +20907,22 @@
       </p:sp>
       <p:sp>
         <p:nvSpPr>
-          <p:cNvPr id="213" name=""/>
+          <p:cNvPr id="216" name="正方形/長方形 4"/>
           <p:cNvSpPr/>
           <p:nvPr/>
         </p:nvSpPr>
         <p:spPr>
           <a:xfrm>
-            <a:off x="4320000" y="4500000"/>
-            <a:ext cx="899280" cy="359280"/>
-          </a:xfrm>
-          <a:prstGeom prst="rect">
-            <a:avLst/>
-          </a:prstGeom>
-          <a:solidFill>
-            <a:schemeClr val="accent1"/>
-          </a:solidFill>
+            <a:off x="900000" y="2520000"/>
+            <a:ext cx="5398920" cy="2339640"/>
+          </a:xfrm>
+          <a:prstGeom prst="rect">
+            <a:avLst/>
+          </a:prstGeom>
+          <a:noFill/>
           <a:ln w="0">
             <a:solidFill>
-              <a:srgbClr val="254061"/>
+              <a:srgbClr val="000000"/>
             </a:solidFill>
           </a:ln>
         </p:spPr>
@@ -19888,7 +20950,7 @@
                 <a:latin typeface="Arial"/>
                 <a:ea typeface="DejaVu Sans"/>
               </a:rPr>
-              <a:t>更新</a:t>
+              <a:t>一覧</a:t>
             </a:r>
             <a:endParaRPr b="0" lang="en-US" sz="1800" spc="-1" strike="noStrike">
               <a:solidFill>
@@ -19901,14 +20963,14 @@
       </p:sp>
       <p:sp>
         <p:nvSpPr>
-          <p:cNvPr id="214" name=""/>
+          <p:cNvPr id="217" name="正方形/長方形 5"/>
           <p:cNvSpPr/>
           <p:nvPr/>
         </p:nvSpPr>
         <p:spPr>
           <a:xfrm>
-            <a:off x="900000" y="4500000"/>
-            <a:ext cx="899280" cy="359280"/>
+            <a:off x="4680000" y="2880000"/>
+            <a:ext cx="1618920" cy="358920"/>
           </a:xfrm>
           <a:prstGeom prst="rect">
             <a:avLst/>
@@ -19946,233 +21008,7 @@
                 <a:latin typeface="Arial"/>
                 <a:ea typeface="DejaVu Sans"/>
               </a:rPr>
-              <a:t>削除</a:t>
-            </a:r>
-            <a:endParaRPr b="0" lang="en-US" sz="1800" spc="-1" strike="noStrike">
-              <a:solidFill>
-                <a:srgbClr val="000000"/>
-              </a:solidFill>
-              <a:latin typeface="Arial"/>
-            </a:endParaRPr>
-          </a:p>
-        </p:txBody>
-      </p:sp>
-      <p:sp>
-        <p:nvSpPr>
-          <p:cNvPr id="215" name=""/>
-          <p:cNvSpPr/>
-          <p:nvPr/>
-        </p:nvSpPr>
-        <p:spPr>
-          <a:xfrm>
-            <a:off x="5400000" y="4500000"/>
-            <a:ext cx="899280" cy="359280"/>
-          </a:xfrm>
-          <a:prstGeom prst="rect">
-            <a:avLst/>
-          </a:prstGeom>
-          <a:solidFill>
-            <a:schemeClr val="accent1"/>
-          </a:solidFill>
-          <a:ln w="0">
-            <a:solidFill>
-              <a:srgbClr val="254061"/>
-            </a:solidFill>
-          </a:ln>
-        </p:spPr>
-        <p:style>
-          <a:lnRef idx="0"/>
-          <a:fillRef idx="0"/>
-          <a:effectRef idx="0"/>
-          <a:fontRef idx="minor"/>
-        </p:style>
-        <p:txBody>
-          <a:bodyPr lIns="90000" rIns="90000" tIns="45000" bIns="45000" anchor="ctr">
-            <a:noAutofit/>
-          </a:bodyPr>
-          <a:p>
-            <a:pPr algn="ctr">
-              <a:lnSpc>
-                <a:spcPct val="100000"/>
-              </a:lnSpc>
-            </a:pPr>
-            <a:r>
-              <a:rPr b="0" lang="ja-JP" sz="1800" spc="-1" strike="noStrike">
-                <a:solidFill>
-                  <a:srgbClr val="000000"/>
-                </a:solidFill>
-                <a:latin typeface="Arial"/>
-                <a:ea typeface="DejaVu Sans"/>
-              </a:rPr>
-              <a:t>クリア</a:t>
-            </a:r>
-            <a:endParaRPr b="0" lang="en-US" sz="1800" spc="-1" strike="noStrike">
-              <a:solidFill>
-                <a:srgbClr val="000000"/>
-              </a:solidFill>
-              <a:latin typeface="Arial"/>
-            </a:endParaRPr>
-          </a:p>
-        </p:txBody>
-      </p:sp>
-      <p:sp>
-        <p:nvSpPr>
-          <p:cNvPr id="216" name=""/>
-          <p:cNvSpPr/>
-          <p:nvPr/>
-        </p:nvSpPr>
-        <p:spPr>
-          <a:xfrm>
-            <a:off x="900000" y="1620000"/>
-            <a:ext cx="5399280" cy="719280"/>
-          </a:xfrm>
-          <a:prstGeom prst="rect">
-            <a:avLst/>
-          </a:prstGeom>
-          <a:noFill/>
-          <a:ln w="0">
-            <a:solidFill>
-              <a:srgbClr val="000000"/>
-            </a:solidFill>
-          </a:ln>
-        </p:spPr>
-        <p:style>
-          <a:lnRef idx="0"/>
-          <a:fillRef idx="0"/>
-          <a:effectRef idx="0"/>
-          <a:fontRef idx="minor"/>
-        </p:style>
-        <p:txBody>
-          <a:bodyPr lIns="90000" rIns="90000" tIns="45000" bIns="45000" anchor="ctr">
-            <a:noAutofit/>
-          </a:bodyPr>
-          <a:p>
-            <a:pPr algn="ctr">
-              <a:lnSpc>
-                <a:spcPct val="100000"/>
-              </a:lnSpc>
-            </a:pPr>
-            <a:r>
-              <a:rPr b="0" lang="ja-JP" sz="1800" spc="-1" strike="noStrike">
-                <a:solidFill>
-                  <a:srgbClr val="000000"/>
-                </a:solidFill>
-                <a:latin typeface="Arial"/>
-                <a:ea typeface="DejaVu Sans"/>
-              </a:rPr>
-              <a:t>検索条件</a:t>
-            </a:r>
-            <a:endParaRPr b="0" lang="en-US" sz="1800" spc="-1" strike="noStrike">
-              <a:solidFill>
-                <a:srgbClr val="000000"/>
-              </a:solidFill>
-              <a:latin typeface="Arial"/>
-            </a:endParaRPr>
-          </a:p>
-        </p:txBody>
-      </p:sp>
-      <p:sp>
-        <p:nvSpPr>
-          <p:cNvPr id="217" name=""/>
-          <p:cNvSpPr/>
-          <p:nvPr/>
-        </p:nvSpPr>
-        <p:spPr>
-          <a:xfrm>
-            <a:off x="900000" y="2520000"/>
-            <a:ext cx="5399280" cy="1079280"/>
-          </a:xfrm>
-          <a:prstGeom prst="rect">
-            <a:avLst/>
-          </a:prstGeom>
-          <a:noFill/>
-          <a:ln w="0">
-            <a:solidFill>
-              <a:srgbClr val="000000"/>
-            </a:solidFill>
-          </a:ln>
-        </p:spPr>
-        <p:style>
-          <a:lnRef idx="0"/>
-          <a:fillRef idx="0"/>
-          <a:effectRef idx="0"/>
-          <a:fontRef idx="minor"/>
-        </p:style>
-        <p:txBody>
-          <a:bodyPr lIns="90000" rIns="90000" tIns="45000" bIns="45000" anchor="ctr">
-            <a:noAutofit/>
-          </a:bodyPr>
-          <a:p>
-            <a:pPr algn="ctr">
-              <a:lnSpc>
-                <a:spcPct val="100000"/>
-              </a:lnSpc>
-            </a:pPr>
-            <a:r>
-              <a:rPr b="0" lang="ja-JP" sz="1800" spc="-1" strike="noStrike">
-                <a:solidFill>
-                  <a:srgbClr val="000000"/>
-                </a:solidFill>
-                <a:latin typeface="Arial"/>
-                <a:ea typeface="DejaVu Sans"/>
-              </a:rPr>
-              <a:t>一覧</a:t>
-            </a:r>
-            <a:endParaRPr b="0" lang="en-US" sz="1800" spc="-1" strike="noStrike">
-              <a:solidFill>
-                <a:srgbClr val="000000"/>
-              </a:solidFill>
-              <a:latin typeface="Arial"/>
-            </a:endParaRPr>
-          </a:p>
-        </p:txBody>
-      </p:sp>
-      <p:sp>
-        <p:nvSpPr>
-          <p:cNvPr id="218" name=""/>
-          <p:cNvSpPr/>
-          <p:nvPr/>
-        </p:nvSpPr>
-        <p:spPr>
-          <a:xfrm>
-            <a:off x="900000" y="3780000"/>
-            <a:ext cx="5399280" cy="1079280"/>
-          </a:xfrm>
-          <a:prstGeom prst="rect">
-            <a:avLst/>
-          </a:prstGeom>
-          <a:noFill/>
-          <a:ln w="0">
-            <a:solidFill>
-              <a:srgbClr val="000000"/>
-            </a:solidFill>
-          </a:ln>
-        </p:spPr>
-        <p:style>
-          <a:lnRef idx="0"/>
-          <a:fillRef idx="0"/>
-          <a:effectRef idx="0"/>
-          <a:fontRef idx="minor"/>
-        </p:style>
-        <p:txBody>
-          <a:bodyPr lIns="90000" rIns="90000" tIns="45000" bIns="45000" anchor="ctr">
-            <a:noAutofit/>
-          </a:bodyPr>
-          <a:p>
-            <a:pPr algn="ctr">
-              <a:lnSpc>
-                <a:spcPct val="100000"/>
-              </a:lnSpc>
-            </a:pPr>
-            <a:r>
-              <a:rPr b="0" lang="ja-JP" sz="1800" spc="-1" strike="noStrike">
-                <a:solidFill>
-                  <a:srgbClr val="000000"/>
-                </a:solidFill>
-                <a:latin typeface="Arial"/>
-                <a:ea typeface="DejaVu Sans"/>
-              </a:rPr>
-              <a:t>編集欄</a:t>
+              <a:t>入出庫入力</a:t>
             </a:r>
             <a:endParaRPr b="0" lang="en-US" sz="1800" spc="-1" strike="noStrike">
               <a:solidFill>

--- a/document/制作物_案.pptx
+++ b/document/制作物_案.pptx
@@ -82,7 +82,7 @@
         <p:txBody>
           <a:bodyPr/>
           <a:p>
-            <a:fld id="{731F42EC-A36D-423B-8C0A-9908E8C51E5C}" type="slidenum">
+            <a:fld id="{852ED110-ED85-429D-BCAD-1342C74AA9A6}" type="slidenum">
               <a:t>&lt;#&gt;</a:t>
             </a:fld>
           </a:p>
@@ -291,7 +291,7 @@
         <p:txBody>
           <a:bodyPr/>
           <a:p>
-            <a:fld id="{1D3184D4-B5D4-4C41-B81C-B494B6EA94C4}" type="slidenum">
+            <a:fld id="{905DA309-A833-4B28-846F-E8F553459718}" type="slidenum">
               <a:t>&lt;#&gt;</a:t>
             </a:fld>
           </a:p>
@@ -586,7 +586,7 @@
         <p:txBody>
           <a:bodyPr/>
           <a:p>
-            <a:fld id="{ADBA7888-0678-4675-9090-C0B3F2B78F33}" type="slidenum">
+            <a:fld id="{7C3E5EBC-9CD9-4D61-BF9F-8613C0084535}" type="slidenum">
               <a:t>&lt;#&gt;</a:t>
             </a:fld>
           </a:p>
@@ -967,7 +967,7 @@
         <p:txBody>
           <a:bodyPr/>
           <a:p>
-            <a:fld id="{283D0455-5670-468E-BFA1-E04E379CE7EE}" type="slidenum">
+            <a:fld id="{DD8FFB5B-7DBF-466F-8812-DAF3C106230D}" type="slidenum">
               <a:t>&lt;#&gt;</a:t>
             </a:fld>
           </a:p>
@@ -1050,7 +1050,7 @@
         <p:txBody>
           <a:bodyPr/>
           <a:p>
-            <a:fld id="{52BBF13D-BF91-43EF-8A91-D02AA44B55DC}" type="slidenum">
+            <a:fld id="{E743743A-F49D-4B84-A89C-9683EFC296AC}" type="slidenum">
               <a:t>&lt;#&gt;</a:t>
             </a:fld>
           </a:p>
@@ -1213,7 +1213,7 @@
         <p:txBody>
           <a:bodyPr/>
           <a:p>
-            <a:fld id="{12B5A766-272A-458C-91B3-6423DEB1B556}" type="slidenum">
+            <a:fld id="{3382CBC2-0E3D-4490-AC01-FB62EC6722D2}" type="slidenum">
               <a:t>&lt;#&gt;</a:t>
             </a:fld>
           </a:p>
@@ -1379,7 +1379,7 @@
         <p:txBody>
           <a:bodyPr/>
           <a:p>
-            <a:fld id="{5EB8C215-62C1-4DFB-B408-9857C4042506}" type="slidenum">
+            <a:fld id="{DBCECCED-A404-405F-A733-42CA374BF427}" type="slidenum">
               <a:t>&lt;#&gt;</a:t>
             </a:fld>
           </a:p>
@@ -1588,7 +1588,7 @@
         <p:txBody>
           <a:bodyPr/>
           <a:p>
-            <a:fld id="{9ED3AA80-530E-4B62-8534-DA99D1FD879F}" type="slidenum">
+            <a:fld id="{73AE6112-ACCD-4AD9-B313-D1CC0FD62B0C}" type="slidenum">
               <a:t>&lt;#&gt;</a:t>
             </a:fld>
           </a:p>
@@ -1711,7 +1711,7 @@
         <p:txBody>
           <a:bodyPr/>
           <a:p>
-            <a:fld id="{799E2FB7-A74B-4AF2-9DD1-76953BEEC7D8}" type="slidenum">
+            <a:fld id="{82B930B8-3FE0-4433-9A71-E461E32F3BEC}" type="slidenum">
               <a:t>&lt;#&gt;</a:t>
             </a:fld>
           </a:p>
@@ -1832,7 +1832,7 @@
         <p:txBody>
           <a:bodyPr/>
           <a:p>
-            <a:fld id="{FDF8E4BE-4583-4236-998C-F0BD169E88BD}" type="slidenum">
+            <a:fld id="{9388BD39-6857-4E38-BD97-4465250F7695}" type="slidenum">
               <a:t>&lt;#&gt;</a:t>
             </a:fld>
           </a:p>
@@ -2084,7 +2084,7 @@
         <p:txBody>
           <a:bodyPr/>
           <a:p>
-            <a:fld id="{779D2BEE-E75E-424B-B658-15B1B56E6AAF}" type="slidenum">
+            <a:fld id="{A55A101F-9BFE-4EF7-9C49-F7C1F68A202C}" type="slidenum">
               <a:t>&lt;#&gt;</a:t>
             </a:fld>
           </a:p>
@@ -2247,7 +2247,7 @@
         <p:txBody>
           <a:bodyPr/>
           <a:p>
-            <a:fld id="{C6AB3F71-115F-41BC-9388-BE94CD3A665D}" type="slidenum">
+            <a:fld id="{5C7C7EF3-37B2-4C1F-BDDE-58D11A961613}" type="slidenum">
               <a:t>&lt;#&gt;</a:t>
             </a:fld>
           </a:p>
@@ -2499,7 +2499,7 @@
         <p:txBody>
           <a:bodyPr/>
           <a:p>
-            <a:fld id="{9E13450D-5796-4CAC-A8C5-6F9BFAE9635D}" type="slidenum">
+            <a:fld id="{35051D87-A9F8-415D-B916-107048C14F44}" type="slidenum">
               <a:t>&lt;#&gt;</a:t>
             </a:fld>
           </a:p>
@@ -2751,7 +2751,7 @@
         <p:txBody>
           <a:bodyPr/>
           <a:p>
-            <a:fld id="{517E62C8-DC6B-4F46-A858-799A55CB8718}" type="slidenum">
+            <a:fld id="{C479D791-A887-4F88-BAA5-E9C923CA9D12}" type="slidenum">
               <a:t>&lt;#&gt;</a:t>
             </a:fld>
           </a:p>
@@ -2960,7 +2960,7 @@
         <p:txBody>
           <a:bodyPr/>
           <a:p>
-            <a:fld id="{BD10BB55-A028-4B76-96E7-15395B7A4ABB}" type="slidenum">
+            <a:fld id="{B4633ACA-96CE-4833-A273-D415900A7187}" type="slidenum">
               <a:t>&lt;#&gt;</a:t>
             </a:fld>
           </a:p>
@@ -3255,7 +3255,7 @@
         <p:txBody>
           <a:bodyPr/>
           <a:p>
-            <a:fld id="{F45E0CBE-B861-439B-B548-55908F650FC3}" type="slidenum">
+            <a:fld id="{61ACF160-64FA-4F65-9220-45A8B281BD51}" type="slidenum">
               <a:t>&lt;#&gt;</a:t>
             </a:fld>
           </a:p>
@@ -3636,7 +3636,7 @@
         <p:txBody>
           <a:bodyPr/>
           <a:p>
-            <a:fld id="{13DAE2E5-442C-4CF6-8877-966EC75FB9E0}" type="slidenum">
+            <a:fld id="{AA781D94-8D99-45D1-BD5F-5840B647D733}" type="slidenum">
               <a:t>&lt;#&gt;</a:t>
             </a:fld>
           </a:p>
@@ -3719,7 +3719,7 @@
         <p:txBody>
           <a:bodyPr/>
           <a:p>
-            <a:fld id="{F2BAA184-A242-4133-85F0-C10808A961EA}" type="slidenum">
+            <a:fld id="{D3B1C147-AD2F-460E-A950-981289CDD694}" type="slidenum">
               <a:t>&lt;#&gt;</a:t>
             </a:fld>
           </a:p>
@@ -3882,7 +3882,7 @@
         <p:txBody>
           <a:bodyPr/>
           <a:p>
-            <a:fld id="{7F22C952-3C80-4B8F-A248-36916721A4EF}" type="slidenum">
+            <a:fld id="{410EA35C-FCCA-4535-8D43-40ACB85FB633}" type="slidenum">
               <a:t>&lt;#&gt;</a:t>
             </a:fld>
           </a:p>
@@ -4048,7 +4048,7 @@
         <p:txBody>
           <a:bodyPr/>
           <a:p>
-            <a:fld id="{62E04DD8-08EA-476F-9C22-83B1F00AC634}" type="slidenum">
+            <a:fld id="{92ED3B26-02F0-4C6D-8C90-3923293C9F26}" type="slidenum">
               <a:t>&lt;#&gt;</a:t>
             </a:fld>
           </a:p>
@@ -4257,7 +4257,7 @@
         <p:txBody>
           <a:bodyPr/>
           <a:p>
-            <a:fld id="{6E5455C7-7109-4F86-BD0E-F9CA73E5677E}" type="slidenum">
+            <a:fld id="{E4603996-E6D2-4059-9716-AFE5A8AD4554}" type="slidenum">
               <a:t>&lt;#&gt;</a:t>
             </a:fld>
           </a:p>
@@ -4380,7 +4380,7 @@
         <p:txBody>
           <a:bodyPr/>
           <a:p>
-            <a:fld id="{5A5AB966-707C-4D83-86F4-43D3092F6364}" type="slidenum">
+            <a:fld id="{ECB264A2-8793-44ED-B340-040810DE6FE5}" type="slidenum">
               <a:t>&lt;#&gt;</a:t>
             </a:fld>
           </a:p>
@@ -4546,7 +4546,7 @@
         <p:txBody>
           <a:bodyPr/>
           <a:p>
-            <a:fld id="{05CF4B85-0948-4C9A-BDBD-017B18106EAF}" type="slidenum">
+            <a:fld id="{EB8E48CA-398E-4EFB-A15B-0F1775E1EA06}" type="slidenum">
               <a:t>&lt;#&gt;</a:t>
             </a:fld>
           </a:p>
@@ -4667,7 +4667,7 @@
         <p:txBody>
           <a:bodyPr/>
           <a:p>
-            <a:fld id="{FC063925-9EB5-4FC8-8279-4880F88AAB55}" type="slidenum">
+            <a:fld id="{DFEC904C-7A36-4324-8BF2-7F76D9C2C9F9}" type="slidenum">
               <a:t>&lt;#&gt;</a:t>
             </a:fld>
           </a:p>
@@ -4919,7 +4919,7 @@
         <p:txBody>
           <a:bodyPr/>
           <a:p>
-            <a:fld id="{1E3355A6-B775-43FE-99B8-E63EF1BE7993}" type="slidenum">
+            <a:fld id="{C66EE156-F36A-49D7-97B9-33F5D38C5A53}" type="slidenum">
               <a:t>&lt;#&gt;</a:t>
             </a:fld>
           </a:p>
@@ -5171,7 +5171,7 @@
         <p:txBody>
           <a:bodyPr/>
           <a:p>
-            <a:fld id="{30A4AF0F-822F-4381-8085-8508D6FD43B2}" type="slidenum">
+            <a:fld id="{6EE02F8E-B4F0-41B4-A020-7A90A40030BF}" type="slidenum">
               <a:t>&lt;#&gt;</a:t>
             </a:fld>
           </a:p>
@@ -5423,7 +5423,7 @@
         <p:txBody>
           <a:bodyPr/>
           <a:p>
-            <a:fld id="{D8B069E6-BD90-41D2-99AF-87AFC36E4482}" type="slidenum">
+            <a:fld id="{593D34A9-D2F6-457A-8DFF-540C4CD834A5}" type="slidenum">
               <a:t>&lt;#&gt;</a:t>
             </a:fld>
           </a:p>
@@ -5632,7 +5632,7 @@
         <p:txBody>
           <a:bodyPr/>
           <a:p>
-            <a:fld id="{8B7D4A28-D1B6-4B89-BA60-9431CABC1A60}" type="slidenum">
+            <a:fld id="{7855EA5E-75EB-413B-A117-1489BBE10763}" type="slidenum">
               <a:t>&lt;#&gt;</a:t>
             </a:fld>
           </a:p>
@@ -5927,7 +5927,7 @@
         <p:txBody>
           <a:bodyPr/>
           <a:p>
-            <a:fld id="{B51C61E6-638A-4A33-AF73-A54996F4502E}" type="slidenum">
+            <a:fld id="{6749F660-E613-4BC9-9286-68EE3493253F}" type="slidenum">
               <a:t>&lt;#&gt;</a:t>
             </a:fld>
           </a:p>
@@ -6308,7 +6308,7 @@
         <p:txBody>
           <a:bodyPr/>
           <a:p>
-            <a:fld id="{34081377-7329-4E60-B7E8-198E0778D23F}" type="slidenum">
+            <a:fld id="{EAC850E6-0DCA-4512-8ECE-4C65F48EDEA4}" type="slidenum">
               <a:t>&lt;#&gt;</a:t>
             </a:fld>
           </a:p>
@@ -6391,7 +6391,7 @@
         <p:txBody>
           <a:bodyPr/>
           <a:p>
-            <a:fld id="{1139F164-0977-4706-AFD0-A49CA8E294B4}" type="slidenum">
+            <a:fld id="{92B78A16-CC4D-4E4F-9EE3-F8CD27722E04}" type="slidenum">
               <a:t>&lt;#&gt;</a:t>
             </a:fld>
           </a:p>
@@ -6554,7 +6554,7 @@
         <p:txBody>
           <a:bodyPr/>
           <a:p>
-            <a:fld id="{7CF7C38D-1CBC-462F-9493-3481DB113BC4}" type="slidenum">
+            <a:fld id="{6FF207C6-9AAC-4488-8A28-731765FCB88E}" type="slidenum">
               <a:t>&lt;#&gt;</a:t>
             </a:fld>
           </a:p>
@@ -6720,7 +6720,7 @@
         <p:txBody>
           <a:bodyPr/>
           <a:p>
-            <a:fld id="{7F100838-D896-4CC3-AA50-B7E0B9FA9044}" type="slidenum">
+            <a:fld id="{51B66D13-7C4F-424E-B27F-DAABECA494AE}" type="slidenum">
               <a:t>&lt;#&gt;</a:t>
             </a:fld>
           </a:p>
@@ -6929,7 +6929,7 @@
         <p:txBody>
           <a:bodyPr/>
           <a:p>
-            <a:fld id="{72853C34-76E4-4EAE-91C0-B845EF6DAB91}" type="slidenum">
+            <a:fld id="{A88ECFD0-6E63-49C3-AB7F-AED3D2AD3AB2}" type="slidenum">
               <a:t>&lt;#&gt;</a:t>
             </a:fld>
           </a:p>
@@ -7138,7 +7138,7 @@
         <p:txBody>
           <a:bodyPr/>
           <a:p>
-            <a:fld id="{E0FF829B-8D2E-43CB-A36B-8E8E6421C445}" type="slidenum">
+            <a:fld id="{220C4C66-08D6-43DC-AB6E-C178F52926D6}" type="slidenum">
               <a:t>&lt;#&gt;</a:t>
             </a:fld>
           </a:p>
@@ -7261,7 +7261,7 @@
         <p:txBody>
           <a:bodyPr/>
           <a:p>
-            <a:fld id="{2FEF2EFA-5101-4E9B-ABBF-EC984E419AE9}" type="slidenum">
+            <a:fld id="{9F0EA08D-C106-44D9-B35F-1FC1F29CF5D6}" type="slidenum">
               <a:t>&lt;#&gt;</a:t>
             </a:fld>
           </a:p>
@@ -7382,7 +7382,7 @@
         <p:txBody>
           <a:bodyPr/>
           <a:p>
-            <a:fld id="{26DD8457-2CEA-4FEA-BDF4-4B15EA46E54F}" type="slidenum">
+            <a:fld id="{4D29F767-BE52-46E2-8773-7B1E7B98C112}" type="slidenum">
               <a:t>&lt;#&gt;</a:t>
             </a:fld>
           </a:p>
@@ -7634,7 +7634,7 @@
         <p:txBody>
           <a:bodyPr/>
           <a:p>
-            <a:fld id="{1C3CDAE2-6500-4864-ADC9-E981CADC7621}" type="slidenum">
+            <a:fld id="{0F08D8B1-87F0-4A82-8FA4-F54381DAD12B}" type="slidenum">
               <a:t>&lt;#&gt;</a:t>
             </a:fld>
           </a:p>
@@ -7886,7 +7886,7 @@
         <p:txBody>
           <a:bodyPr/>
           <a:p>
-            <a:fld id="{1CDF850A-7F31-4B11-9F61-EB0739769AF1}" type="slidenum">
+            <a:fld id="{8D719127-1071-46B1-AA21-803375863C4E}" type="slidenum">
               <a:t>&lt;#&gt;</a:t>
             </a:fld>
           </a:p>
@@ -8138,7 +8138,7 @@
         <p:txBody>
           <a:bodyPr/>
           <a:p>
-            <a:fld id="{FE989A69-81E4-42E4-A0AD-F04524E4B3F0}" type="slidenum">
+            <a:fld id="{2AEA37FD-6B6B-47FD-9911-B45EF368323B}" type="slidenum">
               <a:t>&lt;#&gt;</a:t>
             </a:fld>
           </a:p>
@@ -8347,7 +8347,7 @@
         <p:txBody>
           <a:bodyPr/>
           <a:p>
-            <a:fld id="{0AAF5C6D-BE85-49C5-9483-45AEE5614446}" type="slidenum">
+            <a:fld id="{79EA3357-904D-4945-BD82-07ACC5BF294A}" type="slidenum">
               <a:t>&lt;#&gt;</a:t>
             </a:fld>
           </a:p>
@@ -8642,7 +8642,7 @@
         <p:txBody>
           <a:bodyPr/>
           <a:p>
-            <a:fld id="{FE0DFDDE-A7E4-4957-9881-807980F83A46}" type="slidenum">
+            <a:fld id="{761FEACD-7141-45DD-A068-4D8CBE79A59E}" type="slidenum">
               <a:t>&lt;#&gt;</a:t>
             </a:fld>
           </a:p>
@@ -9023,7 +9023,7 @@
         <p:txBody>
           <a:bodyPr/>
           <a:p>
-            <a:fld id="{11A775E2-7ABF-42C1-9209-C19A1CB8E618}" type="slidenum">
+            <a:fld id="{BD0E4F8B-44B1-4338-BB2C-F91F631FFB17}" type="slidenum">
               <a:t>&lt;#&gt;</a:t>
             </a:fld>
           </a:p>
@@ -9146,7 +9146,7 @@
         <p:txBody>
           <a:bodyPr/>
           <a:p>
-            <a:fld id="{B7826B23-BAFE-4EEE-85AC-22FE063A7DC4}" type="slidenum">
+            <a:fld id="{66311683-2CBB-4BBC-B814-686A38AF777F}" type="slidenum">
               <a:t>&lt;#&gt;</a:t>
             </a:fld>
           </a:p>
@@ -9267,7 +9267,7 @@
         <p:txBody>
           <a:bodyPr/>
           <a:p>
-            <a:fld id="{01ABA180-EE57-4257-A59E-9D0E2B539BD6}" type="slidenum">
+            <a:fld id="{486C6516-99F2-4E49-9077-8BE4AF7EF345}" type="slidenum">
               <a:t>&lt;#&gt;</a:t>
             </a:fld>
           </a:p>
@@ -9519,7 +9519,7 @@
         <p:txBody>
           <a:bodyPr/>
           <a:p>
-            <a:fld id="{8A063C90-B824-43B6-B639-6735029360C0}" type="slidenum">
+            <a:fld id="{827F5E6D-099E-472E-811E-8DA9139B8AC3}" type="slidenum">
               <a:t>&lt;#&gt;</a:t>
             </a:fld>
           </a:p>
@@ -9771,7 +9771,7 @@
         <p:txBody>
           <a:bodyPr/>
           <a:p>
-            <a:fld id="{5F1E1D27-5EF6-4F6C-9089-3D5B51E8BED3}" type="slidenum">
+            <a:fld id="{512D3F49-267F-45B3-BEA1-53712C4DA485}" type="slidenum">
               <a:t>&lt;#&gt;</a:t>
             </a:fld>
           </a:p>
@@ -10023,7 +10023,7 @@
         <p:txBody>
           <a:bodyPr/>
           <a:p>
-            <a:fld id="{B2E90321-9CD0-44C6-B202-08A281DCCDA5}" type="slidenum">
+            <a:fld id="{BBD9CBE4-3497-4B1C-A94B-54DDB6B7CBE8}" type="slidenum">
               <a:t>&lt;#&gt;</a:t>
             </a:fld>
           </a:p>
@@ -10085,7 +10085,7 @@
         <p:spPr>
           <a:xfrm>
             <a:off x="3447360" y="5165280"/>
-            <a:ext cx="3193200" cy="388800"/>
+            <a:ext cx="3192840" cy="388440"/>
           </a:xfrm>
           <a:prstGeom prst="rect">
             <a:avLst/>
@@ -10157,7 +10157,7 @@
         <p:spPr>
           <a:xfrm>
             <a:off x="7227360" y="5165280"/>
-            <a:ext cx="2346480" cy="388800"/>
+            <a:ext cx="2346120" cy="388440"/>
           </a:xfrm>
           <a:prstGeom prst="rect">
             <a:avLst/>
@@ -10198,14 +10198,14 @@
                 <a:tab algn="l" pos="0"/>
               </a:tabLst>
             </a:pPr>
-            <a:fld id="{3DCE1EA6-3062-4D53-A254-0366B7AF8F31}" type="slidenum">
+            <a:fld id="{6ED92BFB-195E-4102-9DD2-999423B2F246}" type="slidenum">
               <a:rPr b="0" lang="en-US" sz="1400" spc="-1" strike="noStrike">
                 <a:solidFill>
                   <a:srgbClr val="000000"/>
                 </a:solidFill>
                 <a:latin typeface="游明朝"/>
               </a:rPr>
-              <a:t>4</a:t>
+              <a:t>17</a:t>
             </a:fld>
             <a:endParaRPr b="0" lang="en-US" sz="1400" spc="-1" strike="noStrike">
               <a:solidFill>
@@ -10229,7 +10229,7 @@
         <p:spPr>
           <a:xfrm>
             <a:off x="504000" y="5165280"/>
-            <a:ext cx="2346480" cy="388800"/>
+            <a:ext cx="2346120" cy="388440"/>
           </a:xfrm>
           <a:prstGeom prst="rect">
             <a:avLst/>
@@ -10654,7 +10654,7 @@
         <p:spPr>
           <a:xfrm>
             <a:off x="3447360" y="5165280"/>
-            <a:ext cx="3193200" cy="388800"/>
+            <a:ext cx="3192840" cy="388440"/>
           </a:xfrm>
           <a:prstGeom prst="rect">
             <a:avLst/>
@@ -10726,7 +10726,7 @@
         <p:spPr>
           <a:xfrm>
             <a:off x="7227360" y="5165280"/>
-            <a:ext cx="2346480" cy="388800"/>
+            <a:ext cx="2346120" cy="388440"/>
           </a:xfrm>
           <a:prstGeom prst="rect">
             <a:avLst/>
@@ -10767,7 +10767,7 @@
                 <a:tab algn="l" pos="0"/>
               </a:tabLst>
             </a:pPr>
-            <a:fld id="{D4ED8687-1EA7-4BBA-B096-6A6B412F64E9}" type="slidenum">
+            <a:fld id="{6DFFCE62-6821-4DC6-A445-0C8B98B8519F}" type="slidenum">
               <a:rPr b="0" lang="en-US" sz="1400" spc="-1" strike="noStrike">
                 <a:solidFill>
                   <a:srgbClr val="000000"/>
@@ -10798,7 +10798,7 @@
         <p:spPr>
           <a:xfrm>
             <a:off x="504000" y="5165280"/>
-            <a:ext cx="2346480" cy="388800"/>
+            <a:ext cx="2346120" cy="388440"/>
           </a:xfrm>
           <a:prstGeom prst="rect">
             <a:avLst/>
@@ -11272,7 +11272,7 @@
         <p:spPr>
           <a:xfrm>
             <a:off x="3447360" y="5165280"/>
-            <a:ext cx="3193200" cy="388800"/>
+            <a:ext cx="3192840" cy="388440"/>
           </a:xfrm>
           <a:prstGeom prst="rect">
             <a:avLst/>
@@ -11344,7 +11344,7 @@
         <p:spPr>
           <a:xfrm>
             <a:off x="7227360" y="5165280"/>
-            <a:ext cx="2346480" cy="388800"/>
+            <a:ext cx="2346120" cy="388440"/>
           </a:xfrm>
           <a:prstGeom prst="rect">
             <a:avLst/>
@@ -11385,7 +11385,7 @@
                 <a:tab algn="l" pos="0"/>
               </a:tabLst>
             </a:pPr>
-            <a:fld id="{169DC16D-842E-4D93-B221-7E720560AB19}" type="slidenum">
+            <a:fld id="{DF326FA7-F230-4FC2-9670-2E2F55978CBF}" type="slidenum">
               <a:rPr b="0" lang="en-US" sz="1400" spc="-1" strike="noStrike">
                 <a:solidFill>
                   <a:srgbClr val="000000"/>
@@ -11416,7 +11416,7 @@
         <p:spPr>
           <a:xfrm>
             <a:off x="504000" y="5165280"/>
-            <a:ext cx="2346480" cy="388800"/>
+            <a:ext cx="2346120" cy="388440"/>
           </a:xfrm>
           <a:prstGeom prst="rect">
             <a:avLst/>
@@ -11792,7 +11792,7 @@
         <p:spPr>
           <a:xfrm>
             <a:off x="3447360" y="5165280"/>
-            <a:ext cx="3193200" cy="388800"/>
+            <a:ext cx="3192840" cy="388440"/>
           </a:xfrm>
           <a:prstGeom prst="rect">
             <a:avLst/>
@@ -11864,7 +11864,7 @@
         <p:spPr>
           <a:xfrm>
             <a:off x="7227360" y="5165280"/>
-            <a:ext cx="2346480" cy="388800"/>
+            <a:ext cx="2346120" cy="388440"/>
           </a:xfrm>
           <a:prstGeom prst="rect">
             <a:avLst/>
@@ -11905,7 +11905,7 @@
                 <a:tab algn="l" pos="0"/>
               </a:tabLst>
             </a:pPr>
-            <a:fld id="{2FB1E507-ED88-485C-BD4C-DF23C4B411B0}" type="slidenum">
+            <a:fld id="{CC4DE109-9BBB-427A-8D95-CABD5C17767B}" type="slidenum">
               <a:rPr b="0" lang="en-US" sz="1400" spc="-1" strike="noStrike">
                 <a:solidFill>
                   <a:srgbClr val="000000"/>
@@ -11936,7 +11936,7 @@
         <p:spPr>
           <a:xfrm>
             <a:off x="504000" y="5165280"/>
-            <a:ext cx="2346480" cy="388800"/>
+            <a:ext cx="2346120" cy="388440"/>
           </a:xfrm>
           <a:prstGeom prst="rect">
             <a:avLst/>
@@ -12361,7 +12361,7 @@
         <p:spPr>
           <a:xfrm>
             <a:off x="504000" y="226080"/>
-            <a:ext cx="9069840" cy="944640"/>
+            <a:ext cx="9069480" cy="944280"/>
           </a:xfrm>
           <a:prstGeom prst="rect">
             <a:avLst/>
@@ -12416,7 +12416,7 @@
         <p:spPr>
           <a:xfrm>
             <a:off x="504000" y="1326600"/>
-            <a:ext cx="9069840" cy="3286440"/>
+            <a:ext cx="9069480" cy="3286080"/>
           </a:xfrm>
           <a:prstGeom prst="rect">
             <a:avLst/>
@@ -12486,7 +12486,7 @@
         <p:spPr>
           <a:xfrm>
             <a:off x="504000" y="226080"/>
-            <a:ext cx="9070200" cy="945000"/>
+            <a:ext cx="9069840" cy="944640"/>
           </a:xfrm>
           <a:prstGeom prst="rect">
             <a:avLst/>
@@ -12518,7 +12518,7 @@
                 <a:latin typeface="Arial"/>
                 <a:ea typeface="DejaVu Sans"/>
               </a:rPr>
-              <a:t>画面：部品マスター</a:t>
+              <a:t>画面：製品マスター</a:t>
             </a:r>
             <a:endParaRPr b="0" lang="en-US" sz="4400" spc="-1" strike="noStrike">
               <a:solidFill>
@@ -12538,7 +12538,7 @@
         <p:spPr>
           <a:xfrm>
             <a:off x="720000" y="1440000"/>
-            <a:ext cx="5758920" cy="3598920"/>
+            <a:ext cx="5758560" cy="3598560"/>
           </a:xfrm>
           <a:prstGeom prst="rect">
             <a:avLst/>
@@ -12585,7 +12585,7 @@
         <p:spPr>
           <a:xfrm>
             <a:off x="3240000" y="4500000"/>
-            <a:ext cx="898920" cy="358920"/>
+            <a:ext cx="898560" cy="358560"/>
           </a:xfrm>
           <a:prstGeom prst="rect">
             <a:avLst/>
@@ -12643,7 +12643,7 @@
         <p:spPr>
           <a:xfrm>
             <a:off x="4320000" y="4500000"/>
-            <a:ext cx="898920" cy="358920"/>
+            <a:ext cx="898560" cy="358560"/>
           </a:xfrm>
           <a:prstGeom prst="rect">
             <a:avLst/>
@@ -12701,7 +12701,7 @@
         <p:spPr>
           <a:xfrm>
             <a:off x="900000" y="4500000"/>
-            <a:ext cx="898920" cy="358920"/>
+            <a:ext cx="898560" cy="358560"/>
           </a:xfrm>
           <a:prstGeom prst="rect">
             <a:avLst/>
@@ -12759,7 +12759,7 @@
         <p:spPr>
           <a:xfrm>
             <a:off x="5400000" y="4500000"/>
-            <a:ext cx="898920" cy="358920"/>
+            <a:ext cx="898560" cy="358560"/>
           </a:xfrm>
           <a:prstGeom prst="rect">
             <a:avLst/>
@@ -12817,7 +12817,7 @@
         <p:spPr>
           <a:xfrm>
             <a:off x="900000" y="1585080"/>
-            <a:ext cx="5398920" cy="3273840"/>
+            <a:ext cx="5398560" cy="3273480"/>
           </a:xfrm>
           <a:prstGeom prst="rect">
             <a:avLst/>
@@ -12907,7 +12907,7 @@
         <p:spPr>
           <a:xfrm>
             <a:off x="504000" y="226080"/>
-            <a:ext cx="9070200" cy="945000"/>
+            <a:ext cx="9069840" cy="944640"/>
           </a:xfrm>
           <a:prstGeom prst="rect">
             <a:avLst/>
@@ -12959,7 +12959,7 @@
         <p:spPr>
           <a:xfrm>
             <a:off x="720000" y="1440000"/>
-            <a:ext cx="5758920" cy="3598920"/>
+            <a:ext cx="5758560" cy="3598560"/>
           </a:xfrm>
           <a:prstGeom prst="rect">
             <a:avLst/>
@@ -13006,7 +13006,7 @@
         <p:spPr>
           <a:xfrm>
             <a:off x="5400000" y="1980000"/>
-            <a:ext cx="898920" cy="358920"/>
+            <a:ext cx="898560" cy="358560"/>
           </a:xfrm>
           <a:prstGeom prst="rect">
             <a:avLst/>
@@ -13064,7 +13064,7 @@
         <p:spPr>
           <a:xfrm>
             <a:off x="900000" y="1620000"/>
-            <a:ext cx="5398920" cy="718920"/>
+            <a:ext cx="5398560" cy="718560"/>
           </a:xfrm>
           <a:prstGeom prst="rect">
             <a:avLst/>
@@ -13120,7 +13120,7 @@
         <p:spPr>
           <a:xfrm>
             <a:off x="900000" y="2520000"/>
-            <a:ext cx="5398920" cy="2339640"/>
+            <a:ext cx="5398560" cy="2339280"/>
           </a:xfrm>
           <a:prstGeom prst="rect">
             <a:avLst/>
@@ -13176,7 +13176,7 @@
         <p:spPr>
           <a:xfrm>
             <a:off x="4680000" y="2880000"/>
-            <a:ext cx="1618920" cy="358920"/>
+            <a:ext cx="1618560" cy="358560"/>
           </a:xfrm>
           <a:prstGeom prst="rect">
             <a:avLst/>
@@ -13268,7 +13268,7 @@
         <p:spPr>
           <a:xfrm>
             <a:off x="504000" y="226080"/>
-            <a:ext cx="9070200" cy="945000"/>
+            <a:ext cx="9069840" cy="944640"/>
           </a:xfrm>
           <a:prstGeom prst="rect">
             <a:avLst/>
@@ -13320,7 +13320,7 @@
         <p:spPr>
           <a:xfrm>
             <a:off x="720000" y="1440000"/>
-            <a:ext cx="5758920" cy="3598920"/>
+            <a:ext cx="5758560" cy="3598560"/>
           </a:xfrm>
           <a:prstGeom prst="rect">
             <a:avLst/>
@@ -13367,7 +13367,7 @@
         <p:spPr>
           <a:xfrm>
             <a:off x="3240000" y="4500000"/>
-            <a:ext cx="898920" cy="358920"/>
+            <a:ext cx="898560" cy="358560"/>
           </a:xfrm>
           <a:prstGeom prst="rect">
             <a:avLst/>
@@ -13425,7 +13425,7 @@
         <p:spPr>
           <a:xfrm>
             <a:off x="4320000" y="4500000"/>
-            <a:ext cx="898920" cy="358920"/>
+            <a:ext cx="898560" cy="358560"/>
           </a:xfrm>
           <a:prstGeom prst="rect">
             <a:avLst/>
@@ -13483,7 +13483,7 @@
         <p:spPr>
           <a:xfrm>
             <a:off x="900000" y="4500000"/>
-            <a:ext cx="898920" cy="358920"/>
+            <a:ext cx="898560" cy="358560"/>
           </a:xfrm>
           <a:prstGeom prst="rect">
             <a:avLst/>
@@ -13541,7 +13541,7 @@
         <p:spPr>
           <a:xfrm>
             <a:off x="5400000" y="4500000"/>
-            <a:ext cx="898920" cy="358920"/>
+            <a:ext cx="898560" cy="358560"/>
           </a:xfrm>
           <a:prstGeom prst="rect">
             <a:avLst/>
@@ -13599,7 +13599,7 @@
         <p:spPr>
           <a:xfrm>
             <a:off x="900000" y="1585080"/>
-            <a:ext cx="5398920" cy="3273840"/>
+            <a:ext cx="5398560" cy="3273480"/>
           </a:xfrm>
           <a:prstGeom prst="rect">
             <a:avLst/>
@@ -13689,7 +13689,7 @@
         <p:spPr>
           <a:xfrm>
             <a:off x="504000" y="226080"/>
-            <a:ext cx="9070200" cy="945000"/>
+            <a:ext cx="9069840" cy="944640"/>
           </a:xfrm>
           <a:prstGeom prst="rect">
             <a:avLst/>
@@ -13741,7 +13741,7 @@
         <p:spPr>
           <a:xfrm>
             <a:off x="720000" y="1440000"/>
-            <a:ext cx="5758920" cy="3598920"/>
+            <a:ext cx="5758560" cy="3598560"/>
           </a:xfrm>
           <a:prstGeom prst="rect">
             <a:avLst/>
@@ -13788,7 +13788,7 @@
         <p:spPr>
           <a:xfrm>
             <a:off x="5400000" y="1980000"/>
-            <a:ext cx="898920" cy="358920"/>
+            <a:ext cx="898560" cy="358560"/>
           </a:xfrm>
           <a:prstGeom prst="rect">
             <a:avLst/>
@@ -13846,7 +13846,7 @@
         <p:spPr>
           <a:xfrm>
             <a:off x="900000" y="1620000"/>
-            <a:ext cx="5398920" cy="718920"/>
+            <a:ext cx="5398560" cy="718560"/>
           </a:xfrm>
           <a:prstGeom prst="rect">
             <a:avLst/>
@@ -13902,7 +13902,7 @@
         <p:spPr>
           <a:xfrm>
             <a:off x="900000" y="2520000"/>
-            <a:ext cx="5398920" cy="2339640"/>
+            <a:ext cx="5398560" cy="2339280"/>
           </a:xfrm>
           <a:prstGeom prst="rect">
             <a:avLst/>
@@ -13958,7 +13958,7 @@
         <p:spPr>
           <a:xfrm>
             <a:off x="4680000" y="2880000"/>
-            <a:ext cx="1618920" cy="358920"/>
+            <a:ext cx="1618560" cy="358560"/>
           </a:xfrm>
           <a:prstGeom prst="rect">
             <a:avLst/>
@@ -14050,7 +14050,7 @@
         <p:spPr>
           <a:xfrm>
             <a:off x="504000" y="226080"/>
-            <a:ext cx="9070200" cy="945000"/>
+            <a:ext cx="9069840" cy="944640"/>
           </a:xfrm>
           <a:prstGeom prst="rect">
             <a:avLst/>
@@ -14102,7 +14102,7 @@
         <p:spPr>
           <a:xfrm>
             <a:off x="720000" y="1440000"/>
-            <a:ext cx="5758920" cy="3598920"/>
+            <a:ext cx="5758560" cy="3598560"/>
           </a:xfrm>
           <a:prstGeom prst="rect">
             <a:avLst/>
@@ -14149,7 +14149,7 @@
         <p:spPr>
           <a:xfrm>
             <a:off x="3240000" y="4500000"/>
-            <a:ext cx="898920" cy="358920"/>
+            <a:ext cx="898560" cy="358560"/>
           </a:xfrm>
           <a:prstGeom prst="rect">
             <a:avLst/>
@@ -14207,7 +14207,7 @@
         <p:spPr>
           <a:xfrm>
             <a:off x="4320000" y="4500000"/>
-            <a:ext cx="898920" cy="358920"/>
+            <a:ext cx="898560" cy="358560"/>
           </a:xfrm>
           <a:prstGeom prst="rect">
             <a:avLst/>
@@ -14265,7 +14265,7 @@
         <p:spPr>
           <a:xfrm>
             <a:off x="900000" y="4500000"/>
-            <a:ext cx="898920" cy="358920"/>
+            <a:ext cx="898560" cy="358560"/>
           </a:xfrm>
           <a:prstGeom prst="rect">
             <a:avLst/>
@@ -14323,7 +14323,7 @@
         <p:spPr>
           <a:xfrm>
             <a:off x="5400000" y="4500000"/>
-            <a:ext cx="898920" cy="358920"/>
+            <a:ext cx="898560" cy="358560"/>
           </a:xfrm>
           <a:prstGeom prst="rect">
             <a:avLst/>
@@ -14381,7 +14381,7 @@
         <p:spPr>
           <a:xfrm>
             <a:off x="900000" y="1585080"/>
-            <a:ext cx="5398920" cy="3273840"/>
+            <a:ext cx="5398560" cy="3273480"/>
           </a:xfrm>
           <a:prstGeom prst="rect">
             <a:avLst/>
@@ -14471,7 +14471,7 @@
         <p:spPr>
           <a:xfrm>
             <a:off x="504000" y="226080"/>
-            <a:ext cx="9069840" cy="944640"/>
+            <a:ext cx="9069480" cy="944280"/>
           </a:xfrm>
           <a:prstGeom prst="rect">
             <a:avLst/>
@@ -14522,7 +14522,7 @@
         <p:spPr>
           <a:xfrm>
             <a:off x="720000" y="1440000"/>
-            <a:ext cx="5758560" cy="3598560"/>
+            <a:ext cx="5758200" cy="3598200"/>
           </a:xfrm>
           <a:prstGeom prst="rect">
             <a:avLst/>
@@ -14569,7 +14569,7 @@
         <p:spPr>
           <a:xfrm>
             <a:off x="3240000" y="4500000"/>
-            <a:ext cx="898560" cy="358560"/>
+            <a:ext cx="898200" cy="358200"/>
           </a:xfrm>
           <a:prstGeom prst="rect">
             <a:avLst/>
@@ -14627,7 +14627,7 @@
         <p:spPr>
           <a:xfrm>
             <a:off x="4320000" y="4500000"/>
-            <a:ext cx="898560" cy="358560"/>
+            <a:ext cx="898200" cy="358200"/>
           </a:xfrm>
           <a:prstGeom prst="rect">
             <a:avLst/>
@@ -14685,7 +14685,7 @@
         <p:spPr>
           <a:xfrm>
             <a:off x="900000" y="4500000"/>
-            <a:ext cx="898560" cy="358560"/>
+            <a:ext cx="898200" cy="358200"/>
           </a:xfrm>
           <a:prstGeom prst="rect">
             <a:avLst/>
@@ -14743,7 +14743,7 @@
         <p:spPr>
           <a:xfrm>
             <a:off x="5400000" y="4500000"/>
-            <a:ext cx="898560" cy="358560"/>
+            <a:ext cx="898200" cy="358200"/>
           </a:xfrm>
           <a:prstGeom prst="rect">
             <a:avLst/>
@@ -14801,7 +14801,7 @@
         <p:spPr>
           <a:xfrm>
             <a:off x="900000" y="2160000"/>
-            <a:ext cx="5398560" cy="1258560"/>
+            <a:ext cx="5398200" cy="1258200"/>
           </a:xfrm>
           <a:prstGeom prst="rect">
             <a:avLst/>
@@ -14857,7 +14857,7 @@
         <p:spPr>
           <a:xfrm>
             <a:off x="900000" y="1620000"/>
-            <a:ext cx="5398560" cy="358560"/>
+            <a:ext cx="5398200" cy="358200"/>
           </a:xfrm>
           <a:prstGeom prst="rect">
             <a:avLst/>
@@ -14913,7 +14913,7 @@
         <p:spPr>
           <a:xfrm>
             <a:off x="900000" y="3600000"/>
-            <a:ext cx="5398560" cy="718560"/>
+            <a:ext cx="5398200" cy="718200"/>
           </a:xfrm>
           <a:prstGeom prst="rect">
             <a:avLst/>
@@ -14960,7 +14960,7 @@
         <p:spPr>
           <a:xfrm>
             <a:off x="1080000" y="3780000"/>
-            <a:ext cx="1078560" cy="358560"/>
+            <a:ext cx="1078200" cy="358200"/>
           </a:xfrm>
           <a:prstGeom prst="rect">
             <a:avLst/>
@@ -15016,7 +15016,7 @@
         <p:spPr>
           <a:xfrm>
             <a:off x="2340000" y="3780000"/>
-            <a:ext cx="1078560" cy="358560"/>
+            <a:ext cx="1078200" cy="358200"/>
           </a:xfrm>
           <a:prstGeom prst="rect">
             <a:avLst/>
@@ -15072,7 +15072,7 @@
         <p:spPr>
           <a:xfrm>
             <a:off x="3600000" y="3780000"/>
-            <a:ext cx="1078560" cy="358560"/>
+            <a:ext cx="1078200" cy="358200"/>
           </a:xfrm>
           <a:prstGeom prst="rect">
             <a:avLst/>
@@ -15128,7 +15128,7 @@
         <p:spPr>
           <a:xfrm>
             <a:off x="5040000" y="3780000"/>
-            <a:ext cx="1078560" cy="358560"/>
+            <a:ext cx="1078200" cy="358200"/>
           </a:xfrm>
           <a:prstGeom prst="rect">
             <a:avLst/>
@@ -15186,8 +15186,8 @@
         </p:nvCxnSpPr>
         <p:spPr>
           <a:xfrm>
-            <a:off x="4678560" y="3959280"/>
-            <a:ext cx="361800" cy="360"/>
+            <a:off x="4678200" y="3958920"/>
+            <a:ext cx="362160" cy="360"/>
           </a:xfrm>
           <a:prstGeom prst="straightConnector1">
             <a:avLst/>
@@ -15243,7 +15243,7 @@
         <p:spPr>
           <a:xfrm>
             <a:off x="504000" y="226080"/>
-            <a:ext cx="9069840" cy="944640"/>
+            <a:ext cx="9069480" cy="944280"/>
           </a:xfrm>
           <a:prstGeom prst="rect">
             <a:avLst/>
@@ -15294,7 +15294,7 @@
         <p:spPr>
           <a:xfrm>
             <a:off x="720000" y="1440000"/>
-            <a:ext cx="5758560" cy="3598560"/>
+            <a:ext cx="5758200" cy="3598200"/>
           </a:xfrm>
           <a:prstGeom prst="rect">
             <a:avLst/>
@@ -15341,7 +15341,7 @@
         <p:spPr>
           <a:xfrm>
             <a:off x="5400000" y="1980000"/>
-            <a:ext cx="898560" cy="358560"/>
+            <a:ext cx="898200" cy="358200"/>
           </a:xfrm>
           <a:prstGeom prst="rect">
             <a:avLst/>
@@ -15399,7 +15399,7 @@
         <p:spPr>
           <a:xfrm>
             <a:off x="900000" y="1620000"/>
-            <a:ext cx="5398560" cy="718560"/>
+            <a:ext cx="5398200" cy="718200"/>
           </a:xfrm>
           <a:prstGeom prst="rect">
             <a:avLst/>
@@ -15455,7 +15455,7 @@
         <p:spPr>
           <a:xfrm>
             <a:off x="900000" y="2520000"/>
-            <a:ext cx="5398560" cy="2338560"/>
+            <a:ext cx="5398200" cy="2338200"/>
           </a:xfrm>
           <a:prstGeom prst="rect">
             <a:avLst/>
@@ -15545,7 +15545,7 @@
         <p:spPr>
           <a:xfrm>
             <a:off x="504000" y="226080"/>
-            <a:ext cx="9069840" cy="944640"/>
+            <a:ext cx="9069480" cy="944280"/>
           </a:xfrm>
           <a:prstGeom prst="rect">
             <a:avLst/>
@@ -15609,7 +15609,7 @@
         <p:spPr>
           <a:xfrm>
             <a:off x="504000" y="1326600"/>
-            <a:ext cx="9069840" cy="3286440"/>
+            <a:ext cx="9069480" cy="3286080"/>
           </a:xfrm>
           <a:prstGeom prst="rect">
             <a:avLst/>
@@ -15621,10 +15621,10 @@
         </p:spPr>
         <p:txBody>
           <a:bodyPr lIns="0" rIns="0" tIns="0" bIns="0" anchor="t">
-            <a:normAutofit fontScale="89000"/>
-          </a:bodyPr>
-          <a:p>
-            <a:pPr marL="384480" indent="-288360">
+            <a:normAutofit fontScale="78000"/>
+          </a:bodyPr>
+          <a:p>
+            <a:pPr marL="336960" indent="-252720">
               <a:lnSpc>
                 <a:spcPct val="100000"/>
               </a:lnSpc>
@@ -15655,7 +15655,7 @@
             </a:endParaRPr>
           </a:p>
           <a:p>
-            <a:pPr marL="384480" indent="-288360">
+            <a:pPr marL="336960" indent="-252720">
               <a:lnSpc>
                 <a:spcPct val="100000"/>
               </a:lnSpc>
@@ -15676,7 +15676,7 @@
                 </a:solidFill>
                 <a:latin typeface="Arial"/>
               </a:rPr>
-              <a:t>部署マスター</a:t>
+              <a:t>製品マスター</a:t>
             </a:r>
             <a:endParaRPr b="0" lang="en-US" sz="3200" spc="-1" strike="noStrike">
               <a:solidFill>
@@ -15686,7 +15686,7 @@
             </a:endParaRPr>
           </a:p>
           <a:p>
-            <a:pPr marL="384480" indent="-288360">
+            <a:pPr marL="336960" indent="-252720">
               <a:lnSpc>
                 <a:spcPct val="100000"/>
               </a:lnSpc>
@@ -15707,7 +15707,17 @@
                 </a:solidFill>
                 <a:latin typeface="Arial"/>
               </a:rPr>
-              <a:t>部品マスター</a:t>
+              <a:t>その他</a:t>
+            </a:r>
+            <a:r>
+              <a:rPr b="0" lang="ja-JP" sz="3200" spc="-1" strike="noStrike">
+                <a:solidFill>
+                  <a:srgbClr val="000000"/>
+                </a:solidFill>
+                <a:latin typeface="Arial"/>
+                <a:ea typeface="游ゴシック"/>
+              </a:rPr>
+              <a:t>（メーカー、スケール、ジャンル、部署など）のマスター・・・画面は作らない</a:t>
             </a:r>
             <a:endParaRPr b="0" lang="en-US" sz="3200" spc="-1" strike="noStrike">
               <a:solidFill>
@@ -15717,7 +15727,7 @@
             </a:endParaRPr>
           </a:p>
           <a:p>
-            <a:pPr marL="384480" indent="-288360">
+            <a:pPr marL="336960" indent="-252720">
               <a:lnSpc>
                 <a:spcPct val="100000"/>
               </a:lnSpc>
@@ -15738,7 +15748,7 @@
                 </a:solidFill>
                 <a:latin typeface="Arial"/>
               </a:rPr>
-              <a:t>エリアマスター</a:t>
+              <a:t>（エリアマスター）→その他マスターに統合？</a:t>
             </a:r>
             <a:endParaRPr b="0" lang="en-US" sz="3200" spc="-1" strike="noStrike">
               <a:solidFill>
@@ -15748,7 +15758,7 @@
             </a:endParaRPr>
           </a:p>
           <a:p>
-            <a:pPr marL="384480" indent="-288360">
+            <a:pPr marL="336960" indent="-252720">
               <a:lnSpc>
                 <a:spcPct val="100000"/>
               </a:lnSpc>
@@ -15779,7 +15789,7 @@
             </a:endParaRPr>
           </a:p>
           <a:p>
-            <a:pPr marL="384480" indent="-288360">
+            <a:pPr marL="336960" indent="-252720">
               <a:lnSpc>
                 <a:spcPct val="100000"/>
               </a:lnSpc>
@@ -15854,7 +15864,7 @@
         <p:spPr>
           <a:xfrm>
             <a:off x="504000" y="226080"/>
-            <a:ext cx="9069840" cy="944640"/>
+            <a:ext cx="9069480" cy="944280"/>
           </a:xfrm>
           <a:prstGeom prst="rect">
             <a:avLst/>
@@ -15909,7 +15919,7 @@
         <p:spPr>
           <a:xfrm>
             <a:off x="504000" y="1326600"/>
-            <a:ext cx="9069840" cy="3286440"/>
+            <a:ext cx="9069480" cy="3286080"/>
           </a:xfrm>
           <a:prstGeom prst="rect">
             <a:avLst/>
@@ -15945,7 +15955,7 @@
                 </a:solidFill>
                 <a:latin typeface="Arial"/>
               </a:rPr>
-              <a:t>工場</a:t>
+              <a:t>店舗</a:t>
             </a:r>
             <a:endParaRPr b="0" lang="en-US" sz="3200" spc="-1" strike="noStrike">
               <a:solidFill>
@@ -15999,7 +16009,7 @@
         <p:spPr>
           <a:xfrm>
             <a:off x="504000" y="226080"/>
-            <a:ext cx="9069840" cy="944640"/>
+            <a:ext cx="9069480" cy="944280"/>
           </a:xfrm>
           <a:prstGeom prst="rect">
             <a:avLst/>
@@ -16054,7 +16064,7 @@
         <p:spPr>
           <a:xfrm>
             <a:off x="504000" y="1326600"/>
-            <a:ext cx="9069840" cy="4071600"/>
+            <a:ext cx="9069480" cy="4071240"/>
           </a:xfrm>
           <a:prstGeom prst="rect">
             <a:avLst/>
@@ -16290,7 +16300,7 @@
                 </a:solidFill>
                 <a:latin typeface="Arial"/>
               </a:rPr>
-              <a:t>部品マスターを編集する</a:t>
+              <a:t>製品マスターを編集する</a:t>
             </a:r>
             <a:endParaRPr b="0" lang="en-US" sz="2000" spc="-1" strike="noStrike">
               <a:solidFill>
@@ -16330,7 +16340,7 @@
                 </a:solidFill>
                 <a:latin typeface="Arial"/>
               </a:rPr>
-              <a:t>部品の入出庫情報を編集する</a:t>
+              <a:t>製品の入出庫情報を編集する</a:t>
             </a:r>
             <a:endParaRPr b="0" lang="en-US" sz="2000" spc="-1" strike="noStrike">
               <a:solidFill>
@@ -16590,7 +16600,7 @@
         <p:spPr>
           <a:xfrm>
             <a:off x="6120000" y="1326600"/>
-            <a:ext cx="3058560" cy="346680"/>
+            <a:ext cx="3058200" cy="346320"/>
           </a:xfrm>
           <a:prstGeom prst="rect">
             <a:avLst/>
@@ -16688,7 +16698,7 @@
         <p:spPr>
           <a:xfrm>
             <a:off x="504000" y="226080"/>
-            <a:ext cx="9069840" cy="944640"/>
+            <a:ext cx="9069480" cy="944280"/>
           </a:xfrm>
           <a:prstGeom prst="rect">
             <a:avLst/>
@@ -16743,7 +16753,7 @@
         <p:spPr>
           <a:xfrm>
             <a:off x="504000" y="1326600"/>
-            <a:ext cx="9069840" cy="3711600"/>
+            <a:ext cx="9069480" cy="3711240"/>
           </a:xfrm>
           <a:prstGeom prst="rect">
             <a:avLst/>
@@ -16872,7 +16882,7 @@
                 </a:solidFill>
                 <a:latin typeface="Arial"/>
               </a:rPr>
-              <a:t>部品マスター画面</a:t>
+              <a:t>製品マスター画面</a:t>
             </a:r>
             <a:endParaRPr b="0" lang="en-US" sz="2000" spc="-1" strike="noStrike">
               <a:solidFill>
@@ -17050,7 +17060,7 @@
         <p:spPr>
           <a:xfrm>
             <a:off x="504000" y="226080"/>
-            <a:ext cx="9069840" cy="944640"/>
+            <a:ext cx="9069480" cy="944280"/>
           </a:xfrm>
           <a:prstGeom prst="rect">
             <a:avLst/>
@@ -17101,7 +17111,7 @@
         <p:spPr>
           <a:xfrm>
             <a:off x="720000" y="1440000"/>
-            <a:ext cx="1438560" cy="718560"/>
+            <a:ext cx="1438200" cy="718200"/>
           </a:xfrm>
           <a:prstGeom prst="rect">
             <a:avLst/>
@@ -17159,7 +17169,7 @@
         <p:spPr>
           <a:xfrm>
             <a:off x="3600000" y="1440000"/>
-            <a:ext cx="1438560" cy="718560"/>
+            <a:ext cx="1438200" cy="718200"/>
           </a:xfrm>
           <a:prstGeom prst="rect">
             <a:avLst/>
@@ -17219,8 +17229,8 @@
         </p:nvCxnSpPr>
         <p:spPr>
           <a:xfrm>
-            <a:off x="2158560" y="1799280"/>
-            <a:ext cx="1441800" cy="360"/>
+            <a:off x="2158200" y="1798920"/>
+            <a:ext cx="1442160" cy="360"/>
           </a:xfrm>
           <a:prstGeom prst="bentConnector2">
             <a:avLst/>
@@ -17241,7 +17251,7 @@
         <p:spPr>
           <a:xfrm>
             <a:off x="4320000" y="3240000"/>
-            <a:ext cx="1438560" cy="718560"/>
+            <a:ext cx="1438200" cy="718200"/>
           </a:xfrm>
           <a:prstGeom prst="rect">
             <a:avLst/>
@@ -17322,7 +17332,7 @@
         <p:spPr>
           <a:xfrm>
             <a:off x="2340000" y="3240000"/>
-            <a:ext cx="1438560" cy="1078560"/>
+            <a:ext cx="1438200" cy="1078200"/>
           </a:xfrm>
           <a:prstGeom prst="rect">
             <a:avLst/>
@@ -17403,7 +17413,7 @@
         <p:spPr>
           <a:xfrm>
             <a:off x="720000" y="3240000"/>
-            <a:ext cx="1438560" cy="1078560"/>
+            <a:ext cx="1438200" cy="1078200"/>
           </a:xfrm>
           <a:prstGeom prst="rect">
             <a:avLst/>
@@ -17484,7 +17494,7 @@
         <p:spPr>
           <a:xfrm>
             <a:off x="6120000" y="4140000"/>
-            <a:ext cx="1438560" cy="718560"/>
+            <a:ext cx="1438200" cy="718200"/>
           </a:xfrm>
           <a:prstGeom prst="rect">
             <a:avLst/>
@@ -17565,7 +17575,7 @@
         <p:spPr>
           <a:xfrm>
             <a:off x="8100000" y="3240000"/>
-            <a:ext cx="1438560" cy="1078560"/>
+            <a:ext cx="1438200" cy="1078200"/>
           </a:xfrm>
           <a:prstGeom prst="rect">
             <a:avLst/>
@@ -17648,12 +17658,12 @@
         </p:nvCxnSpPr>
         <p:spPr>
           <a:xfrm rot="5400000">
-            <a:off x="2338560" y="1259280"/>
-            <a:ext cx="1081800" cy="2880360"/>
+            <a:off x="2337840" y="1258920"/>
+            <a:ext cx="1082160" cy="2880360"/>
           </a:xfrm>
           <a:prstGeom prst="bentConnector3">
             <a:avLst>
-              <a:gd name="adj1" fmla="val 50066"/>
+              <a:gd name="adj1" fmla="val 50116"/>
             </a:avLst>
           </a:prstGeom>
           <a:ln w="0">
@@ -17674,12 +17684,12 @@
         </p:nvCxnSpPr>
         <p:spPr>
           <a:xfrm rot="5400000">
-            <a:off x="3148560" y="2069280"/>
-            <a:ext cx="1081800" cy="1260360"/>
+            <a:off x="3147840" y="2068920"/>
+            <a:ext cx="1082160" cy="1260360"/>
           </a:xfrm>
           <a:prstGeom prst="bentConnector3">
             <a:avLst>
-              <a:gd name="adj1" fmla="val 50066"/>
+              <a:gd name="adj1" fmla="val 50116"/>
             </a:avLst>
           </a:prstGeom>
           <a:ln w="0">
@@ -17700,12 +17710,12 @@
         </p:nvCxnSpPr>
         <p:spPr>
           <a:xfrm flipH="1" rot="16200000">
-            <a:off x="4138560" y="2339280"/>
-            <a:ext cx="1081800" cy="720360"/>
+            <a:off x="4138200" y="2338920"/>
+            <a:ext cx="1082160" cy="720360"/>
           </a:xfrm>
           <a:prstGeom prst="bentConnector3">
             <a:avLst>
-              <a:gd name="adj1" fmla="val 50066"/>
+              <a:gd name="adj1" fmla="val 50116"/>
             </a:avLst>
           </a:prstGeom>
           <a:ln w="0">
@@ -17726,8 +17736,8 @@
         </p:nvCxnSpPr>
         <p:spPr>
           <a:xfrm>
-            <a:off x="5758560" y="3599280"/>
-            <a:ext cx="1081080" cy="541080"/>
+            <a:off x="5758200" y="3598920"/>
+            <a:ext cx="1081080" cy="541440"/>
           </a:xfrm>
           <a:prstGeom prst="bentConnector2">
             <a:avLst/>
@@ -17750,12 +17760,12 @@
         </p:nvCxnSpPr>
         <p:spPr>
           <a:xfrm flipH="1" rot="16200000">
-            <a:off x="6028560" y="449280"/>
-            <a:ext cx="1081800" cy="4500360"/>
+            <a:off x="6028200" y="448920"/>
+            <a:ext cx="1082160" cy="4500360"/>
           </a:xfrm>
           <a:prstGeom prst="bentConnector3">
             <a:avLst>
-              <a:gd name="adj1" fmla="val 50066"/>
+              <a:gd name="adj1" fmla="val 50116"/>
             </a:avLst>
           </a:prstGeom>
           <a:ln w="0">
@@ -17774,7 +17784,7 @@
         <p:spPr>
           <a:xfrm>
             <a:off x="540000" y="3060000"/>
-            <a:ext cx="3418560" cy="1978560"/>
+            <a:ext cx="3418200" cy="1978200"/>
           </a:xfrm>
           <a:prstGeom prst="rect">
             <a:avLst/>
@@ -17895,7 +17905,7 @@
         <p:spPr>
           <a:xfrm>
             <a:off x="4140000" y="3060000"/>
-            <a:ext cx="3598560" cy="1978560"/>
+            <a:ext cx="3598200" cy="1978200"/>
           </a:xfrm>
           <a:prstGeom prst="rect">
             <a:avLst/>
@@ -18016,7 +18026,7 @@
         <p:spPr>
           <a:xfrm>
             <a:off x="7920000" y="3060000"/>
-            <a:ext cx="1798560" cy="1978560"/>
+            <a:ext cx="1798200" cy="1978200"/>
           </a:xfrm>
           <a:prstGeom prst="rect">
             <a:avLst/>
@@ -18137,7 +18147,7 @@
         <p:spPr>
           <a:xfrm>
             <a:off x="5580000" y="720000"/>
-            <a:ext cx="2518560" cy="1258560"/>
+            <a:ext cx="2518200" cy="1258200"/>
           </a:xfrm>
           <a:prstGeom prst="wedgeRoundRectCallout">
             <a:avLst>
@@ -18198,8 +18208,8 @@
         </p:nvSpPr>
         <p:spPr>
           <a:xfrm rot="18900000">
-            <a:off x="2339280" y="720000"/>
-            <a:ext cx="4500000" cy="4318560"/>
+            <a:off x="2338920" y="720000"/>
+            <a:ext cx="4499640" cy="4318200"/>
           </a:xfrm>
           <a:prstGeom prst="plus">
             <a:avLst>
@@ -18226,11 +18236,17 @@
             <a:noAutofit/>
           </a:bodyPr>
           <a:p>
+            <a:pPr>
+              <a:lnSpc>
+                <a:spcPct val="100000"/>
+              </a:lnSpc>
+            </a:pPr>
             <a:endParaRPr b="0" lang="en-US" sz="1800" spc="-1" strike="noStrike">
               <a:solidFill>
                 <a:srgbClr val="000000"/>
               </a:solidFill>
               <a:latin typeface="Arial"/>
+              <a:ea typeface="DejaVu Sans"/>
             </a:endParaRPr>
           </a:p>
         </p:txBody>
@@ -18278,7 +18294,7 @@
         <p:spPr>
           <a:xfrm>
             <a:off x="504000" y="226080"/>
-            <a:ext cx="9069840" cy="944640"/>
+            <a:ext cx="9069480" cy="944280"/>
           </a:xfrm>
           <a:prstGeom prst="rect">
             <a:avLst/>
@@ -18329,7 +18345,7 @@
         <p:spPr>
           <a:xfrm>
             <a:off x="900000" y="1440000"/>
-            <a:ext cx="7807320" cy="3434400"/>
+            <a:ext cx="7806960" cy="3434040"/>
           </a:xfrm>
           <a:prstGeom prst="rect">
             <a:avLst/>
@@ -18406,7 +18422,7 @@
                 <a:latin typeface="Arial"/>
                 <a:ea typeface="DejaVu Sans"/>
               </a:rPr>
-              <a:t>バー</a:t>
+              <a:t>メニューバー</a:t>
             </a:r>
             <a:r>
               <a:rPr b="0" lang="en-US" sz="1800" spc="-1" strike="noStrike">
@@ -18862,9 +18878,19 @@
                   <a:srgbClr val="000000"/>
                 </a:solidFill>
                 <a:latin typeface="Arial"/>
+                <a:ea typeface="DejaVu Sans"/>
+              </a:rPr>
+              <a:t>製品</a:t>
+            </a:r>
+            <a:r>
+              <a:rPr b="0" lang="ja-JP" sz="1800" spc="-1" strike="noStrike">
+                <a:solidFill>
+                  <a:srgbClr val="000000"/>
+                </a:solidFill>
+                <a:latin typeface="Arial"/>
                 <a:ea typeface="游ゴシック"/>
               </a:rPr>
-              <a:t>部品マスター編集</a:t>
+              <a:t>マスター編集</a:t>
             </a:r>
             <a:r>
               <a:rPr b="0" lang="en-US" sz="1800" spc="-1" strike="noStrike">
@@ -18998,9 +19024,19 @@
                   <a:srgbClr val="000000"/>
                 </a:solidFill>
                 <a:latin typeface="Arial"/>
+                <a:ea typeface="DejaVu Sans"/>
+              </a:rPr>
+              <a:t>製品</a:t>
+            </a:r>
+            <a:r>
+              <a:rPr b="0" lang="ja-JP" sz="1800" spc="-1" strike="noStrike">
+                <a:solidFill>
+                  <a:srgbClr val="000000"/>
+                </a:solidFill>
+                <a:latin typeface="Arial"/>
                 <a:ea typeface="游ゴシック"/>
               </a:rPr>
-              <a:t>部品検索</a:t>
+              <a:t>検索</a:t>
             </a:r>
             <a:endParaRPr b="0" lang="en-US" sz="1800" spc="-1" strike="noStrike">
               <a:solidFill>
@@ -19061,9 +19097,19 @@
                   <a:srgbClr val="000000"/>
                 </a:solidFill>
                 <a:latin typeface="Arial"/>
+                <a:ea typeface="DejaVu Sans"/>
+              </a:rPr>
+              <a:t>製品</a:t>
+            </a:r>
+            <a:r>
+              <a:rPr b="0" lang="ja-JP" sz="1800" spc="-1" strike="noStrike">
+                <a:solidFill>
+                  <a:srgbClr val="000000"/>
+                </a:solidFill>
+                <a:latin typeface="Arial"/>
                 <a:ea typeface="游ゴシック"/>
               </a:rPr>
-              <a:t>部品マスター編集</a:t>
+              <a:t>マスター編集</a:t>
             </a:r>
             <a:r>
               <a:rPr b="0" lang="en-US" sz="1800" spc="-1" strike="noStrike">
@@ -19199,7 +19245,7 @@
                 <a:latin typeface="Arial"/>
                 <a:ea typeface="DejaVu Sans"/>
               </a:rPr>
-              <a:t>部品マスター編集</a:t>
+              <a:t>製品マスター編集</a:t>
             </a:r>
             <a:r>
               <a:rPr b="0" lang="en-US" sz="1800" spc="-1" strike="noStrike">
@@ -19654,7 +19700,7 @@
         <p:spPr>
           <a:xfrm>
             <a:off x="504000" y="226080"/>
-            <a:ext cx="9069840" cy="944640"/>
+            <a:ext cx="9069480" cy="944280"/>
           </a:xfrm>
           <a:prstGeom prst="rect">
             <a:avLst/>
@@ -19705,7 +19751,7 @@
         <p:spPr>
           <a:xfrm>
             <a:off x="720000" y="1440000"/>
-            <a:ext cx="5758560" cy="3598560"/>
+            <a:ext cx="5758200" cy="3598200"/>
           </a:xfrm>
           <a:prstGeom prst="rect">
             <a:avLst/>
@@ -19752,7 +19798,7 @@
         <p:spPr>
           <a:xfrm>
             <a:off x="1440000" y="2520000"/>
-            <a:ext cx="1438560" cy="344880"/>
+            <a:ext cx="1438200" cy="344520"/>
           </a:xfrm>
           <a:prstGeom prst="rect">
             <a:avLst/>
@@ -19806,7 +19852,7 @@
         <p:spPr>
           <a:xfrm>
             <a:off x="1440000" y="3060000"/>
-            <a:ext cx="1438560" cy="346680"/>
+            <a:ext cx="1438200" cy="346320"/>
           </a:xfrm>
           <a:prstGeom prst="rect">
             <a:avLst/>
@@ -19870,7 +19916,7 @@
         <p:spPr>
           <a:xfrm>
             <a:off x="2880000" y="2520000"/>
-            <a:ext cx="2158560" cy="358560"/>
+            <a:ext cx="2158200" cy="358200"/>
           </a:xfrm>
           <a:prstGeom prst="rect">
             <a:avLst/>
@@ -19917,7 +19963,7 @@
         <p:spPr>
           <a:xfrm>
             <a:off x="2880000" y="3060000"/>
-            <a:ext cx="2158560" cy="358560"/>
+            <a:ext cx="2158200" cy="358200"/>
           </a:xfrm>
           <a:prstGeom prst="rect">
             <a:avLst/>
@@ -19964,7 +20010,7 @@
         <p:spPr>
           <a:xfrm>
             <a:off x="2880000" y="4320000"/>
-            <a:ext cx="1438560" cy="358560"/>
+            <a:ext cx="1438200" cy="358200"/>
           </a:xfrm>
           <a:prstGeom prst="rect">
             <a:avLst/>
@@ -20052,7 +20098,7 @@
         <p:spPr>
           <a:xfrm>
             <a:off x="720000" y="1800000"/>
-            <a:ext cx="2699640" cy="2519640"/>
+            <a:ext cx="2699280" cy="2519280"/>
           </a:xfrm>
           <a:prstGeom prst="rect">
             <a:avLst/>
@@ -20105,7 +20151,7 @@
         <p:spPr>
           <a:xfrm>
             <a:off x="504000" y="226080"/>
-            <a:ext cx="9069840" cy="944640"/>
+            <a:ext cx="9069480" cy="944280"/>
           </a:xfrm>
           <a:prstGeom prst="rect">
             <a:avLst/>
@@ -20156,7 +20202,7 @@
         <p:spPr>
           <a:xfrm>
             <a:off x="720000" y="1440000"/>
-            <a:ext cx="5758560" cy="3598560"/>
+            <a:ext cx="5758200" cy="3598200"/>
           </a:xfrm>
           <a:prstGeom prst="rect">
             <a:avLst/>
@@ -20203,7 +20249,7 @@
         <p:spPr>
           <a:xfrm>
             <a:off x="900000" y="3421080"/>
-            <a:ext cx="2339640" cy="358560"/>
+            <a:ext cx="2339280" cy="358200"/>
           </a:xfrm>
           <a:prstGeom prst="rect">
             <a:avLst/>
@@ -20261,7 +20307,7 @@
         <p:spPr>
           <a:xfrm>
             <a:off x="900000" y="3058920"/>
-            <a:ext cx="2339640" cy="360720"/>
+            <a:ext cx="2339280" cy="360360"/>
           </a:xfrm>
           <a:prstGeom prst="rect">
             <a:avLst/>
@@ -20319,7 +20365,7 @@
         <p:spPr>
           <a:xfrm>
             <a:off x="900000" y="2698920"/>
-            <a:ext cx="2339640" cy="359640"/>
+            <a:ext cx="2339280" cy="359280"/>
           </a:xfrm>
           <a:prstGeom prst="rect">
             <a:avLst/>
@@ -20357,7 +20403,7 @@
                 <a:latin typeface="Arial"/>
                 <a:ea typeface="DejaVu Sans"/>
               </a:rPr>
-              <a:t>部品マスター</a:t>
+              <a:t>製品マスター</a:t>
             </a:r>
             <a:endParaRPr b="0" lang="en-US" sz="1800" spc="-1" strike="noStrike">
               <a:solidFill>
@@ -20377,7 +20423,7 @@
         <p:spPr>
           <a:xfrm>
             <a:off x="900000" y="3780000"/>
-            <a:ext cx="2339640" cy="359640"/>
+            <a:ext cx="2339280" cy="359280"/>
           </a:xfrm>
           <a:prstGeom prst="rect">
             <a:avLst/>
@@ -20435,7 +20481,7 @@
         <p:spPr>
           <a:xfrm>
             <a:off x="900000" y="1980000"/>
-            <a:ext cx="2339640" cy="359640"/>
+            <a:ext cx="2339280" cy="359280"/>
           </a:xfrm>
           <a:prstGeom prst="rect">
             <a:avLst/>
@@ -20493,7 +20539,7 @@
         <p:spPr>
           <a:xfrm>
             <a:off x="4680000" y="1621080"/>
-            <a:ext cx="1618560" cy="358560"/>
+            <a:ext cx="1618200" cy="358200"/>
           </a:xfrm>
           <a:prstGeom prst="rect">
             <a:avLst/>
@@ -20551,7 +20597,7 @@
         <p:spPr>
           <a:xfrm>
             <a:off x="900000" y="2340000"/>
-            <a:ext cx="2339640" cy="359640"/>
+            <a:ext cx="2339280" cy="359280"/>
           </a:xfrm>
           <a:prstGeom prst="rect">
             <a:avLst/>
@@ -20589,7 +20635,7 @@
                 <a:latin typeface="Arial"/>
                 <a:ea typeface="DejaVu Sans"/>
               </a:rPr>
-              <a:t>部品検索</a:t>
+              <a:t>製品検索</a:t>
             </a:r>
             <a:endParaRPr b="0" lang="en-US" sz="1800" spc="-1" strike="noStrike">
               <a:solidFill>
@@ -20609,7 +20655,7 @@
         <p:spPr>
           <a:xfrm>
             <a:off x="3600000" y="2160000"/>
-            <a:ext cx="2699640" cy="2699640"/>
+            <a:ext cx="2699280" cy="2699280"/>
           </a:xfrm>
           <a:prstGeom prst="rect">
             <a:avLst/>
@@ -20701,7 +20747,7 @@
         <p:spPr>
           <a:xfrm>
             <a:off x="504000" y="226080"/>
-            <a:ext cx="9070200" cy="945000"/>
+            <a:ext cx="9069840" cy="944640"/>
           </a:xfrm>
           <a:prstGeom prst="rect">
             <a:avLst/>
@@ -20733,7 +20779,7 @@
                 <a:latin typeface="Arial"/>
                 <a:ea typeface="DejaVu Sans"/>
               </a:rPr>
-              <a:t>画面：部品マスター検索</a:t>
+              <a:t>画面：製品マスター検索</a:t>
             </a:r>
             <a:endParaRPr b="0" lang="en-US" sz="4400" spc="-1" strike="noStrike">
               <a:solidFill>
@@ -20753,7 +20799,7 @@
         <p:spPr>
           <a:xfrm>
             <a:off x="720000" y="1440000"/>
-            <a:ext cx="5758920" cy="3598920"/>
+            <a:ext cx="5758560" cy="3598560"/>
           </a:xfrm>
           <a:prstGeom prst="rect">
             <a:avLst/>
@@ -20800,7 +20846,7 @@
         <p:spPr>
           <a:xfrm>
             <a:off x="5400000" y="1980000"/>
-            <a:ext cx="898920" cy="358920"/>
+            <a:ext cx="898560" cy="358560"/>
           </a:xfrm>
           <a:prstGeom prst="rect">
             <a:avLst/>
@@ -20858,7 +20904,7 @@
         <p:spPr>
           <a:xfrm>
             <a:off x="900000" y="1620000"/>
-            <a:ext cx="5398920" cy="718920"/>
+            <a:ext cx="5398560" cy="718560"/>
           </a:xfrm>
           <a:prstGeom prst="rect">
             <a:avLst/>
@@ -20914,7 +20960,7 @@
         <p:spPr>
           <a:xfrm>
             <a:off x="900000" y="2520000"/>
-            <a:ext cx="5398920" cy="2339640"/>
+            <a:ext cx="5398560" cy="2339280"/>
           </a:xfrm>
           <a:prstGeom prst="rect">
             <a:avLst/>
@@ -20970,7 +21016,7 @@
         <p:spPr>
           <a:xfrm>
             <a:off x="4680000" y="2880000"/>
-            <a:ext cx="1618920" cy="358920"/>
+            <a:ext cx="1618560" cy="358560"/>
           </a:xfrm>
           <a:prstGeom prst="rect">
             <a:avLst/>

--- a/document/制作物_案.pptx
+++ b/document/制作物_案.pptx
@@ -82,7 +82,7 @@
         <p:txBody>
           <a:bodyPr/>
           <a:p>
-            <a:fld id="{852ED110-ED85-429D-BCAD-1342C74AA9A6}" type="slidenum">
+            <a:fld id="{AA4DADFF-01AC-4085-B515-106FA44D3043}" type="slidenum">
               <a:t>&lt;#&gt;</a:t>
             </a:fld>
           </a:p>
@@ -291,7 +291,7 @@
         <p:txBody>
           <a:bodyPr/>
           <a:p>
-            <a:fld id="{905DA309-A833-4B28-846F-E8F553459718}" type="slidenum">
+            <a:fld id="{0B01A7EE-5ED8-4C3C-A052-864DFFDD9F30}" type="slidenum">
               <a:t>&lt;#&gt;</a:t>
             </a:fld>
           </a:p>
@@ -586,7 +586,7 @@
         <p:txBody>
           <a:bodyPr/>
           <a:p>
-            <a:fld id="{7C3E5EBC-9CD9-4D61-BF9F-8613C0084535}" type="slidenum">
+            <a:fld id="{B5B6C5F4-2C6C-4769-B2CD-9A33F472D769}" type="slidenum">
               <a:t>&lt;#&gt;</a:t>
             </a:fld>
           </a:p>
@@ -967,7 +967,7 @@
         <p:txBody>
           <a:bodyPr/>
           <a:p>
-            <a:fld id="{DD8FFB5B-7DBF-466F-8812-DAF3C106230D}" type="slidenum">
+            <a:fld id="{611B97A0-A425-4D66-8B96-249D06FD019A}" type="slidenum">
               <a:t>&lt;#&gt;</a:t>
             </a:fld>
           </a:p>
@@ -1050,7 +1050,7 @@
         <p:txBody>
           <a:bodyPr/>
           <a:p>
-            <a:fld id="{E743743A-F49D-4B84-A89C-9683EFC296AC}" type="slidenum">
+            <a:fld id="{AF20D186-A8FC-48A2-B566-33B8DB27285F}" type="slidenum">
               <a:t>&lt;#&gt;</a:t>
             </a:fld>
           </a:p>
@@ -1213,7 +1213,7 @@
         <p:txBody>
           <a:bodyPr/>
           <a:p>
-            <a:fld id="{3382CBC2-0E3D-4490-AC01-FB62EC6722D2}" type="slidenum">
+            <a:fld id="{E06AC95E-5C74-41F3-9A23-914221BDCDEC}" type="slidenum">
               <a:t>&lt;#&gt;</a:t>
             </a:fld>
           </a:p>
@@ -1379,7 +1379,7 @@
         <p:txBody>
           <a:bodyPr/>
           <a:p>
-            <a:fld id="{DBCECCED-A404-405F-A733-42CA374BF427}" type="slidenum">
+            <a:fld id="{C5D76543-1553-4978-B10F-AA88CEC7B97C}" type="slidenum">
               <a:t>&lt;#&gt;</a:t>
             </a:fld>
           </a:p>
@@ -1588,7 +1588,7 @@
         <p:txBody>
           <a:bodyPr/>
           <a:p>
-            <a:fld id="{73AE6112-ACCD-4AD9-B313-D1CC0FD62B0C}" type="slidenum">
+            <a:fld id="{B738A19D-3E08-468C-9A6E-DD285C80AFF1}" type="slidenum">
               <a:t>&lt;#&gt;</a:t>
             </a:fld>
           </a:p>
@@ -1711,7 +1711,7 @@
         <p:txBody>
           <a:bodyPr/>
           <a:p>
-            <a:fld id="{82B930B8-3FE0-4433-9A71-E461E32F3BEC}" type="slidenum">
+            <a:fld id="{C6D9FB3C-B441-449E-BB92-DE5FC3CC904B}" type="slidenum">
               <a:t>&lt;#&gt;</a:t>
             </a:fld>
           </a:p>
@@ -1832,7 +1832,7 @@
         <p:txBody>
           <a:bodyPr/>
           <a:p>
-            <a:fld id="{9388BD39-6857-4E38-BD97-4465250F7695}" type="slidenum">
+            <a:fld id="{117880C2-0206-4124-B25A-D9D3E866FFCE}" type="slidenum">
               <a:t>&lt;#&gt;</a:t>
             </a:fld>
           </a:p>
@@ -2084,7 +2084,7 @@
         <p:txBody>
           <a:bodyPr/>
           <a:p>
-            <a:fld id="{A55A101F-9BFE-4EF7-9C49-F7C1F68A202C}" type="slidenum">
+            <a:fld id="{7F1A921B-06BE-4C07-8804-27999427D164}" type="slidenum">
               <a:t>&lt;#&gt;</a:t>
             </a:fld>
           </a:p>
@@ -2247,7 +2247,7 @@
         <p:txBody>
           <a:bodyPr/>
           <a:p>
-            <a:fld id="{5C7C7EF3-37B2-4C1F-BDDE-58D11A961613}" type="slidenum">
+            <a:fld id="{7B1E539F-19F0-4F09-B03E-397C797307C1}" type="slidenum">
               <a:t>&lt;#&gt;</a:t>
             </a:fld>
           </a:p>
@@ -2499,7 +2499,7 @@
         <p:txBody>
           <a:bodyPr/>
           <a:p>
-            <a:fld id="{35051D87-A9F8-415D-B916-107048C14F44}" type="slidenum">
+            <a:fld id="{0C3017BC-EA30-44A2-9B0D-23D39099C238}" type="slidenum">
               <a:t>&lt;#&gt;</a:t>
             </a:fld>
           </a:p>
@@ -2751,7 +2751,7 @@
         <p:txBody>
           <a:bodyPr/>
           <a:p>
-            <a:fld id="{C479D791-A887-4F88-BAA5-E9C923CA9D12}" type="slidenum">
+            <a:fld id="{09AA6D96-5F81-4BDF-937E-340EE861FBAE}" type="slidenum">
               <a:t>&lt;#&gt;</a:t>
             </a:fld>
           </a:p>
@@ -2960,7 +2960,7 @@
         <p:txBody>
           <a:bodyPr/>
           <a:p>
-            <a:fld id="{B4633ACA-96CE-4833-A273-D415900A7187}" type="slidenum">
+            <a:fld id="{F2D4021B-C0EF-4B74-B2AC-5E53D4564363}" type="slidenum">
               <a:t>&lt;#&gt;</a:t>
             </a:fld>
           </a:p>
@@ -3255,7 +3255,7 @@
         <p:txBody>
           <a:bodyPr/>
           <a:p>
-            <a:fld id="{61ACF160-64FA-4F65-9220-45A8B281BD51}" type="slidenum">
+            <a:fld id="{DC770C44-EB59-4443-818B-8CDE1D4E085F}" type="slidenum">
               <a:t>&lt;#&gt;</a:t>
             </a:fld>
           </a:p>
@@ -3636,7 +3636,7 @@
         <p:txBody>
           <a:bodyPr/>
           <a:p>
-            <a:fld id="{AA781D94-8D99-45D1-BD5F-5840B647D733}" type="slidenum">
+            <a:fld id="{E4C75F77-D35F-4C6E-A741-3F3E9C420CF9}" type="slidenum">
               <a:t>&lt;#&gt;</a:t>
             </a:fld>
           </a:p>
@@ -3719,7 +3719,7 @@
         <p:txBody>
           <a:bodyPr/>
           <a:p>
-            <a:fld id="{D3B1C147-AD2F-460E-A950-981289CDD694}" type="slidenum">
+            <a:fld id="{5F4F202C-ADA1-4BF0-865D-C9774EE8FA3D}" type="slidenum">
               <a:t>&lt;#&gt;</a:t>
             </a:fld>
           </a:p>
@@ -3882,7 +3882,7 @@
         <p:txBody>
           <a:bodyPr/>
           <a:p>
-            <a:fld id="{410EA35C-FCCA-4535-8D43-40ACB85FB633}" type="slidenum">
+            <a:fld id="{3E7DD139-A132-4EB2-B4DD-8D673EE4A8B9}" type="slidenum">
               <a:t>&lt;#&gt;</a:t>
             </a:fld>
           </a:p>
@@ -4048,7 +4048,7 @@
         <p:txBody>
           <a:bodyPr/>
           <a:p>
-            <a:fld id="{92ED3B26-02F0-4C6D-8C90-3923293C9F26}" type="slidenum">
+            <a:fld id="{FF34BC1B-C69F-46FB-9644-2E7EACA693B6}" type="slidenum">
               <a:t>&lt;#&gt;</a:t>
             </a:fld>
           </a:p>
@@ -4257,7 +4257,7 @@
         <p:txBody>
           <a:bodyPr/>
           <a:p>
-            <a:fld id="{E4603996-E6D2-4059-9716-AFE5A8AD4554}" type="slidenum">
+            <a:fld id="{C70EC2A8-A5E6-4555-BC6A-09BD8B1AA37B}" type="slidenum">
               <a:t>&lt;#&gt;</a:t>
             </a:fld>
           </a:p>
@@ -4380,7 +4380,7 @@
         <p:txBody>
           <a:bodyPr/>
           <a:p>
-            <a:fld id="{ECB264A2-8793-44ED-B340-040810DE6FE5}" type="slidenum">
+            <a:fld id="{A7B6E174-2161-478E-92CC-5243535D9B06}" type="slidenum">
               <a:t>&lt;#&gt;</a:t>
             </a:fld>
           </a:p>
@@ -4546,7 +4546,7 @@
         <p:txBody>
           <a:bodyPr/>
           <a:p>
-            <a:fld id="{EB8E48CA-398E-4EFB-A15B-0F1775E1EA06}" type="slidenum">
+            <a:fld id="{C49E1270-631D-4203-BA4A-25DDD8942D89}" type="slidenum">
               <a:t>&lt;#&gt;</a:t>
             </a:fld>
           </a:p>
@@ -4667,7 +4667,7 @@
         <p:txBody>
           <a:bodyPr/>
           <a:p>
-            <a:fld id="{DFEC904C-7A36-4324-8BF2-7F76D9C2C9F9}" type="slidenum">
+            <a:fld id="{C5B6EF5A-17D8-4386-AFA4-AB5B3705CD33}" type="slidenum">
               <a:t>&lt;#&gt;</a:t>
             </a:fld>
           </a:p>
@@ -4919,7 +4919,7 @@
         <p:txBody>
           <a:bodyPr/>
           <a:p>
-            <a:fld id="{C66EE156-F36A-49D7-97B9-33F5D38C5A53}" type="slidenum">
+            <a:fld id="{908211E7-DC01-4AC8-A9A7-B46F7DDD58A6}" type="slidenum">
               <a:t>&lt;#&gt;</a:t>
             </a:fld>
           </a:p>
@@ -5171,7 +5171,7 @@
         <p:txBody>
           <a:bodyPr/>
           <a:p>
-            <a:fld id="{6EE02F8E-B4F0-41B4-A020-7A90A40030BF}" type="slidenum">
+            <a:fld id="{B37146BE-CC07-438E-AAD4-751CE75D2162}" type="slidenum">
               <a:t>&lt;#&gt;</a:t>
             </a:fld>
           </a:p>
@@ -5423,7 +5423,7 @@
         <p:txBody>
           <a:bodyPr/>
           <a:p>
-            <a:fld id="{593D34A9-D2F6-457A-8DFF-540C4CD834A5}" type="slidenum">
+            <a:fld id="{AA36044E-963B-49BE-9204-14EB968EC0D5}" type="slidenum">
               <a:t>&lt;#&gt;</a:t>
             </a:fld>
           </a:p>
@@ -5632,7 +5632,7 @@
         <p:txBody>
           <a:bodyPr/>
           <a:p>
-            <a:fld id="{7855EA5E-75EB-413B-A117-1489BBE10763}" type="slidenum">
+            <a:fld id="{78FF9D54-B6E6-4869-8234-B3999A6EA87B}" type="slidenum">
               <a:t>&lt;#&gt;</a:t>
             </a:fld>
           </a:p>
@@ -5927,7 +5927,7 @@
         <p:txBody>
           <a:bodyPr/>
           <a:p>
-            <a:fld id="{6749F660-E613-4BC9-9286-68EE3493253F}" type="slidenum">
+            <a:fld id="{ABE26868-5FA0-43C6-B934-73BC248FC7D8}" type="slidenum">
               <a:t>&lt;#&gt;</a:t>
             </a:fld>
           </a:p>
@@ -6308,7 +6308,7 @@
         <p:txBody>
           <a:bodyPr/>
           <a:p>
-            <a:fld id="{EAC850E6-0DCA-4512-8ECE-4C65F48EDEA4}" type="slidenum">
+            <a:fld id="{94A78B8B-A68B-422E-8D35-2344C5E7BBBA}" type="slidenum">
               <a:t>&lt;#&gt;</a:t>
             </a:fld>
           </a:p>
@@ -6391,7 +6391,7 @@
         <p:txBody>
           <a:bodyPr/>
           <a:p>
-            <a:fld id="{92B78A16-CC4D-4E4F-9EE3-F8CD27722E04}" type="slidenum">
+            <a:fld id="{75BF1557-1A99-4E10-9EC1-88C846934D37}" type="slidenum">
               <a:t>&lt;#&gt;</a:t>
             </a:fld>
           </a:p>
@@ -6554,7 +6554,7 @@
         <p:txBody>
           <a:bodyPr/>
           <a:p>
-            <a:fld id="{6FF207C6-9AAC-4488-8A28-731765FCB88E}" type="slidenum">
+            <a:fld id="{F004FD12-F608-49E2-8731-15796479A15A}" type="slidenum">
               <a:t>&lt;#&gt;</a:t>
             </a:fld>
           </a:p>
@@ -6720,7 +6720,7 @@
         <p:txBody>
           <a:bodyPr/>
           <a:p>
-            <a:fld id="{51B66D13-7C4F-424E-B27F-DAABECA494AE}" type="slidenum">
+            <a:fld id="{3D04974A-1ECC-4A5A-A2B3-6DF4CB13CC76}" type="slidenum">
               <a:t>&lt;#&gt;</a:t>
             </a:fld>
           </a:p>
@@ -6929,7 +6929,7 @@
         <p:txBody>
           <a:bodyPr/>
           <a:p>
-            <a:fld id="{A88ECFD0-6E63-49C3-AB7F-AED3D2AD3AB2}" type="slidenum">
+            <a:fld id="{1F052514-2933-4AF8-BEF6-4A6BEA018E04}" type="slidenum">
               <a:t>&lt;#&gt;</a:t>
             </a:fld>
           </a:p>
@@ -7138,7 +7138,7 @@
         <p:txBody>
           <a:bodyPr/>
           <a:p>
-            <a:fld id="{220C4C66-08D6-43DC-AB6E-C178F52926D6}" type="slidenum">
+            <a:fld id="{733AC946-3B46-4F3A-A402-6AC28D63523E}" type="slidenum">
               <a:t>&lt;#&gt;</a:t>
             </a:fld>
           </a:p>
@@ -7261,7 +7261,7 @@
         <p:txBody>
           <a:bodyPr/>
           <a:p>
-            <a:fld id="{9F0EA08D-C106-44D9-B35F-1FC1F29CF5D6}" type="slidenum">
+            <a:fld id="{3210F85F-62D6-4B52-B2C1-4CC32CA7AF78}" type="slidenum">
               <a:t>&lt;#&gt;</a:t>
             </a:fld>
           </a:p>
@@ -7382,7 +7382,7 @@
         <p:txBody>
           <a:bodyPr/>
           <a:p>
-            <a:fld id="{4D29F767-BE52-46E2-8773-7B1E7B98C112}" type="slidenum">
+            <a:fld id="{180EFCC2-16EA-4F0E-9376-EA0F05325162}" type="slidenum">
               <a:t>&lt;#&gt;</a:t>
             </a:fld>
           </a:p>
@@ -7634,7 +7634,7 @@
         <p:txBody>
           <a:bodyPr/>
           <a:p>
-            <a:fld id="{0F08D8B1-87F0-4A82-8FA4-F54381DAD12B}" type="slidenum">
+            <a:fld id="{8422A039-99E7-411D-9C7E-3FDEF5299906}" type="slidenum">
               <a:t>&lt;#&gt;</a:t>
             </a:fld>
           </a:p>
@@ -7886,7 +7886,7 @@
         <p:txBody>
           <a:bodyPr/>
           <a:p>
-            <a:fld id="{8D719127-1071-46B1-AA21-803375863C4E}" type="slidenum">
+            <a:fld id="{3E284E7C-79FC-4A4A-85DE-F849011CE021}" type="slidenum">
               <a:t>&lt;#&gt;</a:t>
             </a:fld>
           </a:p>
@@ -8138,7 +8138,7 @@
         <p:txBody>
           <a:bodyPr/>
           <a:p>
-            <a:fld id="{2AEA37FD-6B6B-47FD-9911-B45EF368323B}" type="slidenum">
+            <a:fld id="{8541F239-2E0B-44EE-B226-9871AD5CA265}" type="slidenum">
               <a:t>&lt;#&gt;</a:t>
             </a:fld>
           </a:p>
@@ -8347,7 +8347,7 @@
         <p:txBody>
           <a:bodyPr/>
           <a:p>
-            <a:fld id="{79EA3357-904D-4945-BD82-07ACC5BF294A}" type="slidenum">
+            <a:fld id="{E66AE307-9722-423F-93B4-7EE4D4ADE7FA}" type="slidenum">
               <a:t>&lt;#&gt;</a:t>
             </a:fld>
           </a:p>
@@ -8642,7 +8642,7 @@
         <p:txBody>
           <a:bodyPr/>
           <a:p>
-            <a:fld id="{761FEACD-7141-45DD-A068-4D8CBE79A59E}" type="slidenum">
+            <a:fld id="{1BD0E401-2BD7-4454-8C33-26206CFA9473}" type="slidenum">
               <a:t>&lt;#&gt;</a:t>
             </a:fld>
           </a:p>
@@ -9023,7 +9023,7 @@
         <p:txBody>
           <a:bodyPr/>
           <a:p>
-            <a:fld id="{BD0E4F8B-44B1-4338-BB2C-F91F631FFB17}" type="slidenum">
+            <a:fld id="{C74ECD77-AF7A-4B1F-9164-E579D13FC879}" type="slidenum">
               <a:t>&lt;#&gt;</a:t>
             </a:fld>
           </a:p>
@@ -9146,7 +9146,7 @@
         <p:txBody>
           <a:bodyPr/>
           <a:p>
-            <a:fld id="{66311683-2CBB-4BBC-B814-686A38AF777F}" type="slidenum">
+            <a:fld id="{B8C1903E-6AD2-4460-B284-CF84C3DC5FF2}" type="slidenum">
               <a:t>&lt;#&gt;</a:t>
             </a:fld>
           </a:p>
@@ -9267,7 +9267,7 @@
         <p:txBody>
           <a:bodyPr/>
           <a:p>
-            <a:fld id="{486C6516-99F2-4E49-9077-8BE4AF7EF345}" type="slidenum">
+            <a:fld id="{D10D8219-1D84-433E-9309-A1E97FE74E5F}" type="slidenum">
               <a:t>&lt;#&gt;</a:t>
             </a:fld>
           </a:p>
@@ -9519,7 +9519,7 @@
         <p:txBody>
           <a:bodyPr/>
           <a:p>
-            <a:fld id="{827F5E6D-099E-472E-811E-8DA9139B8AC3}" type="slidenum">
+            <a:fld id="{1018B7F9-5B53-4A24-BDC8-114B94579570}" type="slidenum">
               <a:t>&lt;#&gt;</a:t>
             </a:fld>
           </a:p>
@@ -9771,7 +9771,7 @@
         <p:txBody>
           <a:bodyPr/>
           <a:p>
-            <a:fld id="{512D3F49-267F-45B3-BEA1-53712C4DA485}" type="slidenum">
+            <a:fld id="{D92BC457-5B5D-4B9F-B0C7-4B8FA799682F}" type="slidenum">
               <a:t>&lt;#&gt;</a:t>
             </a:fld>
           </a:p>
@@ -10023,7 +10023,7 @@
         <p:txBody>
           <a:bodyPr/>
           <a:p>
-            <a:fld id="{BBD9CBE4-3497-4B1C-A94B-54DDB6B7CBE8}" type="slidenum">
+            <a:fld id="{FB1E580E-0EF6-4655-8185-5BB045126CA3}" type="slidenum">
               <a:t>&lt;#&gt;</a:t>
             </a:fld>
           </a:p>
@@ -10085,7 +10085,7 @@
         <p:spPr>
           <a:xfrm>
             <a:off x="3447360" y="5165280"/>
-            <a:ext cx="3192840" cy="388440"/>
+            <a:ext cx="3192480" cy="388080"/>
           </a:xfrm>
           <a:prstGeom prst="rect">
             <a:avLst/>
@@ -10133,7 +10133,7 @@
                 </a:solidFill>
                 <a:latin typeface="游明朝"/>
               </a:rPr>
-              <a:t> </a:t>
+              <a:t>&lt;フッター&gt;</a:t>
             </a:r>
             <a:endParaRPr b="0" lang="en-US" sz="1400" spc="-1" strike="noStrike">
               <a:solidFill>
@@ -10157,7 +10157,7 @@
         <p:spPr>
           <a:xfrm>
             <a:off x="7227360" y="5165280"/>
-            <a:ext cx="2346120" cy="388440"/>
+            <a:ext cx="2345760" cy="388080"/>
           </a:xfrm>
           <a:prstGeom prst="rect">
             <a:avLst/>
@@ -10198,14 +10198,14 @@
                 <a:tab algn="l" pos="0"/>
               </a:tabLst>
             </a:pPr>
-            <a:fld id="{6ED92BFB-195E-4102-9DD2-999423B2F246}" type="slidenum">
+            <a:fld id="{7B3CAA8A-FB5B-42BC-AA43-53D33087054F}" type="slidenum">
               <a:rPr b="0" lang="en-US" sz="1400" spc="-1" strike="noStrike">
                 <a:solidFill>
                   <a:srgbClr val="000000"/>
                 </a:solidFill>
                 <a:latin typeface="游明朝"/>
               </a:rPr>
-              <a:t>17</a:t>
+              <a:t>&lt;番号&gt;</a:t>
             </a:fld>
             <a:endParaRPr b="0" lang="en-US" sz="1400" spc="-1" strike="noStrike">
               <a:solidFill>
@@ -10229,7 +10229,7 @@
         <p:spPr>
           <a:xfrm>
             <a:off x="504000" y="5165280"/>
-            <a:ext cx="2346120" cy="388440"/>
+            <a:ext cx="2345760" cy="388080"/>
           </a:xfrm>
           <a:prstGeom prst="rect">
             <a:avLst/>
@@ -10265,7 +10265,7 @@
                 </a:solidFill>
                 <a:latin typeface="游明朝"/>
               </a:rPr>
-              <a:t> </a:t>
+              <a:t>&lt;日付/時刻&gt;</a:t>
             </a:r>
             <a:endParaRPr b="0" lang="en-US" sz="1400" spc="-1" strike="noStrike">
               <a:solidFill>
@@ -10654,7 +10654,7 @@
         <p:spPr>
           <a:xfrm>
             <a:off x="3447360" y="5165280"/>
-            <a:ext cx="3192840" cy="388440"/>
+            <a:ext cx="3192480" cy="388080"/>
           </a:xfrm>
           <a:prstGeom prst="rect">
             <a:avLst/>
@@ -10726,7 +10726,7 @@
         <p:spPr>
           <a:xfrm>
             <a:off x="7227360" y="5165280"/>
-            <a:ext cx="2346120" cy="388440"/>
+            <a:ext cx="2345760" cy="388080"/>
           </a:xfrm>
           <a:prstGeom prst="rect">
             <a:avLst/>
@@ -10767,7 +10767,7 @@
                 <a:tab algn="l" pos="0"/>
               </a:tabLst>
             </a:pPr>
-            <a:fld id="{6DFFCE62-6821-4DC6-A445-0C8B98B8519F}" type="slidenum">
+            <a:fld id="{B48D485B-96E0-48AE-BBF4-C3EAF8122B36}" type="slidenum">
               <a:rPr b="0" lang="en-US" sz="1400" spc="-1" strike="noStrike">
                 <a:solidFill>
                   <a:srgbClr val="000000"/>
@@ -10798,7 +10798,7 @@
         <p:spPr>
           <a:xfrm>
             <a:off x="504000" y="5165280"/>
-            <a:ext cx="2346120" cy="388440"/>
+            <a:ext cx="2345760" cy="388080"/>
           </a:xfrm>
           <a:prstGeom prst="rect">
             <a:avLst/>
@@ -11272,7 +11272,7 @@
         <p:spPr>
           <a:xfrm>
             <a:off x="3447360" y="5165280"/>
-            <a:ext cx="3192840" cy="388440"/>
+            <a:ext cx="3192480" cy="388080"/>
           </a:xfrm>
           <a:prstGeom prst="rect">
             <a:avLst/>
@@ -11344,7 +11344,7 @@
         <p:spPr>
           <a:xfrm>
             <a:off x="7227360" y="5165280"/>
-            <a:ext cx="2346120" cy="388440"/>
+            <a:ext cx="2345760" cy="388080"/>
           </a:xfrm>
           <a:prstGeom prst="rect">
             <a:avLst/>
@@ -11385,7 +11385,7 @@
                 <a:tab algn="l" pos="0"/>
               </a:tabLst>
             </a:pPr>
-            <a:fld id="{DF326FA7-F230-4FC2-9670-2E2F55978CBF}" type="slidenum">
+            <a:fld id="{14CC9887-8677-47AB-B60A-A34BF46C5708}" type="slidenum">
               <a:rPr b="0" lang="en-US" sz="1400" spc="-1" strike="noStrike">
                 <a:solidFill>
                   <a:srgbClr val="000000"/>
@@ -11416,7 +11416,7 @@
         <p:spPr>
           <a:xfrm>
             <a:off x="504000" y="5165280"/>
-            <a:ext cx="2346120" cy="388440"/>
+            <a:ext cx="2345760" cy="388080"/>
           </a:xfrm>
           <a:prstGeom prst="rect">
             <a:avLst/>
@@ -11792,7 +11792,7 @@
         <p:spPr>
           <a:xfrm>
             <a:off x="3447360" y="5165280"/>
-            <a:ext cx="3192840" cy="388440"/>
+            <a:ext cx="3192480" cy="388080"/>
           </a:xfrm>
           <a:prstGeom prst="rect">
             <a:avLst/>
@@ -11864,7 +11864,7 @@
         <p:spPr>
           <a:xfrm>
             <a:off x="7227360" y="5165280"/>
-            <a:ext cx="2346120" cy="388440"/>
+            <a:ext cx="2345760" cy="388080"/>
           </a:xfrm>
           <a:prstGeom prst="rect">
             <a:avLst/>
@@ -11905,7 +11905,7 @@
                 <a:tab algn="l" pos="0"/>
               </a:tabLst>
             </a:pPr>
-            <a:fld id="{CC4DE109-9BBB-427A-8D95-CABD5C17767B}" type="slidenum">
+            <a:fld id="{26B94C54-652A-46AC-B66A-C5AA2705FB30}" type="slidenum">
               <a:rPr b="0" lang="en-US" sz="1400" spc="-1" strike="noStrike">
                 <a:solidFill>
                   <a:srgbClr val="000000"/>
@@ -11936,7 +11936,7 @@
         <p:spPr>
           <a:xfrm>
             <a:off x="504000" y="5165280"/>
-            <a:ext cx="2346120" cy="388440"/>
+            <a:ext cx="2345760" cy="388080"/>
           </a:xfrm>
           <a:prstGeom prst="rect">
             <a:avLst/>
@@ -12361,7 +12361,7 @@
         <p:spPr>
           <a:xfrm>
             <a:off x="504000" y="226080"/>
-            <a:ext cx="9069480" cy="944280"/>
+            <a:ext cx="9069120" cy="943920"/>
           </a:xfrm>
           <a:prstGeom prst="rect">
             <a:avLst/>
@@ -12416,7 +12416,7 @@
         <p:spPr>
           <a:xfrm>
             <a:off x="504000" y="1326600"/>
-            <a:ext cx="9069480" cy="3286080"/>
+            <a:ext cx="9069120" cy="3285720"/>
           </a:xfrm>
           <a:prstGeom prst="rect">
             <a:avLst/>
@@ -12486,7 +12486,7 @@
         <p:spPr>
           <a:xfrm>
             <a:off x="504000" y="226080"/>
-            <a:ext cx="9069840" cy="944640"/>
+            <a:ext cx="9069480" cy="944280"/>
           </a:xfrm>
           <a:prstGeom prst="rect">
             <a:avLst/>
@@ -12538,7 +12538,7 @@
         <p:spPr>
           <a:xfrm>
             <a:off x="720000" y="1440000"/>
-            <a:ext cx="5758560" cy="3598560"/>
+            <a:ext cx="5758200" cy="3598200"/>
           </a:xfrm>
           <a:prstGeom prst="rect">
             <a:avLst/>
@@ -12585,7 +12585,7 @@
         <p:spPr>
           <a:xfrm>
             <a:off x="3240000" y="4500000"/>
-            <a:ext cx="898560" cy="358560"/>
+            <a:ext cx="898200" cy="358200"/>
           </a:xfrm>
           <a:prstGeom prst="rect">
             <a:avLst/>
@@ -12643,7 +12643,7 @@
         <p:spPr>
           <a:xfrm>
             <a:off x="4320000" y="4500000"/>
-            <a:ext cx="898560" cy="358560"/>
+            <a:ext cx="898200" cy="358200"/>
           </a:xfrm>
           <a:prstGeom prst="rect">
             <a:avLst/>
@@ -12701,7 +12701,7 @@
         <p:spPr>
           <a:xfrm>
             <a:off x="900000" y="4500000"/>
-            <a:ext cx="898560" cy="358560"/>
+            <a:ext cx="898200" cy="358200"/>
           </a:xfrm>
           <a:prstGeom prst="rect">
             <a:avLst/>
@@ -12759,7 +12759,7 @@
         <p:spPr>
           <a:xfrm>
             <a:off x="5400000" y="4500000"/>
-            <a:ext cx="898560" cy="358560"/>
+            <a:ext cx="898200" cy="358200"/>
           </a:xfrm>
           <a:prstGeom prst="rect">
             <a:avLst/>
@@ -12817,7 +12817,7 @@
         <p:spPr>
           <a:xfrm>
             <a:off x="900000" y="1585080"/>
-            <a:ext cx="5398560" cy="3273480"/>
+            <a:ext cx="5398200" cy="3273120"/>
           </a:xfrm>
           <a:prstGeom prst="rect">
             <a:avLst/>
@@ -12907,7 +12907,7 @@
         <p:spPr>
           <a:xfrm>
             <a:off x="504000" y="226080"/>
-            <a:ext cx="9069840" cy="944640"/>
+            <a:ext cx="9069480" cy="944280"/>
           </a:xfrm>
           <a:prstGeom prst="rect">
             <a:avLst/>
@@ -12959,7 +12959,7 @@
         <p:spPr>
           <a:xfrm>
             <a:off x="720000" y="1440000"/>
-            <a:ext cx="5758560" cy="3598560"/>
+            <a:ext cx="5758200" cy="3598200"/>
           </a:xfrm>
           <a:prstGeom prst="rect">
             <a:avLst/>
@@ -13006,7 +13006,7 @@
         <p:spPr>
           <a:xfrm>
             <a:off x="5400000" y="1980000"/>
-            <a:ext cx="898560" cy="358560"/>
+            <a:ext cx="898200" cy="358200"/>
           </a:xfrm>
           <a:prstGeom prst="rect">
             <a:avLst/>
@@ -13064,7 +13064,7 @@
         <p:spPr>
           <a:xfrm>
             <a:off x="900000" y="1620000"/>
-            <a:ext cx="5398560" cy="718560"/>
+            <a:ext cx="5398200" cy="718200"/>
           </a:xfrm>
           <a:prstGeom prst="rect">
             <a:avLst/>
@@ -13120,7 +13120,7 @@
         <p:spPr>
           <a:xfrm>
             <a:off x="900000" y="2520000"/>
-            <a:ext cx="5398560" cy="2339280"/>
+            <a:ext cx="5398200" cy="2338920"/>
           </a:xfrm>
           <a:prstGeom prst="rect">
             <a:avLst/>
@@ -13176,7 +13176,7 @@
         <p:spPr>
           <a:xfrm>
             <a:off x="4680000" y="2880000"/>
-            <a:ext cx="1618560" cy="358560"/>
+            <a:ext cx="1618200" cy="358200"/>
           </a:xfrm>
           <a:prstGeom prst="rect">
             <a:avLst/>
@@ -13268,7 +13268,7 @@
         <p:spPr>
           <a:xfrm>
             <a:off x="504000" y="226080"/>
-            <a:ext cx="9069840" cy="944640"/>
+            <a:ext cx="9069480" cy="944280"/>
           </a:xfrm>
           <a:prstGeom prst="rect">
             <a:avLst/>
@@ -13320,7 +13320,7 @@
         <p:spPr>
           <a:xfrm>
             <a:off x="720000" y="1440000"/>
-            <a:ext cx="5758560" cy="3598560"/>
+            <a:ext cx="5758200" cy="3598200"/>
           </a:xfrm>
           <a:prstGeom prst="rect">
             <a:avLst/>
@@ -13367,7 +13367,7 @@
         <p:spPr>
           <a:xfrm>
             <a:off x="3240000" y="4500000"/>
-            <a:ext cx="898560" cy="358560"/>
+            <a:ext cx="898200" cy="358200"/>
           </a:xfrm>
           <a:prstGeom prst="rect">
             <a:avLst/>
@@ -13425,7 +13425,7 @@
         <p:spPr>
           <a:xfrm>
             <a:off x="4320000" y="4500000"/>
-            <a:ext cx="898560" cy="358560"/>
+            <a:ext cx="898200" cy="358200"/>
           </a:xfrm>
           <a:prstGeom prst="rect">
             <a:avLst/>
@@ -13483,7 +13483,7 @@
         <p:spPr>
           <a:xfrm>
             <a:off x="900000" y="4500000"/>
-            <a:ext cx="898560" cy="358560"/>
+            <a:ext cx="898200" cy="358200"/>
           </a:xfrm>
           <a:prstGeom prst="rect">
             <a:avLst/>
@@ -13541,7 +13541,7 @@
         <p:spPr>
           <a:xfrm>
             <a:off x="5400000" y="4500000"/>
-            <a:ext cx="898560" cy="358560"/>
+            <a:ext cx="898200" cy="358200"/>
           </a:xfrm>
           <a:prstGeom prst="rect">
             <a:avLst/>
@@ -13599,7 +13599,7 @@
         <p:spPr>
           <a:xfrm>
             <a:off x="900000" y="1585080"/>
-            <a:ext cx="5398560" cy="3273480"/>
+            <a:ext cx="5398200" cy="3273120"/>
           </a:xfrm>
           <a:prstGeom prst="rect">
             <a:avLst/>
@@ -13689,7 +13689,7 @@
         <p:spPr>
           <a:xfrm>
             <a:off x="504000" y="226080"/>
-            <a:ext cx="9069840" cy="944640"/>
+            <a:ext cx="9069480" cy="944280"/>
           </a:xfrm>
           <a:prstGeom prst="rect">
             <a:avLst/>
@@ -13741,7 +13741,7 @@
         <p:spPr>
           <a:xfrm>
             <a:off x="720000" y="1440000"/>
-            <a:ext cx="5758560" cy="3598560"/>
+            <a:ext cx="5758200" cy="3598200"/>
           </a:xfrm>
           <a:prstGeom prst="rect">
             <a:avLst/>
@@ -13788,7 +13788,7 @@
         <p:spPr>
           <a:xfrm>
             <a:off x="5400000" y="1980000"/>
-            <a:ext cx="898560" cy="358560"/>
+            <a:ext cx="898200" cy="358200"/>
           </a:xfrm>
           <a:prstGeom prst="rect">
             <a:avLst/>
@@ -13846,7 +13846,7 @@
         <p:spPr>
           <a:xfrm>
             <a:off x="900000" y="1620000"/>
-            <a:ext cx="5398560" cy="718560"/>
+            <a:ext cx="5398200" cy="718200"/>
           </a:xfrm>
           <a:prstGeom prst="rect">
             <a:avLst/>
@@ -13902,7 +13902,7 @@
         <p:spPr>
           <a:xfrm>
             <a:off x="900000" y="2520000"/>
-            <a:ext cx="5398560" cy="2339280"/>
+            <a:ext cx="5398200" cy="2338920"/>
           </a:xfrm>
           <a:prstGeom prst="rect">
             <a:avLst/>
@@ -13958,7 +13958,7 @@
         <p:spPr>
           <a:xfrm>
             <a:off x="4680000" y="2880000"/>
-            <a:ext cx="1618560" cy="358560"/>
+            <a:ext cx="1618200" cy="358200"/>
           </a:xfrm>
           <a:prstGeom prst="rect">
             <a:avLst/>
@@ -14050,7 +14050,7 @@
         <p:spPr>
           <a:xfrm>
             <a:off x="504000" y="226080"/>
-            <a:ext cx="9069840" cy="944640"/>
+            <a:ext cx="9069480" cy="944280"/>
           </a:xfrm>
           <a:prstGeom prst="rect">
             <a:avLst/>
@@ -14102,7 +14102,7 @@
         <p:spPr>
           <a:xfrm>
             <a:off x="720000" y="1440000"/>
-            <a:ext cx="5758560" cy="3598560"/>
+            <a:ext cx="5758200" cy="3598200"/>
           </a:xfrm>
           <a:prstGeom prst="rect">
             <a:avLst/>
@@ -14149,7 +14149,7 @@
         <p:spPr>
           <a:xfrm>
             <a:off x="3240000" y="4500000"/>
-            <a:ext cx="898560" cy="358560"/>
+            <a:ext cx="898200" cy="358200"/>
           </a:xfrm>
           <a:prstGeom prst="rect">
             <a:avLst/>
@@ -14207,7 +14207,7 @@
         <p:spPr>
           <a:xfrm>
             <a:off x="4320000" y="4500000"/>
-            <a:ext cx="898560" cy="358560"/>
+            <a:ext cx="898200" cy="358200"/>
           </a:xfrm>
           <a:prstGeom prst="rect">
             <a:avLst/>
@@ -14265,7 +14265,7 @@
         <p:spPr>
           <a:xfrm>
             <a:off x="900000" y="4500000"/>
-            <a:ext cx="898560" cy="358560"/>
+            <a:ext cx="898200" cy="358200"/>
           </a:xfrm>
           <a:prstGeom prst="rect">
             <a:avLst/>
@@ -14323,7 +14323,7 @@
         <p:spPr>
           <a:xfrm>
             <a:off x="5400000" y="4500000"/>
-            <a:ext cx="898560" cy="358560"/>
+            <a:ext cx="898200" cy="358200"/>
           </a:xfrm>
           <a:prstGeom prst="rect">
             <a:avLst/>
@@ -14381,7 +14381,7 @@
         <p:spPr>
           <a:xfrm>
             <a:off x="900000" y="1585080"/>
-            <a:ext cx="5398560" cy="3273480"/>
+            <a:ext cx="5398200" cy="3273120"/>
           </a:xfrm>
           <a:prstGeom prst="rect">
             <a:avLst/>
@@ -14471,7 +14471,7 @@
         <p:spPr>
           <a:xfrm>
             <a:off x="504000" y="226080"/>
-            <a:ext cx="9069480" cy="944280"/>
+            <a:ext cx="9069120" cy="943920"/>
           </a:xfrm>
           <a:prstGeom prst="rect">
             <a:avLst/>
@@ -14522,7 +14522,7 @@
         <p:spPr>
           <a:xfrm>
             <a:off x="720000" y="1440000"/>
-            <a:ext cx="5758200" cy="3598200"/>
+            <a:ext cx="5757840" cy="3597840"/>
           </a:xfrm>
           <a:prstGeom prst="rect">
             <a:avLst/>
@@ -14569,7 +14569,7 @@
         <p:spPr>
           <a:xfrm>
             <a:off x="3240000" y="4500000"/>
-            <a:ext cx="898200" cy="358200"/>
+            <a:ext cx="897840" cy="357840"/>
           </a:xfrm>
           <a:prstGeom prst="rect">
             <a:avLst/>
@@ -14627,7 +14627,7 @@
         <p:spPr>
           <a:xfrm>
             <a:off x="4320000" y="4500000"/>
-            <a:ext cx="898200" cy="358200"/>
+            <a:ext cx="897840" cy="357840"/>
           </a:xfrm>
           <a:prstGeom prst="rect">
             <a:avLst/>
@@ -14685,7 +14685,7 @@
         <p:spPr>
           <a:xfrm>
             <a:off x="900000" y="4500000"/>
-            <a:ext cx="898200" cy="358200"/>
+            <a:ext cx="897840" cy="357840"/>
           </a:xfrm>
           <a:prstGeom prst="rect">
             <a:avLst/>
@@ -14743,7 +14743,7 @@
         <p:spPr>
           <a:xfrm>
             <a:off x="5400000" y="4500000"/>
-            <a:ext cx="898200" cy="358200"/>
+            <a:ext cx="897840" cy="357840"/>
           </a:xfrm>
           <a:prstGeom prst="rect">
             <a:avLst/>
@@ -14801,7 +14801,7 @@
         <p:spPr>
           <a:xfrm>
             <a:off x="900000" y="2160000"/>
-            <a:ext cx="5398200" cy="1258200"/>
+            <a:ext cx="5397840" cy="1257840"/>
           </a:xfrm>
           <a:prstGeom prst="rect">
             <a:avLst/>
@@ -14857,7 +14857,7 @@
         <p:spPr>
           <a:xfrm>
             <a:off x="900000" y="1620000"/>
-            <a:ext cx="5398200" cy="358200"/>
+            <a:ext cx="5397840" cy="357840"/>
           </a:xfrm>
           <a:prstGeom prst="rect">
             <a:avLst/>
@@ -14913,7 +14913,7 @@
         <p:spPr>
           <a:xfrm>
             <a:off x="900000" y="3600000"/>
-            <a:ext cx="5398200" cy="718200"/>
+            <a:ext cx="5397840" cy="717840"/>
           </a:xfrm>
           <a:prstGeom prst="rect">
             <a:avLst/>
@@ -14960,7 +14960,7 @@
         <p:spPr>
           <a:xfrm>
             <a:off x="1080000" y="3780000"/>
-            <a:ext cx="1078200" cy="358200"/>
+            <a:ext cx="1077840" cy="357840"/>
           </a:xfrm>
           <a:prstGeom prst="rect">
             <a:avLst/>
@@ -15016,7 +15016,7 @@
         <p:spPr>
           <a:xfrm>
             <a:off x="2340000" y="3780000"/>
-            <a:ext cx="1078200" cy="358200"/>
+            <a:ext cx="1077840" cy="357840"/>
           </a:xfrm>
           <a:prstGeom prst="rect">
             <a:avLst/>
@@ -15072,7 +15072,7 @@
         <p:spPr>
           <a:xfrm>
             <a:off x="3600000" y="3780000"/>
-            <a:ext cx="1078200" cy="358200"/>
+            <a:ext cx="1077840" cy="357840"/>
           </a:xfrm>
           <a:prstGeom prst="rect">
             <a:avLst/>
@@ -15128,7 +15128,7 @@
         <p:spPr>
           <a:xfrm>
             <a:off x="5040000" y="3780000"/>
-            <a:ext cx="1078200" cy="358200"/>
+            <a:ext cx="1077840" cy="357840"/>
           </a:xfrm>
           <a:prstGeom prst="rect">
             <a:avLst/>
@@ -15186,8 +15186,8 @@
         </p:nvCxnSpPr>
         <p:spPr>
           <a:xfrm>
-            <a:off x="4678200" y="3958920"/>
-            <a:ext cx="362160" cy="360"/>
+            <a:off x="4677840" y="3958920"/>
+            <a:ext cx="362520" cy="360"/>
           </a:xfrm>
           <a:prstGeom prst="straightConnector1">
             <a:avLst/>
@@ -15243,7 +15243,7 @@
         <p:spPr>
           <a:xfrm>
             <a:off x="504000" y="226080"/>
-            <a:ext cx="9069480" cy="944280"/>
+            <a:ext cx="9069120" cy="943920"/>
           </a:xfrm>
           <a:prstGeom prst="rect">
             <a:avLst/>
@@ -15294,7 +15294,7 @@
         <p:spPr>
           <a:xfrm>
             <a:off x="720000" y="1440000"/>
-            <a:ext cx="5758200" cy="3598200"/>
+            <a:ext cx="5757840" cy="3597840"/>
           </a:xfrm>
           <a:prstGeom prst="rect">
             <a:avLst/>
@@ -15341,7 +15341,7 @@
         <p:spPr>
           <a:xfrm>
             <a:off x="5400000" y="1980000"/>
-            <a:ext cx="898200" cy="358200"/>
+            <a:ext cx="897840" cy="357840"/>
           </a:xfrm>
           <a:prstGeom prst="rect">
             <a:avLst/>
@@ -15399,7 +15399,7 @@
         <p:spPr>
           <a:xfrm>
             <a:off x="900000" y="1620000"/>
-            <a:ext cx="5398200" cy="718200"/>
+            <a:ext cx="5397840" cy="717840"/>
           </a:xfrm>
           <a:prstGeom prst="rect">
             <a:avLst/>
@@ -15455,7 +15455,7 @@
         <p:spPr>
           <a:xfrm>
             <a:off x="900000" y="2520000"/>
-            <a:ext cx="5398200" cy="2338200"/>
+            <a:ext cx="5397840" cy="2337840"/>
           </a:xfrm>
           <a:prstGeom prst="rect">
             <a:avLst/>
@@ -15545,7 +15545,7 @@
         <p:spPr>
           <a:xfrm>
             <a:off x="504000" y="226080"/>
-            <a:ext cx="9069480" cy="944280"/>
+            <a:ext cx="9069120" cy="943920"/>
           </a:xfrm>
           <a:prstGeom prst="rect">
             <a:avLst/>
@@ -15609,7 +15609,7 @@
         <p:spPr>
           <a:xfrm>
             <a:off x="504000" y="1326600"/>
-            <a:ext cx="9069480" cy="3286080"/>
+            <a:ext cx="9069120" cy="3285720"/>
           </a:xfrm>
           <a:prstGeom prst="rect">
             <a:avLst/>
@@ -15747,6 +15747,7 @@
                   <a:srgbClr val="000000"/>
                 </a:solidFill>
                 <a:latin typeface="Arial"/>
+                <a:ea typeface="游ゴシック"/>
               </a:rPr>
               <a:t>（エリアマスター）→その他マスターに統合？</a:t>
             </a:r>
@@ -15778,6 +15779,7 @@
                   <a:srgbClr val="000000"/>
                 </a:solidFill>
                 <a:latin typeface="Arial"/>
+                <a:ea typeface="游ゴシック"/>
               </a:rPr>
               <a:t>入出庫データ</a:t>
             </a:r>
@@ -15809,6 +15811,7 @@
                   <a:srgbClr val="000000"/>
                 </a:solidFill>
                 <a:latin typeface="Arial"/>
+                <a:ea typeface="游ゴシック"/>
               </a:rPr>
               <a:t>アクセスログ</a:t>
             </a:r>
@@ -15864,7 +15867,7 @@
         <p:spPr>
           <a:xfrm>
             <a:off x="504000" y="226080"/>
-            <a:ext cx="9069480" cy="944280"/>
+            <a:ext cx="9069120" cy="943920"/>
           </a:xfrm>
           <a:prstGeom prst="rect">
             <a:avLst/>
@@ -15919,7 +15922,7 @@
         <p:spPr>
           <a:xfrm>
             <a:off x="504000" y="1326600"/>
-            <a:ext cx="9069480" cy="3286080"/>
+            <a:ext cx="9069120" cy="3285720"/>
           </a:xfrm>
           <a:prstGeom prst="rect">
             <a:avLst/>
@@ -16009,7 +16012,7 @@
         <p:spPr>
           <a:xfrm>
             <a:off x="504000" y="226080"/>
-            <a:ext cx="9069480" cy="944280"/>
+            <a:ext cx="9069120" cy="943920"/>
           </a:xfrm>
           <a:prstGeom prst="rect">
             <a:avLst/>
@@ -16064,7 +16067,7 @@
         <p:spPr>
           <a:xfrm>
             <a:off x="504000" y="1326600"/>
-            <a:ext cx="9069480" cy="4071240"/>
+            <a:ext cx="9069120" cy="4070880"/>
           </a:xfrm>
           <a:prstGeom prst="rect">
             <a:avLst/>
@@ -16600,7 +16603,7 @@
         <p:spPr>
           <a:xfrm>
             <a:off x="6120000" y="1326600"/>
-            <a:ext cx="3058200" cy="346320"/>
+            <a:ext cx="3057840" cy="345960"/>
           </a:xfrm>
           <a:prstGeom prst="rect">
             <a:avLst/>
@@ -16698,7 +16701,7 @@
         <p:spPr>
           <a:xfrm>
             <a:off x="504000" y="226080"/>
-            <a:ext cx="9069480" cy="944280"/>
+            <a:ext cx="9069120" cy="943920"/>
           </a:xfrm>
           <a:prstGeom prst="rect">
             <a:avLst/>
@@ -16753,7 +16756,7 @@
         <p:spPr>
           <a:xfrm>
             <a:off x="504000" y="1326600"/>
-            <a:ext cx="9069480" cy="3711240"/>
+            <a:ext cx="9069120" cy="3710880"/>
           </a:xfrm>
           <a:prstGeom prst="rect">
             <a:avLst/>
@@ -17060,7 +17063,7 @@
         <p:spPr>
           <a:xfrm>
             <a:off x="504000" y="226080"/>
-            <a:ext cx="9069480" cy="944280"/>
+            <a:ext cx="9069120" cy="943920"/>
           </a:xfrm>
           <a:prstGeom prst="rect">
             <a:avLst/>
@@ -17111,7 +17114,7 @@
         <p:spPr>
           <a:xfrm>
             <a:off x="720000" y="1440000"/>
-            <a:ext cx="1438200" cy="718200"/>
+            <a:ext cx="1437840" cy="717840"/>
           </a:xfrm>
           <a:prstGeom prst="rect">
             <a:avLst/>
@@ -17169,7 +17172,7 @@
         <p:spPr>
           <a:xfrm>
             <a:off x="3600000" y="1440000"/>
-            <a:ext cx="1438200" cy="718200"/>
+            <a:ext cx="1437840" cy="717840"/>
           </a:xfrm>
           <a:prstGeom prst="rect">
             <a:avLst/>
@@ -17229,8 +17232,8 @@
         </p:nvCxnSpPr>
         <p:spPr>
           <a:xfrm>
-            <a:off x="2158200" y="1798920"/>
-            <a:ext cx="1442160" cy="360"/>
+            <a:off x="2157840" y="1798920"/>
+            <a:ext cx="1442520" cy="360"/>
           </a:xfrm>
           <a:prstGeom prst="bentConnector2">
             <a:avLst/>
@@ -17251,7 +17254,7 @@
         <p:spPr>
           <a:xfrm>
             <a:off x="4320000" y="3240000"/>
-            <a:ext cx="1438200" cy="718200"/>
+            <a:ext cx="1437840" cy="717840"/>
           </a:xfrm>
           <a:prstGeom prst="rect">
             <a:avLst/>
@@ -17332,7 +17335,7 @@
         <p:spPr>
           <a:xfrm>
             <a:off x="2340000" y="3240000"/>
-            <a:ext cx="1438200" cy="1078200"/>
+            <a:ext cx="1437840" cy="1077840"/>
           </a:xfrm>
           <a:prstGeom prst="rect">
             <a:avLst/>
@@ -17413,7 +17416,7 @@
         <p:spPr>
           <a:xfrm>
             <a:off x="720000" y="3240000"/>
-            <a:ext cx="1438200" cy="1078200"/>
+            <a:ext cx="1437840" cy="1077840"/>
           </a:xfrm>
           <a:prstGeom prst="rect">
             <a:avLst/>
@@ -17494,7 +17497,7 @@
         <p:spPr>
           <a:xfrm>
             <a:off x="6120000" y="4140000"/>
-            <a:ext cx="1438200" cy="718200"/>
+            <a:ext cx="1437840" cy="717840"/>
           </a:xfrm>
           <a:prstGeom prst="rect">
             <a:avLst/>
@@ -17575,7 +17578,7 @@
         <p:spPr>
           <a:xfrm>
             <a:off x="8100000" y="3240000"/>
-            <a:ext cx="1438200" cy="1078200"/>
+            <a:ext cx="1437840" cy="1077840"/>
           </a:xfrm>
           <a:prstGeom prst="rect">
             <a:avLst/>
@@ -17659,11 +17662,11 @@
         <p:spPr>
           <a:xfrm rot="5400000">
             <a:off x="2337840" y="1258920"/>
-            <a:ext cx="1082160" cy="2880360"/>
+            <a:ext cx="1082520" cy="2880360"/>
           </a:xfrm>
           <a:prstGeom prst="bentConnector3">
             <a:avLst>
-              <a:gd name="adj1" fmla="val 50116"/>
+              <a:gd name="adj1" fmla="val 50099"/>
             </a:avLst>
           </a:prstGeom>
           <a:ln w="0">
@@ -17685,11 +17688,11 @@
         <p:spPr>
           <a:xfrm rot="5400000">
             <a:off x="3147840" y="2068920"/>
-            <a:ext cx="1082160" cy="1260360"/>
+            <a:ext cx="1082520" cy="1260360"/>
           </a:xfrm>
           <a:prstGeom prst="bentConnector3">
             <a:avLst>
-              <a:gd name="adj1" fmla="val 50116"/>
+              <a:gd name="adj1" fmla="val 50099"/>
             </a:avLst>
           </a:prstGeom>
           <a:ln w="0">
@@ -17710,12 +17713,12 @@
         </p:nvCxnSpPr>
         <p:spPr>
           <a:xfrm flipH="1" rot="16200000">
-            <a:off x="4138200" y="2338920"/>
-            <a:ext cx="1082160" cy="720360"/>
+            <a:off x="4137840" y="2338920"/>
+            <a:ext cx="1082520" cy="720360"/>
           </a:xfrm>
           <a:prstGeom prst="bentConnector3">
             <a:avLst>
-              <a:gd name="adj1" fmla="val 50116"/>
+              <a:gd name="adj1" fmla="val 50099"/>
             </a:avLst>
           </a:prstGeom>
           <a:ln w="0">
@@ -17736,8 +17739,8 @@
         </p:nvCxnSpPr>
         <p:spPr>
           <a:xfrm>
-            <a:off x="5758200" y="3598920"/>
-            <a:ext cx="1081080" cy="541440"/>
+            <a:off x="5757840" y="3598920"/>
+            <a:ext cx="1081440" cy="541440"/>
           </a:xfrm>
           <a:prstGeom prst="bentConnector2">
             <a:avLst/>
@@ -17760,12 +17763,12 @@
         </p:nvCxnSpPr>
         <p:spPr>
           <a:xfrm flipH="1" rot="16200000">
-            <a:off x="6028200" y="448920"/>
-            <a:ext cx="1082160" cy="4500360"/>
+            <a:off x="6027840" y="448920"/>
+            <a:ext cx="1082520" cy="4500360"/>
           </a:xfrm>
           <a:prstGeom prst="bentConnector3">
             <a:avLst>
-              <a:gd name="adj1" fmla="val 50116"/>
+              <a:gd name="adj1" fmla="val 50099"/>
             </a:avLst>
           </a:prstGeom>
           <a:ln w="0">
@@ -17784,7 +17787,7 @@
         <p:spPr>
           <a:xfrm>
             <a:off x="540000" y="3060000"/>
-            <a:ext cx="3418200" cy="1978200"/>
+            <a:ext cx="3417840" cy="1977840"/>
           </a:xfrm>
           <a:prstGeom prst="rect">
             <a:avLst/>
@@ -17905,7 +17908,7 @@
         <p:spPr>
           <a:xfrm>
             <a:off x="4140000" y="3060000"/>
-            <a:ext cx="3598200" cy="1978200"/>
+            <a:ext cx="3597840" cy="1977840"/>
           </a:xfrm>
           <a:prstGeom prst="rect">
             <a:avLst/>
@@ -18026,7 +18029,7 @@
         <p:spPr>
           <a:xfrm>
             <a:off x="7920000" y="3060000"/>
-            <a:ext cx="1798200" cy="1978200"/>
+            <a:ext cx="1797840" cy="1977840"/>
           </a:xfrm>
           <a:prstGeom prst="rect">
             <a:avLst/>
@@ -18147,7 +18150,7 @@
         <p:spPr>
           <a:xfrm>
             <a:off x="5580000" y="720000"/>
-            <a:ext cx="2518200" cy="1258200"/>
+            <a:ext cx="2517840" cy="1257840"/>
           </a:xfrm>
           <a:prstGeom prst="wedgeRoundRectCallout">
             <a:avLst>
@@ -18209,7 +18212,7 @@
         <p:spPr>
           <a:xfrm rot="18900000">
             <a:off x="2338920" y="720000"/>
-            <a:ext cx="4499640" cy="4318200"/>
+            <a:ext cx="4499280" cy="4317840"/>
           </a:xfrm>
           <a:prstGeom prst="plus">
             <a:avLst>
@@ -18294,7 +18297,7 @@
         <p:spPr>
           <a:xfrm>
             <a:off x="504000" y="226080"/>
-            <a:ext cx="9069480" cy="944280"/>
+            <a:ext cx="9069120" cy="943920"/>
           </a:xfrm>
           <a:prstGeom prst="rect">
             <a:avLst/>
@@ -18345,7 +18348,7 @@
         <p:spPr>
           <a:xfrm>
             <a:off x="900000" y="1440000"/>
-            <a:ext cx="7806960" cy="3434040"/>
+            <a:ext cx="7806600" cy="3433680"/>
           </a:xfrm>
           <a:prstGeom prst="rect">
             <a:avLst/>
@@ -18652,36 +18655,6 @@
                 <a:ea typeface="DejaVu Sans"/>
               </a:rPr>
               <a:t>メニュー</a:t>
-            </a:r>
-            <a:r>
-              <a:rPr b="0" lang="en-US" sz="1800" spc="-1" strike="noStrike">
-                <a:solidFill>
-                  <a:srgbClr val="000000"/>
-                </a:solidFill>
-                <a:latin typeface="Arial"/>
-                <a:ea typeface="DejaVu Sans"/>
-              </a:rPr>
-              <a:t>(</a:t>
-            </a:r>
-            <a:r>
-              <a:rPr b="0" lang="ja-JP" sz="1800" spc="-1" strike="noStrike">
-                <a:solidFill>
-                  <a:srgbClr val="000000"/>
-                </a:solidFill>
-                <a:latin typeface="Arial"/>
-                <a:ea typeface="DejaVu Sans"/>
-              </a:rPr>
-              <a:t>サイドメニュー</a:t>
-            </a:r>
-            <a:r>
-              <a:rPr b="0" lang="en-US" sz="1800" spc="-1" strike="noStrike">
-                <a:solidFill>
-                  <a:srgbClr val="000000"/>
-                </a:solidFill>
-                <a:latin typeface="Arial"/>
-                <a:ea typeface="DejaVu Sans"/>
-              </a:rPr>
-              <a:t>)</a:t>
             </a:r>
             <a:r>
               <a:rPr b="0" lang="en-US" sz="1800" spc="-1" strike="noStrike">
@@ -19700,7 +19673,7 @@
         <p:spPr>
           <a:xfrm>
             <a:off x="504000" y="226080"/>
-            <a:ext cx="9069480" cy="944280"/>
+            <a:ext cx="9069120" cy="943920"/>
           </a:xfrm>
           <a:prstGeom prst="rect">
             <a:avLst/>
@@ -19751,7 +19724,7 @@
         <p:spPr>
           <a:xfrm>
             <a:off x="720000" y="1440000"/>
-            <a:ext cx="5758200" cy="3598200"/>
+            <a:ext cx="5757840" cy="3597840"/>
           </a:xfrm>
           <a:prstGeom prst="rect">
             <a:avLst/>
@@ -19798,7 +19771,7 @@
         <p:spPr>
           <a:xfrm>
             <a:off x="1440000" y="2520000"/>
-            <a:ext cx="1438200" cy="344520"/>
+            <a:ext cx="1437840" cy="344160"/>
           </a:xfrm>
           <a:prstGeom prst="rect">
             <a:avLst/>
@@ -19852,7 +19825,7 @@
         <p:spPr>
           <a:xfrm>
             <a:off x="1440000" y="3060000"/>
-            <a:ext cx="1438200" cy="346320"/>
+            <a:ext cx="1437840" cy="345960"/>
           </a:xfrm>
           <a:prstGeom prst="rect">
             <a:avLst/>
@@ -19916,7 +19889,7 @@
         <p:spPr>
           <a:xfrm>
             <a:off x="2880000" y="2520000"/>
-            <a:ext cx="2158200" cy="358200"/>
+            <a:ext cx="2157840" cy="357840"/>
           </a:xfrm>
           <a:prstGeom prst="rect">
             <a:avLst/>
@@ -19963,7 +19936,7 @@
         <p:spPr>
           <a:xfrm>
             <a:off x="2880000" y="3060000"/>
-            <a:ext cx="2158200" cy="358200"/>
+            <a:ext cx="2157840" cy="357840"/>
           </a:xfrm>
           <a:prstGeom prst="rect">
             <a:avLst/>
@@ -20010,7 +19983,7 @@
         <p:spPr>
           <a:xfrm>
             <a:off x="2880000" y="4320000"/>
-            <a:ext cx="1438200" cy="358200"/>
+            <a:ext cx="1437840" cy="357840"/>
           </a:xfrm>
           <a:prstGeom prst="rect">
             <a:avLst/>
@@ -20098,7 +20071,7 @@
         <p:spPr>
           <a:xfrm>
             <a:off x="720000" y="1800000"/>
-            <a:ext cx="2699280" cy="2519280"/>
+            <a:ext cx="2698920" cy="2518920"/>
           </a:xfrm>
           <a:prstGeom prst="rect">
             <a:avLst/>
@@ -20151,7 +20124,7 @@
         <p:spPr>
           <a:xfrm>
             <a:off x="504000" y="226080"/>
-            <a:ext cx="9069480" cy="944280"/>
+            <a:ext cx="9069120" cy="943920"/>
           </a:xfrm>
           <a:prstGeom prst="rect">
             <a:avLst/>
@@ -20202,7 +20175,7 @@
         <p:spPr>
           <a:xfrm>
             <a:off x="720000" y="1440000"/>
-            <a:ext cx="5758200" cy="3598200"/>
+            <a:ext cx="5757840" cy="3597840"/>
           </a:xfrm>
           <a:prstGeom prst="rect">
             <a:avLst/>
@@ -20249,7 +20222,7 @@
         <p:spPr>
           <a:xfrm>
             <a:off x="900000" y="3421080"/>
-            <a:ext cx="2339280" cy="358200"/>
+            <a:ext cx="2338920" cy="357840"/>
           </a:xfrm>
           <a:prstGeom prst="rect">
             <a:avLst/>
@@ -20307,7 +20280,7 @@
         <p:spPr>
           <a:xfrm>
             <a:off x="900000" y="3058920"/>
-            <a:ext cx="2339280" cy="360360"/>
+            <a:ext cx="2338920" cy="360000"/>
           </a:xfrm>
           <a:prstGeom prst="rect">
             <a:avLst/>
@@ -20365,7 +20338,7 @@
         <p:spPr>
           <a:xfrm>
             <a:off x="900000" y="2698920"/>
-            <a:ext cx="2339280" cy="359280"/>
+            <a:ext cx="2338920" cy="358920"/>
           </a:xfrm>
           <a:prstGeom prst="rect">
             <a:avLst/>
@@ -20423,7 +20396,7 @@
         <p:spPr>
           <a:xfrm>
             <a:off x="900000" y="3780000"/>
-            <a:ext cx="2339280" cy="359280"/>
+            <a:ext cx="2338920" cy="358920"/>
           </a:xfrm>
           <a:prstGeom prst="rect">
             <a:avLst/>
@@ -20481,7 +20454,7 @@
         <p:spPr>
           <a:xfrm>
             <a:off x="900000" y="1980000"/>
-            <a:ext cx="2339280" cy="359280"/>
+            <a:ext cx="2338920" cy="358920"/>
           </a:xfrm>
           <a:prstGeom prst="rect">
             <a:avLst/>
@@ -20539,7 +20512,7 @@
         <p:spPr>
           <a:xfrm>
             <a:off x="4680000" y="1621080"/>
-            <a:ext cx="1618200" cy="358200"/>
+            <a:ext cx="1617840" cy="357840"/>
           </a:xfrm>
           <a:prstGeom prst="rect">
             <a:avLst/>
@@ -20597,7 +20570,7 @@
         <p:spPr>
           <a:xfrm>
             <a:off x="900000" y="2340000"/>
-            <a:ext cx="2339280" cy="359280"/>
+            <a:ext cx="2338920" cy="358920"/>
           </a:xfrm>
           <a:prstGeom prst="rect">
             <a:avLst/>
@@ -20655,7 +20628,7 @@
         <p:spPr>
           <a:xfrm>
             <a:off x="3600000" y="2160000"/>
-            <a:ext cx="2699280" cy="2699280"/>
+            <a:ext cx="2698920" cy="2698920"/>
           </a:xfrm>
           <a:prstGeom prst="rect">
             <a:avLst/>
@@ -20747,7 +20720,7 @@
         <p:spPr>
           <a:xfrm>
             <a:off x="504000" y="226080"/>
-            <a:ext cx="9069840" cy="944640"/>
+            <a:ext cx="9069480" cy="944280"/>
           </a:xfrm>
           <a:prstGeom prst="rect">
             <a:avLst/>
@@ -20799,7 +20772,7 @@
         <p:spPr>
           <a:xfrm>
             <a:off x="720000" y="1440000"/>
-            <a:ext cx="5758560" cy="3598560"/>
+            <a:ext cx="5758200" cy="3598200"/>
           </a:xfrm>
           <a:prstGeom prst="rect">
             <a:avLst/>
@@ -20846,7 +20819,7 @@
         <p:spPr>
           <a:xfrm>
             <a:off x="5400000" y="1980000"/>
-            <a:ext cx="898560" cy="358560"/>
+            <a:ext cx="898200" cy="358200"/>
           </a:xfrm>
           <a:prstGeom prst="rect">
             <a:avLst/>
@@ -20904,7 +20877,7 @@
         <p:spPr>
           <a:xfrm>
             <a:off x="900000" y="1620000"/>
-            <a:ext cx="5398560" cy="718560"/>
+            <a:ext cx="5398200" cy="718200"/>
           </a:xfrm>
           <a:prstGeom prst="rect">
             <a:avLst/>
@@ -20960,7 +20933,7 @@
         <p:spPr>
           <a:xfrm>
             <a:off x="900000" y="2520000"/>
-            <a:ext cx="5398560" cy="2339280"/>
+            <a:ext cx="5398200" cy="2338920"/>
           </a:xfrm>
           <a:prstGeom prst="rect">
             <a:avLst/>
@@ -21016,7 +20989,7 @@
         <p:spPr>
           <a:xfrm>
             <a:off x="4680000" y="2880000"/>
-            <a:ext cx="1618560" cy="358560"/>
+            <a:ext cx="1618200" cy="358200"/>
           </a:xfrm>
           <a:prstGeom prst="rect">
             <a:avLst/>

--- a/document/制作物_案.pptx
+++ b/document/制作物_案.pptx
@@ -82,7 +82,7 @@
         <p:txBody>
           <a:bodyPr/>
           <a:p>
-            <a:fld id="{AA4DADFF-01AC-4085-B515-106FA44D3043}" type="slidenum">
+            <a:fld id="{49398F20-2061-4667-92AC-B10734C478AA}" type="slidenum">
               <a:t>&lt;#&gt;</a:t>
             </a:fld>
           </a:p>
@@ -291,7 +291,7 @@
         <p:txBody>
           <a:bodyPr/>
           <a:p>
-            <a:fld id="{0B01A7EE-5ED8-4C3C-A052-864DFFDD9F30}" type="slidenum">
+            <a:fld id="{AF93653A-768F-4184-9419-1897FEFC7E87}" type="slidenum">
               <a:t>&lt;#&gt;</a:t>
             </a:fld>
           </a:p>
@@ -586,7 +586,7 @@
         <p:txBody>
           <a:bodyPr/>
           <a:p>
-            <a:fld id="{B5B6C5F4-2C6C-4769-B2CD-9A33F472D769}" type="slidenum">
+            <a:fld id="{B2487714-7467-4BBF-A3E6-8C620F88096B}" type="slidenum">
               <a:t>&lt;#&gt;</a:t>
             </a:fld>
           </a:p>
@@ -967,7 +967,7 @@
         <p:txBody>
           <a:bodyPr/>
           <a:p>
-            <a:fld id="{611B97A0-A425-4D66-8B96-249D06FD019A}" type="slidenum">
+            <a:fld id="{F2ECFDF0-A477-4333-BEEB-4575875C831C}" type="slidenum">
               <a:t>&lt;#&gt;</a:t>
             </a:fld>
           </a:p>
@@ -1050,7 +1050,7 @@
         <p:txBody>
           <a:bodyPr/>
           <a:p>
-            <a:fld id="{AF20D186-A8FC-48A2-B566-33B8DB27285F}" type="slidenum">
+            <a:fld id="{9AA23B11-D608-4BCB-AABA-BC4252B30FCD}" type="slidenum">
               <a:t>&lt;#&gt;</a:t>
             </a:fld>
           </a:p>
@@ -1213,7 +1213,7 @@
         <p:txBody>
           <a:bodyPr/>
           <a:p>
-            <a:fld id="{E06AC95E-5C74-41F3-9A23-914221BDCDEC}" type="slidenum">
+            <a:fld id="{4727863A-ABA0-41F6-9BD8-4FF887114E88}" type="slidenum">
               <a:t>&lt;#&gt;</a:t>
             </a:fld>
           </a:p>
@@ -1379,7 +1379,7 @@
         <p:txBody>
           <a:bodyPr/>
           <a:p>
-            <a:fld id="{C5D76543-1553-4978-B10F-AA88CEC7B97C}" type="slidenum">
+            <a:fld id="{C37EAF2F-5C13-4539-BCAA-AA3683EACB60}" type="slidenum">
               <a:t>&lt;#&gt;</a:t>
             </a:fld>
           </a:p>
@@ -1588,7 +1588,7 @@
         <p:txBody>
           <a:bodyPr/>
           <a:p>
-            <a:fld id="{B738A19D-3E08-468C-9A6E-DD285C80AFF1}" type="slidenum">
+            <a:fld id="{3F7730AD-C040-4082-9411-218F945C46CE}" type="slidenum">
               <a:t>&lt;#&gt;</a:t>
             </a:fld>
           </a:p>
@@ -1711,7 +1711,7 @@
         <p:txBody>
           <a:bodyPr/>
           <a:p>
-            <a:fld id="{C6D9FB3C-B441-449E-BB92-DE5FC3CC904B}" type="slidenum">
+            <a:fld id="{508A80A8-8A22-4D29-99E0-C0363DBF8F2E}" type="slidenum">
               <a:t>&lt;#&gt;</a:t>
             </a:fld>
           </a:p>
@@ -1832,7 +1832,7 @@
         <p:txBody>
           <a:bodyPr/>
           <a:p>
-            <a:fld id="{117880C2-0206-4124-B25A-D9D3E866FFCE}" type="slidenum">
+            <a:fld id="{2521B49B-BD3C-4BE2-9D4D-E6EDB3C4A7B8}" type="slidenum">
               <a:t>&lt;#&gt;</a:t>
             </a:fld>
           </a:p>
@@ -2084,7 +2084,7 @@
         <p:txBody>
           <a:bodyPr/>
           <a:p>
-            <a:fld id="{7F1A921B-06BE-4C07-8804-27999427D164}" type="slidenum">
+            <a:fld id="{395D79D8-DD81-4BB1-B79A-4F40233DCEC1}" type="slidenum">
               <a:t>&lt;#&gt;</a:t>
             </a:fld>
           </a:p>
@@ -2247,7 +2247,7 @@
         <p:txBody>
           <a:bodyPr/>
           <a:p>
-            <a:fld id="{7B1E539F-19F0-4F09-B03E-397C797307C1}" type="slidenum">
+            <a:fld id="{D426EB6B-FB14-464E-820A-6690921FC1FE}" type="slidenum">
               <a:t>&lt;#&gt;</a:t>
             </a:fld>
           </a:p>
@@ -2499,7 +2499,7 @@
         <p:txBody>
           <a:bodyPr/>
           <a:p>
-            <a:fld id="{0C3017BC-EA30-44A2-9B0D-23D39099C238}" type="slidenum">
+            <a:fld id="{70FC08D9-6277-4B0F-824C-746DC35798A2}" type="slidenum">
               <a:t>&lt;#&gt;</a:t>
             </a:fld>
           </a:p>
@@ -2751,7 +2751,7 @@
         <p:txBody>
           <a:bodyPr/>
           <a:p>
-            <a:fld id="{09AA6D96-5F81-4BDF-937E-340EE861FBAE}" type="slidenum">
+            <a:fld id="{C299C004-36D8-4A26-BD55-32AF2AFAC455}" type="slidenum">
               <a:t>&lt;#&gt;</a:t>
             </a:fld>
           </a:p>
@@ -2960,7 +2960,7 @@
         <p:txBody>
           <a:bodyPr/>
           <a:p>
-            <a:fld id="{F2D4021B-C0EF-4B74-B2AC-5E53D4564363}" type="slidenum">
+            <a:fld id="{07369A36-E646-4CEB-B23B-0796DD47B346}" type="slidenum">
               <a:t>&lt;#&gt;</a:t>
             </a:fld>
           </a:p>
@@ -3255,7 +3255,7 @@
         <p:txBody>
           <a:bodyPr/>
           <a:p>
-            <a:fld id="{DC770C44-EB59-4443-818B-8CDE1D4E085F}" type="slidenum">
+            <a:fld id="{9BB52EBA-C099-4537-A1FF-21C5DC987899}" type="slidenum">
               <a:t>&lt;#&gt;</a:t>
             </a:fld>
           </a:p>
@@ -3636,7 +3636,7 @@
         <p:txBody>
           <a:bodyPr/>
           <a:p>
-            <a:fld id="{E4C75F77-D35F-4C6E-A741-3F3E9C420CF9}" type="slidenum">
+            <a:fld id="{004B8995-A864-4A30-9972-974A0D1F52D4}" type="slidenum">
               <a:t>&lt;#&gt;</a:t>
             </a:fld>
           </a:p>
@@ -3719,7 +3719,7 @@
         <p:txBody>
           <a:bodyPr/>
           <a:p>
-            <a:fld id="{5F4F202C-ADA1-4BF0-865D-C9774EE8FA3D}" type="slidenum">
+            <a:fld id="{6472DD37-65FE-4F73-9197-7A9DC5854850}" type="slidenum">
               <a:t>&lt;#&gt;</a:t>
             </a:fld>
           </a:p>
@@ -3882,7 +3882,7 @@
         <p:txBody>
           <a:bodyPr/>
           <a:p>
-            <a:fld id="{3E7DD139-A132-4EB2-B4DD-8D673EE4A8B9}" type="slidenum">
+            <a:fld id="{CFFB5BBA-1248-47BD-845B-F8CA2F884576}" type="slidenum">
               <a:t>&lt;#&gt;</a:t>
             </a:fld>
           </a:p>
@@ -4048,7 +4048,7 @@
         <p:txBody>
           <a:bodyPr/>
           <a:p>
-            <a:fld id="{FF34BC1B-C69F-46FB-9644-2E7EACA693B6}" type="slidenum">
+            <a:fld id="{54DAC909-4F88-411C-8B74-D9551F0EACB0}" type="slidenum">
               <a:t>&lt;#&gt;</a:t>
             </a:fld>
           </a:p>
@@ -4257,7 +4257,7 @@
         <p:txBody>
           <a:bodyPr/>
           <a:p>
-            <a:fld id="{C70EC2A8-A5E6-4555-BC6A-09BD8B1AA37B}" type="slidenum">
+            <a:fld id="{D861D735-5ECD-452A-897D-2BA4632D8DFC}" type="slidenum">
               <a:t>&lt;#&gt;</a:t>
             </a:fld>
           </a:p>
@@ -4380,7 +4380,7 @@
         <p:txBody>
           <a:bodyPr/>
           <a:p>
-            <a:fld id="{A7B6E174-2161-478E-92CC-5243535D9B06}" type="slidenum">
+            <a:fld id="{F43A4045-8248-4610-A220-5EA14EEFA5AF}" type="slidenum">
               <a:t>&lt;#&gt;</a:t>
             </a:fld>
           </a:p>
@@ -4546,7 +4546,7 @@
         <p:txBody>
           <a:bodyPr/>
           <a:p>
-            <a:fld id="{C49E1270-631D-4203-BA4A-25DDD8942D89}" type="slidenum">
+            <a:fld id="{3419CFDE-EA11-4901-B315-4250E781DB4A}" type="slidenum">
               <a:t>&lt;#&gt;</a:t>
             </a:fld>
           </a:p>
@@ -4667,7 +4667,7 @@
         <p:txBody>
           <a:bodyPr/>
           <a:p>
-            <a:fld id="{C5B6EF5A-17D8-4386-AFA4-AB5B3705CD33}" type="slidenum">
+            <a:fld id="{D8C88B21-3582-4535-AB00-BC9B5F69E2CC}" type="slidenum">
               <a:t>&lt;#&gt;</a:t>
             </a:fld>
           </a:p>
@@ -4919,7 +4919,7 @@
         <p:txBody>
           <a:bodyPr/>
           <a:p>
-            <a:fld id="{908211E7-DC01-4AC8-A9A7-B46F7DDD58A6}" type="slidenum">
+            <a:fld id="{59AD6B15-02F0-46FE-B3E0-F8FE3ABED1E0}" type="slidenum">
               <a:t>&lt;#&gt;</a:t>
             </a:fld>
           </a:p>
@@ -5171,7 +5171,7 @@
         <p:txBody>
           <a:bodyPr/>
           <a:p>
-            <a:fld id="{B37146BE-CC07-438E-AAD4-751CE75D2162}" type="slidenum">
+            <a:fld id="{0A2A0F6E-6EEA-4490-9202-32E730BECDC1}" type="slidenum">
               <a:t>&lt;#&gt;</a:t>
             </a:fld>
           </a:p>
@@ -5423,7 +5423,7 @@
         <p:txBody>
           <a:bodyPr/>
           <a:p>
-            <a:fld id="{AA36044E-963B-49BE-9204-14EB968EC0D5}" type="slidenum">
+            <a:fld id="{5DB4DDFF-12A1-4772-98BC-D6B0987F0F1F}" type="slidenum">
               <a:t>&lt;#&gt;</a:t>
             </a:fld>
           </a:p>
@@ -5632,7 +5632,7 @@
         <p:txBody>
           <a:bodyPr/>
           <a:p>
-            <a:fld id="{78FF9D54-B6E6-4869-8234-B3999A6EA87B}" type="slidenum">
+            <a:fld id="{DEFDF069-605E-4B49-8BD4-E4B737BC43A9}" type="slidenum">
               <a:t>&lt;#&gt;</a:t>
             </a:fld>
           </a:p>
@@ -5927,7 +5927,7 @@
         <p:txBody>
           <a:bodyPr/>
           <a:p>
-            <a:fld id="{ABE26868-5FA0-43C6-B934-73BC248FC7D8}" type="slidenum">
+            <a:fld id="{7E3ED18E-FD89-4131-AEBE-B5651CBC68D5}" type="slidenum">
               <a:t>&lt;#&gt;</a:t>
             </a:fld>
           </a:p>
@@ -6308,7 +6308,7 @@
         <p:txBody>
           <a:bodyPr/>
           <a:p>
-            <a:fld id="{94A78B8B-A68B-422E-8D35-2344C5E7BBBA}" type="slidenum">
+            <a:fld id="{08A61000-92D0-4500-95A1-549DFA29C4F7}" type="slidenum">
               <a:t>&lt;#&gt;</a:t>
             </a:fld>
           </a:p>
@@ -6391,7 +6391,7 @@
         <p:txBody>
           <a:bodyPr/>
           <a:p>
-            <a:fld id="{75BF1557-1A99-4E10-9EC1-88C846934D37}" type="slidenum">
+            <a:fld id="{ACD1A86B-9237-435C-B0D8-0E0780C53795}" type="slidenum">
               <a:t>&lt;#&gt;</a:t>
             </a:fld>
           </a:p>
@@ -6554,7 +6554,7 @@
         <p:txBody>
           <a:bodyPr/>
           <a:p>
-            <a:fld id="{F004FD12-F608-49E2-8731-15796479A15A}" type="slidenum">
+            <a:fld id="{BA92592A-843E-4021-8884-8F5CDE52C0EA}" type="slidenum">
               <a:t>&lt;#&gt;</a:t>
             </a:fld>
           </a:p>
@@ -6720,7 +6720,7 @@
         <p:txBody>
           <a:bodyPr/>
           <a:p>
-            <a:fld id="{3D04974A-1ECC-4A5A-A2B3-6DF4CB13CC76}" type="slidenum">
+            <a:fld id="{8FDF0EE2-1017-40DC-98B2-37D1391388AB}" type="slidenum">
               <a:t>&lt;#&gt;</a:t>
             </a:fld>
           </a:p>
@@ -6929,7 +6929,7 @@
         <p:txBody>
           <a:bodyPr/>
           <a:p>
-            <a:fld id="{1F052514-2933-4AF8-BEF6-4A6BEA018E04}" type="slidenum">
+            <a:fld id="{84CD2F49-45B2-4EFC-8280-EF156F154D92}" type="slidenum">
               <a:t>&lt;#&gt;</a:t>
             </a:fld>
           </a:p>
@@ -7138,7 +7138,7 @@
         <p:txBody>
           <a:bodyPr/>
           <a:p>
-            <a:fld id="{733AC946-3B46-4F3A-A402-6AC28D63523E}" type="slidenum">
+            <a:fld id="{2A56F796-1291-4E40-B977-C0644D884334}" type="slidenum">
               <a:t>&lt;#&gt;</a:t>
             </a:fld>
           </a:p>
@@ -7261,7 +7261,7 @@
         <p:txBody>
           <a:bodyPr/>
           <a:p>
-            <a:fld id="{3210F85F-62D6-4B52-B2C1-4CC32CA7AF78}" type="slidenum">
+            <a:fld id="{4CF2569E-5006-4A98-A7B9-588467DD0756}" type="slidenum">
               <a:t>&lt;#&gt;</a:t>
             </a:fld>
           </a:p>
@@ -7382,7 +7382,7 @@
         <p:txBody>
           <a:bodyPr/>
           <a:p>
-            <a:fld id="{180EFCC2-16EA-4F0E-9376-EA0F05325162}" type="slidenum">
+            <a:fld id="{0C87BAF5-3A32-457B-963F-0534ECC864EA}" type="slidenum">
               <a:t>&lt;#&gt;</a:t>
             </a:fld>
           </a:p>
@@ -7634,7 +7634,7 @@
         <p:txBody>
           <a:bodyPr/>
           <a:p>
-            <a:fld id="{8422A039-99E7-411D-9C7E-3FDEF5299906}" type="slidenum">
+            <a:fld id="{EFD42C44-D2DE-47B7-A7AE-000C74FB189A}" type="slidenum">
               <a:t>&lt;#&gt;</a:t>
             </a:fld>
           </a:p>
@@ -7886,7 +7886,7 @@
         <p:txBody>
           <a:bodyPr/>
           <a:p>
-            <a:fld id="{3E284E7C-79FC-4A4A-85DE-F849011CE021}" type="slidenum">
+            <a:fld id="{9C71852A-ED96-4F0F-B4B2-68BDFEAE2A9B}" type="slidenum">
               <a:t>&lt;#&gt;</a:t>
             </a:fld>
           </a:p>
@@ -8138,7 +8138,7 @@
         <p:txBody>
           <a:bodyPr/>
           <a:p>
-            <a:fld id="{8541F239-2E0B-44EE-B226-9871AD5CA265}" type="slidenum">
+            <a:fld id="{C503C4DB-6DF9-4272-8BEB-E1C8B6CECDBA}" type="slidenum">
               <a:t>&lt;#&gt;</a:t>
             </a:fld>
           </a:p>
@@ -8347,7 +8347,7 @@
         <p:txBody>
           <a:bodyPr/>
           <a:p>
-            <a:fld id="{E66AE307-9722-423F-93B4-7EE4D4ADE7FA}" type="slidenum">
+            <a:fld id="{D1E64BC2-9538-4E37-BB8F-931D7CB3F984}" type="slidenum">
               <a:t>&lt;#&gt;</a:t>
             </a:fld>
           </a:p>
@@ -8642,7 +8642,7 @@
         <p:txBody>
           <a:bodyPr/>
           <a:p>
-            <a:fld id="{1BD0E401-2BD7-4454-8C33-26206CFA9473}" type="slidenum">
+            <a:fld id="{54E32262-1E55-4C3F-9496-BA9DCBD5EABF}" type="slidenum">
               <a:t>&lt;#&gt;</a:t>
             </a:fld>
           </a:p>
@@ -9023,7 +9023,7 @@
         <p:txBody>
           <a:bodyPr/>
           <a:p>
-            <a:fld id="{C74ECD77-AF7A-4B1F-9164-E579D13FC879}" type="slidenum">
+            <a:fld id="{51D8B33C-467F-4246-BA7A-89B849FC5950}" type="slidenum">
               <a:t>&lt;#&gt;</a:t>
             </a:fld>
           </a:p>
@@ -9146,7 +9146,7 @@
         <p:txBody>
           <a:bodyPr/>
           <a:p>
-            <a:fld id="{B8C1903E-6AD2-4460-B284-CF84C3DC5FF2}" type="slidenum">
+            <a:fld id="{F60A0581-5E63-4228-9F0C-2459B33991E6}" type="slidenum">
               <a:t>&lt;#&gt;</a:t>
             </a:fld>
           </a:p>
@@ -9267,7 +9267,7 @@
         <p:txBody>
           <a:bodyPr/>
           <a:p>
-            <a:fld id="{D10D8219-1D84-433E-9309-A1E97FE74E5F}" type="slidenum">
+            <a:fld id="{C16678F2-C1FD-4C91-92D6-531462C9F9B7}" type="slidenum">
               <a:t>&lt;#&gt;</a:t>
             </a:fld>
           </a:p>
@@ -9519,7 +9519,7 @@
         <p:txBody>
           <a:bodyPr/>
           <a:p>
-            <a:fld id="{1018B7F9-5B53-4A24-BDC8-114B94579570}" type="slidenum">
+            <a:fld id="{B05DB66B-9BE9-4DEF-8C79-B174AF5EE5C1}" type="slidenum">
               <a:t>&lt;#&gt;</a:t>
             </a:fld>
           </a:p>
@@ -9771,7 +9771,7 @@
         <p:txBody>
           <a:bodyPr/>
           <a:p>
-            <a:fld id="{D92BC457-5B5D-4B9F-B0C7-4B8FA799682F}" type="slidenum">
+            <a:fld id="{857D3A50-BE84-473C-AD88-2D3B49B803AF}" type="slidenum">
               <a:t>&lt;#&gt;</a:t>
             </a:fld>
           </a:p>
@@ -10023,7 +10023,7 @@
         <p:txBody>
           <a:bodyPr/>
           <a:p>
-            <a:fld id="{FB1E580E-0EF6-4655-8185-5BB045126CA3}" type="slidenum">
+            <a:fld id="{F7D1BFD3-20FC-4F9D-8A9F-E5C6B8CE5EC3}" type="slidenum">
               <a:t>&lt;#&gt;</a:t>
             </a:fld>
           </a:p>
@@ -10085,7 +10085,7 @@
         <p:spPr>
           <a:xfrm>
             <a:off x="3447360" y="5165280"/>
-            <a:ext cx="3192480" cy="388080"/>
+            <a:ext cx="3191760" cy="387360"/>
           </a:xfrm>
           <a:prstGeom prst="rect">
             <a:avLst/>
@@ -10157,7 +10157,7 @@
         <p:spPr>
           <a:xfrm>
             <a:off x="7227360" y="5165280"/>
-            <a:ext cx="2345760" cy="388080"/>
+            <a:ext cx="2345040" cy="387360"/>
           </a:xfrm>
           <a:prstGeom prst="rect">
             <a:avLst/>
@@ -10198,7 +10198,7 @@
                 <a:tab algn="l" pos="0"/>
               </a:tabLst>
             </a:pPr>
-            <a:fld id="{7B3CAA8A-FB5B-42BC-AA43-53D33087054F}" type="slidenum">
+            <a:fld id="{612FD409-B4F1-44C9-B64B-2C52320AB846}" type="slidenum">
               <a:rPr b="0" lang="en-US" sz="1400" spc="-1" strike="noStrike">
                 <a:solidFill>
                   <a:srgbClr val="000000"/>
@@ -10229,7 +10229,7 @@
         <p:spPr>
           <a:xfrm>
             <a:off x="504000" y="5165280"/>
-            <a:ext cx="2345760" cy="388080"/>
+            <a:ext cx="2345040" cy="387360"/>
           </a:xfrm>
           <a:prstGeom prst="rect">
             <a:avLst/>
@@ -10654,7 +10654,7 @@
         <p:spPr>
           <a:xfrm>
             <a:off x="3447360" y="5165280"/>
-            <a:ext cx="3192480" cy="388080"/>
+            <a:ext cx="3191760" cy="387360"/>
           </a:xfrm>
           <a:prstGeom prst="rect">
             <a:avLst/>
@@ -10726,7 +10726,7 @@
         <p:spPr>
           <a:xfrm>
             <a:off x="7227360" y="5165280"/>
-            <a:ext cx="2345760" cy="388080"/>
+            <a:ext cx="2345040" cy="387360"/>
           </a:xfrm>
           <a:prstGeom prst="rect">
             <a:avLst/>
@@ -10767,7 +10767,7 @@
                 <a:tab algn="l" pos="0"/>
               </a:tabLst>
             </a:pPr>
-            <a:fld id="{B48D485B-96E0-48AE-BBF4-C3EAF8122B36}" type="slidenum">
+            <a:fld id="{FCE9F8B7-C37E-43CF-8C9E-C90DD8BCE4D2}" type="slidenum">
               <a:rPr b="0" lang="en-US" sz="1400" spc="-1" strike="noStrike">
                 <a:solidFill>
                   <a:srgbClr val="000000"/>
@@ -10798,7 +10798,7 @@
         <p:spPr>
           <a:xfrm>
             <a:off x="504000" y="5165280"/>
-            <a:ext cx="2345760" cy="388080"/>
+            <a:ext cx="2345040" cy="387360"/>
           </a:xfrm>
           <a:prstGeom prst="rect">
             <a:avLst/>
@@ -11272,7 +11272,7 @@
         <p:spPr>
           <a:xfrm>
             <a:off x="3447360" y="5165280"/>
-            <a:ext cx="3192480" cy="388080"/>
+            <a:ext cx="3191760" cy="387360"/>
           </a:xfrm>
           <a:prstGeom prst="rect">
             <a:avLst/>
@@ -11344,7 +11344,7 @@
         <p:spPr>
           <a:xfrm>
             <a:off x="7227360" y="5165280"/>
-            <a:ext cx="2345760" cy="388080"/>
+            <a:ext cx="2345040" cy="387360"/>
           </a:xfrm>
           <a:prstGeom prst="rect">
             <a:avLst/>
@@ -11385,7 +11385,7 @@
                 <a:tab algn="l" pos="0"/>
               </a:tabLst>
             </a:pPr>
-            <a:fld id="{14CC9887-8677-47AB-B60A-A34BF46C5708}" type="slidenum">
+            <a:fld id="{17F2E1F5-817E-4491-8983-DB1DDBFFD409}" type="slidenum">
               <a:rPr b="0" lang="en-US" sz="1400" spc="-1" strike="noStrike">
                 <a:solidFill>
                   <a:srgbClr val="000000"/>
@@ -11416,7 +11416,7 @@
         <p:spPr>
           <a:xfrm>
             <a:off x="504000" y="5165280"/>
-            <a:ext cx="2345760" cy="388080"/>
+            <a:ext cx="2345040" cy="387360"/>
           </a:xfrm>
           <a:prstGeom prst="rect">
             <a:avLst/>
@@ -11792,7 +11792,7 @@
         <p:spPr>
           <a:xfrm>
             <a:off x="3447360" y="5165280"/>
-            <a:ext cx="3192480" cy="388080"/>
+            <a:ext cx="3191760" cy="387360"/>
           </a:xfrm>
           <a:prstGeom prst="rect">
             <a:avLst/>
@@ -11864,7 +11864,7 @@
         <p:spPr>
           <a:xfrm>
             <a:off x="7227360" y="5165280"/>
-            <a:ext cx="2345760" cy="388080"/>
+            <a:ext cx="2345040" cy="387360"/>
           </a:xfrm>
           <a:prstGeom prst="rect">
             <a:avLst/>
@@ -11905,7 +11905,7 @@
                 <a:tab algn="l" pos="0"/>
               </a:tabLst>
             </a:pPr>
-            <a:fld id="{26B94C54-652A-46AC-B66A-C5AA2705FB30}" type="slidenum">
+            <a:fld id="{C37FA6DC-93CD-4747-BAC8-1CCE5B6FC72C}" type="slidenum">
               <a:rPr b="0" lang="en-US" sz="1400" spc="-1" strike="noStrike">
                 <a:solidFill>
                   <a:srgbClr val="000000"/>
@@ -11936,7 +11936,7 @@
         <p:spPr>
           <a:xfrm>
             <a:off x="504000" y="5165280"/>
-            <a:ext cx="2345760" cy="388080"/>
+            <a:ext cx="2345040" cy="387360"/>
           </a:xfrm>
           <a:prstGeom prst="rect">
             <a:avLst/>
@@ -12361,7 +12361,7 @@
         <p:spPr>
           <a:xfrm>
             <a:off x="504000" y="226080"/>
-            <a:ext cx="9069120" cy="943920"/>
+            <a:ext cx="9068400" cy="943200"/>
           </a:xfrm>
           <a:prstGeom prst="rect">
             <a:avLst/>
@@ -12416,7 +12416,7 @@
         <p:spPr>
           <a:xfrm>
             <a:off x="504000" y="1326600"/>
-            <a:ext cx="9069120" cy="3285720"/>
+            <a:ext cx="9068400" cy="3285000"/>
           </a:xfrm>
           <a:prstGeom prst="rect">
             <a:avLst/>
@@ -12475,7 +12475,7 @@
       </p:grpSpPr>
       <p:sp>
         <p:nvSpPr>
-          <p:cNvPr id="218" name="PlaceHolder 1"/>
+          <p:cNvPr id="219" name="PlaceHolder 1"/>
           <p:cNvSpPr>
             <a:spLocks noGrp="1"/>
           </p:cNvSpPr>
@@ -12486,7 +12486,7 @@
         <p:spPr>
           <a:xfrm>
             <a:off x="504000" y="226080"/>
-            <a:ext cx="9069480" cy="944280"/>
+            <a:ext cx="9068760" cy="943560"/>
           </a:xfrm>
           <a:prstGeom prst="rect">
             <a:avLst/>
@@ -12531,14 +12531,14 @@
       </p:sp>
       <p:sp>
         <p:nvSpPr>
-          <p:cNvPr id="219" name="正方形/長方形 6"/>
+          <p:cNvPr id="220" name="正方形/長方形 6"/>
           <p:cNvSpPr/>
           <p:nvPr/>
         </p:nvSpPr>
         <p:spPr>
           <a:xfrm>
             <a:off x="720000" y="1440000"/>
-            <a:ext cx="5758200" cy="3598200"/>
+            <a:ext cx="5757480" cy="3597480"/>
           </a:xfrm>
           <a:prstGeom prst="rect">
             <a:avLst/>
@@ -12578,14 +12578,14 @@
       </p:sp>
       <p:sp>
         <p:nvSpPr>
-          <p:cNvPr id="220" name="正方形/長方形 7"/>
+          <p:cNvPr id="221" name="正方形/長方形 7"/>
           <p:cNvSpPr/>
           <p:nvPr/>
         </p:nvSpPr>
         <p:spPr>
           <a:xfrm>
             <a:off x="3240000" y="4500000"/>
-            <a:ext cx="898200" cy="358200"/>
+            <a:ext cx="897480" cy="357480"/>
           </a:xfrm>
           <a:prstGeom prst="rect">
             <a:avLst/>
@@ -12636,14 +12636,14 @@
       </p:sp>
       <p:sp>
         <p:nvSpPr>
-          <p:cNvPr id="221" name="正方形/長方形 8"/>
+          <p:cNvPr id="222" name="正方形/長方形 8"/>
           <p:cNvSpPr/>
           <p:nvPr/>
         </p:nvSpPr>
         <p:spPr>
           <a:xfrm>
             <a:off x="4320000" y="4500000"/>
-            <a:ext cx="898200" cy="358200"/>
+            <a:ext cx="897480" cy="357480"/>
           </a:xfrm>
           <a:prstGeom prst="rect">
             <a:avLst/>
@@ -12694,14 +12694,14 @@
       </p:sp>
       <p:sp>
         <p:nvSpPr>
-          <p:cNvPr id="222" name="正方形/長方形 9"/>
+          <p:cNvPr id="223" name="正方形/長方形 9"/>
           <p:cNvSpPr/>
           <p:nvPr/>
         </p:nvSpPr>
         <p:spPr>
           <a:xfrm>
             <a:off x="900000" y="4500000"/>
-            <a:ext cx="898200" cy="358200"/>
+            <a:ext cx="897480" cy="357480"/>
           </a:xfrm>
           <a:prstGeom prst="rect">
             <a:avLst/>
@@ -12752,14 +12752,14 @@
       </p:sp>
       <p:sp>
         <p:nvSpPr>
-          <p:cNvPr id="223" name="正方形/長方形 10"/>
+          <p:cNvPr id="224" name="正方形/長方形 10"/>
           <p:cNvSpPr/>
           <p:nvPr/>
         </p:nvSpPr>
         <p:spPr>
           <a:xfrm>
             <a:off x="5400000" y="4500000"/>
-            <a:ext cx="898200" cy="358200"/>
+            <a:ext cx="897480" cy="357480"/>
           </a:xfrm>
           <a:prstGeom prst="rect">
             <a:avLst/>
@@ -12810,14 +12810,14 @@
       </p:sp>
       <p:sp>
         <p:nvSpPr>
-          <p:cNvPr id="224" name="正方形/長方形 11"/>
+          <p:cNvPr id="225" name="正方形/長方形 11"/>
           <p:cNvSpPr/>
           <p:nvPr/>
         </p:nvSpPr>
         <p:spPr>
           <a:xfrm>
             <a:off x="900000" y="1585080"/>
-            <a:ext cx="5398200" cy="3273120"/>
+            <a:ext cx="5397480" cy="3272400"/>
           </a:xfrm>
           <a:prstGeom prst="rect">
             <a:avLst/>
@@ -12896,7 +12896,7 @@
       </p:grpSpPr>
       <p:sp>
         <p:nvSpPr>
-          <p:cNvPr id="225" name="PlaceHolder 1"/>
+          <p:cNvPr id="226" name="PlaceHolder 1"/>
           <p:cNvSpPr>
             <a:spLocks noGrp="1"/>
           </p:cNvSpPr>
@@ -12907,7 +12907,7 @@
         <p:spPr>
           <a:xfrm>
             <a:off x="504000" y="226080"/>
-            <a:ext cx="9069480" cy="944280"/>
+            <a:ext cx="9068760" cy="943560"/>
           </a:xfrm>
           <a:prstGeom prst="rect">
             <a:avLst/>
@@ -12952,14 +12952,14 @@
       </p:sp>
       <p:sp>
         <p:nvSpPr>
-          <p:cNvPr id="226" name="正方形/長方形 12"/>
+          <p:cNvPr id="227" name="正方形/長方形 12"/>
           <p:cNvSpPr/>
           <p:nvPr/>
         </p:nvSpPr>
         <p:spPr>
           <a:xfrm>
             <a:off x="720000" y="1440000"/>
-            <a:ext cx="5758200" cy="3598200"/>
+            <a:ext cx="5757480" cy="3597480"/>
           </a:xfrm>
           <a:prstGeom prst="rect">
             <a:avLst/>
@@ -12999,14 +12999,14 @@
       </p:sp>
       <p:sp>
         <p:nvSpPr>
-          <p:cNvPr id="227" name="正方形/長方形 13"/>
+          <p:cNvPr id="228" name="正方形/長方形 13"/>
           <p:cNvSpPr/>
           <p:nvPr/>
         </p:nvSpPr>
         <p:spPr>
           <a:xfrm>
             <a:off x="5400000" y="1980000"/>
-            <a:ext cx="898200" cy="358200"/>
+            <a:ext cx="897480" cy="357480"/>
           </a:xfrm>
           <a:prstGeom prst="rect">
             <a:avLst/>
@@ -13057,14 +13057,14 @@
       </p:sp>
       <p:sp>
         <p:nvSpPr>
-          <p:cNvPr id="228" name="正方形/長方形 14"/>
+          <p:cNvPr id="229" name="正方形/長方形 14"/>
           <p:cNvSpPr/>
           <p:nvPr/>
         </p:nvSpPr>
         <p:spPr>
           <a:xfrm>
             <a:off x="900000" y="1620000"/>
-            <a:ext cx="5398200" cy="718200"/>
+            <a:ext cx="5397480" cy="717480"/>
           </a:xfrm>
           <a:prstGeom prst="rect">
             <a:avLst/>
@@ -13113,14 +13113,14 @@
       </p:sp>
       <p:sp>
         <p:nvSpPr>
-          <p:cNvPr id="229" name="正方形/長方形 15"/>
+          <p:cNvPr id="230" name="正方形/長方形 15"/>
           <p:cNvSpPr/>
           <p:nvPr/>
         </p:nvSpPr>
         <p:spPr>
           <a:xfrm>
             <a:off x="900000" y="2520000"/>
-            <a:ext cx="5398200" cy="2338920"/>
+            <a:ext cx="5397480" cy="2338200"/>
           </a:xfrm>
           <a:prstGeom prst="rect">
             <a:avLst/>
@@ -13169,14 +13169,14 @@
       </p:sp>
       <p:sp>
         <p:nvSpPr>
-          <p:cNvPr id="230" name="正方形/長方形 16"/>
+          <p:cNvPr id="231" name="正方形/長方形 16"/>
           <p:cNvSpPr/>
           <p:nvPr/>
         </p:nvSpPr>
         <p:spPr>
           <a:xfrm>
             <a:off x="4680000" y="2880000"/>
-            <a:ext cx="1618200" cy="358200"/>
+            <a:ext cx="1617480" cy="357480"/>
           </a:xfrm>
           <a:prstGeom prst="rect">
             <a:avLst/>
@@ -13257,7 +13257,7 @@
       </p:grpSpPr>
       <p:sp>
         <p:nvSpPr>
-          <p:cNvPr id="231" name="PlaceHolder 1"/>
+          <p:cNvPr id="232" name="PlaceHolder 1"/>
           <p:cNvSpPr>
             <a:spLocks noGrp="1"/>
           </p:cNvSpPr>
@@ -13268,7 +13268,7 @@
         <p:spPr>
           <a:xfrm>
             <a:off x="504000" y="226080"/>
-            <a:ext cx="9069480" cy="944280"/>
+            <a:ext cx="9068760" cy="943560"/>
           </a:xfrm>
           <a:prstGeom prst="rect">
             <a:avLst/>
@@ -13313,14 +13313,14 @@
       </p:sp>
       <p:sp>
         <p:nvSpPr>
-          <p:cNvPr id="232" name="正方形/長方形 17"/>
+          <p:cNvPr id="233" name="正方形/長方形 17"/>
           <p:cNvSpPr/>
           <p:nvPr/>
         </p:nvSpPr>
         <p:spPr>
           <a:xfrm>
             <a:off x="720000" y="1440000"/>
-            <a:ext cx="5758200" cy="3598200"/>
+            <a:ext cx="5757480" cy="3597480"/>
           </a:xfrm>
           <a:prstGeom prst="rect">
             <a:avLst/>
@@ -13360,14 +13360,14 @@
       </p:sp>
       <p:sp>
         <p:nvSpPr>
-          <p:cNvPr id="233" name="正方形/長方形 18"/>
+          <p:cNvPr id="234" name="正方形/長方形 18"/>
           <p:cNvSpPr/>
           <p:nvPr/>
         </p:nvSpPr>
         <p:spPr>
           <a:xfrm>
             <a:off x="3240000" y="4500000"/>
-            <a:ext cx="898200" cy="358200"/>
+            <a:ext cx="897480" cy="357480"/>
           </a:xfrm>
           <a:prstGeom prst="rect">
             <a:avLst/>
@@ -13418,14 +13418,14 @@
       </p:sp>
       <p:sp>
         <p:nvSpPr>
-          <p:cNvPr id="234" name="正方形/長方形 19"/>
+          <p:cNvPr id="235" name="正方形/長方形 19"/>
           <p:cNvSpPr/>
           <p:nvPr/>
         </p:nvSpPr>
         <p:spPr>
           <a:xfrm>
             <a:off x="4320000" y="4500000"/>
-            <a:ext cx="898200" cy="358200"/>
+            <a:ext cx="897480" cy="357480"/>
           </a:xfrm>
           <a:prstGeom prst="rect">
             <a:avLst/>
@@ -13476,14 +13476,14 @@
       </p:sp>
       <p:sp>
         <p:nvSpPr>
-          <p:cNvPr id="235" name="正方形/長方形 20"/>
+          <p:cNvPr id="236" name="正方形/長方形 20"/>
           <p:cNvSpPr/>
           <p:nvPr/>
         </p:nvSpPr>
         <p:spPr>
           <a:xfrm>
             <a:off x="900000" y="4500000"/>
-            <a:ext cx="898200" cy="358200"/>
+            <a:ext cx="897480" cy="357480"/>
           </a:xfrm>
           <a:prstGeom prst="rect">
             <a:avLst/>
@@ -13534,14 +13534,14 @@
       </p:sp>
       <p:sp>
         <p:nvSpPr>
-          <p:cNvPr id="236" name="正方形/長方形 21"/>
+          <p:cNvPr id="237" name="正方形/長方形 21"/>
           <p:cNvSpPr/>
           <p:nvPr/>
         </p:nvSpPr>
         <p:spPr>
           <a:xfrm>
             <a:off x="5400000" y="4500000"/>
-            <a:ext cx="898200" cy="358200"/>
+            <a:ext cx="897480" cy="357480"/>
           </a:xfrm>
           <a:prstGeom prst="rect">
             <a:avLst/>
@@ -13592,14 +13592,14 @@
       </p:sp>
       <p:sp>
         <p:nvSpPr>
-          <p:cNvPr id="237" name="正方形/長方形 22"/>
+          <p:cNvPr id="238" name="正方形/長方形 22"/>
           <p:cNvSpPr/>
           <p:nvPr/>
         </p:nvSpPr>
         <p:spPr>
           <a:xfrm>
             <a:off x="900000" y="1585080"/>
-            <a:ext cx="5398200" cy="3273120"/>
+            <a:ext cx="5397480" cy="3272400"/>
           </a:xfrm>
           <a:prstGeom prst="rect">
             <a:avLst/>
@@ -13678,7 +13678,7 @@
       </p:grpSpPr>
       <p:sp>
         <p:nvSpPr>
-          <p:cNvPr id="238" name="PlaceHolder 1"/>
+          <p:cNvPr id="239" name="PlaceHolder 1"/>
           <p:cNvSpPr>
             <a:spLocks noGrp="1"/>
           </p:cNvSpPr>
@@ -13689,7 +13689,7 @@
         <p:spPr>
           <a:xfrm>
             <a:off x="504000" y="226080"/>
-            <a:ext cx="9069480" cy="944280"/>
+            <a:ext cx="9068760" cy="943560"/>
           </a:xfrm>
           <a:prstGeom prst="rect">
             <a:avLst/>
@@ -13734,14 +13734,14 @@
       </p:sp>
       <p:sp>
         <p:nvSpPr>
-          <p:cNvPr id="239" name="正方形/長方形 23"/>
+          <p:cNvPr id="240" name="正方形/長方形 23"/>
           <p:cNvSpPr/>
           <p:nvPr/>
         </p:nvSpPr>
         <p:spPr>
           <a:xfrm>
             <a:off x="720000" y="1440000"/>
-            <a:ext cx="5758200" cy="3598200"/>
+            <a:ext cx="5757480" cy="3597480"/>
           </a:xfrm>
           <a:prstGeom prst="rect">
             <a:avLst/>
@@ -13781,14 +13781,14 @@
       </p:sp>
       <p:sp>
         <p:nvSpPr>
-          <p:cNvPr id="240" name="正方形/長方形 24"/>
+          <p:cNvPr id="241" name="正方形/長方形 24"/>
           <p:cNvSpPr/>
           <p:nvPr/>
         </p:nvSpPr>
         <p:spPr>
           <a:xfrm>
             <a:off x="5400000" y="1980000"/>
-            <a:ext cx="898200" cy="358200"/>
+            <a:ext cx="897480" cy="357480"/>
           </a:xfrm>
           <a:prstGeom prst="rect">
             <a:avLst/>
@@ -13839,14 +13839,14 @@
       </p:sp>
       <p:sp>
         <p:nvSpPr>
-          <p:cNvPr id="241" name="正方形/長方形 25"/>
+          <p:cNvPr id="242" name="正方形/長方形 25"/>
           <p:cNvSpPr/>
           <p:nvPr/>
         </p:nvSpPr>
         <p:spPr>
           <a:xfrm>
             <a:off x="900000" y="1620000"/>
-            <a:ext cx="5398200" cy="718200"/>
+            <a:ext cx="5397480" cy="717480"/>
           </a:xfrm>
           <a:prstGeom prst="rect">
             <a:avLst/>
@@ -13895,14 +13895,14 @@
       </p:sp>
       <p:sp>
         <p:nvSpPr>
-          <p:cNvPr id="242" name="正方形/長方形 26"/>
+          <p:cNvPr id="243" name="正方形/長方形 26"/>
           <p:cNvSpPr/>
           <p:nvPr/>
         </p:nvSpPr>
         <p:spPr>
           <a:xfrm>
             <a:off x="900000" y="2520000"/>
-            <a:ext cx="5398200" cy="2338920"/>
+            <a:ext cx="5397480" cy="2338200"/>
           </a:xfrm>
           <a:prstGeom prst="rect">
             <a:avLst/>
@@ -13951,14 +13951,14 @@
       </p:sp>
       <p:sp>
         <p:nvSpPr>
-          <p:cNvPr id="243" name="正方形/長方形 27"/>
+          <p:cNvPr id="244" name="正方形/長方形 27"/>
           <p:cNvSpPr/>
           <p:nvPr/>
         </p:nvSpPr>
         <p:spPr>
           <a:xfrm>
             <a:off x="4680000" y="2880000"/>
-            <a:ext cx="1618200" cy="358200"/>
+            <a:ext cx="1617480" cy="357480"/>
           </a:xfrm>
           <a:prstGeom prst="rect">
             <a:avLst/>
@@ -14039,7 +14039,7 @@
       </p:grpSpPr>
       <p:sp>
         <p:nvSpPr>
-          <p:cNvPr id="244" name="PlaceHolder 1"/>
+          <p:cNvPr id="245" name="PlaceHolder 1"/>
           <p:cNvSpPr>
             <a:spLocks noGrp="1"/>
           </p:cNvSpPr>
@@ -14050,7 +14050,7 @@
         <p:spPr>
           <a:xfrm>
             <a:off x="504000" y="226080"/>
-            <a:ext cx="9069480" cy="944280"/>
+            <a:ext cx="9068760" cy="943560"/>
           </a:xfrm>
           <a:prstGeom prst="rect">
             <a:avLst/>
@@ -14095,14 +14095,14 @@
       </p:sp>
       <p:sp>
         <p:nvSpPr>
-          <p:cNvPr id="245" name="正方形/長方形 28"/>
+          <p:cNvPr id="246" name="正方形/長方形 28"/>
           <p:cNvSpPr/>
           <p:nvPr/>
         </p:nvSpPr>
         <p:spPr>
           <a:xfrm>
             <a:off x="720000" y="1440000"/>
-            <a:ext cx="5758200" cy="3598200"/>
+            <a:ext cx="5757480" cy="3597480"/>
           </a:xfrm>
           <a:prstGeom prst="rect">
             <a:avLst/>
@@ -14142,14 +14142,14 @@
       </p:sp>
       <p:sp>
         <p:nvSpPr>
-          <p:cNvPr id="246" name="正方形/長方形 29"/>
+          <p:cNvPr id="247" name="正方形/長方形 29"/>
           <p:cNvSpPr/>
           <p:nvPr/>
         </p:nvSpPr>
         <p:spPr>
           <a:xfrm>
             <a:off x="3240000" y="4500000"/>
-            <a:ext cx="898200" cy="358200"/>
+            <a:ext cx="897480" cy="357480"/>
           </a:xfrm>
           <a:prstGeom prst="rect">
             <a:avLst/>
@@ -14200,14 +14200,14 @@
       </p:sp>
       <p:sp>
         <p:nvSpPr>
-          <p:cNvPr id="247" name="正方形/長方形 30"/>
+          <p:cNvPr id="248" name="正方形/長方形 30"/>
           <p:cNvSpPr/>
           <p:nvPr/>
         </p:nvSpPr>
         <p:spPr>
           <a:xfrm>
             <a:off x="4320000" y="4500000"/>
-            <a:ext cx="898200" cy="358200"/>
+            <a:ext cx="897480" cy="357480"/>
           </a:xfrm>
           <a:prstGeom prst="rect">
             <a:avLst/>
@@ -14258,14 +14258,14 @@
       </p:sp>
       <p:sp>
         <p:nvSpPr>
-          <p:cNvPr id="248" name="正方形/長方形 31"/>
+          <p:cNvPr id="249" name="正方形/長方形 31"/>
           <p:cNvSpPr/>
           <p:nvPr/>
         </p:nvSpPr>
         <p:spPr>
           <a:xfrm>
             <a:off x="900000" y="4500000"/>
-            <a:ext cx="898200" cy="358200"/>
+            <a:ext cx="897480" cy="357480"/>
           </a:xfrm>
           <a:prstGeom prst="rect">
             <a:avLst/>
@@ -14316,14 +14316,14 @@
       </p:sp>
       <p:sp>
         <p:nvSpPr>
-          <p:cNvPr id="249" name="正方形/長方形 32"/>
+          <p:cNvPr id="250" name="正方形/長方形 32"/>
           <p:cNvSpPr/>
           <p:nvPr/>
         </p:nvSpPr>
         <p:spPr>
           <a:xfrm>
             <a:off x="5400000" y="4500000"/>
-            <a:ext cx="898200" cy="358200"/>
+            <a:ext cx="897480" cy="357480"/>
           </a:xfrm>
           <a:prstGeom prst="rect">
             <a:avLst/>
@@ -14374,14 +14374,14 @@
       </p:sp>
       <p:sp>
         <p:nvSpPr>
-          <p:cNvPr id="250" name="正方形/長方形 33"/>
+          <p:cNvPr id="251" name="正方形/長方形 33"/>
           <p:cNvSpPr/>
           <p:nvPr/>
         </p:nvSpPr>
         <p:spPr>
           <a:xfrm>
             <a:off x="900000" y="1585080"/>
-            <a:ext cx="5398200" cy="3273120"/>
+            <a:ext cx="5397480" cy="3272400"/>
           </a:xfrm>
           <a:prstGeom prst="rect">
             <a:avLst/>
@@ -14460,7 +14460,7 @@
       </p:grpSpPr>
       <p:sp>
         <p:nvSpPr>
-          <p:cNvPr id="251" name="PlaceHolder 1"/>
+          <p:cNvPr id="252" name="PlaceHolder 1"/>
           <p:cNvSpPr>
             <a:spLocks noGrp="1"/>
           </p:cNvSpPr>
@@ -14471,7 +14471,7 @@
         <p:spPr>
           <a:xfrm>
             <a:off x="504000" y="226080"/>
-            <a:ext cx="9069120" cy="943920"/>
+            <a:ext cx="9068400" cy="943200"/>
           </a:xfrm>
           <a:prstGeom prst="rect">
             <a:avLst/>
@@ -14515,14 +14515,14 @@
       </p:sp>
       <p:sp>
         <p:nvSpPr>
-          <p:cNvPr id="252" name=""/>
+          <p:cNvPr id="253" name=""/>
           <p:cNvSpPr/>
           <p:nvPr/>
         </p:nvSpPr>
         <p:spPr>
           <a:xfrm>
             <a:off x="720000" y="1440000"/>
-            <a:ext cx="5757840" cy="3597840"/>
+            <a:ext cx="5757120" cy="3597120"/>
           </a:xfrm>
           <a:prstGeom prst="rect">
             <a:avLst/>
@@ -14562,14 +14562,14 @@
       </p:sp>
       <p:sp>
         <p:nvSpPr>
-          <p:cNvPr id="253" name=""/>
+          <p:cNvPr id="254" name=""/>
           <p:cNvSpPr/>
           <p:nvPr/>
         </p:nvSpPr>
         <p:spPr>
           <a:xfrm>
             <a:off x="3240000" y="4500000"/>
-            <a:ext cx="897840" cy="357840"/>
+            <a:ext cx="897120" cy="357120"/>
           </a:xfrm>
           <a:prstGeom prst="rect">
             <a:avLst/>
@@ -14620,14 +14620,14 @@
       </p:sp>
       <p:sp>
         <p:nvSpPr>
-          <p:cNvPr id="254" name=""/>
+          <p:cNvPr id="255" name=""/>
           <p:cNvSpPr/>
           <p:nvPr/>
         </p:nvSpPr>
         <p:spPr>
           <a:xfrm>
             <a:off x="4320000" y="4500000"/>
-            <a:ext cx="897840" cy="357840"/>
+            <a:ext cx="897120" cy="357120"/>
           </a:xfrm>
           <a:prstGeom prst="rect">
             <a:avLst/>
@@ -14678,14 +14678,14 @@
       </p:sp>
       <p:sp>
         <p:nvSpPr>
-          <p:cNvPr id="255" name=""/>
+          <p:cNvPr id="256" name=""/>
           <p:cNvSpPr/>
           <p:nvPr/>
         </p:nvSpPr>
         <p:spPr>
           <a:xfrm>
             <a:off x="900000" y="4500000"/>
-            <a:ext cx="897840" cy="357840"/>
+            <a:ext cx="897120" cy="357120"/>
           </a:xfrm>
           <a:prstGeom prst="rect">
             <a:avLst/>
@@ -14736,14 +14736,14 @@
       </p:sp>
       <p:sp>
         <p:nvSpPr>
-          <p:cNvPr id="256" name=""/>
+          <p:cNvPr id="257" name=""/>
           <p:cNvSpPr/>
           <p:nvPr/>
         </p:nvSpPr>
         <p:spPr>
           <a:xfrm>
             <a:off x="5400000" y="4500000"/>
-            <a:ext cx="897840" cy="357840"/>
+            <a:ext cx="897120" cy="357120"/>
           </a:xfrm>
           <a:prstGeom prst="rect">
             <a:avLst/>
@@ -14794,14 +14794,14 @@
       </p:sp>
       <p:sp>
         <p:nvSpPr>
-          <p:cNvPr id="257" name=""/>
+          <p:cNvPr id="258" name=""/>
           <p:cNvSpPr/>
           <p:nvPr/>
         </p:nvSpPr>
         <p:spPr>
           <a:xfrm>
             <a:off x="900000" y="2160000"/>
-            <a:ext cx="5397840" cy="1257840"/>
+            <a:ext cx="5397120" cy="1257120"/>
           </a:xfrm>
           <a:prstGeom prst="rect">
             <a:avLst/>
@@ -14850,14 +14850,14 @@
       </p:sp>
       <p:sp>
         <p:nvSpPr>
-          <p:cNvPr id="258" name=""/>
+          <p:cNvPr id="259" name=""/>
           <p:cNvSpPr/>
           <p:nvPr/>
         </p:nvSpPr>
         <p:spPr>
           <a:xfrm>
             <a:off x="900000" y="1620000"/>
-            <a:ext cx="5397840" cy="357840"/>
+            <a:ext cx="5397120" cy="357120"/>
           </a:xfrm>
           <a:prstGeom prst="rect">
             <a:avLst/>
@@ -14906,14 +14906,14 @@
       </p:sp>
       <p:sp>
         <p:nvSpPr>
-          <p:cNvPr id="259" name=""/>
+          <p:cNvPr id="260" name=""/>
           <p:cNvSpPr/>
           <p:nvPr/>
         </p:nvSpPr>
         <p:spPr>
           <a:xfrm>
             <a:off x="900000" y="3600000"/>
-            <a:ext cx="5397840" cy="717840"/>
+            <a:ext cx="5397120" cy="717120"/>
           </a:xfrm>
           <a:prstGeom prst="rect">
             <a:avLst/>
@@ -14953,14 +14953,14 @@
       </p:sp>
       <p:sp>
         <p:nvSpPr>
-          <p:cNvPr id="260" name=""/>
+          <p:cNvPr id="261" name=""/>
           <p:cNvSpPr/>
           <p:nvPr/>
         </p:nvSpPr>
         <p:spPr>
           <a:xfrm>
             <a:off x="1080000" y="3780000"/>
-            <a:ext cx="1077840" cy="357840"/>
+            <a:ext cx="1077120" cy="357120"/>
           </a:xfrm>
           <a:prstGeom prst="rect">
             <a:avLst/>
@@ -15009,14 +15009,14 @@
       </p:sp>
       <p:sp>
         <p:nvSpPr>
-          <p:cNvPr id="261" name=""/>
+          <p:cNvPr id="262" name=""/>
           <p:cNvSpPr/>
           <p:nvPr/>
         </p:nvSpPr>
         <p:spPr>
           <a:xfrm>
             <a:off x="2340000" y="3780000"/>
-            <a:ext cx="1077840" cy="357840"/>
+            <a:ext cx="1077120" cy="357120"/>
           </a:xfrm>
           <a:prstGeom prst="rect">
             <a:avLst/>
@@ -15065,14 +15065,14 @@
       </p:sp>
       <p:sp>
         <p:nvSpPr>
-          <p:cNvPr id="262" name=""/>
+          <p:cNvPr id="263" name=""/>
           <p:cNvSpPr/>
           <p:nvPr/>
         </p:nvSpPr>
         <p:spPr>
           <a:xfrm>
             <a:off x="3600000" y="3780000"/>
-            <a:ext cx="1077840" cy="357840"/>
+            <a:ext cx="1077120" cy="357120"/>
           </a:xfrm>
           <a:prstGeom prst="rect">
             <a:avLst/>
@@ -15121,14 +15121,14 @@
       </p:sp>
       <p:sp>
         <p:nvSpPr>
-          <p:cNvPr id="263" name=""/>
+          <p:cNvPr id="264" name=""/>
           <p:cNvSpPr/>
           <p:nvPr/>
         </p:nvSpPr>
         <p:spPr>
           <a:xfrm>
             <a:off x="5040000" y="3780000"/>
-            <a:ext cx="1077840" cy="357840"/>
+            <a:ext cx="1077120" cy="357120"/>
           </a:xfrm>
           <a:prstGeom prst="rect">
             <a:avLst/>
@@ -15177,17 +15177,17 @@
       </p:sp>
       <p:cxnSp>
         <p:nvCxnSpPr>
-          <p:cNvPr id="264" name=""/>
+          <p:cNvPr id="265" name=""/>
           <p:cNvCxnSpPr>
-            <a:stCxn id="262" idx="3"/>
-            <a:endCxn id="263" idx="1"/>
+            <a:stCxn id="263" idx="3"/>
+            <a:endCxn id="264" idx="1"/>
           </p:cNvCxnSpPr>
           <p:nvPr/>
         </p:nvCxnSpPr>
         <p:spPr>
           <a:xfrm>
-            <a:off x="4677840" y="3958920"/>
-            <a:ext cx="362520" cy="360"/>
+            <a:off x="4677120" y="3958560"/>
+            <a:ext cx="363240" cy="360"/>
           </a:xfrm>
           <a:prstGeom prst="straightConnector1">
             <a:avLst/>
@@ -15232,7 +15232,7 @@
       </p:grpSpPr>
       <p:sp>
         <p:nvSpPr>
-          <p:cNvPr id="265" name="PlaceHolder 1"/>
+          <p:cNvPr id="266" name="PlaceHolder 1"/>
           <p:cNvSpPr>
             <a:spLocks noGrp="1"/>
           </p:cNvSpPr>
@@ -15243,7 +15243,7 @@
         <p:spPr>
           <a:xfrm>
             <a:off x="504000" y="226080"/>
-            <a:ext cx="9069120" cy="943920"/>
+            <a:ext cx="9068400" cy="943200"/>
           </a:xfrm>
           <a:prstGeom prst="rect">
             <a:avLst/>
@@ -15287,14 +15287,14 @@
       </p:sp>
       <p:sp>
         <p:nvSpPr>
-          <p:cNvPr id="266" name=""/>
+          <p:cNvPr id="267" name=""/>
           <p:cNvSpPr/>
           <p:nvPr/>
         </p:nvSpPr>
         <p:spPr>
           <a:xfrm>
             <a:off x="720000" y="1440000"/>
-            <a:ext cx="5757840" cy="3597840"/>
+            <a:ext cx="5757120" cy="3597120"/>
           </a:xfrm>
           <a:prstGeom prst="rect">
             <a:avLst/>
@@ -15334,14 +15334,14 @@
       </p:sp>
       <p:sp>
         <p:nvSpPr>
-          <p:cNvPr id="267" name=""/>
+          <p:cNvPr id="268" name=""/>
           <p:cNvSpPr/>
           <p:nvPr/>
         </p:nvSpPr>
         <p:spPr>
           <a:xfrm>
             <a:off x="5400000" y="1980000"/>
-            <a:ext cx="897840" cy="357840"/>
+            <a:ext cx="897120" cy="357120"/>
           </a:xfrm>
           <a:prstGeom prst="rect">
             <a:avLst/>
@@ -15392,14 +15392,14 @@
       </p:sp>
       <p:sp>
         <p:nvSpPr>
-          <p:cNvPr id="268" name=""/>
+          <p:cNvPr id="269" name=""/>
           <p:cNvSpPr/>
           <p:nvPr/>
         </p:nvSpPr>
         <p:spPr>
           <a:xfrm>
             <a:off x="900000" y="1620000"/>
-            <a:ext cx="5397840" cy="717840"/>
+            <a:ext cx="5397120" cy="717120"/>
           </a:xfrm>
           <a:prstGeom prst="rect">
             <a:avLst/>
@@ -15448,14 +15448,14 @@
       </p:sp>
       <p:sp>
         <p:nvSpPr>
-          <p:cNvPr id="269" name=""/>
+          <p:cNvPr id="270" name=""/>
           <p:cNvSpPr/>
           <p:nvPr/>
         </p:nvSpPr>
         <p:spPr>
           <a:xfrm>
             <a:off x="900000" y="2520000"/>
-            <a:ext cx="5397840" cy="2337840"/>
+            <a:ext cx="5397120" cy="2337120"/>
           </a:xfrm>
           <a:prstGeom prst="rect">
             <a:avLst/>
@@ -15492,6 +15492,59 @@
                 <a:ea typeface="DejaVu Sans"/>
               </a:rPr>
               <a:t>一覧</a:t>
+            </a:r>
+            <a:endParaRPr b="0" lang="en-US" sz="1800" spc="-1" strike="noStrike">
+              <a:solidFill>
+                <a:srgbClr val="000000"/>
+              </a:solidFill>
+              <a:latin typeface="Arial"/>
+            </a:endParaRPr>
+          </a:p>
+        </p:txBody>
+      </p:sp>
+      <p:sp>
+        <p:nvSpPr>
+          <p:cNvPr id="271" name=""/>
+          <p:cNvSpPr/>
+          <p:nvPr/>
+        </p:nvSpPr>
+        <p:spPr>
+          <a:xfrm>
+            <a:off x="2700000" y="1260000"/>
+            <a:ext cx="5580000" cy="3240000"/>
+          </a:xfrm>
+          <a:prstGeom prst="rect">
+            <a:avLst/>
+          </a:prstGeom>
+          <a:solidFill>
+            <a:schemeClr val="accent1"/>
+          </a:solidFill>
+          <a:ln w="0">
+            <a:solidFill>
+              <a:srgbClr val="254061"/>
+            </a:solidFill>
+          </a:ln>
+        </p:spPr>
+        <p:style>
+          <a:lnRef idx="0"/>
+          <a:fillRef idx="0"/>
+          <a:effectRef idx="0"/>
+          <a:fontRef idx="minor"/>
+        </p:style>
+        <p:txBody>
+          <a:bodyPr lIns="90000" rIns="90000" tIns="45000" bIns="45000" anchor="ctr">
+            <a:noAutofit/>
+          </a:bodyPr>
+          <a:p>
+            <a:pPr algn="ctr"/>
+            <a:r>
+              <a:rPr b="0" lang="ja-JP" sz="1800" spc="-1" strike="noStrike">
+                <a:solidFill>
+                  <a:srgbClr val="000000"/>
+                </a:solidFill>
+                <a:latin typeface="Arial"/>
+              </a:rPr>
+              <a:t>製品検索画面と一緒でいい</a:t>
             </a:r>
             <a:endParaRPr b="0" lang="en-US" sz="1800" spc="-1" strike="noStrike">
               <a:solidFill>
@@ -15534,7 +15587,7 @@
       </p:grpSpPr>
       <p:sp>
         <p:nvSpPr>
-          <p:cNvPr id="270" name="PlaceHolder 1"/>
+          <p:cNvPr id="272" name="PlaceHolder 1"/>
           <p:cNvSpPr>
             <a:spLocks noGrp="1"/>
           </p:cNvSpPr>
@@ -15545,7 +15598,7 @@
         <p:spPr>
           <a:xfrm>
             <a:off x="504000" y="226080"/>
-            <a:ext cx="9069120" cy="943920"/>
+            <a:ext cx="9068400" cy="943200"/>
           </a:xfrm>
           <a:prstGeom prst="rect">
             <a:avLst/>
@@ -15598,7 +15651,7 @@
       </p:sp>
       <p:sp>
         <p:nvSpPr>
-          <p:cNvPr id="271" name="PlaceHolder 2"/>
+          <p:cNvPr id="273" name="PlaceHolder 2"/>
           <p:cNvSpPr>
             <a:spLocks noGrp="1"/>
           </p:cNvSpPr>
@@ -15609,7 +15662,7 @@
         <p:spPr>
           <a:xfrm>
             <a:off x="504000" y="1326600"/>
-            <a:ext cx="9069120" cy="3285720"/>
+            <a:ext cx="9068400" cy="3285000"/>
           </a:xfrm>
           <a:prstGeom prst="rect">
             <a:avLst/>
@@ -15621,10 +15674,10 @@
         </p:spPr>
         <p:txBody>
           <a:bodyPr lIns="0" rIns="0" tIns="0" bIns="0" anchor="t">
-            <a:normAutofit fontScale="78000"/>
-          </a:bodyPr>
-          <a:p>
-            <a:pPr marL="336960" indent="-252720">
+            <a:normAutofit fontScale="52000"/>
+          </a:bodyPr>
+          <a:p>
+            <a:pPr marL="224640" indent="-168480">
               <a:lnSpc>
                 <a:spcPct val="100000"/>
               </a:lnSpc>
@@ -15655,7 +15708,7 @@
             </a:endParaRPr>
           </a:p>
           <a:p>
-            <a:pPr marL="336960" indent="-252720">
+            <a:pPr marL="224640" indent="-168480">
               <a:lnSpc>
                 <a:spcPct val="100000"/>
               </a:lnSpc>
@@ -15686,7 +15739,7 @@
             </a:endParaRPr>
           </a:p>
           <a:p>
-            <a:pPr marL="336960" indent="-252720">
+            <a:pPr marL="224640" indent="-168480">
               <a:lnSpc>
                 <a:spcPct val="100000"/>
               </a:lnSpc>
@@ -15707,17 +15760,7 @@
                 </a:solidFill>
                 <a:latin typeface="Arial"/>
               </a:rPr>
-              <a:t>その他</a:t>
-            </a:r>
-            <a:r>
-              <a:rPr b="0" lang="ja-JP" sz="3200" spc="-1" strike="noStrike">
-                <a:solidFill>
-                  <a:srgbClr val="000000"/>
-                </a:solidFill>
-                <a:latin typeface="Arial"/>
-                <a:ea typeface="游ゴシック"/>
-              </a:rPr>
-              <a:t>（メーカー、スケール、ジャンル、部署など）のマスター・・・画面は作らない</a:t>
+              <a:t>メーカーマスター</a:t>
             </a:r>
             <a:endParaRPr b="0" lang="en-US" sz="3200" spc="-1" strike="noStrike">
               <a:solidFill>
@@ -15727,7 +15770,7 @@
             </a:endParaRPr>
           </a:p>
           <a:p>
-            <a:pPr marL="336960" indent="-252720">
+            <a:pPr marL="224640" indent="-168480">
               <a:lnSpc>
                 <a:spcPct val="100000"/>
               </a:lnSpc>
@@ -15747,9 +15790,8 @@
                   <a:srgbClr val="000000"/>
                 </a:solidFill>
                 <a:latin typeface="Arial"/>
-                <a:ea typeface="游ゴシック"/>
-              </a:rPr>
-              <a:t>（エリアマスター）→その他マスターに統合？</a:t>
+              </a:rPr>
+              <a:t>スケールマスター</a:t>
             </a:r>
             <a:endParaRPr b="0" lang="en-US" sz="3200" spc="-1" strike="noStrike">
               <a:solidFill>
@@ -15759,7 +15801,7 @@
             </a:endParaRPr>
           </a:p>
           <a:p>
-            <a:pPr marL="336960" indent="-252720">
+            <a:pPr marL="224640" indent="-168480">
               <a:lnSpc>
                 <a:spcPct val="100000"/>
               </a:lnSpc>
@@ -15779,9 +15821,8 @@
                   <a:srgbClr val="000000"/>
                 </a:solidFill>
                 <a:latin typeface="Arial"/>
-                <a:ea typeface="游ゴシック"/>
-              </a:rPr>
-              <a:t>入出庫データ</a:t>
+              </a:rPr>
+              <a:t>ジャンルマスター</a:t>
             </a:r>
             <a:endParaRPr b="0" lang="en-US" sz="3200" spc="-1" strike="noStrike">
               <a:solidFill>
@@ -15791,7 +15832,7 @@
             </a:endParaRPr>
           </a:p>
           <a:p>
-            <a:pPr marL="336960" indent="-252720">
+            <a:pPr marL="224640" indent="-168480">
               <a:lnSpc>
                 <a:spcPct val="100000"/>
               </a:lnSpc>
@@ -15811,15 +15852,290 @@
                   <a:srgbClr val="000000"/>
                 </a:solidFill>
                 <a:latin typeface="Arial"/>
+              </a:rPr>
+              <a:t>部署マスター</a:t>
+            </a:r>
+            <a:endParaRPr b="0" lang="en-US" sz="3200" spc="-1" strike="noStrike">
+              <a:solidFill>
+                <a:srgbClr val="000000"/>
+              </a:solidFill>
+              <a:latin typeface="Arial"/>
+            </a:endParaRPr>
+          </a:p>
+          <a:p>
+            <a:pPr marL="224640" indent="-168480">
+              <a:lnSpc>
+                <a:spcPct val="100000"/>
+              </a:lnSpc>
+              <a:spcBef>
+                <a:spcPts val="1417"/>
+              </a:spcBef>
+              <a:buClr>
+                <a:srgbClr val="000000"/>
+              </a:buClr>
+              <a:buSzPct val="45000"/>
+              <a:buFont typeface="Wingdings" charset="2"/>
+              <a:buChar char=""/>
+            </a:pPr>
+            <a:r>
+              <a:rPr b="0" lang="ja-JP" sz="3200" spc="-1" strike="noStrike">
+                <a:solidFill>
+                  <a:srgbClr val="000000"/>
+                </a:solidFill>
+                <a:latin typeface="Arial"/>
                 <a:ea typeface="游ゴシック"/>
               </a:rPr>
-              <a:t>アクセスログ</a:t>
+              <a:t>（エリアマスター）→その他マスターに統合？</a:t>
             </a:r>
             <a:endParaRPr b="0" lang="en-US" sz="3200" spc="-1" strike="noStrike">
               <a:solidFill>
                 <a:srgbClr val="000000"/>
               </a:solidFill>
               <a:latin typeface="Arial"/>
+            </a:endParaRPr>
+          </a:p>
+          <a:p>
+            <a:pPr marL="224640" indent="-168480">
+              <a:lnSpc>
+                <a:spcPct val="100000"/>
+              </a:lnSpc>
+              <a:spcBef>
+                <a:spcPts val="1417"/>
+              </a:spcBef>
+              <a:buClr>
+                <a:srgbClr val="000000"/>
+              </a:buClr>
+              <a:buSzPct val="45000"/>
+              <a:buFont typeface="Wingdings" charset="2"/>
+              <a:buChar char=""/>
+            </a:pPr>
+            <a:r>
+              <a:rPr b="0" lang="ja-JP" sz="3200" spc="-1" strike="noStrike">
+                <a:solidFill>
+                  <a:srgbClr val="000000"/>
+                </a:solidFill>
+                <a:latin typeface="Arial"/>
+                <a:ea typeface="游ゴシック"/>
+              </a:rPr>
+              <a:t>入出庫データ</a:t>
+            </a:r>
+            <a:endParaRPr b="0" lang="en-US" sz="3200" spc="-1" strike="noStrike">
+              <a:solidFill>
+                <a:srgbClr val="000000"/>
+              </a:solidFill>
+              <a:latin typeface="Arial"/>
+            </a:endParaRPr>
+          </a:p>
+          <a:p>
+            <a:pPr marL="224640" indent="-168480">
+              <a:lnSpc>
+                <a:spcPct val="100000"/>
+              </a:lnSpc>
+              <a:spcBef>
+                <a:spcPts val="1417"/>
+              </a:spcBef>
+              <a:buClr>
+                <a:srgbClr val="000000"/>
+              </a:buClr>
+              <a:buSzPct val="45000"/>
+              <a:buFont typeface="Wingdings" charset="2"/>
+              <a:buChar char=""/>
+            </a:pPr>
+            <a:r>
+              <a:rPr b="0" lang="ja-JP" sz="3200" spc="-1" strike="noStrike">
+                <a:solidFill>
+                  <a:srgbClr val="000000"/>
+                </a:solidFill>
+                <a:latin typeface="Arial"/>
+                <a:ea typeface="游ゴシック"/>
+              </a:rPr>
+              <a:t>在庫データ</a:t>
+            </a:r>
+            <a:r>
+              <a:rPr b="0" lang="en-US" sz="3200" spc="-1" strike="noStrike">
+                <a:solidFill>
+                  <a:srgbClr val="000000"/>
+                </a:solidFill>
+                <a:latin typeface="Arial"/>
+                <a:ea typeface="游ゴシック"/>
+              </a:rPr>
+              <a:t>(</a:t>
+            </a:r>
+            <a:r>
+              <a:rPr b="0" lang="ja-JP" sz="3200" spc="-1" strike="noStrike">
+                <a:solidFill>
+                  <a:srgbClr val="000000"/>
+                </a:solidFill>
+                <a:latin typeface="Arial"/>
+                <a:ea typeface="游ゴシック"/>
+              </a:rPr>
+              <a:t>製品</a:t>
+            </a:r>
+            <a:r>
+              <a:rPr b="0" lang="en-US" sz="3200" spc="-1" strike="noStrike">
+                <a:solidFill>
+                  <a:srgbClr val="000000"/>
+                </a:solidFill>
+                <a:latin typeface="Arial"/>
+                <a:ea typeface="游ゴシック"/>
+              </a:rPr>
+              <a:t>ID</a:t>
+            </a:r>
+            <a:r>
+              <a:rPr b="0" lang="ja-JP" sz="3200" spc="-1" strike="noStrike">
+                <a:solidFill>
+                  <a:srgbClr val="000000"/>
+                </a:solidFill>
+                <a:latin typeface="Arial"/>
+                <a:ea typeface="游ゴシック"/>
+              </a:rPr>
+              <a:t>で紐づけ、入出庫データとともに更新</a:t>
+            </a:r>
+            <a:r>
+              <a:rPr b="0" lang="en-US" sz="3200" spc="-1" strike="noStrike">
+                <a:solidFill>
+                  <a:srgbClr val="000000"/>
+                </a:solidFill>
+                <a:latin typeface="Arial"/>
+                <a:ea typeface="游ゴシック"/>
+              </a:rPr>
+              <a:t>)</a:t>
+            </a:r>
+            <a:endParaRPr b="0" lang="en-US" sz="3200" spc="-1" strike="noStrike">
+              <a:solidFill>
+                <a:srgbClr val="000000"/>
+              </a:solidFill>
+              <a:latin typeface="Arial"/>
+            </a:endParaRPr>
+          </a:p>
+          <a:p>
+            <a:pPr marL="224640" indent="-168480">
+              <a:lnSpc>
+                <a:spcPct val="100000"/>
+              </a:lnSpc>
+              <a:spcBef>
+                <a:spcPts val="1417"/>
+              </a:spcBef>
+              <a:buClr>
+                <a:srgbClr val="000000"/>
+              </a:buClr>
+              <a:buSzPct val="45000"/>
+              <a:buFont typeface="Wingdings" charset="2"/>
+              <a:buChar char=""/>
+            </a:pPr>
+            <a:r>
+              <a:rPr b="0" lang="ja-JP" sz="3200" spc="-1" strike="noStrike">
+                <a:solidFill>
+                  <a:srgbClr val="000000"/>
+                </a:solidFill>
+                <a:latin typeface="Arial"/>
+                <a:ea typeface="游ゴシック"/>
+              </a:rPr>
+              <a:t>アクセスログデータ</a:t>
+            </a:r>
+            <a:endParaRPr b="0" lang="en-US" sz="3200" spc="-1" strike="noStrike">
+              <a:solidFill>
+                <a:srgbClr val="000000"/>
+              </a:solidFill>
+              <a:latin typeface="Arial"/>
+            </a:endParaRPr>
+          </a:p>
+        </p:txBody>
+      </p:sp>
+      <p:sp>
+        <p:nvSpPr>
+          <p:cNvPr id="274" name=""/>
+          <p:cNvSpPr/>
+          <p:nvPr/>
+        </p:nvSpPr>
+        <p:spPr>
+          <a:xfrm>
+            <a:off x="180000" y="4500000"/>
+            <a:ext cx="539640" cy="359640"/>
+          </a:xfrm>
+          <a:prstGeom prst="rect">
+            <a:avLst/>
+          </a:prstGeom>
+          <a:solidFill>
+            <a:srgbClr val="808080"/>
+          </a:solidFill>
+          <a:ln w="0">
+            <a:solidFill>
+              <a:srgbClr val="254061"/>
+            </a:solidFill>
+          </a:ln>
+        </p:spPr>
+        <p:style>
+          <a:lnRef idx="0"/>
+          <a:fillRef idx="0"/>
+          <a:effectRef idx="0"/>
+          <a:fontRef idx="minor"/>
+        </p:style>
+        <p:txBody>
+          <a:bodyPr lIns="90000" rIns="90000" tIns="45000" bIns="45000" anchor="ctr">
+            <a:noAutofit/>
+          </a:bodyPr>
+          <a:p>
+            <a:pPr>
+              <a:lnSpc>
+                <a:spcPct val="100000"/>
+              </a:lnSpc>
+            </a:pPr>
+            <a:endParaRPr b="0" lang="en-US" sz="1800" spc="-1" strike="noStrike">
+              <a:solidFill>
+                <a:srgbClr val="000000"/>
+              </a:solidFill>
+              <a:latin typeface="Arial"/>
+              <a:ea typeface="DejaVu Sans"/>
+            </a:endParaRPr>
+          </a:p>
+        </p:txBody>
+      </p:sp>
+      <p:sp>
+        <p:nvSpPr>
+          <p:cNvPr id="275" name=""/>
+          <p:cNvSpPr/>
+          <p:nvPr/>
+        </p:nvSpPr>
+        <p:spPr>
+          <a:xfrm>
+            <a:off x="180000" y="3060000"/>
+            <a:ext cx="539640" cy="719640"/>
+          </a:xfrm>
+          <a:prstGeom prst="rect">
+            <a:avLst/>
+          </a:prstGeom>
+          <a:solidFill>
+            <a:srgbClr val="808080"/>
+          </a:solidFill>
+          <a:ln w="0">
+            <a:solidFill>
+              <a:srgbClr val="254061"/>
+            </a:solidFill>
+          </a:ln>
+        </p:spPr>
+        <p:style>
+          <a:lnRef idx="0"/>
+          <a:fillRef idx="0"/>
+          <a:effectRef idx="0"/>
+          <a:fontRef idx="minor"/>
+        </p:style>
+        <p:txBody>
+          <a:bodyPr lIns="90000" rIns="90000" tIns="45000" bIns="45000" anchor="ctr">
+            <a:noAutofit/>
+          </a:bodyPr>
+          <a:p>
+            <a:pPr>
+              <a:lnSpc>
+                <a:spcPct val="100000"/>
+              </a:lnSpc>
+            </a:pPr>
+            <a:endParaRPr b="0" lang="en-US" sz="1800" spc="-1" strike="noStrike">
+              <a:solidFill>
+                <a:srgbClr val="000000"/>
+              </a:solidFill>
+              <a:latin typeface="Arial"/>
+              <a:ea typeface="DejaVu Sans"/>
             </a:endParaRPr>
           </a:p>
         </p:txBody>
@@ -15867,7 +16183,7 @@
         <p:spPr>
           <a:xfrm>
             <a:off x="504000" y="226080"/>
-            <a:ext cx="9069120" cy="943920"/>
+            <a:ext cx="9068400" cy="943200"/>
           </a:xfrm>
           <a:prstGeom prst="rect">
             <a:avLst/>
@@ -15922,7 +16238,7 @@
         <p:spPr>
           <a:xfrm>
             <a:off x="504000" y="1326600"/>
-            <a:ext cx="9069120" cy="3285720"/>
+            <a:ext cx="9068400" cy="3285000"/>
           </a:xfrm>
           <a:prstGeom prst="rect">
             <a:avLst/>
@@ -16012,7 +16328,7 @@
         <p:spPr>
           <a:xfrm>
             <a:off x="504000" y="226080"/>
-            <a:ext cx="9069120" cy="943920"/>
+            <a:ext cx="9068400" cy="943200"/>
           </a:xfrm>
           <a:prstGeom prst="rect">
             <a:avLst/>
@@ -16067,7 +16383,7 @@
         <p:spPr>
           <a:xfrm>
             <a:off x="504000" y="1326600"/>
-            <a:ext cx="9069120" cy="4070880"/>
+            <a:ext cx="9068400" cy="4070160"/>
           </a:xfrm>
           <a:prstGeom prst="rect">
             <a:avLst/>
@@ -16603,7 +16919,7 @@
         <p:spPr>
           <a:xfrm>
             <a:off x="6120000" y="1326600"/>
-            <a:ext cx="3057840" cy="345960"/>
+            <a:ext cx="3057120" cy="345240"/>
           </a:xfrm>
           <a:prstGeom prst="rect">
             <a:avLst/>
@@ -16701,7 +17017,7 @@
         <p:spPr>
           <a:xfrm>
             <a:off x="504000" y="226080"/>
-            <a:ext cx="9069120" cy="943920"/>
+            <a:ext cx="9068400" cy="943200"/>
           </a:xfrm>
           <a:prstGeom prst="rect">
             <a:avLst/>
@@ -16756,7 +17072,7 @@
         <p:spPr>
           <a:xfrm>
             <a:off x="504000" y="1326600"/>
-            <a:ext cx="9069120" cy="3710880"/>
+            <a:ext cx="9068400" cy="3710160"/>
           </a:xfrm>
           <a:prstGeom prst="rect">
             <a:avLst/>
@@ -17063,7 +17379,7 @@
         <p:spPr>
           <a:xfrm>
             <a:off x="504000" y="226080"/>
-            <a:ext cx="9069120" cy="943920"/>
+            <a:ext cx="9068400" cy="943200"/>
           </a:xfrm>
           <a:prstGeom prst="rect">
             <a:avLst/>
@@ -17114,7 +17430,7 @@
         <p:spPr>
           <a:xfrm>
             <a:off x="720000" y="1440000"/>
-            <a:ext cx="1437840" cy="717840"/>
+            <a:ext cx="1437120" cy="717120"/>
           </a:xfrm>
           <a:prstGeom prst="rect">
             <a:avLst/>
@@ -17172,7 +17488,7 @@
         <p:spPr>
           <a:xfrm>
             <a:off x="3600000" y="1440000"/>
-            <a:ext cx="1437840" cy="717840"/>
+            <a:ext cx="1437120" cy="717120"/>
           </a:xfrm>
           <a:prstGeom prst="rect">
             <a:avLst/>
@@ -17232,8 +17548,8 @@
         </p:nvCxnSpPr>
         <p:spPr>
           <a:xfrm>
-            <a:off x="2157840" y="1798920"/>
-            <a:ext cx="1442520" cy="360"/>
+            <a:off x="2157120" y="1798560"/>
+            <a:ext cx="1443240" cy="360"/>
           </a:xfrm>
           <a:prstGeom prst="bentConnector2">
             <a:avLst/>
@@ -17254,7 +17570,7 @@
         <p:spPr>
           <a:xfrm>
             <a:off x="4320000" y="3240000"/>
-            <a:ext cx="1437840" cy="717840"/>
+            <a:ext cx="1437120" cy="717120"/>
           </a:xfrm>
           <a:prstGeom prst="rect">
             <a:avLst/>
@@ -17335,7 +17651,7 @@
         <p:spPr>
           <a:xfrm>
             <a:off x="2340000" y="3240000"/>
-            <a:ext cx="1437840" cy="1077840"/>
+            <a:ext cx="1437120" cy="1077120"/>
           </a:xfrm>
           <a:prstGeom prst="rect">
             <a:avLst/>
@@ -17416,7 +17732,7 @@
         <p:spPr>
           <a:xfrm>
             <a:off x="720000" y="3240000"/>
-            <a:ext cx="1437840" cy="1077840"/>
+            <a:ext cx="1437120" cy="1077120"/>
           </a:xfrm>
           <a:prstGeom prst="rect">
             <a:avLst/>
@@ -17497,7 +17813,7 @@
         <p:spPr>
           <a:xfrm>
             <a:off x="6120000" y="4140000"/>
-            <a:ext cx="1437840" cy="717840"/>
+            <a:ext cx="1437120" cy="717120"/>
           </a:xfrm>
           <a:prstGeom prst="rect">
             <a:avLst/>
@@ -17578,7 +17894,7 @@
         <p:spPr>
           <a:xfrm>
             <a:off x="8100000" y="3240000"/>
-            <a:ext cx="1437840" cy="1077840"/>
+            <a:ext cx="1437120" cy="1077120"/>
           </a:xfrm>
           <a:prstGeom prst="rect">
             <a:avLst/>
@@ -17661,12 +17977,12 @@
         </p:nvCxnSpPr>
         <p:spPr>
           <a:xfrm rot="5400000">
-            <a:off x="2337840" y="1258920"/>
-            <a:ext cx="1082520" cy="2880360"/>
+            <a:off x="2337120" y="1258560"/>
+            <a:ext cx="1083240" cy="2880360"/>
           </a:xfrm>
           <a:prstGeom prst="bentConnector3">
             <a:avLst>
-              <a:gd name="adj1" fmla="val 50099"/>
+              <a:gd name="adj1" fmla="val 50132"/>
             </a:avLst>
           </a:prstGeom>
           <a:ln w="0">
@@ -17687,12 +18003,12 @@
         </p:nvCxnSpPr>
         <p:spPr>
           <a:xfrm rot="5400000">
-            <a:off x="3147840" y="2068920"/>
-            <a:ext cx="1082520" cy="1260360"/>
+            <a:off x="3147120" y="2068560"/>
+            <a:ext cx="1083240" cy="1260360"/>
           </a:xfrm>
           <a:prstGeom prst="bentConnector3">
             <a:avLst>
-              <a:gd name="adj1" fmla="val 50099"/>
+              <a:gd name="adj1" fmla="val 50132"/>
             </a:avLst>
           </a:prstGeom>
           <a:ln w="0">
@@ -17713,12 +18029,12 @@
         </p:nvCxnSpPr>
         <p:spPr>
           <a:xfrm flipH="1" rot="16200000">
-            <a:off x="4137840" y="2338920"/>
-            <a:ext cx="1082520" cy="720360"/>
+            <a:off x="4137120" y="2338560"/>
+            <a:ext cx="1083240" cy="720360"/>
           </a:xfrm>
           <a:prstGeom prst="bentConnector3">
             <a:avLst>
-              <a:gd name="adj1" fmla="val 50099"/>
+              <a:gd name="adj1" fmla="val 50132"/>
             </a:avLst>
           </a:prstGeom>
           <a:ln w="0">
@@ -17739,8 +18055,8 @@
         </p:nvCxnSpPr>
         <p:spPr>
           <a:xfrm>
-            <a:off x="5757840" y="3598920"/>
-            <a:ext cx="1081440" cy="541440"/>
+            <a:off x="5757120" y="3598560"/>
+            <a:ext cx="1081800" cy="541800"/>
           </a:xfrm>
           <a:prstGeom prst="bentConnector2">
             <a:avLst/>
@@ -17763,12 +18079,12 @@
         </p:nvCxnSpPr>
         <p:spPr>
           <a:xfrm flipH="1" rot="16200000">
-            <a:off x="6027840" y="448920"/>
-            <a:ext cx="1082520" cy="4500360"/>
+            <a:off x="6027120" y="448560"/>
+            <a:ext cx="1083240" cy="4500360"/>
           </a:xfrm>
           <a:prstGeom prst="bentConnector3">
             <a:avLst>
-              <a:gd name="adj1" fmla="val 50099"/>
+              <a:gd name="adj1" fmla="val 50132"/>
             </a:avLst>
           </a:prstGeom>
           <a:ln w="0">
@@ -17787,7 +18103,7 @@
         <p:spPr>
           <a:xfrm>
             <a:off x="540000" y="3060000"/>
-            <a:ext cx="3417840" cy="1977840"/>
+            <a:ext cx="3417120" cy="1977120"/>
           </a:xfrm>
           <a:prstGeom prst="rect">
             <a:avLst/>
@@ -17908,7 +18224,7 @@
         <p:spPr>
           <a:xfrm>
             <a:off x="4140000" y="3060000"/>
-            <a:ext cx="3597840" cy="1977840"/>
+            <a:ext cx="3597120" cy="1977120"/>
           </a:xfrm>
           <a:prstGeom prst="rect">
             <a:avLst/>
@@ -18029,7 +18345,7 @@
         <p:spPr>
           <a:xfrm>
             <a:off x="7920000" y="3060000"/>
-            <a:ext cx="1797840" cy="1977840"/>
+            <a:ext cx="1797120" cy="1977120"/>
           </a:xfrm>
           <a:prstGeom prst="rect">
             <a:avLst/>
@@ -18150,7 +18466,7 @@
         <p:spPr>
           <a:xfrm>
             <a:off x="5580000" y="720000"/>
-            <a:ext cx="2517840" cy="1257840"/>
+            <a:ext cx="2517120" cy="1257120"/>
           </a:xfrm>
           <a:prstGeom prst="wedgeRoundRectCallout">
             <a:avLst>
@@ -18211,8 +18527,8 @@
         </p:nvSpPr>
         <p:spPr>
           <a:xfrm rot="18900000">
-            <a:off x="2338920" y="720000"/>
-            <a:ext cx="4499280" cy="4317840"/>
+            <a:off x="2338560" y="720000"/>
+            <a:ext cx="4498560" cy="4317120"/>
           </a:xfrm>
           <a:prstGeom prst="plus">
             <a:avLst>
@@ -18297,7 +18613,7 @@
         <p:spPr>
           <a:xfrm>
             <a:off x="504000" y="226080"/>
-            <a:ext cx="9069120" cy="943920"/>
+            <a:ext cx="9068400" cy="943200"/>
           </a:xfrm>
           <a:prstGeom prst="rect">
             <a:avLst/>
@@ -18328,7 +18644,7 @@
                 </a:solidFill>
                 <a:latin typeface="Arial"/>
               </a:rPr>
-              <a:t>画面遷移案</a:t>
+              <a:t>画面遷移</a:t>
             </a:r>
             <a:endParaRPr b="0" lang="en-US" sz="4400" spc="-1" strike="noStrike">
               <a:solidFill>
@@ -18347,8 +18663,8 @@
         </p:nvSpPr>
         <p:spPr>
           <a:xfrm>
-            <a:off x="900000" y="1440000"/>
-            <a:ext cx="7806600" cy="3433680"/>
+            <a:off x="900000" y="720000"/>
+            <a:ext cx="7805880" cy="3432960"/>
           </a:xfrm>
           <a:prstGeom prst="rect">
             <a:avLst/>
@@ -18382,7 +18698,17 @@
                 <a:latin typeface="Arial"/>
                 <a:ea typeface="DejaVu Sans"/>
               </a:rPr>
-              <a:t>ログイン</a:t>
+              <a:t>ログイン </a:t>
+            </a:r>
+            <a:r>
+              <a:rPr b="0" lang="en-US" sz="1800" spc="-1" strike="noStrike">
+                <a:solidFill>
+                  <a:srgbClr val="000000"/>
+                </a:solidFill>
+                <a:latin typeface="Arial"/>
+                <a:ea typeface="DejaVu Sans"/>
+              </a:rPr>
+              <a:t>1</a:t>
             </a:r>
             <a:endParaRPr b="0" lang="en-US" sz="1800" spc="-1" strike="noStrike">
               <a:solidFill>
@@ -18425,7 +18751,7 @@
                 <a:latin typeface="Arial"/>
                 <a:ea typeface="DejaVu Sans"/>
               </a:rPr>
-              <a:t>メニューバー</a:t>
+              <a:t>ヘッダ </a:t>
             </a:r>
             <a:r>
               <a:rPr b="0" lang="en-US" sz="1800" spc="-1" strike="noStrike">
@@ -18435,67 +18761,7 @@
                 <a:latin typeface="Arial"/>
                 <a:ea typeface="DejaVu Sans"/>
               </a:rPr>
-              <a:t>	</a:t>
-            </a:r>
-            <a:r>
-              <a:rPr b="0" lang="en-US" sz="1800" spc="-1" strike="noStrike">
-                <a:solidFill>
-                  <a:srgbClr val="000000"/>
-                </a:solidFill>
-                <a:latin typeface="Arial"/>
-                <a:ea typeface="DejaVu Sans"/>
-              </a:rPr>
-              <a:t>	</a:t>
-            </a:r>
-            <a:r>
-              <a:rPr b="0" lang="en-US" sz="1800" spc="-1" strike="noStrike">
-                <a:solidFill>
-                  <a:srgbClr val="000000"/>
-                </a:solidFill>
-                <a:latin typeface="Arial"/>
-                <a:ea typeface="DejaVu Sans"/>
-              </a:rPr>
-              <a:t>	</a:t>
-            </a:r>
-            <a:r>
-              <a:rPr b="0" lang="en-US" sz="1800" spc="-1" strike="noStrike">
-                <a:solidFill>
-                  <a:srgbClr val="000000"/>
-                </a:solidFill>
-                <a:latin typeface="Arial"/>
-                <a:ea typeface="DejaVu Sans"/>
-              </a:rPr>
-              <a:t>	</a:t>
-            </a:r>
-            <a:r>
-              <a:rPr b="0" lang="en-US" sz="1800" spc="-1" strike="noStrike">
-                <a:solidFill>
-                  <a:srgbClr val="000000"/>
-                </a:solidFill>
-                <a:latin typeface="Arial"/>
-                <a:ea typeface="DejaVu Sans"/>
-              </a:rPr>
-              <a:t>	</a:t>
-            </a:r>
-            <a:r>
-              <a:rPr b="0" lang="en-US" sz="1800" spc="-1" strike="noStrike">
-                <a:solidFill>
-                  <a:srgbClr val="000000"/>
-                </a:solidFill>
-                <a:latin typeface="Arial"/>
-                <a:ea typeface="DejaVu Sans"/>
-              </a:rPr>
-              <a:t>	</a:t>
-            </a:r>
-            <a:r>
-              <a:rPr b="0" lang="en-US" sz="1800" spc="-1" strike="noStrike">
-                <a:solidFill>
-                  <a:srgbClr val="000000"/>
-                </a:solidFill>
-                <a:latin typeface="Arial"/>
-                <a:ea typeface="DejaVu Sans"/>
-              </a:rPr>
-              <a:t>1</a:t>
+              <a:t>2</a:t>
             </a:r>
             <a:endParaRPr b="0" lang="en-US" sz="1800" spc="-1" strike="noStrike">
               <a:solidFill>
@@ -18654,47 +18920,7 @@
                 <a:latin typeface="Arial"/>
                 <a:ea typeface="DejaVu Sans"/>
               </a:rPr>
-              <a:t>メニュー</a:t>
-            </a:r>
-            <a:r>
-              <a:rPr b="0" lang="en-US" sz="1800" spc="-1" strike="noStrike">
-                <a:solidFill>
-                  <a:srgbClr val="000000"/>
-                </a:solidFill>
-                <a:latin typeface="Arial"/>
-                <a:ea typeface="DejaVu Sans"/>
-              </a:rPr>
-              <a:t>	</a:t>
-            </a:r>
-            <a:r>
-              <a:rPr b="0" lang="en-US" sz="1800" spc="-1" strike="noStrike">
-                <a:solidFill>
-                  <a:srgbClr val="000000"/>
-                </a:solidFill>
-                <a:latin typeface="Arial"/>
-                <a:ea typeface="DejaVu Sans"/>
-              </a:rPr>
-              <a:t>	</a:t>
-            </a:r>
-            <a:r>
-              <a:rPr b="0" lang="en-US" sz="1800" spc="-1" strike="noStrike">
-                <a:solidFill>
-                  <a:srgbClr val="000000"/>
-                </a:solidFill>
-                <a:latin typeface="Arial"/>
-                <a:ea typeface="DejaVu Sans"/>
-              </a:rPr>
-              <a:t>	</a:t>
-            </a:r>
-            <a:r>
-              <a:rPr b="0" lang="en-US" sz="1800" spc="-1" strike="noStrike">
-                <a:solidFill>
-                  <a:srgbClr val="000000"/>
-                </a:solidFill>
-                <a:latin typeface="Arial"/>
-                <a:ea typeface="DejaVu Sans"/>
-              </a:rPr>
-              <a:t>	</a:t>
+              <a:t>メニューバー </a:t>
             </a:r>
             <a:r>
               <a:rPr b="0" lang="en-US" sz="1800" spc="-1" strike="noStrike">
@@ -18750,47 +18976,20 @@
                 <a:latin typeface="Arial"/>
                 <a:ea typeface="游ゴシック"/>
               </a:rPr>
-              <a:t>在庫情報一覧（初期画面）</a:t>
+              <a:t>在庫情報一覧（初期画面） </a:t>
             </a:r>
             <a:r>
               <a:rPr b="0" lang="en-US" sz="1800" spc="-1" strike="noStrike">
                 <a:solidFill>
                   <a:srgbClr val="000000"/>
                 </a:solidFill>
+                <a:highlight>
+                  <a:srgbClr val="ff0000"/>
+                </a:highlight>
                 <a:latin typeface="Arial"/>
                 <a:ea typeface="游ゴシック"/>
               </a:rPr>
-              <a:t>	</a:t>
-            </a:r>
-            <a:r>
-              <a:rPr b="0" lang="en-US" sz="1800" spc="-1" strike="noStrike">
-                <a:solidFill>
-                  <a:srgbClr val="000000"/>
-                </a:solidFill>
-                <a:latin typeface="Arial"/>
-                <a:ea typeface="游ゴシック"/>
-              </a:rPr>
-              <a:t>	</a:t>
-            </a:r>
-            <a:r>
-              <a:rPr b="0" lang="en-US" sz="1800" spc="-1" strike="noStrike">
-                <a:solidFill>
-                  <a:srgbClr val="000000"/>
-                </a:solidFill>
-                <a:latin typeface="Arial"/>
-                <a:ea typeface="游ゴシック"/>
-              </a:rPr>
-              <a:t>	</a:t>
-            </a:r>
-            <a:r>
-              <a:rPr b="0" lang="en-US" sz="1800" spc="-1" strike="noStrike">
-                <a:solidFill>
-                  <a:srgbClr val="000000"/>
-                </a:solidFill>
-                <a:latin typeface="Arial"/>
-                <a:ea typeface="游ゴシック"/>
-              </a:rPr>
-              <a:t>54</a:t>
+              <a:t>11</a:t>
             </a:r>
             <a:endParaRPr b="0" lang="en-US" sz="1800" spc="-1" strike="noStrike">
               <a:solidFill>
@@ -18863,7 +19062,7 @@
                 <a:latin typeface="Arial"/>
                 <a:ea typeface="游ゴシック"/>
               </a:rPr>
-              <a:t>マスター編集</a:t>
+              <a:t>マスター編集 </a:t>
             </a:r>
             <a:r>
               <a:rPr b="0" lang="en-US" sz="1800" spc="-1" strike="noStrike">
@@ -18873,7 +19072,7 @@
                 <a:latin typeface="Arial"/>
                 <a:ea typeface="游ゴシック"/>
               </a:rPr>
-              <a:t>52</a:t>
+              <a:t>22</a:t>
             </a:r>
             <a:endParaRPr b="0" lang="en-US" sz="1800" spc="-1" strike="noStrike">
               <a:solidFill>
@@ -18956,7 +19155,7 @@
                 <a:latin typeface="Arial"/>
                 <a:ea typeface="游ゴシック"/>
               </a:rPr>
-              <a:t>53</a:t>
+              <a:t>23</a:t>
             </a:r>
             <a:endParaRPr b="0" lang="en-US" sz="1800" spc="-1" strike="noStrike">
               <a:solidFill>
@@ -19009,7 +19208,17 @@
                 <a:latin typeface="Arial"/>
                 <a:ea typeface="游ゴシック"/>
               </a:rPr>
-              <a:t>検索</a:t>
+              <a:t>検索 </a:t>
+            </a:r>
+            <a:r>
+              <a:rPr b="0" lang="en-US" sz="1800" spc="-1" strike="noStrike">
+                <a:solidFill>
+                  <a:srgbClr val="000000"/>
+                </a:solidFill>
+                <a:latin typeface="Arial"/>
+                <a:ea typeface="游ゴシック"/>
+              </a:rPr>
+              <a:t>21</a:t>
             </a:r>
             <a:endParaRPr b="0" lang="en-US" sz="1800" spc="-1" strike="noStrike">
               <a:solidFill>
@@ -19092,7 +19301,7 @@
                 <a:latin typeface="Arial"/>
                 <a:ea typeface="游ゴシック"/>
               </a:rPr>
-              <a:t>52</a:t>
+              <a:t>22</a:t>
             </a:r>
             <a:endParaRPr b="0" lang="en-US" sz="1800" spc="-1" strike="noStrike">
               <a:solidFill>
@@ -19175,7 +19384,7 @@
                 <a:latin typeface="Arial"/>
                 <a:ea typeface="游ゴシック"/>
               </a:rPr>
-              <a:t>53</a:t>
+              <a:t>23</a:t>
             </a:r>
             <a:endParaRPr b="0" lang="en-US" sz="1800" spc="-1" strike="noStrike">
               <a:solidFill>
@@ -19608,6 +19817,16 @@
                 <a:spcPct val="100000"/>
               </a:lnSpc>
             </a:pPr>
+            <a:r>
+              <a:rPr b="0" lang="ja-JP" sz="1800" spc="-1" strike="noStrike">
+                <a:solidFill>
+                  <a:srgbClr val="000000"/>
+                </a:solidFill>
+                <a:latin typeface="Arial"/>
+                <a:ea typeface="DejaVu Sans"/>
+              </a:rPr>
+              <a:t>ログアウト画面</a:t>
+            </a:r>
             <a:endParaRPr b="0" lang="en-US" sz="1800" spc="-1" strike="noStrike">
               <a:solidFill>
                 <a:srgbClr val="000000"/>
@@ -19621,6 +19840,62 @@
                 <a:spcPct val="100000"/>
               </a:lnSpc>
             </a:pPr>
+            <a:endParaRPr b="0" lang="en-US" sz="1800" spc="-1" strike="noStrike">
+              <a:solidFill>
+                <a:srgbClr val="000000"/>
+              </a:solidFill>
+              <a:latin typeface="Arial"/>
+            </a:endParaRPr>
+          </a:p>
+          <a:p>
+            <a:pPr>
+              <a:lnSpc>
+                <a:spcPct val="100000"/>
+              </a:lnSpc>
+            </a:pPr>
+            <a:endParaRPr b="0" lang="en-US" sz="1800" spc="-1" strike="noStrike">
+              <a:solidFill>
+                <a:srgbClr val="000000"/>
+              </a:solidFill>
+              <a:latin typeface="Arial"/>
+            </a:endParaRPr>
+          </a:p>
+        </p:txBody>
+      </p:sp>
+      <p:sp>
+        <p:nvSpPr>
+          <p:cNvPr id="194" name=""/>
+          <p:cNvSpPr/>
+          <p:nvPr/>
+        </p:nvSpPr>
+        <p:spPr>
+          <a:xfrm>
+            <a:off x="1620000" y="2880000"/>
+            <a:ext cx="3420000" cy="900000"/>
+          </a:xfrm>
+          <a:prstGeom prst="rect">
+            <a:avLst/>
+          </a:prstGeom>
+          <a:solidFill>
+            <a:schemeClr val="accent1"/>
+          </a:solidFill>
+          <a:ln w="0">
+            <a:solidFill>
+              <a:srgbClr val="254061"/>
+            </a:solidFill>
+          </a:ln>
+        </p:spPr>
+        <p:style>
+          <a:lnRef idx="0"/>
+          <a:fillRef idx="0"/>
+          <a:effectRef idx="0"/>
+          <a:fontRef idx="minor"/>
+        </p:style>
+        <p:txBody>
+          <a:bodyPr lIns="90000" rIns="90000" tIns="45000" bIns="45000" anchor="ctr">
+            <a:noAutofit/>
+          </a:bodyPr>
+          <a:p>
             <a:endParaRPr b="0" lang="en-US" sz="1800" spc="-1" strike="noStrike">
               <a:solidFill>
                 <a:srgbClr val="000000"/>
@@ -19662,7 +19937,7 @@
       </p:grpSpPr>
       <p:sp>
         <p:nvSpPr>
-          <p:cNvPr id="194" name="PlaceHolder 1"/>
+          <p:cNvPr id="195" name="PlaceHolder 1"/>
           <p:cNvSpPr>
             <a:spLocks noGrp="1"/>
           </p:cNvSpPr>
@@ -19673,7 +19948,7 @@
         <p:spPr>
           <a:xfrm>
             <a:off x="504000" y="226080"/>
-            <a:ext cx="9069120" cy="943920"/>
+            <a:ext cx="9068400" cy="943200"/>
           </a:xfrm>
           <a:prstGeom prst="rect">
             <a:avLst/>
@@ -19717,14 +19992,14 @@
       </p:sp>
       <p:sp>
         <p:nvSpPr>
-          <p:cNvPr id="195" name=""/>
+          <p:cNvPr id="196" name=""/>
           <p:cNvSpPr/>
           <p:nvPr/>
         </p:nvSpPr>
         <p:spPr>
           <a:xfrm>
             <a:off x="720000" y="1440000"/>
-            <a:ext cx="5757840" cy="3597840"/>
+            <a:ext cx="5757120" cy="3597120"/>
           </a:xfrm>
           <a:prstGeom prst="rect">
             <a:avLst/>
@@ -19764,14 +20039,14 @@
       </p:sp>
       <p:sp>
         <p:nvSpPr>
-          <p:cNvPr id="196" name=""/>
+          <p:cNvPr id="197" name=""/>
           <p:cNvSpPr/>
           <p:nvPr/>
         </p:nvSpPr>
         <p:spPr>
           <a:xfrm>
             <a:off x="1440000" y="2520000"/>
-            <a:ext cx="1437840" cy="344160"/>
+            <a:ext cx="1437120" cy="343440"/>
           </a:xfrm>
           <a:prstGeom prst="rect">
             <a:avLst/>
@@ -19818,14 +20093,14 @@
       </p:sp>
       <p:sp>
         <p:nvSpPr>
-          <p:cNvPr id="197" name=""/>
+          <p:cNvPr id="198" name=""/>
           <p:cNvSpPr/>
           <p:nvPr/>
         </p:nvSpPr>
         <p:spPr>
           <a:xfrm>
             <a:off x="1440000" y="3060000"/>
-            <a:ext cx="1437840" cy="345960"/>
+            <a:ext cx="1437120" cy="345240"/>
           </a:xfrm>
           <a:prstGeom prst="rect">
             <a:avLst/>
@@ -19882,14 +20157,14 @@
       </p:sp>
       <p:sp>
         <p:nvSpPr>
-          <p:cNvPr id="198" name=""/>
+          <p:cNvPr id="199" name=""/>
           <p:cNvSpPr/>
           <p:nvPr/>
         </p:nvSpPr>
         <p:spPr>
           <a:xfrm>
             <a:off x="2880000" y="2520000"/>
-            <a:ext cx="2157840" cy="357840"/>
+            <a:ext cx="2157120" cy="357120"/>
           </a:xfrm>
           <a:prstGeom prst="rect">
             <a:avLst/>
@@ -19929,14 +20204,14 @@
       </p:sp>
       <p:sp>
         <p:nvSpPr>
-          <p:cNvPr id="199" name=""/>
+          <p:cNvPr id="200" name=""/>
           <p:cNvSpPr/>
           <p:nvPr/>
         </p:nvSpPr>
         <p:spPr>
           <a:xfrm>
             <a:off x="2880000" y="3060000"/>
-            <a:ext cx="2157840" cy="357840"/>
+            <a:ext cx="2157120" cy="357120"/>
           </a:xfrm>
           <a:prstGeom prst="rect">
             <a:avLst/>
@@ -19976,14 +20251,14 @@
       </p:sp>
       <p:sp>
         <p:nvSpPr>
-          <p:cNvPr id="200" name=""/>
+          <p:cNvPr id="201" name=""/>
           <p:cNvSpPr/>
           <p:nvPr/>
         </p:nvSpPr>
         <p:spPr>
           <a:xfrm>
             <a:off x="2880000" y="4320000"/>
-            <a:ext cx="1437840" cy="357840"/>
+            <a:ext cx="1437120" cy="357120"/>
           </a:xfrm>
           <a:prstGeom prst="rect">
             <a:avLst/>
@@ -20064,14 +20339,14 @@
       </p:grpSpPr>
       <p:sp>
         <p:nvSpPr>
-          <p:cNvPr id="201" name=""/>
+          <p:cNvPr id="202" name=""/>
           <p:cNvSpPr/>
           <p:nvPr/>
         </p:nvSpPr>
         <p:spPr>
           <a:xfrm>
             <a:off x="720000" y="1800000"/>
-            <a:ext cx="2698920" cy="2518920"/>
+            <a:ext cx="2698200" cy="2518200"/>
           </a:xfrm>
           <a:prstGeom prst="rect">
             <a:avLst/>
@@ -20113,7 +20388,7 @@
       </p:sp>
       <p:sp>
         <p:nvSpPr>
-          <p:cNvPr id="202" name="PlaceHolder 1"/>
+          <p:cNvPr id="203" name="PlaceHolder 1"/>
           <p:cNvSpPr>
             <a:spLocks noGrp="1"/>
           </p:cNvSpPr>
@@ -20124,7 +20399,7 @@
         <p:spPr>
           <a:xfrm>
             <a:off x="504000" y="226080"/>
-            <a:ext cx="9069120" cy="943920"/>
+            <a:ext cx="9068400" cy="943200"/>
           </a:xfrm>
           <a:prstGeom prst="rect">
             <a:avLst/>
@@ -20168,14 +20443,14 @@
       </p:sp>
       <p:sp>
         <p:nvSpPr>
-          <p:cNvPr id="203" name=""/>
+          <p:cNvPr id="204" name=""/>
           <p:cNvSpPr/>
           <p:nvPr/>
         </p:nvSpPr>
         <p:spPr>
           <a:xfrm>
             <a:off x="720000" y="1440000"/>
-            <a:ext cx="5757840" cy="3597840"/>
+            <a:ext cx="5757120" cy="3597120"/>
           </a:xfrm>
           <a:prstGeom prst="rect">
             <a:avLst/>
@@ -20215,14 +20490,14 @@
       </p:sp>
       <p:sp>
         <p:nvSpPr>
-          <p:cNvPr id="204" name=""/>
+          <p:cNvPr id="205" name=""/>
           <p:cNvSpPr/>
           <p:nvPr/>
         </p:nvSpPr>
         <p:spPr>
           <a:xfrm>
             <a:off x="900000" y="3421080"/>
-            <a:ext cx="2338920" cy="357840"/>
+            <a:ext cx="2338200" cy="357120"/>
           </a:xfrm>
           <a:prstGeom prst="rect">
             <a:avLst/>
@@ -20273,14 +20548,14 @@
       </p:sp>
       <p:sp>
         <p:nvSpPr>
-          <p:cNvPr id="205" name=""/>
+          <p:cNvPr id="206" name=""/>
           <p:cNvSpPr/>
           <p:nvPr/>
         </p:nvSpPr>
         <p:spPr>
           <a:xfrm>
             <a:off x="900000" y="3058920"/>
-            <a:ext cx="2338920" cy="360000"/>
+            <a:ext cx="2338200" cy="359280"/>
           </a:xfrm>
           <a:prstGeom prst="rect">
             <a:avLst/>
@@ -20331,14 +20606,14 @@
       </p:sp>
       <p:sp>
         <p:nvSpPr>
-          <p:cNvPr id="206" name=""/>
+          <p:cNvPr id="207" name=""/>
           <p:cNvSpPr/>
           <p:nvPr/>
         </p:nvSpPr>
         <p:spPr>
           <a:xfrm>
             <a:off x="900000" y="2698920"/>
-            <a:ext cx="2338920" cy="358920"/>
+            <a:ext cx="2338200" cy="358200"/>
           </a:xfrm>
           <a:prstGeom prst="rect">
             <a:avLst/>
@@ -20389,14 +20664,14 @@
       </p:sp>
       <p:sp>
         <p:nvSpPr>
-          <p:cNvPr id="207" name=""/>
+          <p:cNvPr id="208" name=""/>
           <p:cNvSpPr/>
           <p:nvPr/>
         </p:nvSpPr>
         <p:spPr>
           <a:xfrm>
             <a:off x="900000" y="3780000"/>
-            <a:ext cx="2338920" cy="358920"/>
+            <a:ext cx="2338200" cy="358200"/>
           </a:xfrm>
           <a:prstGeom prst="rect">
             <a:avLst/>
@@ -20447,14 +20722,14 @@
       </p:sp>
       <p:sp>
         <p:nvSpPr>
-          <p:cNvPr id="208" name=""/>
+          <p:cNvPr id="209" name=""/>
           <p:cNvSpPr/>
           <p:nvPr/>
         </p:nvSpPr>
         <p:spPr>
           <a:xfrm>
             <a:off x="900000" y="1980000"/>
-            <a:ext cx="2338920" cy="358920"/>
+            <a:ext cx="2338200" cy="358200"/>
           </a:xfrm>
           <a:prstGeom prst="rect">
             <a:avLst/>
@@ -20505,14 +20780,14 @@
       </p:sp>
       <p:sp>
         <p:nvSpPr>
-          <p:cNvPr id="209" name=""/>
+          <p:cNvPr id="210" name=""/>
           <p:cNvSpPr/>
           <p:nvPr/>
         </p:nvSpPr>
         <p:spPr>
           <a:xfrm>
             <a:off x="4680000" y="1621080"/>
-            <a:ext cx="1617840" cy="357840"/>
+            <a:ext cx="1617120" cy="357120"/>
           </a:xfrm>
           <a:prstGeom prst="rect">
             <a:avLst/>
@@ -20563,14 +20838,14 @@
       </p:sp>
       <p:sp>
         <p:nvSpPr>
-          <p:cNvPr id="210" name=""/>
+          <p:cNvPr id="211" name=""/>
           <p:cNvSpPr/>
           <p:nvPr/>
         </p:nvSpPr>
         <p:spPr>
           <a:xfrm>
             <a:off x="900000" y="2340000"/>
-            <a:ext cx="2338920" cy="358920"/>
+            <a:ext cx="2338200" cy="358200"/>
           </a:xfrm>
           <a:prstGeom prst="rect">
             <a:avLst/>
@@ -20621,14 +20896,14 @@
       </p:sp>
       <p:sp>
         <p:nvSpPr>
-          <p:cNvPr id="211" name=""/>
+          <p:cNvPr id="212" name=""/>
           <p:cNvSpPr/>
           <p:nvPr/>
         </p:nvSpPr>
         <p:spPr>
           <a:xfrm>
             <a:off x="3600000" y="2160000"/>
-            <a:ext cx="2698920" cy="2698920"/>
+            <a:ext cx="2698200" cy="2698200"/>
           </a:xfrm>
           <a:prstGeom prst="rect">
             <a:avLst/>
@@ -20709,7 +20984,7 @@
       </p:grpSpPr>
       <p:sp>
         <p:nvSpPr>
-          <p:cNvPr id="212" name="PlaceHolder 1"/>
+          <p:cNvPr id="213" name="PlaceHolder 1"/>
           <p:cNvSpPr>
             <a:spLocks noGrp="1"/>
           </p:cNvSpPr>
@@ -20720,7 +20995,7 @@
         <p:spPr>
           <a:xfrm>
             <a:off x="504000" y="226080"/>
-            <a:ext cx="9069480" cy="944280"/>
+            <a:ext cx="9068760" cy="943560"/>
           </a:xfrm>
           <a:prstGeom prst="rect">
             <a:avLst/>
@@ -20765,14 +21040,14 @@
       </p:sp>
       <p:sp>
         <p:nvSpPr>
-          <p:cNvPr id="213" name="正方形/長方形 1"/>
+          <p:cNvPr id="214" name="正方形/長方形 1"/>
           <p:cNvSpPr/>
           <p:nvPr/>
         </p:nvSpPr>
         <p:spPr>
           <a:xfrm>
             <a:off x="720000" y="1440000"/>
-            <a:ext cx="5758200" cy="3598200"/>
+            <a:ext cx="5757480" cy="3597480"/>
           </a:xfrm>
           <a:prstGeom prst="rect">
             <a:avLst/>
@@ -20812,14 +21087,14 @@
       </p:sp>
       <p:sp>
         <p:nvSpPr>
-          <p:cNvPr id="214" name="正方形/長方形 2"/>
+          <p:cNvPr id="215" name="正方形/長方形 2"/>
           <p:cNvSpPr/>
           <p:nvPr/>
         </p:nvSpPr>
         <p:spPr>
           <a:xfrm>
             <a:off x="5400000" y="1980000"/>
-            <a:ext cx="898200" cy="358200"/>
+            <a:ext cx="897480" cy="357480"/>
           </a:xfrm>
           <a:prstGeom prst="rect">
             <a:avLst/>
@@ -20870,14 +21145,14 @@
       </p:sp>
       <p:sp>
         <p:nvSpPr>
-          <p:cNvPr id="215" name="正方形/長方形 3"/>
+          <p:cNvPr id="216" name="正方形/長方形 3"/>
           <p:cNvSpPr/>
           <p:nvPr/>
         </p:nvSpPr>
         <p:spPr>
           <a:xfrm>
             <a:off x="900000" y="1620000"/>
-            <a:ext cx="5398200" cy="718200"/>
+            <a:ext cx="5397480" cy="717480"/>
           </a:xfrm>
           <a:prstGeom prst="rect">
             <a:avLst/>
@@ -20926,14 +21201,14 @@
       </p:sp>
       <p:sp>
         <p:nvSpPr>
-          <p:cNvPr id="216" name="正方形/長方形 4"/>
+          <p:cNvPr id="217" name="正方形/長方形 4"/>
           <p:cNvSpPr/>
           <p:nvPr/>
         </p:nvSpPr>
         <p:spPr>
           <a:xfrm>
             <a:off x="900000" y="2520000"/>
-            <a:ext cx="5398200" cy="2338920"/>
+            <a:ext cx="5397480" cy="2338200"/>
           </a:xfrm>
           <a:prstGeom prst="rect">
             <a:avLst/>
@@ -20982,14 +21257,14 @@
       </p:sp>
       <p:sp>
         <p:nvSpPr>
-          <p:cNvPr id="217" name="正方形/長方形 5"/>
+          <p:cNvPr id="218" name="正方形/長方形 5"/>
           <p:cNvSpPr/>
           <p:nvPr/>
         </p:nvSpPr>
         <p:spPr>
           <a:xfrm>
             <a:off x="4680000" y="2880000"/>
-            <a:ext cx="1618200" cy="358200"/>
+            <a:ext cx="1617480" cy="357480"/>
           </a:xfrm>
           <a:prstGeom prst="rect">
             <a:avLst/>
